--- a/MongoDB Aggregation Framework.pptx
+++ b/MongoDB Aggregation Framework.pptx
@@ -5,34 +5,36 @@
     <p:sldMasterId id="2147483663" r:id="rId4"/>
   </p:sldMasterIdLst>
   <p:notesMasterIdLst>
-    <p:notesMasterId r:id="rId30"/>
+    <p:notesMasterId r:id="rId32"/>
   </p:notesMasterIdLst>
   <p:sldIdLst>
-    <p:sldId id="256" r:id="rId5"/>
-    <p:sldId id="259" r:id="rId6"/>
-    <p:sldId id="280" r:id="rId7"/>
-    <p:sldId id="264" r:id="rId8"/>
-    <p:sldId id="279" r:id="rId9"/>
-    <p:sldId id="265" r:id="rId10"/>
-    <p:sldId id="266" r:id="rId11"/>
-    <p:sldId id="267" r:id="rId12"/>
-    <p:sldId id="268" r:id="rId13"/>
-    <p:sldId id="281" r:id="rId14"/>
-    <p:sldId id="269" r:id="rId15"/>
-    <p:sldId id="282" r:id="rId16"/>
-    <p:sldId id="283" r:id="rId17"/>
-    <p:sldId id="270" r:id="rId18"/>
-    <p:sldId id="271" r:id="rId19"/>
-    <p:sldId id="272" r:id="rId20"/>
-    <p:sldId id="284" r:id="rId21"/>
-    <p:sldId id="285" r:id="rId22"/>
-    <p:sldId id="273" r:id="rId23"/>
-    <p:sldId id="274" r:id="rId24"/>
-    <p:sldId id="275" r:id="rId25"/>
-    <p:sldId id="276" r:id="rId26"/>
-    <p:sldId id="277" r:id="rId27"/>
-    <p:sldId id="278" r:id="rId28"/>
-    <p:sldId id="263" r:id="rId29"/>
+    <p:sldId id="286" r:id="rId5"/>
+    <p:sldId id="287" r:id="rId6"/>
+    <p:sldId id="288" r:id="rId7"/>
+    <p:sldId id="289" r:id="rId8"/>
+    <p:sldId id="256" r:id="rId9"/>
+    <p:sldId id="259" r:id="rId10"/>
+    <p:sldId id="280" r:id="rId11"/>
+    <p:sldId id="264" r:id="rId12"/>
+    <p:sldId id="279" r:id="rId13"/>
+    <p:sldId id="265" r:id="rId14"/>
+    <p:sldId id="266" r:id="rId15"/>
+    <p:sldId id="267" r:id="rId16"/>
+    <p:sldId id="268" r:id="rId17"/>
+    <p:sldId id="281" r:id="rId18"/>
+    <p:sldId id="269" r:id="rId19"/>
+    <p:sldId id="282" r:id="rId20"/>
+    <p:sldId id="283" r:id="rId21"/>
+    <p:sldId id="270" r:id="rId22"/>
+    <p:sldId id="271" r:id="rId23"/>
+    <p:sldId id="272" r:id="rId24"/>
+    <p:sldId id="284" r:id="rId25"/>
+    <p:sldId id="285" r:id="rId26"/>
+    <p:sldId id="273" r:id="rId27"/>
+    <p:sldId id="274" r:id="rId28"/>
+    <p:sldId id="275" r:id="rId29"/>
+    <p:sldId id="290" r:id="rId30"/>
+    <p:sldId id="291" r:id="rId31"/>
   </p:sldIdLst>
   <p:sldSz cx="9144000" cy="6858000" type="screen4x3"/>
   <p:notesSz cx="6997700" cy="9283700"/>
@@ -779,10 +781,10 @@
           <a:bodyPr/>
           <a:lstStyle/>
           <a:p>
-            <a:fld id="{106861D7-B888-4E58-9449-0462FF56318C}" type="slidenum">
+            <a:fld id="{799FB774-2CBA-450F-BEA3-AD79892CB499}" type="slidenum">
               <a:rPr lang="en-US"/>
               <a:pPr/>
-              <a:t>1</a:t>
+              <a:t>2</a:t>
             </a:fld>
             <a:endParaRPr lang="en-US"/>
           </a:p>
@@ -790,7 +792,7 @@
       </p:sp>
       <p:sp>
         <p:nvSpPr>
-          <p:cNvPr id="49154" name="Rectangle 2"/>
+          <p:cNvPr id="48130" name="Rectangle 2"/>
           <p:cNvSpPr>
             <a:spLocks noGrp="1" noRot="1" noChangeAspect="1" noChangeArrowheads="1" noTextEdit="1"/>
           </p:cNvSpPr>
@@ -804,7 +806,7 @@
       </p:sp>
       <p:sp>
         <p:nvSpPr>
-          <p:cNvPr id="49155" name="Rectangle 3"/>
+          <p:cNvPr id="48131" name="Rectangle 3"/>
           <p:cNvSpPr>
             <a:spLocks noGrp="1" noChangeArrowheads="1"/>
           </p:cNvSpPr>
@@ -817,10 +819,7 @@
           <a:bodyPr/>
           <a:lstStyle/>
           <a:p>
-            <a:r>
-              <a:rPr lang="en-US"/>
-              <a:t>Click to add notes</a:t>
-            </a:r>
+            <a:endParaRPr lang="en-US" dirty="0"/>
           </a:p>
         </p:txBody>
       </p:sp>
@@ -869,7 +868,7 @@
             <a:fld id="{799FB774-2CBA-450F-BEA3-AD79892CB499}" type="slidenum">
               <a:rPr lang="en-US"/>
               <a:pPr/>
-              <a:t>10</a:t>
+              <a:t>11</a:t>
             </a:fld>
             <a:endParaRPr lang="en-US"/>
           </a:p>
@@ -953,7 +952,7 @@
             <a:fld id="{799FB774-2CBA-450F-BEA3-AD79892CB499}" type="slidenum">
               <a:rPr lang="en-US"/>
               <a:pPr/>
-              <a:t>11</a:t>
+              <a:t>12</a:t>
             </a:fld>
             <a:endParaRPr lang="en-US"/>
           </a:p>
@@ -988,152 +987,6 @@
           <a:bodyPr/>
           <a:lstStyle/>
           <a:p>
-            <a:r>
-              <a:rPr lang="en-US" sz="1200" b="0" i="0" kern="1200" smtClean="0">
-                <a:solidFill>
-                  <a:schemeClr val="tx1"/>
-                </a:solidFill>
-                <a:effectLst/>
-                <a:latin typeface="Arial" charset="0"/>
-                <a:ea typeface="+mn-ea"/>
-                <a:cs typeface="+mn-cs"/>
-              </a:rPr>
-              <a:t>The output documents contain an </a:t>
-            </a:r>
-            <a:r>
-              <a:rPr lang="en-US" sz="1200" kern="1200" smtClean="0">
-                <a:solidFill>
-                  <a:schemeClr val="tx1"/>
-                </a:solidFill>
-                <a:effectLst/>
-                <a:latin typeface="Arial" charset="0"/>
-                <a:ea typeface="+mn-ea"/>
-                <a:cs typeface="+mn-cs"/>
-              </a:rPr>
-              <a:t>_id</a:t>
-            </a:r>
-            <a:r>
-              <a:rPr lang="en-US" sz="1200" b="0" i="0" kern="1200" smtClean="0">
-                <a:solidFill>
-                  <a:schemeClr val="tx1"/>
-                </a:solidFill>
-                <a:effectLst/>
-                <a:latin typeface="Arial" charset="0"/>
-                <a:ea typeface="+mn-ea"/>
-                <a:cs typeface="+mn-cs"/>
-              </a:rPr>
-              <a:t> field which contains the distinct group by key</a:t>
-            </a:r>
-          </a:p>
-          <a:p>
-            <a:r>
-              <a:rPr lang="en-US" sz="1200" b="0" i="0" kern="1200" smtClean="0">
-                <a:solidFill>
-                  <a:schemeClr val="tx1"/>
-                </a:solidFill>
-                <a:effectLst/>
-                <a:latin typeface="Arial" charset="0"/>
-                <a:ea typeface="+mn-ea"/>
-                <a:cs typeface="+mn-cs"/>
-              </a:rPr>
-              <a:t>The output documents can also contain computed fields that hold the values of some accumulator expression grouped by the </a:t>
-            </a:r>
-            <a:r>
-              <a:rPr lang="en-US" sz="1200" kern="1200" smtClean="0">
-                <a:solidFill>
-                  <a:schemeClr val="tx1"/>
-                </a:solidFill>
-                <a:effectLst/>
-                <a:latin typeface="Arial" charset="0"/>
-                <a:ea typeface="+mn-ea"/>
-                <a:cs typeface="+mn-cs"/>
-              </a:rPr>
-              <a:t>$group</a:t>
-            </a:r>
-            <a:r>
-              <a:rPr lang="en-US" sz="1200" b="0" i="0" kern="1200" smtClean="0">
-                <a:solidFill>
-                  <a:schemeClr val="tx1"/>
-                </a:solidFill>
-                <a:effectLst/>
-                <a:latin typeface="Arial" charset="0"/>
-                <a:ea typeface="+mn-ea"/>
-                <a:cs typeface="+mn-cs"/>
-              </a:rPr>
-              <a:t>‘s </a:t>
-            </a:r>
-            <a:r>
-              <a:rPr lang="en-US" sz="1200" kern="1200" smtClean="0">
-                <a:solidFill>
-                  <a:schemeClr val="tx1"/>
-                </a:solidFill>
-                <a:effectLst/>
-                <a:latin typeface="Arial" charset="0"/>
-                <a:ea typeface="+mn-ea"/>
-                <a:cs typeface="+mn-cs"/>
-              </a:rPr>
-              <a:t>_id</a:t>
-            </a:r>
-            <a:r>
-              <a:rPr lang="en-US" sz="1200" b="0" i="0" kern="1200" smtClean="0">
-                <a:solidFill>
-                  <a:schemeClr val="tx1"/>
-                </a:solidFill>
-                <a:effectLst/>
-                <a:latin typeface="Arial" charset="0"/>
-                <a:ea typeface="+mn-ea"/>
-                <a:cs typeface="+mn-cs"/>
-              </a:rPr>
-              <a:t> field. </a:t>
-            </a:r>
-            <a:r>
-              <a:rPr lang="en-US" sz="1200" kern="1200" smtClean="0">
-                <a:solidFill>
-                  <a:schemeClr val="tx1"/>
-                </a:solidFill>
-                <a:effectLst/>
-                <a:latin typeface="Arial" charset="0"/>
-                <a:ea typeface="+mn-ea"/>
-                <a:cs typeface="+mn-cs"/>
-              </a:rPr>
-              <a:t>$group</a:t>
-            </a:r>
-            <a:r>
-              <a:rPr lang="en-US" sz="1200" b="0" i="0" kern="1200" smtClean="0">
-                <a:solidFill>
-                  <a:schemeClr val="tx1"/>
-                </a:solidFill>
-                <a:effectLst/>
-                <a:latin typeface="Arial" charset="0"/>
-                <a:ea typeface="+mn-ea"/>
-                <a:cs typeface="+mn-cs"/>
-              </a:rPr>
-              <a:t> does </a:t>
-            </a:r>
-            <a:r>
-              <a:rPr lang="en-US" sz="1200" b="0" i="1" kern="1200" smtClean="0">
-                <a:solidFill>
-                  <a:schemeClr val="tx1"/>
-                </a:solidFill>
-                <a:effectLst/>
-                <a:latin typeface="Arial" charset="0"/>
-                <a:ea typeface="+mn-ea"/>
-                <a:cs typeface="+mn-cs"/>
-              </a:rPr>
-              <a:t>not</a:t>
-            </a:r>
-            <a:r>
-              <a:rPr lang="en-US" sz="1200" b="0" i="0" kern="1200" smtClean="0">
-                <a:solidFill>
-                  <a:schemeClr val="tx1"/>
-                </a:solidFill>
-                <a:effectLst/>
-                <a:latin typeface="Arial" charset="0"/>
-                <a:ea typeface="+mn-ea"/>
-                <a:cs typeface="+mn-cs"/>
-              </a:rPr>
-              <a:t> order its output documents</a:t>
-            </a:r>
             <a:endParaRPr lang="en-US" dirty="0"/>
           </a:p>
         </p:txBody>
@@ -1183,7 +1036,7 @@
             <a:fld id="{799FB774-2CBA-450F-BEA3-AD79892CB499}" type="slidenum">
               <a:rPr lang="en-US"/>
               <a:pPr/>
-              <a:t>12</a:t>
+              <a:t>13</a:t>
             </a:fld>
             <a:endParaRPr lang="en-US"/>
           </a:p>
@@ -1218,152 +1071,6 @@
           <a:bodyPr/>
           <a:lstStyle/>
           <a:p>
-            <a:r>
-              <a:rPr lang="en-US" sz="1200" b="0" i="0" kern="1200" smtClean="0">
-                <a:solidFill>
-                  <a:schemeClr val="tx1"/>
-                </a:solidFill>
-                <a:effectLst/>
-                <a:latin typeface="Arial" charset="0"/>
-                <a:ea typeface="+mn-ea"/>
-                <a:cs typeface="+mn-cs"/>
-              </a:rPr>
-              <a:t>The output documents contain an </a:t>
-            </a:r>
-            <a:r>
-              <a:rPr lang="en-US" sz="1200" kern="1200" smtClean="0">
-                <a:solidFill>
-                  <a:schemeClr val="tx1"/>
-                </a:solidFill>
-                <a:effectLst/>
-                <a:latin typeface="Arial" charset="0"/>
-                <a:ea typeface="+mn-ea"/>
-                <a:cs typeface="+mn-cs"/>
-              </a:rPr>
-              <a:t>_id</a:t>
-            </a:r>
-            <a:r>
-              <a:rPr lang="en-US" sz="1200" b="0" i="0" kern="1200" smtClean="0">
-                <a:solidFill>
-                  <a:schemeClr val="tx1"/>
-                </a:solidFill>
-                <a:effectLst/>
-                <a:latin typeface="Arial" charset="0"/>
-                <a:ea typeface="+mn-ea"/>
-                <a:cs typeface="+mn-cs"/>
-              </a:rPr>
-              <a:t> field which contains the distinct group by key</a:t>
-            </a:r>
-          </a:p>
-          <a:p>
-            <a:r>
-              <a:rPr lang="en-US" sz="1200" b="0" i="0" kern="1200" smtClean="0">
-                <a:solidFill>
-                  <a:schemeClr val="tx1"/>
-                </a:solidFill>
-                <a:effectLst/>
-                <a:latin typeface="Arial" charset="0"/>
-                <a:ea typeface="+mn-ea"/>
-                <a:cs typeface="+mn-cs"/>
-              </a:rPr>
-              <a:t>The output documents can also contain computed fields that hold the values of some accumulator expression grouped by the </a:t>
-            </a:r>
-            <a:r>
-              <a:rPr lang="en-US" sz="1200" kern="1200" smtClean="0">
-                <a:solidFill>
-                  <a:schemeClr val="tx1"/>
-                </a:solidFill>
-                <a:effectLst/>
-                <a:latin typeface="Arial" charset="0"/>
-                <a:ea typeface="+mn-ea"/>
-                <a:cs typeface="+mn-cs"/>
-              </a:rPr>
-              <a:t>$group</a:t>
-            </a:r>
-            <a:r>
-              <a:rPr lang="en-US" sz="1200" b="0" i="0" kern="1200" smtClean="0">
-                <a:solidFill>
-                  <a:schemeClr val="tx1"/>
-                </a:solidFill>
-                <a:effectLst/>
-                <a:latin typeface="Arial" charset="0"/>
-                <a:ea typeface="+mn-ea"/>
-                <a:cs typeface="+mn-cs"/>
-              </a:rPr>
-              <a:t>‘s </a:t>
-            </a:r>
-            <a:r>
-              <a:rPr lang="en-US" sz="1200" kern="1200" smtClean="0">
-                <a:solidFill>
-                  <a:schemeClr val="tx1"/>
-                </a:solidFill>
-                <a:effectLst/>
-                <a:latin typeface="Arial" charset="0"/>
-                <a:ea typeface="+mn-ea"/>
-                <a:cs typeface="+mn-cs"/>
-              </a:rPr>
-              <a:t>_id</a:t>
-            </a:r>
-            <a:r>
-              <a:rPr lang="en-US" sz="1200" b="0" i="0" kern="1200" smtClean="0">
-                <a:solidFill>
-                  <a:schemeClr val="tx1"/>
-                </a:solidFill>
-                <a:effectLst/>
-                <a:latin typeface="Arial" charset="0"/>
-                <a:ea typeface="+mn-ea"/>
-                <a:cs typeface="+mn-cs"/>
-              </a:rPr>
-              <a:t> field. </a:t>
-            </a:r>
-            <a:r>
-              <a:rPr lang="en-US" sz="1200" kern="1200" smtClean="0">
-                <a:solidFill>
-                  <a:schemeClr val="tx1"/>
-                </a:solidFill>
-                <a:effectLst/>
-                <a:latin typeface="Arial" charset="0"/>
-                <a:ea typeface="+mn-ea"/>
-                <a:cs typeface="+mn-cs"/>
-              </a:rPr>
-              <a:t>$group</a:t>
-            </a:r>
-            <a:r>
-              <a:rPr lang="en-US" sz="1200" b="0" i="0" kern="1200" smtClean="0">
-                <a:solidFill>
-                  <a:schemeClr val="tx1"/>
-                </a:solidFill>
-                <a:effectLst/>
-                <a:latin typeface="Arial" charset="0"/>
-                <a:ea typeface="+mn-ea"/>
-                <a:cs typeface="+mn-cs"/>
-              </a:rPr>
-              <a:t> does </a:t>
-            </a:r>
-            <a:r>
-              <a:rPr lang="en-US" sz="1200" b="0" i="1" kern="1200" smtClean="0">
-                <a:solidFill>
-                  <a:schemeClr val="tx1"/>
-                </a:solidFill>
-                <a:effectLst/>
-                <a:latin typeface="Arial" charset="0"/>
-                <a:ea typeface="+mn-ea"/>
-                <a:cs typeface="+mn-cs"/>
-              </a:rPr>
-              <a:t>not</a:t>
-            </a:r>
-            <a:r>
-              <a:rPr lang="en-US" sz="1200" b="0" i="0" kern="1200" smtClean="0">
-                <a:solidFill>
-                  <a:schemeClr val="tx1"/>
-                </a:solidFill>
-                <a:effectLst/>
-                <a:latin typeface="Arial" charset="0"/>
-                <a:ea typeface="+mn-ea"/>
-                <a:cs typeface="+mn-cs"/>
-              </a:rPr>
-              <a:t> order its output documents</a:t>
-            </a:r>
             <a:endParaRPr lang="en-US" dirty="0"/>
           </a:p>
         </p:txBody>
@@ -1413,7 +1120,7 @@
             <a:fld id="{799FB774-2CBA-450F-BEA3-AD79892CB499}" type="slidenum">
               <a:rPr lang="en-US"/>
               <a:pPr/>
-              <a:t>13</a:t>
+              <a:t>14</a:t>
             </a:fld>
             <a:endParaRPr lang="en-US"/>
           </a:p>
@@ -1497,7 +1204,7 @@
             <a:fld id="{799FB774-2CBA-450F-BEA3-AD79892CB499}" type="slidenum">
               <a:rPr lang="en-US"/>
               <a:pPr/>
-              <a:t>14</a:t>
+              <a:t>15</a:t>
             </a:fld>
             <a:endParaRPr lang="en-US"/>
           </a:p>
@@ -1533,7 +1240,7 @@
           <a:lstStyle/>
           <a:p>
             <a:r>
-              <a:rPr lang="en-US" sz="1200" b="1" i="0" kern="1200" dirty="0" smtClean="0">
+              <a:rPr lang="en-US" sz="1200" b="0" i="0" kern="1200" smtClean="0">
                 <a:solidFill>
                   <a:schemeClr val="tx1"/>
                 </a:solidFill>
@@ -1542,10 +1249,10 @@
                 <a:ea typeface="+mn-ea"/>
                 <a:cs typeface="+mn-cs"/>
               </a:rPr>
-              <a:t>Realm</a:t>
-            </a:r>
-            <a:r>
-              <a:rPr lang="en-US" sz="1200" b="0" i="0" kern="1200" dirty="0" smtClean="0">
+              <a:t>The output documents contain an </a:t>
+            </a:r>
+            <a:r>
+              <a:rPr lang="en-US" sz="1200" kern="1200" smtClean="0">
                 <a:solidFill>
                   <a:schemeClr val="tx1"/>
                 </a:solidFill>
@@ -1554,10 +1261,10 @@
                 <a:ea typeface="+mn-ea"/>
                 <a:cs typeface="+mn-cs"/>
               </a:rPr>
-              <a:t> is not an </a:t>
-            </a:r>
-            <a:r>
-              <a:rPr lang="en-US" sz="1200" b="1" i="0" kern="1200" dirty="0" smtClean="0">
+              <a:t>_id</a:t>
+            </a:r>
+            <a:r>
+              <a:rPr lang="en-US" sz="1200" b="0" i="0" kern="1200" smtClean="0">
                 <a:solidFill>
                   <a:schemeClr val="tx1"/>
                 </a:solidFill>
@@ -1566,10 +1273,12 @@
                 <a:ea typeface="+mn-ea"/>
                 <a:cs typeface="+mn-cs"/>
               </a:rPr>
-              <a:t>ORM</a:t>
-            </a:r>
-            <a:r>
-              <a:rPr lang="en-US" sz="1200" b="0" i="0" kern="1200" dirty="0" smtClean="0">
+              <a:t> field which contains the distinct group by key</a:t>
+            </a:r>
+          </a:p>
+          <a:p>
+            <a:r>
+              <a:rPr lang="en-US" sz="1200" b="0" i="0" kern="1200" smtClean="0">
                 <a:solidFill>
                   <a:schemeClr val="tx1"/>
                 </a:solidFill>
@@ -1578,7 +1287,103 @@
                 <a:ea typeface="+mn-ea"/>
                 <a:cs typeface="+mn-cs"/>
               </a:rPr>
-              <a:t> on top of SQLite. Instead it uses its own persistence engine, built for simplicity (&amp; speed).</a:t>
+              <a:t>The output documents can also contain computed fields that hold the values of some accumulator expression grouped by the </a:t>
+            </a:r>
+            <a:r>
+              <a:rPr lang="en-US" sz="1200" kern="1200" smtClean="0">
+                <a:solidFill>
+                  <a:schemeClr val="tx1"/>
+                </a:solidFill>
+                <a:effectLst/>
+                <a:latin typeface="Arial" charset="0"/>
+                <a:ea typeface="+mn-ea"/>
+                <a:cs typeface="+mn-cs"/>
+              </a:rPr>
+              <a:t>$group</a:t>
+            </a:r>
+            <a:r>
+              <a:rPr lang="en-US" sz="1200" b="0" i="0" kern="1200" smtClean="0">
+                <a:solidFill>
+                  <a:schemeClr val="tx1"/>
+                </a:solidFill>
+                <a:effectLst/>
+                <a:latin typeface="Arial" charset="0"/>
+                <a:ea typeface="+mn-ea"/>
+                <a:cs typeface="+mn-cs"/>
+              </a:rPr>
+              <a:t>‘s </a:t>
+            </a:r>
+            <a:r>
+              <a:rPr lang="en-US" sz="1200" kern="1200" smtClean="0">
+                <a:solidFill>
+                  <a:schemeClr val="tx1"/>
+                </a:solidFill>
+                <a:effectLst/>
+                <a:latin typeface="Arial" charset="0"/>
+                <a:ea typeface="+mn-ea"/>
+                <a:cs typeface="+mn-cs"/>
+              </a:rPr>
+              <a:t>_id</a:t>
+            </a:r>
+            <a:r>
+              <a:rPr lang="en-US" sz="1200" b="0" i="0" kern="1200" smtClean="0">
+                <a:solidFill>
+                  <a:schemeClr val="tx1"/>
+                </a:solidFill>
+                <a:effectLst/>
+                <a:latin typeface="Arial" charset="0"/>
+                <a:ea typeface="+mn-ea"/>
+                <a:cs typeface="+mn-cs"/>
+              </a:rPr>
+              <a:t> field. </a:t>
+            </a:r>
+            <a:r>
+              <a:rPr lang="en-US" sz="1200" kern="1200" smtClean="0">
+                <a:solidFill>
+                  <a:schemeClr val="tx1"/>
+                </a:solidFill>
+                <a:effectLst/>
+                <a:latin typeface="Arial" charset="0"/>
+                <a:ea typeface="+mn-ea"/>
+                <a:cs typeface="+mn-cs"/>
+              </a:rPr>
+              <a:t>$group</a:t>
+            </a:r>
+            <a:r>
+              <a:rPr lang="en-US" sz="1200" b="0" i="0" kern="1200" smtClean="0">
+                <a:solidFill>
+                  <a:schemeClr val="tx1"/>
+                </a:solidFill>
+                <a:effectLst/>
+                <a:latin typeface="Arial" charset="0"/>
+                <a:ea typeface="+mn-ea"/>
+                <a:cs typeface="+mn-cs"/>
+              </a:rPr>
+              <a:t> does </a:t>
+            </a:r>
+            <a:r>
+              <a:rPr lang="en-US" sz="1200" b="0" i="1" kern="1200" smtClean="0">
+                <a:solidFill>
+                  <a:schemeClr val="tx1"/>
+                </a:solidFill>
+                <a:effectLst/>
+                <a:latin typeface="Arial" charset="0"/>
+                <a:ea typeface="+mn-ea"/>
+                <a:cs typeface="+mn-cs"/>
+              </a:rPr>
+              <a:t>not</a:t>
+            </a:r>
+            <a:r>
+              <a:rPr lang="en-US" sz="1200" b="0" i="0" kern="1200" smtClean="0">
+                <a:solidFill>
+                  <a:schemeClr val="tx1"/>
+                </a:solidFill>
+                <a:effectLst/>
+                <a:latin typeface="Arial" charset="0"/>
+                <a:ea typeface="+mn-ea"/>
+                <a:cs typeface="+mn-cs"/>
+              </a:rPr>
+              <a:t> order its output documents</a:t>
             </a:r>
             <a:endParaRPr lang="en-US" dirty="0"/>
           </a:p>
@@ -1629,7 +1434,7 @@
             <a:fld id="{799FB774-2CBA-450F-BEA3-AD79892CB499}" type="slidenum">
               <a:rPr lang="en-US"/>
               <a:pPr/>
-              <a:t>15</a:t>
+              <a:t>16</a:t>
             </a:fld>
             <a:endParaRPr lang="en-US"/>
           </a:p>
@@ -1664,6 +1469,152 @@
           <a:bodyPr/>
           <a:lstStyle/>
           <a:p>
+            <a:r>
+              <a:rPr lang="en-US" sz="1200" b="0" i="0" kern="1200" smtClean="0">
+                <a:solidFill>
+                  <a:schemeClr val="tx1"/>
+                </a:solidFill>
+                <a:effectLst/>
+                <a:latin typeface="Arial" charset="0"/>
+                <a:ea typeface="+mn-ea"/>
+                <a:cs typeface="+mn-cs"/>
+              </a:rPr>
+              <a:t>The output documents contain an </a:t>
+            </a:r>
+            <a:r>
+              <a:rPr lang="en-US" sz="1200" kern="1200" smtClean="0">
+                <a:solidFill>
+                  <a:schemeClr val="tx1"/>
+                </a:solidFill>
+                <a:effectLst/>
+                <a:latin typeface="Arial" charset="0"/>
+                <a:ea typeface="+mn-ea"/>
+                <a:cs typeface="+mn-cs"/>
+              </a:rPr>
+              <a:t>_id</a:t>
+            </a:r>
+            <a:r>
+              <a:rPr lang="en-US" sz="1200" b="0" i="0" kern="1200" smtClean="0">
+                <a:solidFill>
+                  <a:schemeClr val="tx1"/>
+                </a:solidFill>
+                <a:effectLst/>
+                <a:latin typeface="Arial" charset="0"/>
+                <a:ea typeface="+mn-ea"/>
+                <a:cs typeface="+mn-cs"/>
+              </a:rPr>
+              <a:t> field which contains the distinct group by key</a:t>
+            </a:r>
+          </a:p>
+          <a:p>
+            <a:r>
+              <a:rPr lang="en-US" sz="1200" b="0" i="0" kern="1200" smtClean="0">
+                <a:solidFill>
+                  <a:schemeClr val="tx1"/>
+                </a:solidFill>
+                <a:effectLst/>
+                <a:latin typeface="Arial" charset="0"/>
+                <a:ea typeface="+mn-ea"/>
+                <a:cs typeface="+mn-cs"/>
+              </a:rPr>
+              <a:t>The output documents can also contain computed fields that hold the values of some accumulator expression grouped by the </a:t>
+            </a:r>
+            <a:r>
+              <a:rPr lang="en-US" sz="1200" kern="1200" smtClean="0">
+                <a:solidFill>
+                  <a:schemeClr val="tx1"/>
+                </a:solidFill>
+                <a:effectLst/>
+                <a:latin typeface="Arial" charset="0"/>
+                <a:ea typeface="+mn-ea"/>
+                <a:cs typeface="+mn-cs"/>
+              </a:rPr>
+              <a:t>$group</a:t>
+            </a:r>
+            <a:r>
+              <a:rPr lang="en-US" sz="1200" b="0" i="0" kern="1200" smtClean="0">
+                <a:solidFill>
+                  <a:schemeClr val="tx1"/>
+                </a:solidFill>
+                <a:effectLst/>
+                <a:latin typeface="Arial" charset="0"/>
+                <a:ea typeface="+mn-ea"/>
+                <a:cs typeface="+mn-cs"/>
+              </a:rPr>
+              <a:t>‘s </a:t>
+            </a:r>
+            <a:r>
+              <a:rPr lang="en-US" sz="1200" kern="1200" smtClean="0">
+                <a:solidFill>
+                  <a:schemeClr val="tx1"/>
+                </a:solidFill>
+                <a:effectLst/>
+                <a:latin typeface="Arial" charset="0"/>
+                <a:ea typeface="+mn-ea"/>
+                <a:cs typeface="+mn-cs"/>
+              </a:rPr>
+              <a:t>_id</a:t>
+            </a:r>
+            <a:r>
+              <a:rPr lang="en-US" sz="1200" b="0" i="0" kern="1200" smtClean="0">
+                <a:solidFill>
+                  <a:schemeClr val="tx1"/>
+                </a:solidFill>
+                <a:effectLst/>
+                <a:latin typeface="Arial" charset="0"/>
+                <a:ea typeface="+mn-ea"/>
+                <a:cs typeface="+mn-cs"/>
+              </a:rPr>
+              <a:t> field. </a:t>
+            </a:r>
+            <a:r>
+              <a:rPr lang="en-US" sz="1200" kern="1200" smtClean="0">
+                <a:solidFill>
+                  <a:schemeClr val="tx1"/>
+                </a:solidFill>
+                <a:effectLst/>
+                <a:latin typeface="Arial" charset="0"/>
+                <a:ea typeface="+mn-ea"/>
+                <a:cs typeface="+mn-cs"/>
+              </a:rPr>
+              <a:t>$group</a:t>
+            </a:r>
+            <a:r>
+              <a:rPr lang="en-US" sz="1200" b="0" i="0" kern="1200" smtClean="0">
+                <a:solidFill>
+                  <a:schemeClr val="tx1"/>
+                </a:solidFill>
+                <a:effectLst/>
+                <a:latin typeface="Arial" charset="0"/>
+                <a:ea typeface="+mn-ea"/>
+                <a:cs typeface="+mn-cs"/>
+              </a:rPr>
+              <a:t> does </a:t>
+            </a:r>
+            <a:r>
+              <a:rPr lang="en-US" sz="1200" b="0" i="1" kern="1200" smtClean="0">
+                <a:solidFill>
+                  <a:schemeClr val="tx1"/>
+                </a:solidFill>
+                <a:effectLst/>
+                <a:latin typeface="Arial" charset="0"/>
+                <a:ea typeface="+mn-ea"/>
+                <a:cs typeface="+mn-cs"/>
+              </a:rPr>
+              <a:t>not</a:t>
+            </a:r>
+            <a:r>
+              <a:rPr lang="en-US" sz="1200" b="0" i="0" kern="1200" smtClean="0">
+                <a:solidFill>
+                  <a:schemeClr val="tx1"/>
+                </a:solidFill>
+                <a:effectLst/>
+                <a:latin typeface="Arial" charset="0"/>
+                <a:ea typeface="+mn-ea"/>
+                <a:cs typeface="+mn-cs"/>
+              </a:rPr>
+              <a:t> order its output documents</a:t>
+            </a:r>
             <a:endParaRPr lang="en-US" dirty="0"/>
           </a:p>
         </p:txBody>
@@ -1713,7 +1664,7 @@
             <a:fld id="{799FB774-2CBA-450F-BEA3-AD79892CB499}" type="slidenum">
               <a:rPr lang="en-US"/>
               <a:pPr/>
-              <a:t>16</a:t>
+              <a:t>17</a:t>
             </a:fld>
             <a:endParaRPr lang="en-US"/>
           </a:p>
@@ -1797,7 +1748,7 @@
             <a:fld id="{799FB774-2CBA-450F-BEA3-AD79892CB499}" type="slidenum">
               <a:rPr lang="en-US"/>
               <a:pPr/>
-              <a:t>17</a:t>
+              <a:t>18</a:t>
             </a:fld>
             <a:endParaRPr lang="en-US"/>
           </a:p>
@@ -1832,6 +1783,54 @@
           <a:bodyPr/>
           <a:lstStyle/>
           <a:p>
+            <a:r>
+              <a:rPr lang="en-US" sz="1200" b="1" i="0" kern="1200" dirty="0" smtClean="0">
+                <a:solidFill>
+                  <a:schemeClr val="tx1"/>
+                </a:solidFill>
+                <a:effectLst/>
+                <a:latin typeface="Arial" charset="0"/>
+                <a:ea typeface="+mn-ea"/>
+                <a:cs typeface="+mn-cs"/>
+              </a:rPr>
+              <a:t>Realm</a:t>
+            </a:r>
+            <a:r>
+              <a:rPr lang="en-US" sz="1200" b="0" i="0" kern="1200" dirty="0" smtClean="0">
+                <a:solidFill>
+                  <a:schemeClr val="tx1"/>
+                </a:solidFill>
+                <a:effectLst/>
+                <a:latin typeface="Arial" charset="0"/>
+                <a:ea typeface="+mn-ea"/>
+                <a:cs typeface="+mn-cs"/>
+              </a:rPr>
+              <a:t> is not an </a:t>
+            </a:r>
+            <a:r>
+              <a:rPr lang="en-US" sz="1200" b="1" i="0" kern="1200" dirty="0" smtClean="0">
+                <a:solidFill>
+                  <a:schemeClr val="tx1"/>
+                </a:solidFill>
+                <a:effectLst/>
+                <a:latin typeface="Arial" charset="0"/>
+                <a:ea typeface="+mn-ea"/>
+                <a:cs typeface="+mn-cs"/>
+              </a:rPr>
+              <a:t>ORM</a:t>
+            </a:r>
+            <a:r>
+              <a:rPr lang="en-US" sz="1200" b="0" i="0" kern="1200" dirty="0" smtClean="0">
+                <a:solidFill>
+                  <a:schemeClr val="tx1"/>
+                </a:solidFill>
+                <a:effectLst/>
+                <a:latin typeface="Arial" charset="0"/>
+                <a:ea typeface="+mn-ea"/>
+                <a:cs typeface="+mn-cs"/>
+              </a:rPr>
+              <a:t> on top of SQLite. Instead it uses its own persistence engine, built for simplicity (&amp; speed).</a:t>
+            </a:r>
             <a:endParaRPr lang="en-US" dirty="0"/>
           </a:p>
         </p:txBody>
@@ -1881,7 +1880,7 @@
             <a:fld id="{799FB774-2CBA-450F-BEA3-AD79892CB499}" type="slidenum">
               <a:rPr lang="en-US"/>
               <a:pPr/>
-              <a:t>18</a:t>
+              <a:t>19</a:t>
             </a:fld>
             <a:endParaRPr lang="en-US"/>
           </a:p>
@@ -1965,7 +1964,7 @@
             <a:fld id="{799FB774-2CBA-450F-BEA3-AD79892CB499}" type="slidenum">
               <a:rPr lang="en-US"/>
               <a:pPr/>
-              <a:t>19</a:t>
+              <a:t>20</a:t>
             </a:fld>
             <a:endParaRPr lang="en-US"/>
           </a:p>
@@ -2049,7 +2048,7 @@
             <a:fld id="{799FB774-2CBA-450F-BEA3-AD79892CB499}" type="slidenum">
               <a:rPr lang="en-US"/>
               <a:pPr/>
-              <a:t>2</a:t>
+              <a:t>3</a:t>
             </a:fld>
             <a:endParaRPr lang="en-US"/>
           </a:p>
@@ -2133,7 +2132,7 @@
             <a:fld id="{799FB774-2CBA-450F-BEA3-AD79892CB499}" type="slidenum">
               <a:rPr lang="en-US"/>
               <a:pPr/>
-              <a:t>20</a:t>
+              <a:t>21</a:t>
             </a:fld>
             <a:endParaRPr lang="en-US"/>
           </a:p>
@@ -2217,7 +2216,7 @@
             <a:fld id="{799FB774-2CBA-450F-BEA3-AD79892CB499}" type="slidenum">
               <a:rPr lang="en-US"/>
               <a:pPr/>
-              <a:t>21</a:t>
+              <a:t>22</a:t>
             </a:fld>
             <a:endParaRPr lang="en-US"/>
           </a:p>
@@ -2301,7 +2300,7 @@
             <a:fld id="{799FB774-2CBA-450F-BEA3-AD79892CB499}" type="slidenum">
               <a:rPr lang="en-US"/>
               <a:pPr/>
-              <a:t>22</a:t>
+              <a:t>23</a:t>
             </a:fld>
             <a:endParaRPr lang="en-US"/>
           </a:p>
@@ -2385,7 +2384,7 @@
             <a:fld id="{799FB774-2CBA-450F-BEA3-AD79892CB499}" type="slidenum">
               <a:rPr lang="en-US"/>
               <a:pPr/>
-              <a:t>23</a:t>
+              <a:t>24</a:t>
             </a:fld>
             <a:endParaRPr lang="en-US"/>
           </a:p>
@@ -2469,7 +2468,175 @@
             <a:fld id="{799FB774-2CBA-450F-BEA3-AD79892CB499}" type="slidenum">
               <a:rPr lang="en-US"/>
               <a:pPr/>
-              <a:t>24</a:t>
+              <a:t>25</a:t>
+            </a:fld>
+            <a:endParaRPr lang="en-US"/>
+          </a:p>
+        </p:txBody>
+      </p:sp>
+      <p:sp>
+        <p:nvSpPr>
+          <p:cNvPr id="48130" name="Rectangle 2"/>
+          <p:cNvSpPr>
+            <a:spLocks noGrp="1" noRot="1" noChangeAspect="1" noChangeArrowheads="1" noTextEdit="1"/>
+          </p:cNvSpPr>
+          <p:nvPr>
+            <p:ph type="sldImg"/>
+          </p:nvPr>
+        </p:nvSpPr>
+        <p:spPr>
+          <a:ln/>
+        </p:spPr>
+      </p:sp>
+      <p:sp>
+        <p:nvSpPr>
+          <p:cNvPr id="48131" name="Rectangle 3"/>
+          <p:cNvSpPr>
+            <a:spLocks noGrp="1" noChangeArrowheads="1"/>
+          </p:cNvSpPr>
+          <p:nvPr>
+            <p:ph type="body" idx="1"/>
+          </p:nvPr>
+        </p:nvSpPr>
+        <p:spPr/>
+        <p:txBody>
+          <a:bodyPr/>
+          <a:lstStyle/>
+          <a:p>
+            <a:endParaRPr lang="en-US" dirty="0"/>
+          </a:p>
+        </p:txBody>
+      </p:sp>
+    </p:spTree>
+  </p:cSld>
+  <p:clrMapOvr>
+    <a:masterClrMapping/>
+  </p:clrMapOvr>
+</p:notes>
+</file>
+
+<file path=ppt/notesSlides/notesSlide25.xml><?xml version="1.0" encoding="utf-8"?>
+<p:notes xmlns:a="http://schemas.openxmlformats.org/drawingml/2006/main" xmlns:r="http://schemas.openxmlformats.org/officeDocument/2006/relationships" xmlns:p="http://schemas.openxmlformats.org/presentationml/2006/main">
+  <p:cSld>
+    <p:spTree>
+      <p:nvGrpSpPr>
+        <p:cNvPr id="1" name=""/>
+        <p:cNvGrpSpPr/>
+        <p:nvPr/>
+      </p:nvGrpSpPr>
+      <p:grpSpPr>
+        <a:xfrm>
+          <a:off x="0" y="0"/>
+          <a:ext cx="0" cy="0"/>
+          <a:chOff x="0" y="0"/>
+          <a:chExt cx="0" cy="0"/>
+        </a:xfrm>
+      </p:grpSpPr>
+      <p:sp>
+        <p:nvSpPr>
+          <p:cNvPr id="7" name="Rectangle 7"/>
+          <p:cNvSpPr>
+            <a:spLocks noGrp="1" noChangeArrowheads="1"/>
+          </p:cNvSpPr>
+          <p:nvPr>
+            <p:ph type="sldNum" sz="quarter" idx="5"/>
+          </p:nvPr>
+        </p:nvSpPr>
+        <p:spPr>
+          <a:ln/>
+        </p:spPr>
+        <p:txBody>
+          <a:bodyPr/>
+          <a:lstStyle/>
+          <a:p>
+            <a:fld id="{799FB774-2CBA-450F-BEA3-AD79892CB499}" type="slidenum">
+              <a:rPr lang="en-US"/>
+              <a:pPr/>
+              <a:t>26</a:t>
+            </a:fld>
+            <a:endParaRPr lang="en-US"/>
+          </a:p>
+        </p:txBody>
+      </p:sp>
+      <p:sp>
+        <p:nvSpPr>
+          <p:cNvPr id="48130" name="Rectangle 2"/>
+          <p:cNvSpPr>
+            <a:spLocks noGrp="1" noRot="1" noChangeAspect="1" noChangeArrowheads="1" noTextEdit="1"/>
+          </p:cNvSpPr>
+          <p:nvPr>
+            <p:ph type="sldImg"/>
+          </p:nvPr>
+        </p:nvSpPr>
+        <p:spPr>
+          <a:ln/>
+        </p:spPr>
+      </p:sp>
+      <p:sp>
+        <p:nvSpPr>
+          <p:cNvPr id="48131" name="Rectangle 3"/>
+          <p:cNvSpPr>
+            <a:spLocks noGrp="1" noChangeArrowheads="1"/>
+          </p:cNvSpPr>
+          <p:nvPr>
+            <p:ph type="body" idx="1"/>
+          </p:nvPr>
+        </p:nvSpPr>
+        <p:spPr/>
+        <p:txBody>
+          <a:bodyPr/>
+          <a:lstStyle/>
+          <a:p>
+            <a:endParaRPr lang="en-US" dirty="0"/>
+          </a:p>
+        </p:txBody>
+      </p:sp>
+    </p:spTree>
+  </p:cSld>
+  <p:clrMapOvr>
+    <a:masterClrMapping/>
+  </p:clrMapOvr>
+</p:notes>
+</file>
+
+<file path=ppt/notesSlides/notesSlide26.xml><?xml version="1.0" encoding="utf-8"?>
+<p:notes xmlns:a="http://schemas.openxmlformats.org/drawingml/2006/main" xmlns:r="http://schemas.openxmlformats.org/officeDocument/2006/relationships" xmlns:p="http://schemas.openxmlformats.org/presentationml/2006/main">
+  <p:cSld>
+    <p:spTree>
+      <p:nvGrpSpPr>
+        <p:cNvPr id="1" name=""/>
+        <p:cNvGrpSpPr/>
+        <p:nvPr/>
+      </p:nvGrpSpPr>
+      <p:grpSpPr>
+        <a:xfrm>
+          <a:off x="0" y="0"/>
+          <a:ext cx="0" cy="0"/>
+          <a:chOff x="0" y="0"/>
+          <a:chExt cx="0" cy="0"/>
+        </a:xfrm>
+      </p:grpSpPr>
+      <p:sp>
+        <p:nvSpPr>
+          <p:cNvPr id="7" name="Rectangle 7"/>
+          <p:cNvSpPr>
+            <a:spLocks noGrp="1" noChangeArrowheads="1"/>
+          </p:cNvSpPr>
+          <p:nvPr>
+            <p:ph type="sldNum" sz="quarter" idx="5"/>
+          </p:nvPr>
+        </p:nvSpPr>
+        <p:spPr>
+          <a:ln/>
+        </p:spPr>
+        <p:txBody>
+          <a:bodyPr/>
+          <a:lstStyle/>
+          <a:p>
+            <a:fld id="{799FB774-2CBA-450F-BEA3-AD79892CB499}" type="slidenum">
+              <a:rPr lang="en-US"/>
+              <a:pPr/>
+              <a:t>27</a:t>
             </a:fld>
             <a:endParaRPr lang="en-US"/>
           </a:p>
@@ -2553,7 +2720,7 @@
             <a:fld id="{799FB774-2CBA-450F-BEA3-AD79892CB499}" type="slidenum">
               <a:rPr lang="en-US"/>
               <a:pPr/>
-              <a:t>3</a:t>
+              <a:t>4</a:t>
             </a:fld>
             <a:endParaRPr lang="en-US"/>
           </a:p>
@@ -2634,10 +2801,10 @@
           <a:bodyPr/>
           <a:lstStyle/>
           <a:p>
-            <a:fld id="{799FB774-2CBA-450F-BEA3-AD79892CB499}" type="slidenum">
+            <a:fld id="{106861D7-B888-4E58-9449-0462FF56318C}" type="slidenum">
               <a:rPr lang="en-US"/>
               <a:pPr/>
-              <a:t>4</a:t>
+              <a:t>5</a:t>
             </a:fld>
             <a:endParaRPr lang="en-US"/>
           </a:p>
@@ -2645,7 +2812,7 @@
       </p:sp>
       <p:sp>
         <p:nvSpPr>
-          <p:cNvPr id="48130" name="Rectangle 2"/>
+          <p:cNvPr id="49154" name="Rectangle 2"/>
           <p:cNvSpPr>
             <a:spLocks noGrp="1" noRot="1" noChangeAspect="1" noChangeArrowheads="1" noTextEdit="1"/>
           </p:cNvSpPr>
@@ -2659,7 +2826,7 @@
       </p:sp>
       <p:sp>
         <p:nvSpPr>
-          <p:cNvPr id="48131" name="Rectangle 3"/>
+          <p:cNvPr id="49155" name="Rectangle 3"/>
           <p:cNvSpPr>
             <a:spLocks noGrp="1" noChangeArrowheads="1"/>
           </p:cNvSpPr>
@@ -2672,7 +2839,10 @@
           <a:bodyPr/>
           <a:lstStyle/>
           <a:p>
-            <a:endParaRPr lang="en-US" dirty="0"/>
+            <a:r>
+              <a:rPr lang="en-US"/>
+              <a:t>Click to add notes</a:t>
+            </a:r>
           </a:p>
         </p:txBody>
       </p:sp>
@@ -2721,7 +2891,7 @@
             <a:fld id="{799FB774-2CBA-450F-BEA3-AD79892CB499}" type="slidenum">
               <a:rPr lang="en-US"/>
               <a:pPr/>
-              <a:t>5</a:t>
+              <a:t>6</a:t>
             </a:fld>
             <a:endParaRPr lang="en-US"/>
           </a:p>
@@ -2756,32 +2926,6 @@
           <a:bodyPr/>
           <a:lstStyle/>
           <a:p>
-            <a:r>
-              <a:rPr lang="en-US" smtClean="0"/>
-              <a:t>Show</a:t>
-            </a:r>
-            <a:r>
-              <a:rPr lang="en-US" baseline="0" smtClean="0"/>
-              <a:t> normal fields: {fieldName: 1} or {fieldName: true}</a:t>
-            </a:r>
-          </a:p>
-          <a:p>
-            <a:r>
-              <a:rPr lang="en-US" baseline="0" smtClean="0"/>
-              <a:t>Hide _id: {_id: 0} or {_id: false}</a:t>
-            </a:r>
-          </a:p>
-          <a:p>
-            <a:r>
-              <a:rPr lang="en-US" baseline="0" smtClean="0"/>
-              <a:t>Add  change name: {newName: “$oldName”} </a:t>
-            </a:r>
-          </a:p>
-          <a:p>
-            <a:r>
-              <a:rPr lang="en-US" baseline="0" smtClean="0"/>
-              <a:t>Add  new field {newField: Expression}</a:t>
-            </a:r>
             <a:endParaRPr lang="en-US" dirty="0"/>
           </a:p>
         </p:txBody>
@@ -2831,7 +2975,7 @@
             <a:fld id="{799FB774-2CBA-450F-BEA3-AD79892CB499}" type="slidenum">
               <a:rPr lang="en-US"/>
               <a:pPr/>
-              <a:t>6</a:t>
+              <a:t>7</a:t>
             </a:fld>
             <a:endParaRPr lang="en-US"/>
           </a:p>
@@ -2915,7 +3059,7 @@
             <a:fld id="{799FB774-2CBA-450F-BEA3-AD79892CB499}" type="slidenum">
               <a:rPr lang="en-US"/>
               <a:pPr/>
-              <a:t>7</a:t>
+              <a:t>8</a:t>
             </a:fld>
             <a:endParaRPr lang="en-US"/>
           </a:p>
@@ -2999,7 +3143,7 @@
             <a:fld id="{799FB774-2CBA-450F-BEA3-AD79892CB499}" type="slidenum">
               <a:rPr lang="en-US"/>
               <a:pPr/>
-              <a:t>8</a:t>
+              <a:t>9</a:t>
             </a:fld>
             <a:endParaRPr lang="en-US"/>
           </a:p>
@@ -3034,6 +3178,32 @@
           <a:bodyPr/>
           <a:lstStyle/>
           <a:p>
+            <a:r>
+              <a:rPr lang="en-US" smtClean="0"/>
+              <a:t>Show</a:t>
+            </a:r>
+            <a:r>
+              <a:rPr lang="en-US" baseline="0" smtClean="0"/>
+              <a:t> normal fields: {fieldName: 1} or {fieldName: true}</a:t>
+            </a:r>
+          </a:p>
+          <a:p>
+            <a:r>
+              <a:rPr lang="en-US" baseline="0" smtClean="0"/>
+              <a:t>Hide _id: {_id: 0} or {_id: false}</a:t>
+            </a:r>
+          </a:p>
+          <a:p>
+            <a:r>
+              <a:rPr lang="en-US" baseline="0" smtClean="0"/>
+              <a:t>Add  change name: {newName: “$oldName”} </a:t>
+            </a:r>
+          </a:p>
+          <a:p>
+            <a:r>
+              <a:rPr lang="en-US" baseline="0" smtClean="0"/>
+              <a:t>Add  new field {newField: Expression}</a:t>
+            </a:r>
             <a:endParaRPr lang="en-US" dirty="0"/>
           </a:p>
         </p:txBody>
@@ -3083,7 +3253,7 @@
             <a:fld id="{799FB774-2CBA-450F-BEA3-AD79892CB499}" type="slidenum">
               <a:rPr lang="en-US"/>
               <a:pPr/>
-              <a:t>9</a:t>
+              <a:t>10</a:t>
             </a:fld>
             <a:endParaRPr lang="en-US"/>
           </a:p>
@@ -11866,116 +12036,56 @@
       </p:grpSpPr>
       <p:sp>
         <p:nvSpPr>
-          <p:cNvPr id="2050" name="Rectangle 2"/>
-          <p:cNvSpPr>
-            <a:spLocks noGrp="1" noChangeArrowheads="1"/>
+          <p:cNvPr id="2" name="Title 1"/>
+          <p:cNvSpPr>
+            <a:spLocks noGrp="1"/>
           </p:cNvSpPr>
           <p:nvPr>
             <p:ph type="ctrTitle"/>
           </p:nvPr>
         </p:nvSpPr>
-        <p:spPr>
-          <a:xfrm>
-            <a:off x="762000" y="457200"/>
-            <a:ext cx="5703888" cy="2362200"/>
-          </a:xfrm>
-        </p:spPr>
+        <p:spPr/>
         <p:txBody>
           <a:bodyPr/>
           <a:lstStyle/>
           <a:p>
             <a:r>
               <a:rPr lang="en-US" smtClean="0"/>
-              <a:t>MongoDB Aggregation Framework</a:t>
-            </a:r>
-            <a:endParaRPr lang="en-US" dirty="0"/>
-          </a:p>
-        </p:txBody>
-      </p:sp>
-      <p:sp>
-        <p:nvSpPr>
-          <p:cNvPr id="2051" name="Rectangle 3"/>
-          <p:cNvSpPr>
-            <a:spLocks noGrp="1" noChangeArrowheads="1"/>
+              <a:t>Previous lessons</a:t>
+            </a:r>
+            <a:endParaRPr lang="en-US"/>
+          </a:p>
+        </p:txBody>
+      </p:sp>
+      <p:sp>
+        <p:nvSpPr>
+          <p:cNvPr id="3" name="Subtitle 2"/>
+          <p:cNvSpPr>
+            <a:spLocks noGrp="1"/>
           </p:cNvSpPr>
           <p:nvPr>
             <p:ph type="subTitle" idx="1"/>
           </p:nvPr>
         </p:nvSpPr>
-        <p:spPr>
-          <a:xfrm>
-            <a:off x="5029200" y="6172200"/>
-            <a:ext cx="3048000" cy="458788"/>
-          </a:xfrm>
-        </p:spPr>
+        <p:spPr/>
         <p:txBody>
           <a:bodyPr/>
           <a:lstStyle/>
           <a:p>
             <a:r>
-              <a:rPr lang="en-US" sz="2000" i="1" smtClean="0">
-                <a:solidFill>
-                  <a:schemeClr val="accent4">
-                    <a:lumMod val="75000"/>
-                    <a:lumOff val="25000"/>
-                  </a:schemeClr>
-                </a:solidFill>
-              </a:rPr>
-              <a:t>KhuongDV@Z10.BOSS</a:t>
-            </a:r>
-            <a:endParaRPr lang="en-US" sz="2000" i="1" dirty="0">
-              <a:solidFill>
-                <a:schemeClr val="accent4">
-                  <a:lumMod val="75000"/>
-                  <a:lumOff val="25000"/>
-                </a:schemeClr>
-              </a:solidFill>
-            </a:endParaRPr>
-          </a:p>
-        </p:txBody>
-      </p:sp>
-      <p:pic>
-        <p:nvPicPr>
-          <p:cNvPr id="1026" name="Picture 2" descr="MongoDBAggregationFramework"/>
-          <p:cNvPicPr>
-            <a:picLocks noChangeAspect="1" noChangeArrowheads="1"/>
-          </p:cNvPicPr>
-          <p:nvPr/>
-        </p:nvPicPr>
-        <p:blipFill>
-          <a:blip r:embed="rId3">
-            <a:extLst>
-              <a:ext uri="{28A0092B-C50C-407E-A947-70E740481C1C}">
-                <a14:useLocalDpi xmlns:a14="http://schemas.microsoft.com/office/drawing/2010/main" val="0"/>
-              </a:ext>
-            </a:extLst>
-          </a:blip>
-          <a:srcRect/>
-          <a:stretch>
-            <a:fillRect/>
-          </a:stretch>
-        </p:blipFill>
-        <p:spPr bwMode="auto">
-          <a:xfrm>
-            <a:off x="877910" y="2971800"/>
-            <a:ext cx="6437290" cy="2143125"/>
-          </a:xfrm>
-          <a:prstGeom prst="rect">
-            <a:avLst/>
-          </a:prstGeom>
-          <a:noFill/>
-          <a:extLst>
-            <a:ext uri="{909E8E84-426E-40DD-AFC4-6F175D3DCCD1}">
-              <a14:hiddenFill xmlns:a14="http://schemas.microsoft.com/office/drawing/2010/main">
-                <a:solidFill>
-                  <a:srgbClr val="FFFFFF"/>
-                </a:solidFill>
-              </a14:hiddenFill>
-            </a:ext>
-          </a:extLst>
-        </p:spPr>
-      </p:pic>
+              <a:rPr lang="en-US" smtClean="0"/>
+              <a:t>update(), remove(), drop()</a:t>
+            </a:r>
+            <a:endParaRPr lang="en-US"/>
+          </a:p>
+        </p:txBody>
+      </p:sp>
     </p:spTree>
+    <p:extLst>
+      <p:ext uri="{BB962C8B-B14F-4D97-AF65-F5344CB8AC3E}">
+        <p14:creationId xmlns:p14="http://schemas.microsoft.com/office/powerpoint/2010/main" val="2029175146"/>
+      </p:ext>
+    </p:extLst>
   </p:cSld>
   <p:clrMapOvr>
     <a:masterClrMapping/>
@@ -12024,7 +12134,7 @@
           <a:p>
             <a:r>
               <a:rPr lang="en-US" smtClean="0"/>
-              <a:t>$unwind (contd)</a:t>
+              <a:t>$match</a:t>
             </a:r>
             <a:endParaRPr lang="en-US" dirty="0"/>
           </a:p>
@@ -12042,8 +12152,8 @@
         </p:nvSpPr>
         <p:spPr>
           <a:xfrm>
-            <a:off x="152400" y="1719263"/>
-            <a:ext cx="8534400" cy="4757737"/>
+            <a:off x="457200" y="1719263"/>
+            <a:ext cx="8229600" cy="4302125"/>
           </a:xfrm>
         </p:spPr>
         <p:txBody>
@@ -12051,7 +12161,17 @@
           <a:lstStyle/>
           <a:p>
             <a:r>
-              <a:rPr lang="en-US" sz="2400" smtClean="0"/>
+              <a:rPr lang="en-US"/>
+              <a:t>Filters the documents to pass only the documents that match the specified condition(s) to the next pipeline stage</a:t>
+            </a:r>
+            <a:r>
+              <a:rPr lang="en-US" smtClean="0"/>
+              <a:t>.</a:t>
+            </a:r>
+          </a:p>
+          <a:p>
+            <a:r>
+              <a:rPr lang="en-US" smtClean="0"/>
               <a:t>Form:</a:t>
             </a:r>
           </a:p>
@@ -12060,166 +12180,44 @@
               <a:buNone/>
             </a:pPr>
             <a:r>
-              <a:rPr lang="en-US" sz="1800"/>
-              <a:t>{ </a:t>
-            </a:r>
-            <a:endParaRPr lang="en-US" sz="1800" smtClean="0"/>
+              <a:rPr lang="en-US" sz="2800" smtClean="0"/>
+              <a:t>$match: {&lt;Query&gt;} </a:t>
+            </a:r>
           </a:p>
           <a:p>
             <a:pPr marL="0" indent="0">
               <a:buNone/>
             </a:pPr>
             <a:r>
-              <a:rPr lang="en-US" sz="1800"/>
-              <a:t>	</a:t>
-            </a:r>
-            <a:r>
-              <a:rPr lang="en-US" sz="1800" smtClean="0"/>
-              <a:t>$</a:t>
-            </a:r>
-            <a:r>
-              <a:rPr lang="en-US" sz="1800"/>
-              <a:t>unwind: </a:t>
-            </a:r>
-            <a:r>
-              <a:rPr lang="en-US" sz="1800"/>
-              <a:t>{ </a:t>
-            </a:r>
-            <a:endParaRPr lang="en-US" sz="1800" smtClean="0"/>
-          </a:p>
-          <a:p>
-            <a:pPr marL="349250" lvl="1" indent="0">
-              <a:buNone/>
-            </a:pPr>
-            <a:r>
-              <a:rPr lang="en-US" sz="1600" smtClean="0"/>
-              <a:t>		path</a:t>
-            </a:r>
-            <a:r>
-              <a:rPr lang="en-US" sz="1600"/>
-              <a:t>: </a:t>
-            </a:r>
-            <a:r>
-              <a:rPr lang="en-US" sz="1600"/>
-              <a:t>&lt;</a:t>
-            </a:r>
-            <a:r>
-              <a:rPr lang="en-US" sz="1600" smtClean="0"/>
-              <a:t>field_path</a:t>
-            </a:r>
-            <a:r>
-              <a:rPr lang="en-US" sz="1600"/>
-              <a:t>&gt;, </a:t>
-            </a:r>
-            <a:endParaRPr lang="en-US" sz="1600" smtClean="0"/>
-          </a:p>
-          <a:p>
-            <a:pPr marL="349250" lvl="1" indent="0">
-              <a:buNone/>
-            </a:pPr>
-            <a:r>
-              <a:rPr lang="en-US" sz="1600" smtClean="0"/>
-              <a:t>		includeArrayIndex</a:t>
-            </a:r>
-            <a:r>
-              <a:rPr lang="en-US" sz="1600"/>
-              <a:t>: &lt;string</a:t>
-            </a:r>
-            <a:r>
-              <a:rPr lang="en-US" sz="1600"/>
-              <a:t>&gt;, </a:t>
-            </a:r>
-            <a:endParaRPr lang="en-US" sz="1600" smtClean="0"/>
-          </a:p>
-          <a:p>
-            <a:pPr marL="349250" lvl="1" indent="0">
-              <a:buNone/>
-            </a:pPr>
-            <a:r>
-              <a:rPr lang="en-US" sz="1600" smtClean="0"/>
-              <a:t>		preserveNullAndEmptyArrays</a:t>
-            </a:r>
-            <a:r>
-              <a:rPr lang="en-US" sz="1600"/>
-              <a:t>: &lt;</a:t>
-            </a:r>
-            <a:r>
-              <a:rPr lang="en-US" sz="1600" b="1"/>
-              <a:t>boolean</a:t>
-            </a:r>
-            <a:r>
-              <a:rPr lang="en-US" sz="1600"/>
-              <a:t>&gt; </a:t>
-            </a:r>
-            <a:endParaRPr lang="en-US" sz="1600" smtClean="0"/>
-          </a:p>
-          <a:p>
-            <a:pPr marL="0" indent="0">
-              <a:buNone/>
-            </a:pPr>
-            <a:r>
-              <a:rPr lang="en-US" sz="1800" smtClean="0"/>
-              <a:t>	}</a:t>
-            </a:r>
-          </a:p>
-          <a:p>
-            <a:pPr marL="0" indent="0">
-              <a:buNone/>
-            </a:pPr>
-            <a:r>
-              <a:rPr lang="en-US" sz="1800" smtClean="0"/>
-              <a:t>}</a:t>
-            </a:r>
-            <a:endParaRPr lang="en-US" sz="2400"/>
-          </a:p>
-          <a:p>
-            <a:r>
-              <a:rPr lang="en-US" sz="2400" smtClean="0"/>
-              <a:t>path: path to array field</a:t>
-            </a:r>
-          </a:p>
-          <a:p>
-            <a:r>
-              <a:rPr lang="en-US" sz="2400" smtClean="0"/>
-              <a:t>includeArrayIndex: optional, name of the field which will hold value of current index in array</a:t>
-            </a:r>
-          </a:p>
-          <a:p>
-            <a:r>
-              <a:rPr lang="en-US" sz="2400" smtClean="0"/>
-              <a:t>preserveNullAndEmptyArrays: if</a:t>
-            </a:r>
-            <a:r>
-              <a:rPr lang="en-US" sz="2400" b="1" smtClean="0"/>
-              <a:t> true</a:t>
-            </a:r>
-            <a:r>
-              <a:rPr lang="en-US" sz="2400" smtClean="0"/>
-              <a:t>, in case that </a:t>
-            </a:r>
-            <a:r>
-              <a:rPr lang="en-US" sz="2400" i="1" smtClean="0"/>
-              <a:t>path</a:t>
-            </a:r>
-            <a:r>
-              <a:rPr lang="en-US" sz="2400" smtClean="0"/>
-              <a:t> is null or missing or point to an empty array, $unwind will output the document itself. If </a:t>
-            </a:r>
-            <a:r>
-              <a:rPr lang="en-US" sz="2400" b="1" smtClean="0"/>
-              <a:t>false</a:t>
-            </a:r>
-            <a:r>
-              <a:rPr lang="en-US" sz="2400" smtClean="0"/>
-              <a:t>, no document output</a:t>
-            </a:r>
+              <a:rPr lang="en-US" sz="2800" smtClean="0"/>
+              <a:t>The query is like in the find() method, except </a:t>
+            </a:r>
+            <a:r>
+              <a:rPr lang="en-US" sz="2800" b="1" i="1" smtClean="0"/>
+              <a:t>$where</a:t>
+            </a:r>
+            <a:r>
+              <a:rPr lang="en-US" sz="2800" b="1" smtClean="0"/>
+              <a:t> </a:t>
+            </a:r>
+            <a:r>
+              <a:rPr lang="en-US" sz="2800" smtClean="0"/>
+              <a:t>operator</a:t>
+            </a:r>
+          </a:p>
+          <a:p>
+            <a:r>
+              <a:rPr lang="en-US" sz="3200" smtClean="0"/>
+              <a:t>If $match is the very first stage, it could take advantage of indexes, and it can use $text op for searching text</a:t>
+            </a:r>
+            <a:endParaRPr lang="en-US" sz="3200" dirty="0"/>
           </a:p>
         </p:txBody>
       </p:sp>
     </p:spTree>
     <p:extLst>
       <p:ext uri="{BB962C8B-B14F-4D97-AF65-F5344CB8AC3E}">
-        <p14:creationId xmlns:p14="http://schemas.microsoft.com/office/powerpoint/2010/main" val="369916175"/>
+        <p14:creationId xmlns:p14="http://schemas.microsoft.com/office/powerpoint/2010/main" val="3747051374"/>
       </p:ext>
     </p:extLst>
   </p:cSld>
@@ -12270,7 +12268,7 @@
           <a:p>
             <a:r>
               <a:rPr lang="en-US" smtClean="0"/>
-              <a:t>$group</a:t>
+              <a:t>$limit</a:t>
             </a:r>
             <a:endParaRPr lang="en-US" dirty="0"/>
           </a:p>
@@ -12298,24 +12296,12 @@
           <a:p>
             <a:r>
               <a:rPr lang="en-US"/>
-              <a:t>Groups documents by some specified expression and outputs to the next stage a document for each distinct grouping.</a:t>
-            </a:r>
-            <a:r>
-              <a:rPr lang="en-US"/>
-              <a:t> </a:t>
-            </a:r>
-            <a:endParaRPr lang="en-US" smtClean="0"/>
-          </a:p>
-          <a:p>
-            <a:r>
-              <a:rPr lang="en-US"/>
-              <a:t>The output documents can also contain computed fields</a:t>
-            </a:r>
-            <a:r>
-              <a:rPr lang="en-US"/>
-              <a:t> </a:t>
-            </a:r>
-            <a:endParaRPr lang="en-US" smtClean="0"/>
+              <a:t>Limits the number of documents passed to the next stage in the </a:t>
+            </a:r>
+            <a:r>
+              <a:rPr lang="en-US" smtClean="0"/>
+              <a:t>pipeline</a:t>
+            </a:r>
           </a:p>
           <a:p>
             <a:r>
@@ -12329,95 +12315,576 @@
             </a:pPr>
             <a:r>
               <a:rPr lang="en-US" sz="2800"/>
-              <a:t>{ $group</a:t>
-            </a:r>
+              <a:t>{ $limit: &lt;positive integer&gt; </a:t>
+            </a:r>
+            <a:r>
+              <a:rPr lang="en-US" sz="2800" smtClean="0"/>
+              <a:t>}</a:t>
+            </a:r>
+          </a:p>
+          <a:p>
+            <a:pPr marL="0" indent="0">
+              <a:buNone/>
+            </a:pPr>
+            <a:r>
+              <a:rPr lang="en-US" sz="2800" smtClean="0"/>
+              <a:t>Eg: {$limit: 10}</a:t>
+            </a:r>
+          </a:p>
+          <a:p>
+            <a:pPr marL="0" indent="0">
+              <a:buNone/>
+            </a:pPr>
+            <a:endParaRPr lang="en-US" sz="3200" dirty="0"/>
+          </a:p>
+        </p:txBody>
+      </p:sp>
+    </p:spTree>
+    <p:extLst>
+      <p:ext uri="{BB962C8B-B14F-4D97-AF65-F5344CB8AC3E}">
+        <p14:creationId xmlns:p14="http://schemas.microsoft.com/office/powerpoint/2010/main" val="731289334"/>
+      </p:ext>
+    </p:extLst>
+  </p:cSld>
+  <p:clrMapOvr>
+    <a:masterClrMapping/>
+  </p:clrMapOvr>
+  <p:timing>
+    <p:tnLst>
+      <p:par>
+        <p:cTn id="1" dur="indefinite" restart="never" nodeType="tmRoot"/>
+      </p:par>
+    </p:tnLst>
+  </p:timing>
+</p:sld>
+</file>
+
+<file path=ppt/slides/slide12.xml><?xml version="1.0" encoding="utf-8"?>
+<p:sld xmlns:a="http://schemas.openxmlformats.org/drawingml/2006/main" xmlns:r="http://schemas.openxmlformats.org/officeDocument/2006/relationships" xmlns:p="http://schemas.openxmlformats.org/presentationml/2006/main">
+  <p:cSld>
+    <p:spTree>
+      <p:nvGrpSpPr>
+        <p:cNvPr id="1" name=""/>
+        <p:cNvGrpSpPr/>
+        <p:nvPr/>
+      </p:nvGrpSpPr>
+      <p:grpSpPr>
+        <a:xfrm>
+          <a:off x="0" y="0"/>
+          <a:ext cx="0" cy="0"/>
+          <a:chOff x="0" y="0"/>
+          <a:chExt cx="0" cy="0"/>
+        </a:xfrm>
+      </p:grpSpPr>
+      <p:sp>
+        <p:nvSpPr>
+          <p:cNvPr id="30722" name="Rectangle 2"/>
+          <p:cNvSpPr>
+            <a:spLocks noGrp="1" noChangeArrowheads="1"/>
+          </p:cNvSpPr>
+          <p:nvPr>
+            <p:ph type="title"/>
+          </p:nvPr>
+        </p:nvSpPr>
+        <p:spPr/>
+        <p:txBody>
+          <a:bodyPr/>
+          <a:lstStyle/>
+          <a:p>
+            <a:r>
+              <a:rPr lang="en-US" smtClean="0"/>
+              <a:t>$skip</a:t>
+            </a:r>
+            <a:endParaRPr lang="en-US" dirty="0"/>
+          </a:p>
+        </p:txBody>
+      </p:sp>
+      <p:sp>
+        <p:nvSpPr>
+          <p:cNvPr id="30723" name="Rectangle 3"/>
+          <p:cNvSpPr>
+            <a:spLocks noGrp="1" noChangeArrowheads="1"/>
+          </p:cNvSpPr>
+          <p:nvPr>
+            <p:ph type="body" idx="1"/>
+          </p:nvPr>
+        </p:nvSpPr>
+        <p:spPr>
+          <a:xfrm>
+            <a:off x="457200" y="1719263"/>
+            <a:ext cx="8229600" cy="4302125"/>
+          </a:xfrm>
+        </p:spPr>
+        <p:txBody>
+          <a:bodyPr/>
+          <a:lstStyle/>
+          <a:p>
+            <a:r>
+              <a:rPr lang="en-US"/>
+              <a:t>Skips over the specified number of documents that pass into the stage and passes the remaining documents to the next stage in the </a:t>
+            </a:r>
+            <a:r>
+              <a:rPr lang="en-US" smtClean="0"/>
+              <a:t>pipeline</a:t>
+            </a:r>
+          </a:p>
+          <a:p>
+            <a:r>
+              <a:rPr lang="en-US" smtClean="0"/>
+              <a:t>Form:</a:t>
+            </a:r>
+          </a:p>
+          <a:p>
+            <a:pPr marL="0" indent="0">
+              <a:buNone/>
+            </a:pPr>
             <a:r>
               <a:rPr lang="en-US" sz="2800"/>
-              <a:t>:</a:t>
-            </a:r>
+              <a:t>{ $skip: &lt;positive integer&gt; }</a:t>
+            </a:r>
+            <a:endParaRPr lang="en-US" sz="2800" dirty="0"/>
+          </a:p>
+        </p:txBody>
+      </p:sp>
+    </p:spTree>
+    <p:extLst>
+      <p:ext uri="{BB962C8B-B14F-4D97-AF65-F5344CB8AC3E}">
+        <p14:creationId xmlns:p14="http://schemas.microsoft.com/office/powerpoint/2010/main" val="3367557809"/>
+      </p:ext>
+    </p:extLst>
+  </p:cSld>
+  <p:clrMapOvr>
+    <a:masterClrMapping/>
+  </p:clrMapOvr>
+  <p:timing>
+    <p:tnLst>
+      <p:par>
+        <p:cTn id="1" dur="indefinite" restart="never" nodeType="tmRoot"/>
+      </p:par>
+    </p:tnLst>
+  </p:timing>
+</p:sld>
+</file>
+
+<file path=ppt/slides/slide13.xml><?xml version="1.0" encoding="utf-8"?>
+<p:sld xmlns:a="http://schemas.openxmlformats.org/drawingml/2006/main" xmlns:r="http://schemas.openxmlformats.org/officeDocument/2006/relationships" xmlns:p="http://schemas.openxmlformats.org/presentationml/2006/main">
+  <p:cSld>
+    <p:spTree>
+      <p:nvGrpSpPr>
+        <p:cNvPr id="1" name=""/>
+        <p:cNvGrpSpPr/>
+        <p:nvPr/>
+      </p:nvGrpSpPr>
+      <p:grpSpPr>
+        <a:xfrm>
+          <a:off x="0" y="0"/>
+          <a:ext cx="0" cy="0"/>
+          <a:chOff x="0" y="0"/>
+          <a:chExt cx="0" cy="0"/>
+        </a:xfrm>
+      </p:grpSpPr>
+      <p:sp>
+        <p:nvSpPr>
+          <p:cNvPr id="30722" name="Rectangle 2"/>
+          <p:cNvSpPr>
+            <a:spLocks noGrp="1" noChangeArrowheads="1"/>
+          </p:cNvSpPr>
+          <p:nvPr>
+            <p:ph type="title"/>
+          </p:nvPr>
+        </p:nvSpPr>
+        <p:spPr/>
+        <p:txBody>
+          <a:bodyPr/>
+          <a:lstStyle/>
+          <a:p>
+            <a:r>
+              <a:rPr lang="en-US" smtClean="0"/>
+              <a:t>$unwind</a:t>
+            </a:r>
+            <a:endParaRPr lang="en-US" dirty="0"/>
+          </a:p>
+        </p:txBody>
+      </p:sp>
+      <p:sp>
+        <p:nvSpPr>
+          <p:cNvPr id="30723" name="Rectangle 3"/>
+          <p:cNvSpPr>
+            <a:spLocks noGrp="1" noChangeArrowheads="1"/>
+          </p:cNvSpPr>
+          <p:nvPr>
+            <p:ph type="body" idx="1"/>
+          </p:nvPr>
+        </p:nvSpPr>
+        <p:spPr>
+          <a:xfrm>
+            <a:off x="457200" y="1719263"/>
+            <a:ext cx="8229600" cy="4757737"/>
+          </a:xfrm>
+        </p:spPr>
+        <p:txBody>
+          <a:bodyPr/>
+          <a:lstStyle/>
+          <a:p>
+            <a:r>
+              <a:rPr lang="en-US"/>
+              <a:t>Deconstructs an array field from the input documents to output a document for </a:t>
+            </a:r>
+            <a:r>
+              <a:rPr lang="en-US" i="1"/>
+              <a:t>each</a:t>
+            </a:r>
+            <a:r>
+              <a:rPr lang="en-US"/>
+              <a:t> element. Each output document is the input document with the value of the array field replaced by the </a:t>
+            </a:r>
+            <a:r>
+              <a:rPr lang="en-US" smtClean="0"/>
+              <a:t>element</a:t>
+            </a:r>
+          </a:p>
+        </p:txBody>
+      </p:sp>
+    </p:spTree>
+    <p:extLst>
+      <p:ext uri="{BB962C8B-B14F-4D97-AF65-F5344CB8AC3E}">
+        <p14:creationId xmlns:p14="http://schemas.microsoft.com/office/powerpoint/2010/main" val="3766325880"/>
+      </p:ext>
+    </p:extLst>
+  </p:cSld>
+  <p:clrMapOvr>
+    <a:masterClrMapping/>
+  </p:clrMapOvr>
+  <p:timing>
+    <p:tnLst>
+      <p:par>
+        <p:cTn id="1" dur="indefinite" restart="never" nodeType="tmRoot"/>
+      </p:par>
+    </p:tnLst>
+  </p:timing>
+</p:sld>
+</file>
+
+<file path=ppt/slides/slide14.xml><?xml version="1.0" encoding="utf-8"?>
+<p:sld xmlns:a="http://schemas.openxmlformats.org/drawingml/2006/main" xmlns:r="http://schemas.openxmlformats.org/officeDocument/2006/relationships" xmlns:p="http://schemas.openxmlformats.org/presentationml/2006/main">
+  <p:cSld>
+    <p:spTree>
+      <p:nvGrpSpPr>
+        <p:cNvPr id="1" name=""/>
+        <p:cNvGrpSpPr/>
+        <p:nvPr/>
+      </p:nvGrpSpPr>
+      <p:grpSpPr>
+        <a:xfrm>
+          <a:off x="0" y="0"/>
+          <a:ext cx="0" cy="0"/>
+          <a:chOff x="0" y="0"/>
+          <a:chExt cx="0" cy="0"/>
+        </a:xfrm>
+      </p:grpSpPr>
+      <p:sp>
+        <p:nvSpPr>
+          <p:cNvPr id="30722" name="Rectangle 2"/>
+          <p:cNvSpPr>
+            <a:spLocks noGrp="1" noChangeArrowheads="1"/>
+          </p:cNvSpPr>
+          <p:nvPr>
+            <p:ph type="title"/>
+          </p:nvPr>
+        </p:nvSpPr>
+        <p:spPr/>
+        <p:txBody>
+          <a:bodyPr/>
+          <a:lstStyle/>
+          <a:p>
+            <a:r>
+              <a:rPr lang="en-US" smtClean="0"/>
+              <a:t>$unwind (contd)</a:t>
+            </a:r>
+            <a:endParaRPr lang="en-US" dirty="0"/>
+          </a:p>
+        </p:txBody>
+      </p:sp>
+      <p:sp>
+        <p:nvSpPr>
+          <p:cNvPr id="30723" name="Rectangle 3"/>
+          <p:cNvSpPr>
+            <a:spLocks noGrp="1" noChangeArrowheads="1"/>
+          </p:cNvSpPr>
+          <p:nvPr>
+            <p:ph type="body" idx="1"/>
+          </p:nvPr>
+        </p:nvSpPr>
+        <p:spPr>
+          <a:xfrm>
+            <a:off x="152400" y="1719263"/>
+            <a:ext cx="8534400" cy="4757737"/>
+          </a:xfrm>
+        </p:spPr>
+        <p:txBody>
+          <a:bodyPr/>
+          <a:lstStyle/>
+          <a:p>
+            <a:r>
+              <a:rPr lang="en-US" sz="2400" smtClean="0"/>
+              <a:t>Form:</a:t>
+            </a:r>
+          </a:p>
+          <a:p>
+            <a:pPr marL="0" indent="0">
+              <a:buNone/>
+            </a:pPr>
+            <a:r>
+              <a:rPr lang="en-US" sz="1800"/>
+              <a:t>{ </a:t>
+            </a:r>
+            <a:endParaRPr lang="en-US" sz="1800" smtClean="0"/>
+          </a:p>
+          <a:p>
+            <a:pPr marL="0" indent="0">
+              <a:buNone/>
+            </a:pPr>
+            <a:r>
+              <a:rPr lang="en-US" sz="1800"/>
+              <a:t>	</a:t>
+            </a:r>
+            <a:r>
+              <a:rPr lang="en-US" sz="1800" smtClean="0"/>
+              <a:t>$</a:t>
+            </a:r>
+            <a:r>
+              <a:rPr lang="en-US" sz="1800"/>
+              <a:t>unwind: { </a:t>
+            </a:r>
+            <a:endParaRPr lang="en-US" sz="1800" smtClean="0"/>
+          </a:p>
+          <a:p>
+            <a:pPr marL="349250" lvl="1" indent="0">
+              <a:buNone/>
+            </a:pPr>
+            <a:r>
+              <a:rPr lang="en-US" sz="1600" smtClean="0"/>
+              <a:t>		path</a:t>
+            </a:r>
+            <a:r>
+              <a:rPr lang="en-US" sz="1600"/>
+              <a:t>: &lt;</a:t>
+            </a:r>
+            <a:r>
+              <a:rPr lang="en-US" sz="1600" smtClean="0"/>
+              <a:t>field_path</a:t>
+            </a:r>
+            <a:r>
+              <a:rPr lang="en-US" sz="1600"/>
+              <a:t>&gt;, </a:t>
+            </a:r>
+            <a:endParaRPr lang="en-US" sz="1600" smtClean="0"/>
+          </a:p>
+          <a:p>
+            <a:pPr marL="349250" lvl="1" indent="0">
+              <a:buNone/>
+            </a:pPr>
+            <a:r>
+              <a:rPr lang="en-US" sz="1600" smtClean="0"/>
+              <a:t>		includeArrayIndex</a:t>
+            </a:r>
+            <a:r>
+              <a:rPr lang="en-US" sz="1600"/>
+              <a:t>: &lt;string&gt;, </a:t>
+            </a:r>
+            <a:endParaRPr lang="en-US" sz="1600" smtClean="0"/>
+          </a:p>
+          <a:p>
+            <a:pPr marL="349250" lvl="1" indent="0">
+              <a:buNone/>
+            </a:pPr>
+            <a:r>
+              <a:rPr lang="en-US" sz="1600" smtClean="0"/>
+              <a:t>		preserveNullAndEmptyArrays</a:t>
+            </a:r>
+            <a:r>
+              <a:rPr lang="en-US" sz="1600"/>
+              <a:t>: &lt;</a:t>
+            </a:r>
+            <a:r>
+              <a:rPr lang="en-US" sz="1600" b="1"/>
+              <a:t>boolean</a:t>
+            </a:r>
+            <a:r>
+              <a:rPr lang="en-US" sz="1600"/>
+              <a:t>&gt; </a:t>
+            </a:r>
+            <a:endParaRPr lang="en-US" sz="1600" smtClean="0"/>
+          </a:p>
+          <a:p>
+            <a:pPr marL="0" indent="0">
+              <a:buNone/>
+            </a:pPr>
+            <a:r>
+              <a:rPr lang="en-US" sz="1800" smtClean="0"/>
+              <a:t>	}</a:t>
+            </a:r>
+          </a:p>
+          <a:p>
+            <a:pPr marL="0" indent="0">
+              <a:buNone/>
+            </a:pPr>
+            <a:r>
+              <a:rPr lang="en-US" sz="1800" smtClean="0"/>
+              <a:t>}</a:t>
+            </a:r>
+            <a:endParaRPr lang="en-US" sz="2400"/>
+          </a:p>
+          <a:p>
+            <a:r>
+              <a:rPr lang="en-US" sz="2400" smtClean="0"/>
+              <a:t>path: path to array field</a:t>
+            </a:r>
+          </a:p>
+          <a:p>
+            <a:r>
+              <a:rPr lang="en-US" sz="2400" smtClean="0"/>
+              <a:t>includeArrayIndex: optional, name of the field which will hold value of current index in array</a:t>
+            </a:r>
+          </a:p>
+          <a:p>
+            <a:r>
+              <a:rPr lang="en-US" sz="2400" smtClean="0"/>
+              <a:t>preserveNullAndEmptyArrays: if</a:t>
+            </a:r>
+            <a:r>
+              <a:rPr lang="en-US" sz="2400" b="1" smtClean="0"/>
+              <a:t> true</a:t>
+            </a:r>
+            <a:r>
+              <a:rPr lang="en-US" sz="2400" smtClean="0"/>
+              <a:t>, in case that </a:t>
+            </a:r>
+            <a:r>
+              <a:rPr lang="en-US" sz="2400" i="1" smtClean="0"/>
+              <a:t>path</a:t>
+            </a:r>
+            <a:r>
+              <a:rPr lang="en-US" sz="2400" smtClean="0"/>
+              <a:t> is null or missing or point to an empty array, $unwind will output the document itself. If </a:t>
+            </a:r>
+            <a:r>
+              <a:rPr lang="en-US" sz="2400" b="1" smtClean="0"/>
+              <a:t>false</a:t>
+            </a:r>
+            <a:r>
+              <a:rPr lang="en-US" sz="2400" smtClean="0"/>
+              <a:t>, no document output</a:t>
+            </a:r>
+          </a:p>
+        </p:txBody>
+      </p:sp>
+    </p:spTree>
+    <p:extLst>
+      <p:ext uri="{BB962C8B-B14F-4D97-AF65-F5344CB8AC3E}">
+        <p14:creationId xmlns:p14="http://schemas.microsoft.com/office/powerpoint/2010/main" val="369916175"/>
+      </p:ext>
+    </p:extLst>
+  </p:cSld>
+  <p:clrMapOvr>
+    <a:masterClrMapping/>
+  </p:clrMapOvr>
+  <p:timing>
+    <p:tnLst>
+      <p:par>
+        <p:cTn id="1" dur="indefinite" restart="never" nodeType="tmRoot"/>
+      </p:par>
+    </p:tnLst>
+  </p:timing>
+</p:sld>
+</file>
+
+<file path=ppt/slides/slide15.xml><?xml version="1.0" encoding="utf-8"?>
+<p:sld xmlns:a="http://schemas.openxmlformats.org/drawingml/2006/main" xmlns:r="http://schemas.openxmlformats.org/officeDocument/2006/relationships" xmlns:p="http://schemas.openxmlformats.org/presentationml/2006/main">
+  <p:cSld>
+    <p:spTree>
+      <p:nvGrpSpPr>
+        <p:cNvPr id="1" name=""/>
+        <p:cNvGrpSpPr/>
+        <p:nvPr/>
+      </p:nvGrpSpPr>
+      <p:grpSpPr>
+        <a:xfrm>
+          <a:off x="0" y="0"/>
+          <a:ext cx="0" cy="0"/>
+          <a:chOff x="0" y="0"/>
+          <a:chExt cx="0" cy="0"/>
+        </a:xfrm>
+      </p:grpSpPr>
+      <p:sp>
+        <p:nvSpPr>
+          <p:cNvPr id="30722" name="Rectangle 2"/>
+          <p:cNvSpPr>
+            <a:spLocks noGrp="1" noChangeArrowheads="1"/>
+          </p:cNvSpPr>
+          <p:nvPr>
+            <p:ph type="title"/>
+          </p:nvPr>
+        </p:nvSpPr>
+        <p:spPr/>
+        <p:txBody>
+          <a:bodyPr/>
+          <a:lstStyle/>
+          <a:p>
+            <a:r>
+              <a:rPr lang="en-US" smtClean="0"/>
+              <a:t>$group</a:t>
+            </a:r>
+            <a:endParaRPr lang="en-US" dirty="0"/>
+          </a:p>
+        </p:txBody>
+      </p:sp>
+      <p:sp>
+        <p:nvSpPr>
+          <p:cNvPr id="30723" name="Rectangle 3"/>
+          <p:cNvSpPr>
+            <a:spLocks noGrp="1" noChangeArrowheads="1"/>
+          </p:cNvSpPr>
+          <p:nvPr>
+            <p:ph type="body" idx="1"/>
+          </p:nvPr>
+        </p:nvSpPr>
+        <p:spPr>
+          <a:xfrm>
+            <a:off x="457200" y="1719263"/>
+            <a:ext cx="8229600" cy="4302125"/>
+          </a:xfrm>
+        </p:spPr>
+        <p:txBody>
+          <a:bodyPr/>
+          <a:lstStyle/>
+          <a:p>
+            <a:r>
+              <a:rPr lang="en-US"/>
+              <a:t>Groups documents by some specified expression and outputs to the next stage a document for each distinct grouping. </a:t>
+            </a:r>
+            <a:endParaRPr lang="en-US" smtClean="0"/>
+          </a:p>
+          <a:p>
+            <a:r>
+              <a:rPr lang="en-US"/>
+              <a:t>The output documents can also contain computed fields </a:t>
+            </a:r>
+            <a:endParaRPr lang="en-US" smtClean="0"/>
+          </a:p>
+          <a:p>
+            <a:r>
+              <a:rPr lang="en-US" smtClean="0"/>
+              <a:t>Form:</a:t>
+            </a:r>
+          </a:p>
+          <a:p>
+            <a:pPr marL="0" indent="0">
+              <a:buNone/>
+            </a:pPr>
             <a:r>
               <a:rPr lang="en-US" sz="2800"/>
-              <a:t> { _id</a:t>
-            </a:r>
-            <a:r>
-              <a:rPr lang="en-US" sz="2800"/>
-              <a:t>:</a:t>
-            </a:r>
-            <a:r>
-              <a:rPr lang="en-US" sz="2800"/>
-              <a:t> </a:t>
-            </a:r>
-            <a:r>
-              <a:rPr lang="en-US" sz="2800"/>
-              <a:t>&lt;</a:t>
-            </a:r>
-            <a:r>
-              <a:rPr lang="en-US" sz="2800"/>
-              <a:t>expression</a:t>
-            </a:r>
-            <a:r>
-              <a:rPr lang="en-US" sz="2800"/>
-              <a:t>&gt;</a:t>
-            </a:r>
-            <a:r>
-              <a:rPr lang="en-US" sz="2800"/>
-              <a:t>, </a:t>
-            </a:r>
-            <a:r>
-              <a:rPr lang="en-US" sz="2800"/>
-              <a:t>&lt;</a:t>
-            </a:r>
-            <a:r>
-              <a:rPr lang="en-US" sz="2800"/>
-              <a:t>field1</a:t>
-            </a:r>
-            <a:r>
-              <a:rPr lang="en-US" sz="2800"/>
-              <a:t>&gt;:</a:t>
-            </a:r>
-            <a:r>
-              <a:rPr lang="en-US" sz="2800"/>
-              <a:t> { </a:t>
-            </a:r>
-            <a:r>
-              <a:rPr lang="en-US" sz="2800"/>
-              <a:t>&lt;</a:t>
-            </a:r>
-            <a:r>
-              <a:rPr lang="en-US" sz="2800"/>
-              <a:t>accumulator1</a:t>
-            </a:r>
-            <a:r>
-              <a:rPr lang="en-US" sz="2800"/>
-              <a:t>&gt;</a:t>
-            </a:r>
-            <a:r>
-              <a:rPr lang="en-US" sz="2800"/>
-              <a:t> </a:t>
-            </a:r>
-            <a:r>
-              <a:rPr lang="en-US" sz="2800"/>
-              <a:t>:</a:t>
-            </a:r>
-            <a:r>
-              <a:rPr lang="en-US" sz="2800"/>
-              <a:t> </a:t>
-            </a:r>
-            <a:r>
-              <a:rPr lang="en-US" sz="2800"/>
-              <a:t>&lt;</a:t>
-            </a:r>
-            <a:r>
-              <a:rPr lang="en-US" sz="2800"/>
-              <a:t>expression1</a:t>
-            </a:r>
-            <a:r>
-              <a:rPr lang="en-US" sz="2800"/>
-              <a:t>&gt;</a:t>
-            </a:r>
-            <a:r>
-              <a:rPr lang="en-US" sz="2800"/>
-              <a:t> }, ... } }</a:t>
+              <a:t>{ $group: { _id: &lt;expression&gt;, &lt;field1&gt;: { &lt;accumulator1&gt; : &lt;expression1&gt; }, ... } }</a:t>
             </a:r>
             <a:endParaRPr lang="en-US" sz="2800" smtClean="0"/>
           </a:p>
@@ -12443,7 +12910,7 @@
 </p:sld>
 </file>
 
-<file path=ppt/slides/slide12.xml><?xml version="1.0" encoding="utf-8"?>
+<file path=ppt/slides/slide16.xml><?xml version="1.0" encoding="utf-8"?>
 <p:sld xmlns:a="http://schemas.openxmlformats.org/drawingml/2006/main" xmlns:r="http://schemas.openxmlformats.org/officeDocument/2006/relationships" xmlns:p="http://schemas.openxmlformats.org/presentationml/2006/main">
   <p:cSld>
     <p:spTree>
@@ -12884,559 +13351,6 @@
 </p:sld>
 </file>
 
-<file path=ppt/slides/slide13.xml><?xml version="1.0" encoding="utf-8"?>
-<p:sld xmlns:a="http://schemas.openxmlformats.org/drawingml/2006/main" xmlns:r="http://schemas.openxmlformats.org/officeDocument/2006/relationships" xmlns:p="http://schemas.openxmlformats.org/presentationml/2006/main">
-  <p:cSld>
-    <p:spTree>
-      <p:nvGrpSpPr>
-        <p:cNvPr id="1" name=""/>
-        <p:cNvGrpSpPr/>
-        <p:nvPr/>
-      </p:nvGrpSpPr>
-      <p:grpSpPr>
-        <a:xfrm>
-          <a:off x="0" y="0"/>
-          <a:ext cx="0" cy="0"/>
-          <a:chOff x="0" y="0"/>
-          <a:chExt cx="0" cy="0"/>
-        </a:xfrm>
-      </p:grpSpPr>
-      <p:sp>
-        <p:nvSpPr>
-          <p:cNvPr id="30722" name="Rectangle 2"/>
-          <p:cNvSpPr>
-            <a:spLocks noGrp="1" noChangeArrowheads="1"/>
-          </p:cNvSpPr>
-          <p:nvPr>
-            <p:ph type="title"/>
-          </p:nvPr>
-        </p:nvSpPr>
-        <p:spPr/>
-        <p:txBody>
-          <a:bodyPr/>
-          <a:lstStyle/>
-          <a:p>
-            <a:r>
-              <a:rPr lang="en-US" smtClean="0"/>
-              <a:t>$group (contd2)</a:t>
-            </a:r>
-            <a:endParaRPr lang="en-US" dirty="0"/>
-          </a:p>
-        </p:txBody>
-      </p:sp>
-      <p:sp>
-        <p:nvSpPr>
-          <p:cNvPr id="30723" name="Rectangle 3"/>
-          <p:cNvSpPr>
-            <a:spLocks noGrp="1" noChangeArrowheads="1"/>
-          </p:cNvSpPr>
-          <p:nvPr>
-            <p:ph type="body" idx="1"/>
-          </p:nvPr>
-        </p:nvSpPr>
-        <p:spPr>
-          <a:xfrm>
-            <a:off x="457200" y="1719263"/>
-            <a:ext cx="8229600" cy="4302125"/>
-          </a:xfrm>
-        </p:spPr>
-        <p:txBody>
-          <a:bodyPr/>
-          <a:lstStyle/>
-          <a:p>
-            <a:r>
-              <a:rPr lang="en-US" sz="2800" smtClean="0"/>
-              <a:t>$group has a limit of 100MB of RAM. =&gt; To process large dataset, MongoDB allows write temporary files by enable </a:t>
-            </a:r>
-            <a:r>
-              <a:rPr lang="en-US" sz="2800" b="1" smtClean="0"/>
-              <a:t>allowDiskUse</a:t>
-            </a:r>
-            <a:endParaRPr lang="en-US" sz="2800" smtClean="0"/>
-          </a:p>
-        </p:txBody>
-      </p:sp>
-    </p:spTree>
-    <p:extLst>
-      <p:ext uri="{BB962C8B-B14F-4D97-AF65-F5344CB8AC3E}">
-        <p14:creationId xmlns:p14="http://schemas.microsoft.com/office/powerpoint/2010/main" val="4180016494"/>
-      </p:ext>
-    </p:extLst>
-  </p:cSld>
-  <p:clrMapOvr>
-    <a:masterClrMapping/>
-  </p:clrMapOvr>
-  <p:timing>
-    <p:tnLst>
-      <p:par>
-        <p:cTn id="1" dur="indefinite" restart="never" nodeType="tmRoot"/>
-      </p:par>
-    </p:tnLst>
-  </p:timing>
-</p:sld>
-</file>
-
-<file path=ppt/slides/slide14.xml><?xml version="1.0" encoding="utf-8"?>
-<p:sld xmlns:a="http://schemas.openxmlformats.org/drawingml/2006/main" xmlns:r="http://schemas.openxmlformats.org/officeDocument/2006/relationships" xmlns:p="http://schemas.openxmlformats.org/presentationml/2006/main">
-  <p:cSld>
-    <p:spTree>
-      <p:nvGrpSpPr>
-        <p:cNvPr id="1" name=""/>
-        <p:cNvGrpSpPr/>
-        <p:nvPr/>
-      </p:nvGrpSpPr>
-      <p:grpSpPr>
-        <a:xfrm>
-          <a:off x="0" y="0"/>
-          <a:ext cx="0" cy="0"/>
-          <a:chOff x="0" y="0"/>
-          <a:chExt cx="0" cy="0"/>
-        </a:xfrm>
-      </p:grpSpPr>
-      <p:sp>
-        <p:nvSpPr>
-          <p:cNvPr id="30722" name="Rectangle 2"/>
-          <p:cNvSpPr>
-            <a:spLocks noGrp="1" noChangeArrowheads="1"/>
-          </p:cNvSpPr>
-          <p:nvPr>
-            <p:ph type="title"/>
-          </p:nvPr>
-        </p:nvSpPr>
-        <p:spPr/>
-        <p:txBody>
-          <a:bodyPr/>
-          <a:lstStyle/>
-          <a:p>
-            <a:r>
-              <a:rPr lang="en-US" smtClean="0"/>
-              <a:t>$sample</a:t>
-            </a:r>
-            <a:endParaRPr lang="en-US" dirty="0"/>
-          </a:p>
-        </p:txBody>
-      </p:sp>
-      <p:sp>
-        <p:nvSpPr>
-          <p:cNvPr id="30723" name="Rectangle 3"/>
-          <p:cNvSpPr>
-            <a:spLocks noGrp="1" noChangeArrowheads="1"/>
-          </p:cNvSpPr>
-          <p:nvPr>
-            <p:ph type="body" idx="1"/>
-          </p:nvPr>
-        </p:nvSpPr>
-        <p:spPr>
-          <a:xfrm>
-            <a:off x="457200" y="1719263"/>
-            <a:ext cx="8229600" cy="4302125"/>
-          </a:xfrm>
-        </p:spPr>
-        <p:txBody>
-          <a:bodyPr/>
-          <a:lstStyle/>
-          <a:p>
-            <a:r>
-              <a:rPr lang="en-US"/>
-              <a:t>Randomly selects the specified number of documents from its </a:t>
-            </a:r>
-            <a:r>
-              <a:rPr lang="en-US"/>
-              <a:t>input</a:t>
-            </a:r>
-            <a:r>
-              <a:rPr lang="en-US" smtClean="0"/>
-              <a:t>.</a:t>
-            </a:r>
-          </a:p>
-          <a:p>
-            <a:r>
-              <a:rPr lang="en-US" smtClean="0"/>
-              <a:t>Form:</a:t>
-            </a:r>
-            <a:br>
-              <a:rPr lang="en-US" smtClean="0"/>
-            </a:br>
-            <a:r>
-              <a:rPr lang="en-US" sz="2400"/>
-              <a:t>{ $sample</a:t>
-            </a:r>
-            <a:r>
-              <a:rPr lang="en-US" sz="2400"/>
-              <a:t>:</a:t>
-            </a:r>
-            <a:r>
-              <a:rPr lang="en-US" sz="2400"/>
-              <a:t> { size</a:t>
-            </a:r>
-            <a:r>
-              <a:rPr lang="en-US" sz="2400"/>
-              <a:t>:</a:t>
-            </a:r>
-            <a:r>
-              <a:rPr lang="en-US" sz="2400"/>
-              <a:t> </a:t>
-            </a:r>
-            <a:r>
-              <a:rPr lang="en-US" sz="2400" smtClean="0"/>
-              <a:t>N} }</a:t>
-            </a:r>
-          </a:p>
-          <a:p>
-            <a:pPr marL="0" indent="0">
-              <a:buNone/>
-            </a:pPr>
-            <a:r>
-              <a:rPr lang="en-US" sz="2400" smtClean="0"/>
-              <a:t>N is a positive integer</a:t>
-            </a:r>
-            <a:endParaRPr lang="en-US" smtClean="0"/>
-          </a:p>
-        </p:txBody>
-      </p:sp>
-    </p:spTree>
-    <p:extLst>
-      <p:ext uri="{BB962C8B-B14F-4D97-AF65-F5344CB8AC3E}">
-        <p14:creationId xmlns:p14="http://schemas.microsoft.com/office/powerpoint/2010/main" val="815434512"/>
-      </p:ext>
-    </p:extLst>
-  </p:cSld>
-  <p:clrMapOvr>
-    <a:masterClrMapping/>
-  </p:clrMapOvr>
-  <p:timing>
-    <p:tnLst>
-      <p:par>
-        <p:cTn id="1" dur="indefinite" restart="never" nodeType="tmRoot"/>
-      </p:par>
-    </p:tnLst>
-  </p:timing>
-</p:sld>
-</file>
-
-<file path=ppt/slides/slide15.xml><?xml version="1.0" encoding="utf-8"?>
-<p:sld xmlns:a="http://schemas.openxmlformats.org/drawingml/2006/main" xmlns:r="http://schemas.openxmlformats.org/officeDocument/2006/relationships" xmlns:p="http://schemas.openxmlformats.org/presentationml/2006/main">
-  <p:cSld>
-    <p:spTree>
-      <p:nvGrpSpPr>
-        <p:cNvPr id="1" name=""/>
-        <p:cNvGrpSpPr/>
-        <p:nvPr/>
-      </p:nvGrpSpPr>
-      <p:grpSpPr>
-        <a:xfrm>
-          <a:off x="0" y="0"/>
-          <a:ext cx="0" cy="0"/>
-          <a:chOff x="0" y="0"/>
-          <a:chExt cx="0" cy="0"/>
-        </a:xfrm>
-      </p:grpSpPr>
-      <p:sp>
-        <p:nvSpPr>
-          <p:cNvPr id="30722" name="Rectangle 2"/>
-          <p:cNvSpPr>
-            <a:spLocks noGrp="1" noChangeArrowheads="1"/>
-          </p:cNvSpPr>
-          <p:nvPr>
-            <p:ph type="title"/>
-          </p:nvPr>
-        </p:nvSpPr>
-        <p:spPr/>
-        <p:txBody>
-          <a:bodyPr/>
-          <a:lstStyle/>
-          <a:p>
-            <a:r>
-              <a:rPr lang="en-US" smtClean="0"/>
-              <a:t>$sort</a:t>
-            </a:r>
-            <a:endParaRPr lang="en-US" dirty="0"/>
-          </a:p>
-        </p:txBody>
-      </p:sp>
-      <p:sp>
-        <p:nvSpPr>
-          <p:cNvPr id="30723" name="Rectangle 3"/>
-          <p:cNvSpPr>
-            <a:spLocks noGrp="1" noChangeArrowheads="1"/>
-          </p:cNvSpPr>
-          <p:nvPr>
-            <p:ph type="body" idx="1"/>
-          </p:nvPr>
-        </p:nvSpPr>
-        <p:spPr>
-          <a:xfrm>
-            <a:off x="457200" y="1719263"/>
-            <a:ext cx="8229600" cy="4302125"/>
-          </a:xfrm>
-        </p:spPr>
-        <p:txBody>
-          <a:bodyPr/>
-          <a:lstStyle/>
-          <a:p>
-            <a:r>
-              <a:rPr lang="en-US"/>
-              <a:t>Sorts all input documents and returns them to the pipeline in sorted </a:t>
-            </a:r>
-            <a:r>
-              <a:rPr lang="en-US"/>
-              <a:t>order</a:t>
-            </a:r>
-            <a:r>
-              <a:rPr lang="en-US" smtClean="0"/>
-              <a:t>.</a:t>
-            </a:r>
-          </a:p>
-          <a:p>
-            <a:r>
-              <a:rPr lang="en-US" smtClean="0"/>
-              <a:t>Form:</a:t>
-            </a:r>
-            <a:br>
-              <a:rPr lang="en-US" smtClean="0"/>
-            </a:br>
-            <a:r>
-              <a:rPr lang="en-US" sz="2000"/>
-              <a:t>{ $sort</a:t>
-            </a:r>
-            <a:r>
-              <a:rPr lang="en-US" sz="2000"/>
-              <a:t>:</a:t>
-            </a:r>
-            <a:r>
-              <a:rPr lang="en-US" sz="2000"/>
-              <a:t> { </a:t>
-            </a:r>
-            <a:r>
-              <a:rPr lang="en-US" sz="2000"/>
-              <a:t>&lt;</a:t>
-            </a:r>
-            <a:r>
-              <a:rPr lang="en-US" sz="2000"/>
-              <a:t>field1</a:t>
-            </a:r>
-            <a:r>
-              <a:rPr lang="en-US" sz="2000"/>
-              <a:t>&gt;:</a:t>
-            </a:r>
-            <a:r>
-              <a:rPr lang="en-US" sz="2000"/>
-              <a:t> </a:t>
-            </a:r>
-            <a:r>
-              <a:rPr lang="en-US" sz="2000"/>
-              <a:t>&lt;</a:t>
-            </a:r>
-            <a:r>
-              <a:rPr lang="en-US" sz="2000"/>
-              <a:t>sort order</a:t>
-            </a:r>
-            <a:r>
-              <a:rPr lang="en-US" sz="2000"/>
-              <a:t>&gt;</a:t>
-            </a:r>
-            <a:r>
-              <a:rPr lang="en-US" sz="2000"/>
-              <a:t>, </a:t>
-            </a:r>
-            <a:r>
-              <a:rPr lang="en-US" sz="2000"/>
-              <a:t>&lt;</a:t>
-            </a:r>
-            <a:r>
-              <a:rPr lang="en-US" sz="2000"/>
-              <a:t>field2</a:t>
-            </a:r>
-            <a:r>
-              <a:rPr lang="en-US" sz="2000"/>
-              <a:t>&gt;:</a:t>
-            </a:r>
-            <a:r>
-              <a:rPr lang="en-US" sz="2000"/>
-              <a:t> </a:t>
-            </a:r>
-            <a:r>
-              <a:rPr lang="en-US" sz="2000"/>
-              <a:t>&lt;</a:t>
-            </a:r>
-            <a:r>
-              <a:rPr lang="en-US" sz="2000"/>
-              <a:t>sort order</a:t>
-            </a:r>
-            <a:r>
-              <a:rPr lang="en-US" sz="2000"/>
-              <a:t>&gt;</a:t>
-            </a:r>
-            <a:r>
-              <a:rPr lang="en-US" sz="2000"/>
-              <a:t> ... </a:t>
-            </a:r>
-            <a:r>
-              <a:rPr lang="en-US" sz="2000"/>
-              <a:t>} </a:t>
-            </a:r>
-            <a:r>
-              <a:rPr lang="en-US" sz="2000" smtClean="0"/>
-              <a:t>}</a:t>
-            </a:r>
-            <a:endParaRPr lang="en-US" smtClean="0"/>
-          </a:p>
-          <a:p>
-            <a:pPr marL="0" indent="0">
-              <a:buNone/>
-            </a:pPr>
-            <a:r>
-              <a:rPr lang="en-US" smtClean="0"/>
-              <a:t>Sort order can be 1 (ASC) or -1 (DESC)</a:t>
-            </a:r>
-            <a:endParaRPr lang="en-US" dirty="0"/>
-          </a:p>
-        </p:txBody>
-      </p:sp>
-    </p:spTree>
-    <p:extLst>
-      <p:ext uri="{BB962C8B-B14F-4D97-AF65-F5344CB8AC3E}">
-        <p14:creationId xmlns:p14="http://schemas.microsoft.com/office/powerpoint/2010/main" val="3843389033"/>
-      </p:ext>
-    </p:extLst>
-  </p:cSld>
-  <p:clrMapOvr>
-    <a:masterClrMapping/>
-  </p:clrMapOvr>
-  <p:timing>
-    <p:tnLst>
-      <p:par>
-        <p:cTn id="1" dur="indefinite" restart="never" nodeType="tmRoot"/>
-      </p:par>
-    </p:tnLst>
-  </p:timing>
-</p:sld>
-</file>
-
-<file path=ppt/slides/slide16.xml><?xml version="1.0" encoding="utf-8"?>
-<p:sld xmlns:a="http://schemas.openxmlformats.org/drawingml/2006/main" xmlns:r="http://schemas.openxmlformats.org/officeDocument/2006/relationships" xmlns:p="http://schemas.openxmlformats.org/presentationml/2006/main">
-  <p:cSld>
-    <p:spTree>
-      <p:nvGrpSpPr>
-        <p:cNvPr id="1" name=""/>
-        <p:cNvGrpSpPr/>
-        <p:nvPr/>
-      </p:nvGrpSpPr>
-      <p:grpSpPr>
-        <a:xfrm>
-          <a:off x="0" y="0"/>
-          <a:ext cx="0" cy="0"/>
-          <a:chOff x="0" y="0"/>
-          <a:chExt cx="0" cy="0"/>
-        </a:xfrm>
-      </p:grpSpPr>
-      <p:sp>
-        <p:nvSpPr>
-          <p:cNvPr id="30722" name="Rectangle 2"/>
-          <p:cNvSpPr>
-            <a:spLocks noGrp="1" noChangeArrowheads="1"/>
-          </p:cNvSpPr>
-          <p:nvPr>
-            <p:ph type="title"/>
-          </p:nvPr>
-        </p:nvSpPr>
-        <p:spPr/>
-        <p:txBody>
-          <a:bodyPr/>
-          <a:lstStyle/>
-          <a:p>
-            <a:r>
-              <a:rPr lang="en-US" smtClean="0"/>
-              <a:t>$lookup</a:t>
-            </a:r>
-            <a:endParaRPr lang="en-US" dirty="0"/>
-          </a:p>
-        </p:txBody>
-      </p:sp>
-      <p:sp>
-        <p:nvSpPr>
-          <p:cNvPr id="30723" name="Rectangle 3"/>
-          <p:cNvSpPr>
-            <a:spLocks noGrp="1" noChangeArrowheads="1"/>
-          </p:cNvSpPr>
-          <p:nvPr>
-            <p:ph type="body" idx="1"/>
-          </p:nvPr>
-        </p:nvSpPr>
-        <p:spPr>
-          <a:xfrm>
-            <a:off x="457200" y="1719263"/>
-            <a:ext cx="8229600" cy="4302125"/>
-          </a:xfrm>
-        </p:spPr>
-        <p:txBody>
-          <a:bodyPr/>
-          <a:lstStyle/>
-          <a:p>
-            <a:r>
-              <a:rPr lang="en-US"/>
-              <a:t>Performs a left outer join to an unsharded collection in the </a:t>
-            </a:r>
-            <a:r>
-              <a:rPr lang="en-US" i="1"/>
-              <a:t>same</a:t>
-            </a:r>
-            <a:r>
-              <a:rPr lang="en-US"/>
-              <a:t> database to filter in documents from the “joined” collection </a:t>
-            </a:r>
-            <a:r>
-              <a:rPr lang="en-US"/>
-              <a:t>for </a:t>
-            </a:r>
-            <a:r>
-              <a:rPr lang="en-US" smtClean="0"/>
-              <a:t>processing</a:t>
-            </a:r>
-          </a:p>
-          <a:p>
-            <a:r>
-              <a:rPr lang="en-US"/>
-              <a:t>The $lookup stage does an equality match between a field from the input documents with a field from the documents of the “joined” </a:t>
-            </a:r>
-            <a:r>
-              <a:rPr lang="en-US"/>
-              <a:t>collection</a:t>
-            </a:r>
-            <a:r>
-              <a:rPr lang="en-US" smtClean="0"/>
-              <a:t>.</a:t>
-            </a:r>
-          </a:p>
-          <a:p>
-            <a:r>
-              <a:rPr lang="en-US" smtClean="0"/>
-              <a:t>$lookup add a new field (type=array) to the original document</a:t>
-            </a:r>
-            <a:endParaRPr lang="en-US" dirty="0"/>
-          </a:p>
-        </p:txBody>
-      </p:sp>
-    </p:spTree>
-    <p:extLst>
-      <p:ext uri="{BB962C8B-B14F-4D97-AF65-F5344CB8AC3E}">
-        <p14:creationId xmlns:p14="http://schemas.microsoft.com/office/powerpoint/2010/main" val="764259246"/>
-      </p:ext>
-    </p:extLst>
-  </p:cSld>
-  <p:clrMapOvr>
-    <a:masterClrMapping/>
-  </p:clrMapOvr>
-  <p:timing>
-    <p:tnLst>
-      <p:par>
-        <p:cTn id="1" dur="indefinite" restart="never" nodeType="tmRoot"/>
-      </p:par>
-    </p:tnLst>
-  </p:timing>
-</p:sld>
-</file>
-
 <file path=ppt/slides/slide17.xml><?xml version="1.0" encoding="utf-8"?>
 <p:sld xmlns:a="http://schemas.openxmlformats.org/drawingml/2006/main" xmlns:r="http://schemas.openxmlformats.org/officeDocument/2006/relationships" xmlns:p="http://schemas.openxmlformats.org/presentationml/2006/main">
   <p:cSld>
@@ -13471,7 +13385,7 @@
           <a:p>
             <a:r>
               <a:rPr lang="en-US" smtClean="0"/>
-              <a:t>$lookup (contd.)</a:t>
+              <a:t>$group (contd2)</a:t>
             </a:r>
             <a:endParaRPr lang="en-US" dirty="0"/>
           </a:p>
@@ -13498,157 +13412,21 @@
           <a:lstStyle/>
           <a:p>
             <a:r>
-              <a:rPr lang="en-US" smtClean="0"/>
-              <a:t>Form:</a:t>
-            </a:r>
-          </a:p>
-          <a:p>
-            <a:pPr marL="0" indent="0">
-              <a:buNone/>
-            </a:pPr>
-            <a:r>
-              <a:rPr lang="en-US" sz="2000"/>
-              <a:t>{ </a:t>
-            </a:r>
-            <a:endParaRPr lang="en-US" sz="2000" smtClean="0"/>
-          </a:p>
-          <a:p>
-            <a:pPr marL="0" indent="0">
-              <a:buNone/>
-            </a:pPr>
-            <a:r>
-              <a:rPr lang="en-US" sz="2000"/>
-              <a:t>	</a:t>
-            </a:r>
-            <a:r>
-              <a:rPr lang="en-US" sz="2000" smtClean="0"/>
-              <a:t>$</a:t>
-            </a:r>
-            <a:r>
-              <a:rPr lang="en-US" sz="2000"/>
-              <a:t>lookup: </a:t>
-            </a:r>
-            <a:r>
-              <a:rPr lang="en-US" sz="2000"/>
-              <a:t>{ </a:t>
-            </a:r>
-            <a:endParaRPr lang="en-US" sz="2000" smtClean="0"/>
-          </a:p>
-          <a:p>
-            <a:pPr marL="0" indent="0">
-              <a:buNone/>
-            </a:pPr>
-            <a:r>
-              <a:rPr lang="en-US" sz="2000"/>
-              <a:t>	</a:t>
-            </a:r>
-            <a:r>
-              <a:rPr lang="en-US" sz="2000" smtClean="0"/>
-              <a:t>	from</a:t>
-            </a:r>
-            <a:r>
-              <a:rPr lang="en-US" sz="2000"/>
-              <a:t>: </a:t>
-            </a:r>
-            <a:r>
-              <a:rPr lang="en-US" sz="2000" smtClean="0"/>
-              <a:t>&lt;targetCollection&gt;,</a:t>
-            </a:r>
-          </a:p>
-          <a:p>
-            <a:pPr marL="0" indent="0">
-              <a:buNone/>
-            </a:pPr>
-            <a:r>
-              <a:rPr lang="en-US" sz="2000"/>
-              <a:t>	</a:t>
-            </a:r>
-            <a:r>
-              <a:rPr lang="en-US" sz="2000" smtClean="0"/>
-              <a:t>	localField</a:t>
-            </a:r>
-            <a:r>
-              <a:rPr lang="en-US" sz="2000"/>
-              <a:t>: </a:t>
-            </a:r>
-            <a:r>
-              <a:rPr lang="en-US" sz="2000" smtClean="0"/>
-              <a:t>&lt;foreignKey&gt;, </a:t>
-            </a:r>
-          </a:p>
-          <a:p>
-            <a:pPr marL="0" indent="0">
-              <a:buNone/>
-            </a:pPr>
-            <a:r>
-              <a:rPr lang="en-US" sz="2000"/>
-              <a:t>	</a:t>
-            </a:r>
-            <a:r>
-              <a:rPr lang="en-US" sz="2000" smtClean="0"/>
-              <a:t>	foreignField</a:t>
-            </a:r>
-            <a:r>
-              <a:rPr lang="en-US" sz="2000"/>
-              <a:t>: </a:t>
-            </a:r>
-            <a:r>
-              <a:rPr lang="en-US" sz="2000" smtClean="0"/>
-              <a:t>&lt;keyInTargetCollection&gt;, </a:t>
-            </a:r>
-          </a:p>
-          <a:p>
-            <a:pPr marL="0" indent="0">
-              <a:buNone/>
-            </a:pPr>
-            <a:r>
-              <a:rPr lang="en-US" sz="2000"/>
-              <a:t>	</a:t>
-            </a:r>
-            <a:r>
-              <a:rPr lang="en-US" sz="2000" smtClean="0"/>
-              <a:t>	as</a:t>
-            </a:r>
-            <a:r>
-              <a:rPr lang="en-US" sz="2000"/>
-              <a:t>: </a:t>
-            </a:r>
-            <a:r>
-              <a:rPr lang="en-US" sz="2000" smtClean="0"/>
-              <a:t>&lt;fieldname&gt; </a:t>
-            </a:r>
-          </a:p>
-          <a:p>
-            <a:pPr marL="0" indent="0">
-              <a:buNone/>
-            </a:pPr>
-            <a:r>
-              <a:rPr lang="en-US" sz="2000" smtClean="0"/>
-              <a:t>	}</a:t>
-            </a:r>
-          </a:p>
-          <a:p>
-            <a:pPr marL="0" indent="0">
-              <a:buNone/>
-            </a:pPr>
-            <a:r>
-              <a:rPr lang="en-US" sz="2000" smtClean="0"/>
-              <a:t>}</a:t>
-            </a:r>
-            <a:endParaRPr lang="en-US" smtClean="0"/>
-          </a:p>
-          <a:p>
-            <a:pPr marL="0" indent="0">
-              <a:buNone/>
-            </a:pPr>
-            <a:endParaRPr lang="en-US" dirty="0"/>
+              <a:rPr lang="en-US" sz="2800" smtClean="0"/>
+              <a:t>$group has a limit of 100MB of RAM. =&gt; To process large dataset, MongoDB allows write temporary files by enable </a:t>
+            </a:r>
+            <a:r>
+              <a:rPr lang="en-US" sz="2800" b="1" smtClean="0"/>
+              <a:t>allowDiskUse</a:t>
+            </a:r>
+            <a:endParaRPr lang="en-US" sz="2800" smtClean="0"/>
           </a:p>
         </p:txBody>
       </p:sp>
     </p:spTree>
     <p:extLst>
       <p:ext uri="{BB962C8B-B14F-4D97-AF65-F5344CB8AC3E}">
-        <p14:creationId xmlns:p14="http://schemas.microsoft.com/office/powerpoint/2010/main" val="1567004529"/>
+        <p14:creationId xmlns:p14="http://schemas.microsoft.com/office/powerpoint/2010/main" val="4180016494"/>
       </p:ext>
     </p:extLst>
   </p:cSld>
@@ -13699,7 +13477,7 @@
           <a:p>
             <a:r>
               <a:rPr lang="en-US" smtClean="0"/>
-              <a:t>$lookup (contd2.)</a:t>
+              <a:t>$sample</a:t>
             </a:r>
             <a:endParaRPr lang="en-US" dirty="0"/>
           </a:p>
@@ -13726,8 +13504,29 @@
           <a:lstStyle/>
           <a:p>
             <a:r>
+              <a:rPr lang="en-US"/>
+              <a:t>Randomly selects the specified number of documents from its input</a:t>
+            </a:r>
+            <a:r>
+              <a:rPr lang="en-US" smtClean="0"/>
+              <a:t>.</a:t>
+            </a:r>
+          </a:p>
+          <a:p>
+            <a:r>
               <a:rPr lang="en-US" smtClean="0"/>
               <a:t>Form:</a:t>
+            </a:r>
+            <a:br>
+              <a:rPr lang="en-US" smtClean="0"/>
+            </a:br>
+            <a:r>
+              <a:rPr lang="en-US" sz="2400"/>
+              <a:t>{ $sample: { size: </a:t>
+            </a:r>
+            <a:r>
+              <a:rPr lang="en-US" sz="2400" smtClean="0"/>
+              <a:t>N} }</a:t>
             </a:r>
           </a:p>
           <a:p>
@@ -13735,116 +13534,17 @@
               <a:buNone/>
             </a:pPr>
             <a:r>
-              <a:rPr lang="en-US" sz="2000" b="1" smtClean="0"/>
-              <a:t>from</a:t>
-            </a:r>
-            <a:r>
-              <a:rPr lang="en-US" sz="2000" smtClean="0"/>
-              <a:t>: </a:t>
-            </a:r>
-            <a:r>
-              <a:rPr lang="en-US" sz="2000"/>
-              <a:t>Specifies the collection in the </a:t>
-            </a:r>
-            <a:r>
-              <a:rPr lang="en-US" sz="2000" i="1"/>
-              <a:t>same</a:t>
-            </a:r>
-            <a:r>
-              <a:rPr lang="en-US" sz="2000"/>
-              <a:t> database to perform the </a:t>
-            </a:r>
-            <a:r>
-              <a:rPr lang="en-US" sz="2000"/>
-              <a:t>join </a:t>
-            </a:r>
-            <a:r>
-              <a:rPr lang="en-US" sz="2000" smtClean="0"/>
-              <a:t>with</a:t>
-            </a:r>
-          </a:p>
-          <a:p>
-            <a:pPr marL="0" indent="0">
-              <a:buNone/>
-            </a:pPr>
-            <a:r>
-              <a:rPr lang="en-US" sz="2000" b="1" smtClean="0"/>
-              <a:t>localField</a:t>
-            </a:r>
-            <a:r>
-              <a:rPr lang="en-US" sz="2000" smtClean="0"/>
-              <a:t>: </a:t>
-            </a:r>
-            <a:r>
-              <a:rPr lang="en-US" sz="2000"/>
-              <a:t>Specifies the field from the documents input to the $lookup</a:t>
-            </a:r>
-            <a:r>
-              <a:rPr lang="en-US" sz="2000"/>
-              <a:t> </a:t>
-            </a:r>
-            <a:r>
-              <a:rPr lang="en-US" sz="2000" smtClean="0"/>
-              <a:t>stage</a:t>
-            </a:r>
-          </a:p>
-          <a:p>
-            <a:pPr marL="0" indent="0">
-              <a:buNone/>
-            </a:pPr>
-            <a:r>
-              <a:rPr lang="en-US" sz="2000" b="1" smtClean="0"/>
-              <a:t>foreignField</a:t>
-            </a:r>
-            <a:r>
-              <a:rPr lang="en-US" sz="2000" smtClean="0"/>
-              <a:t>: </a:t>
-            </a:r>
-            <a:r>
-              <a:rPr lang="en-US" sz="2000"/>
-              <a:t>Specifies the field from the documents in the from collection. $lookup performs an equality match on the foreignField to the localField from the </a:t>
-            </a:r>
-            <a:r>
-              <a:rPr lang="en-US" sz="2000"/>
-              <a:t>input </a:t>
-            </a:r>
-            <a:r>
-              <a:rPr lang="en-US" sz="2000" smtClean="0"/>
-              <a:t>documents</a:t>
-            </a:r>
-          </a:p>
-          <a:p>
-            <a:pPr marL="0" indent="0">
-              <a:buNone/>
-            </a:pPr>
-            <a:r>
-              <a:rPr lang="en-US" sz="2000" b="1" smtClean="0"/>
-              <a:t>as</a:t>
-            </a:r>
-            <a:r>
-              <a:rPr lang="en-US" sz="2000" smtClean="0"/>
-              <a:t>: </a:t>
-            </a:r>
-            <a:r>
-              <a:rPr lang="en-US" sz="2000"/>
-              <a:t>Specifies the name of the new array field to add to </a:t>
-            </a:r>
-            <a:r>
-              <a:rPr lang="en-US" sz="2000"/>
-              <a:t>the </a:t>
-            </a:r>
-            <a:r>
-              <a:rPr lang="en-US" sz="2000" smtClean="0"/>
-              <a:t>original documents</a:t>
-            </a:r>
-            <a:endParaRPr lang="en-US" dirty="0"/>
+              <a:rPr lang="en-US" sz="2400" smtClean="0"/>
+              <a:t>N is a positive integer</a:t>
+            </a:r>
+            <a:endParaRPr lang="en-US" smtClean="0"/>
           </a:p>
         </p:txBody>
       </p:sp>
     </p:spTree>
     <p:extLst>
       <p:ext uri="{BB962C8B-B14F-4D97-AF65-F5344CB8AC3E}">
-        <p14:creationId xmlns:p14="http://schemas.microsoft.com/office/powerpoint/2010/main" val="473885864"/>
+        <p14:creationId xmlns:p14="http://schemas.microsoft.com/office/powerpoint/2010/main" val="815434512"/>
       </p:ext>
     </p:extLst>
   </p:cSld>
@@ -13895,7 +13595,7 @@
           <a:p>
             <a:r>
               <a:rPr lang="en-US" smtClean="0"/>
-              <a:t>$out</a:t>
+              <a:t>$sort</a:t>
             </a:r>
             <a:endParaRPr lang="en-US" dirty="0"/>
           </a:p>
@@ -13923,11 +13623,7 @@
           <a:p>
             <a:r>
               <a:rPr lang="en-US"/>
-              <a:t>Takes the documents returned by the aggregation pipeline and writes them to a specified </a:t>
-            </a:r>
-            <a:r>
-              <a:rPr lang="en-US"/>
-              <a:t>collection</a:t>
+              <a:t>Sorts all input documents and returns them to the pipeline in sorted order</a:t>
             </a:r>
             <a:r>
               <a:rPr lang="en-US" smtClean="0"/>
@@ -13939,64 +13635,26 @@
               <a:rPr lang="en-US" smtClean="0"/>
               <a:t>Form:</a:t>
             </a:r>
+            <a:br>
+              <a:rPr lang="en-US" smtClean="0"/>
+            </a:br>
+            <a:r>
+              <a:rPr lang="en-US" sz="2000"/>
+              <a:t>{ $sort: { &lt;field1&gt;: &lt;sort order&gt;, &lt;field2&gt;: &lt;sort order&gt; ... } </a:t>
+            </a:r>
+            <a:r>
+              <a:rPr lang="en-US" sz="2000" smtClean="0"/>
+              <a:t>}</a:t>
+            </a:r>
+            <a:endParaRPr lang="en-US" smtClean="0"/>
           </a:p>
           <a:p>
             <a:pPr marL="0" indent="0">
               <a:buNone/>
             </a:pPr>
             <a:r>
-              <a:rPr lang="en-US" sz="2400"/>
-              <a:t>{ $out</a:t>
-            </a:r>
-            <a:r>
-              <a:rPr lang="en-US" sz="2400"/>
-              <a:t>:</a:t>
-            </a:r>
-            <a:r>
-              <a:rPr lang="en-US" sz="2400"/>
-              <a:t> </a:t>
-            </a:r>
-            <a:r>
-              <a:rPr lang="en-US" sz="2400"/>
-              <a:t>"&lt;output-collection</a:t>
-            </a:r>
-            <a:r>
-              <a:rPr lang="en-US" sz="2400"/>
-              <a:t>&gt;"</a:t>
-            </a:r>
-            <a:r>
-              <a:rPr lang="en-US" sz="2400"/>
-              <a:t> </a:t>
-            </a:r>
-            <a:r>
-              <a:rPr lang="en-US" sz="2400" smtClean="0"/>
-              <a:t>}</a:t>
-            </a:r>
-          </a:p>
-          <a:p>
-            <a:pPr marL="0" indent="0">
-              <a:buNone/>
-            </a:pPr>
-            <a:r>
               <a:rPr lang="en-US" smtClean="0"/>
-              <a:t>If the output collection does exist, it will be replaced.</a:t>
-            </a:r>
-          </a:p>
-          <a:p>
-            <a:pPr marL="0" indent="0">
-              <a:buNone/>
-            </a:pPr>
-            <a:r>
-              <a:rPr lang="en-US" smtClean="0"/>
-              <a:t>This stage is failed if it doesn’t satisfy the </a:t>
-            </a:r>
-            <a:r>
-              <a:rPr lang="en-US" i="1" smtClean="0"/>
-              <a:t>unique</a:t>
-            </a:r>
-            <a:r>
-              <a:rPr lang="en-US" smtClean="0"/>
-              <a:t> indexes.</a:t>
+              <a:t>Sort order can be 1 (ASC) or -1 (DESC)</a:t>
             </a:r>
             <a:endParaRPr lang="en-US" dirty="0"/>
           </a:p>
@@ -14005,7 +13663,7 @@
     </p:spTree>
     <p:extLst>
       <p:ext uri="{BB962C8B-B14F-4D97-AF65-F5344CB8AC3E}">
-        <p14:creationId xmlns:p14="http://schemas.microsoft.com/office/powerpoint/2010/main" val="1108593015"/>
+        <p14:creationId xmlns:p14="http://schemas.microsoft.com/office/powerpoint/2010/main" val="3843389033"/>
       </p:ext>
     </p:extLst>
   </p:cSld>
@@ -14056,7 +13714,7 @@
           <a:p>
             <a:r>
               <a:rPr lang="en-US" smtClean="0"/>
-              <a:t>Introduction</a:t>
+              <a:t>update()</a:t>
             </a:r>
             <a:endParaRPr lang="en-US" dirty="0"/>
           </a:p>
@@ -14083,32 +13741,98 @@
           <a:lstStyle/>
           <a:p>
             <a:r>
+              <a:rPr lang="en-US"/>
+              <a:t>Purpose: </a:t>
+            </a:r>
+            <a:r>
+              <a:rPr lang="en-US" sz="3200"/>
+              <a:t>Modifies an existing document or documents in </a:t>
+            </a:r>
+            <a:r>
+              <a:rPr lang="en-US" sz="3200"/>
+              <a:t>a </a:t>
+            </a:r>
+            <a:r>
+              <a:rPr lang="en-US" sz="3200" smtClean="0"/>
+              <a:t>collection</a:t>
+            </a:r>
+            <a:endParaRPr lang="en-US" smtClean="0"/>
+          </a:p>
+          <a:p>
+            <a:r>
               <a:rPr lang="en-US" smtClean="0"/>
-              <a:t>Doing tasks in DB instead of in code for better performance and code effort</a:t>
-            </a:r>
-          </a:p>
-          <a:p>
-            <a:r>
-              <a:rPr lang="en-US" smtClean="0"/>
-              <a:t>The aggregation framework (AgFw) let us transform and combine documents in collections</a:t>
-            </a:r>
-          </a:p>
-          <a:p>
-            <a:r>
-              <a:rPr lang="en-US" smtClean="0"/>
-              <a:t>Pipeline of aggregation, includes many stages, output of n-th stage will be input for the (n+1)th stage</a:t>
-            </a:r>
-          </a:p>
-          <a:p>
-            <a:r>
-              <a:rPr lang="en-US" smtClean="0"/>
-              <a:t>Some stages can be used multiple times</a:t>
-            </a:r>
-            <a:endParaRPr lang="en-US" dirty="0"/>
+              <a:t>Syntax:</a:t>
+            </a:r>
+          </a:p>
+          <a:p>
+            <a:pPr marL="0" indent="0">
+              <a:buNone/>
+            </a:pPr>
+            <a:r>
+              <a:rPr lang="en-US" sz="2400" smtClean="0"/>
+              <a:t>db.collectionName.update(</a:t>
+            </a:r>
+            <a:r>
+              <a:rPr lang="en-US" sz="2400" b="1" smtClean="0"/>
+              <a:t>query</a:t>
+            </a:r>
+            <a:r>
+              <a:rPr lang="en-US" sz="2400" b="1"/>
+              <a:t>, update, options</a:t>
+            </a:r>
+            <a:r>
+              <a:rPr lang="en-US" sz="2400"/>
+              <a:t>)</a:t>
+            </a:r>
+            <a:endParaRPr lang="en-US" sz="2400" smtClean="0"/>
+          </a:p>
+          <a:p>
+            <a:r>
+              <a:rPr lang="en-US" sz="2000" i="1" smtClean="0"/>
+              <a:t>query: a document, selection criterias for the update, like in find()</a:t>
+            </a:r>
+          </a:p>
+          <a:p>
+            <a:r>
+              <a:rPr lang="en-US" sz="2000" i="1" smtClean="0"/>
+              <a:t>update: a document, the changes being made</a:t>
+            </a:r>
+          </a:p>
+          <a:p>
+            <a:r>
+              <a:rPr lang="en-US" sz="2000" i="1" smtClean="0"/>
+              <a:t>options: a document, provide some options such as </a:t>
+            </a:r>
+            <a:r>
+              <a:rPr lang="en-US" sz="2000" b="1" i="1" smtClean="0"/>
+              <a:t>upsert </a:t>
+            </a:r>
+            <a:r>
+              <a:rPr lang="en-US" sz="2000" i="1" smtClean="0"/>
+              <a:t>(create new document if query return no document), </a:t>
+            </a:r>
+            <a:r>
+              <a:rPr lang="en-US" sz="2000" b="1" i="1" smtClean="0"/>
+              <a:t>multi</a:t>
+            </a:r>
+            <a:r>
+              <a:rPr lang="en-US" sz="2000" i="1" smtClean="0"/>
+              <a:t> (if query return multiple document, update all</a:t>
+            </a:r>
+            <a:r>
+              <a:rPr lang="en-US" i="1" smtClean="0"/>
+              <a:t>)</a:t>
+            </a:r>
+            <a:endParaRPr lang="en-US" i="1" dirty="0"/>
           </a:p>
         </p:txBody>
       </p:sp>
     </p:spTree>
+    <p:extLst>
+      <p:ext uri="{BB962C8B-B14F-4D97-AF65-F5344CB8AC3E}">
+        <p14:creationId xmlns:p14="http://schemas.microsoft.com/office/powerpoint/2010/main" val="2356636836"/>
+      </p:ext>
+    </p:extLst>
   </p:cSld>
   <p:clrMapOvr>
     <a:masterClrMapping/>
@@ -14157,7 +13881,7 @@
           <a:p>
             <a:r>
               <a:rPr lang="en-US" smtClean="0"/>
-              <a:t>Tips &amp; Tricks</a:t>
+              <a:t>$lookup</a:t>
             </a:r>
             <a:endParaRPr lang="en-US" dirty="0"/>
           </a:p>
@@ -14184,60 +13908,36 @@
           <a:lstStyle/>
           <a:p>
             <a:r>
-              <a:rPr lang="en-US" dirty="0" smtClean="0"/>
-              <a:t>Continue on Week3’ project</a:t>
-            </a:r>
-          </a:p>
-          <a:p>
-            <a:pPr lvl="1"/>
-            <a:r>
-              <a:rPr lang="en-US" dirty="0" smtClean="0"/>
-              <a:t>Use </a:t>
-            </a:r>
-            <a:r>
-              <a:rPr lang="en-US" dirty="0" err="1" smtClean="0"/>
-              <a:t>BroadCast</a:t>
-            </a:r>
-            <a:r>
-              <a:rPr lang="en-US" dirty="0" smtClean="0"/>
-              <a:t> Receiver to determine devices is online or not</a:t>
-            </a:r>
-          </a:p>
-          <a:p>
-            <a:pPr lvl="1"/>
-            <a:r>
-              <a:rPr lang="en-US" dirty="0" smtClean="0"/>
-              <a:t>When device goes online, call to a Restful </a:t>
-            </a:r>
-            <a:r>
-              <a:rPr lang="en-US" dirty="0" err="1" smtClean="0"/>
-              <a:t>ws</a:t>
-            </a:r>
-            <a:r>
-              <a:rPr lang="en-US" dirty="0" smtClean="0"/>
-              <a:t> to check if the current artist has new songs. If yes, download them and add to the </a:t>
-            </a:r>
-            <a:r>
-              <a:rPr lang="en-US" dirty="0" err="1" smtClean="0"/>
-              <a:t>listview</a:t>
-            </a:r>
-            <a:r>
-              <a:rPr lang="en-US" dirty="0" smtClean="0"/>
+              <a:rPr lang="en-US"/>
+              <a:t>Performs a left outer join to an unsharded collection in the </a:t>
+            </a:r>
+            <a:r>
+              <a:rPr lang="en-US" i="1"/>
+              <a:t>same</a:t>
+            </a:r>
+            <a:r>
+              <a:rPr lang="en-US"/>
+              <a:t> database to filter in documents from the “joined” collection for </a:t>
+            </a:r>
+            <a:r>
+              <a:rPr lang="en-US" smtClean="0"/>
+              <a:t>processing</a:t>
+            </a:r>
+          </a:p>
+          <a:p>
+            <a:r>
+              <a:rPr lang="en-US"/>
+              <a:t>The $lookup stage does an equality match between a field from the input documents with a field from the documents of the “joined” collection</a:t>
+            </a:r>
+            <a:r>
+              <a:rPr lang="en-US" smtClean="0"/>
               <a:t>.</a:t>
             </a:r>
           </a:p>
           <a:p>
-            <a:pPr lvl="1"/>
-            <a:r>
-              <a:rPr lang="en-US" dirty="0" smtClean="0"/>
-              <a:t>After download finished, show a system notification about that</a:t>
-            </a:r>
-          </a:p>
-          <a:p>
-            <a:pPr lvl="1"/>
-            <a:r>
-              <a:rPr lang="en-US" dirty="0" smtClean="0"/>
-              <a:t>If the artist changes his info on the server, use GCM to send to all devices</a:t>
+            <a:r>
+              <a:rPr lang="en-US" smtClean="0"/>
+              <a:t>$lookup add a new field (type=array) to the original document</a:t>
             </a:r>
             <a:endParaRPr lang="en-US" dirty="0"/>
           </a:p>
@@ -14246,7 +13946,7 @@
     </p:spTree>
     <p:extLst>
       <p:ext uri="{BB962C8B-B14F-4D97-AF65-F5344CB8AC3E}">
-        <p14:creationId xmlns:p14="http://schemas.microsoft.com/office/powerpoint/2010/main" val="4272507142"/>
+        <p14:creationId xmlns:p14="http://schemas.microsoft.com/office/powerpoint/2010/main" val="764259246"/>
       </p:ext>
     </p:extLst>
   </p:cSld>
@@ -14296,8 +13996,8 @@
           <a:lstStyle/>
           <a:p>
             <a:r>
-              <a:rPr lang="en-US" dirty="0" smtClean="0"/>
-              <a:t>Week 5 – Day 1</a:t>
+              <a:rPr lang="en-US" smtClean="0"/>
+              <a:t>$lookup (contd.)</a:t>
             </a:r>
             <a:endParaRPr lang="en-US" dirty="0"/>
           </a:p>
@@ -14324,19 +14024,145 @@
           <a:lstStyle/>
           <a:p>
             <a:r>
-              <a:rPr lang="en-US" dirty="0" err="1" smtClean="0"/>
-              <a:t>Youtube</a:t>
-            </a:r>
-            <a:r>
-              <a:rPr lang="en-US" dirty="0" smtClean="0"/>
-              <a:t> API</a:t>
-            </a:r>
-          </a:p>
-          <a:p>
-            <a:r>
-              <a:rPr lang="en-US" dirty="0" smtClean="0"/>
-              <a:t>Maps</a:t>
-            </a:r>
+              <a:rPr lang="en-US" smtClean="0"/>
+              <a:t>Form:</a:t>
+            </a:r>
+          </a:p>
+          <a:p>
+            <a:pPr marL="0" indent="0">
+              <a:buNone/>
+            </a:pPr>
+            <a:r>
+              <a:rPr lang="en-US" sz="2000"/>
+              <a:t>{ </a:t>
+            </a:r>
+            <a:endParaRPr lang="en-US" sz="2000" smtClean="0"/>
+          </a:p>
+          <a:p>
+            <a:pPr marL="0" indent="0">
+              <a:buNone/>
+            </a:pPr>
+            <a:r>
+              <a:rPr lang="en-US" sz="2000"/>
+              <a:t>	</a:t>
+            </a:r>
+            <a:r>
+              <a:rPr lang="en-US" sz="2000" smtClean="0"/>
+              <a:t>$</a:t>
+            </a:r>
+            <a:r>
+              <a:rPr lang="en-US" sz="2000"/>
+              <a:t>lookup: { </a:t>
+            </a:r>
+            <a:endParaRPr lang="en-US" sz="2000" smtClean="0"/>
+          </a:p>
+          <a:p>
+            <a:pPr marL="0" indent="0">
+              <a:buNone/>
+            </a:pPr>
+            <a:r>
+              <a:rPr lang="en-US" sz="2000"/>
+              <a:t>	</a:t>
+            </a:r>
+            <a:r>
+              <a:rPr lang="en-US" sz="2000" smtClean="0"/>
+              <a:t>	from</a:t>
+            </a:r>
+            <a:r>
+              <a:rPr lang="en-US" sz="2000"/>
+              <a:t>: </a:t>
+            </a:r>
+            <a:r>
+              <a:rPr lang="en-US" sz="2000" smtClean="0"/>
+              <a:t>&lt;targetCollection&gt;,</a:t>
+            </a:r>
+          </a:p>
+          <a:p>
+            <a:pPr marL="0" indent="0">
+              <a:buNone/>
+            </a:pPr>
+            <a:r>
+              <a:rPr lang="en-US" sz="2000"/>
+              <a:t>	</a:t>
+            </a:r>
+            <a:r>
+              <a:rPr lang="en-US" sz="2000" smtClean="0"/>
+              <a:t>	localField</a:t>
+            </a:r>
+            <a:r>
+              <a:rPr lang="en-US" sz="2000"/>
+              <a:t>: </a:t>
+            </a:r>
+            <a:r>
+              <a:rPr lang="en-US" sz="2000" smtClean="0"/>
+              <a:t>&lt;foreignKey&gt;, </a:t>
+            </a:r>
+          </a:p>
+          <a:p>
+            <a:pPr marL="0" indent="0">
+              <a:buNone/>
+            </a:pPr>
+            <a:r>
+              <a:rPr lang="en-US" sz="2000"/>
+              <a:t>	</a:t>
+            </a:r>
+            <a:r>
+              <a:rPr lang="en-US" sz="2000" smtClean="0"/>
+              <a:t>	foreignField</a:t>
+            </a:r>
+            <a:r>
+              <a:rPr lang="en-US" sz="2000"/>
+              <a:t>: </a:t>
+            </a:r>
+            <a:r>
+              <a:rPr lang="en-US" sz="2000" smtClean="0"/>
+              <a:t>&lt;keyInTargetCollection&gt;, </a:t>
+            </a:r>
+          </a:p>
+          <a:p>
+            <a:pPr marL="0" indent="0">
+              <a:buNone/>
+            </a:pPr>
+            <a:r>
+              <a:rPr lang="en-US" sz="2000"/>
+              <a:t>	</a:t>
+            </a:r>
+            <a:r>
+              <a:rPr lang="en-US" sz="2000" smtClean="0"/>
+              <a:t>	as</a:t>
+            </a:r>
+            <a:r>
+              <a:rPr lang="en-US" sz="2000"/>
+              <a:t>: </a:t>
+            </a:r>
+            <a:r>
+              <a:rPr lang="en-US" sz="2000" smtClean="0"/>
+              <a:t>&lt;fieldname&gt; </a:t>
+            </a:r>
+          </a:p>
+          <a:p>
+            <a:pPr marL="0" indent="0">
+              <a:buNone/>
+            </a:pPr>
+            <a:r>
+              <a:rPr lang="en-US" sz="2000" smtClean="0"/>
+              <a:t>	}</a:t>
+            </a:r>
+          </a:p>
+          <a:p>
+            <a:pPr marL="0" indent="0">
+              <a:buNone/>
+            </a:pPr>
+            <a:r>
+              <a:rPr lang="en-US" sz="2000" smtClean="0"/>
+              <a:t>}</a:t>
+            </a:r>
+            <a:endParaRPr lang="en-US" smtClean="0"/>
+          </a:p>
+          <a:p>
+            <a:pPr marL="0" indent="0">
+              <a:buNone/>
+            </a:pPr>
             <a:endParaRPr lang="en-US" dirty="0"/>
           </a:p>
         </p:txBody>
@@ -14344,7 +14170,7 @@
     </p:spTree>
     <p:extLst>
       <p:ext uri="{BB962C8B-B14F-4D97-AF65-F5344CB8AC3E}">
-        <p14:creationId xmlns:p14="http://schemas.microsoft.com/office/powerpoint/2010/main" val="3513143805"/>
+        <p14:creationId xmlns:p14="http://schemas.microsoft.com/office/powerpoint/2010/main" val="1567004529"/>
       </p:ext>
     </p:extLst>
   </p:cSld>
@@ -14394,8 +14220,8 @@
           <a:lstStyle/>
           <a:p>
             <a:r>
-              <a:rPr lang="en-US" dirty="0" smtClean="0"/>
-              <a:t>Week 5 – Day 2</a:t>
+              <a:rPr lang="en-US" smtClean="0"/>
+              <a:t>$lookup (contd2.)</a:t>
             </a:r>
             <a:endParaRPr lang="en-US" dirty="0"/>
           </a:p>
@@ -14422,17 +14248,101 @@
           <a:lstStyle/>
           <a:p>
             <a:r>
-              <a:rPr lang="en-US" dirty="0" smtClean="0"/>
-              <a:t>Play videos, audio files in Android</a:t>
-            </a:r>
-          </a:p>
-          <a:p>
-            <a:r>
-              <a:rPr lang="en-US" dirty="0" smtClean="0"/>
-              <a:t>Send Email, SMS, make a call</a:t>
-            </a:r>
-          </a:p>
-          <a:p>
+              <a:rPr lang="en-US" smtClean="0"/>
+              <a:t>Form:</a:t>
+            </a:r>
+          </a:p>
+          <a:p>
+            <a:pPr marL="0" indent="0">
+              <a:buNone/>
+            </a:pPr>
+            <a:r>
+              <a:rPr lang="en-US" sz="2000" b="1" smtClean="0"/>
+              <a:t>from</a:t>
+            </a:r>
+            <a:r>
+              <a:rPr lang="en-US" sz="2000" smtClean="0"/>
+              <a:t>: </a:t>
+            </a:r>
+            <a:r>
+              <a:rPr lang="en-US" sz="2000"/>
+              <a:t>Specifies the collection in the </a:t>
+            </a:r>
+            <a:r>
+              <a:rPr lang="en-US" sz="2000" i="1"/>
+              <a:t>same</a:t>
+            </a:r>
+            <a:r>
+              <a:rPr lang="en-US" sz="2000"/>
+              <a:t> database to perform the join </a:t>
+            </a:r>
+            <a:r>
+              <a:rPr lang="en-US" sz="2000" smtClean="0"/>
+              <a:t>with</a:t>
+            </a:r>
+          </a:p>
+          <a:p>
+            <a:pPr marL="0" indent="0">
+              <a:buNone/>
+            </a:pPr>
+            <a:r>
+              <a:rPr lang="en-US" sz="2000" b="1" smtClean="0"/>
+              <a:t>localField</a:t>
+            </a:r>
+            <a:r>
+              <a:rPr lang="en-US" sz="2000" smtClean="0"/>
+              <a:t>: </a:t>
+            </a:r>
+            <a:r>
+              <a:rPr lang="en-US" sz="2000"/>
+              <a:t>Specifies the field from the documents input to the $lookup </a:t>
+            </a:r>
+            <a:r>
+              <a:rPr lang="en-US" sz="2000" smtClean="0"/>
+              <a:t>stage</a:t>
+            </a:r>
+          </a:p>
+          <a:p>
+            <a:pPr marL="0" indent="0">
+              <a:buNone/>
+            </a:pPr>
+            <a:r>
+              <a:rPr lang="en-US" sz="2000" b="1" smtClean="0"/>
+              <a:t>foreignField</a:t>
+            </a:r>
+            <a:r>
+              <a:rPr lang="en-US" sz="2000" smtClean="0"/>
+              <a:t>: </a:t>
+            </a:r>
+            <a:r>
+              <a:rPr lang="en-US" sz="2000"/>
+              <a:t>Specifies the field from the documents in the from collection. $lookup performs an equality match on the foreignField to the localField from the input </a:t>
+            </a:r>
+            <a:r>
+              <a:rPr lang="en-US" sz="2000" smtClean="0"/>
+              <a:t>documents</a:t>
+            </a:r>
+          </a:p>
+          <a:p>
+            <a:pPr marL="0" indent="0">
+              <a:buNone/>
+            </a:pPr>
+            <a:r>
+              <a:rPr lang="en-US" sz="2000" b="1" smtClean="0"/>
+              <a:t>as</a:t>
+            </a:r>
+            <a:r>
+              <a:rPr lang="en-US" sz="2000" smtClean="0"/>
+              <a:t>: </a:t>
+            </a:r>
+            <a:r>
+              <a:rPr lang="en-US" sz="2000"/>
+              <a:t>Specifies the name of the new array field to add to the </a:t>
+            </a:r>
+            <a:r>
+              <a:rPr lang="en-US" sz="2000" smtClean="0"/>
+              <a:t>original documents</a:t>
+            </a:r>
             <a:endParaRPr lang="en-US" dirty="0"/>
           </a:p>
         </p:txBody>
@@ -14440,7 +14350,7 @@
     </p:spTree>
     <p:extLst>
       <p:ext uri="{BB962C8B-B14F-4D97-AF65-F5344CB8AC3E}">
-        <p14:creationId xmlns:p14="http://schemas.microsoft.com/office/powerpoint/2010/main" val="560904280"/>
+        <p14:creationId xmlns:p14="http://schemas.microsoft.com/office/powerpoint/2010/main" val="473885864"/>
       </p:ext>
     </p:extLst>
   </p:cSld>
@@ -14490,8 +14400,8 @@
           <a:lstStyle/>
           <a:p>
             <a:r>
-              <a:rPr lang="en-US" dirty="0" smtClean="0"/>
-              <a:t>Week 5 – Project</a:t>
+              <a:rPr lang="en-US" smtClean="0"/>
+              <a:t>$out</a:t>
             </a:r>
             <a:endParaRPr lang="en-US" dirty="0"/>
           </a:p>
@@ -14510,7 +14420,7 @@
         <p:spPr>
           <a:xfrm>
             <a:off x="457200" y="1719263"/>
-            <a:ext cx="8229600" cy="4452937"/>
+            <a:ext cx="8229600" cy="4302125"/>
           </a:xfrm>
         </p:spPr>
         <p:txBody>
@@ -14518,96 +14428,57 @@
           <a:lstStyle/>
           <a:p>
             <a:r>
-              <a:rPr lang="en-US" dirty="0" smtClean="0"/>
-              <a:t>Create a new project do these things:</a:t>
-            </a:r>
-          </a:p>
-          <a:p>
-            <a:pPr lvl="1"/>
-            <a:r>
-              <a:rPr lang="en-US" dirty="0" smtClean="0"/>
-              <a:t>Call to a Restful </a:t>
-            </a:r>
-            <a:r>
-              <a:rPr lang="en-US" dirty="0" err="1" smtClean="0"/>
-              <a:t>ws</a:t>
-            </a:r>
-            <a:r>
-              <a:rPr lang="en-US" dirty="0" smtClean="0"/>
-              <a:t> (you created this </a:t>
-            </a:r>
-            <a:r>
-              <a:rPr lang="en-US" dirty="0" err="1" smtClean="0"/>
-              <a:t>ws</a:t>
-            </a:r>
-            <a:r>
-              <a:rPr lang="en-US" dirty="0" smtClean="0"/>
-              <a:t>) to retrieve all popular </a:t>
-            </a:r>
-            <a:r>
-              <a:rPr lang="en-US" dirty="0" err="1" smtClean="0"/>
-              <a:t>youtube</a:t>
-            </a:r>
-            <a:r>
-              <a:rPr lang="en-US" dirty="0" smtClean="0"/>
-              <a:t> channels (you prepare this data)</a:t>
-            </a:r>
-          </a:p>
-          <a:p>
-            <a:pPr lvl="1"/>
-            <a:r>
-              <a:rPr lang="en-US" dirty="0" smtClean="0"/>
-              <a:t>Use the channel ID to retrieve all its videos, show to a </a:t>
-            </a:r>
-            <a:r>
-              <a:rPr lang="en-US" dirty="0" err="1" smtClean="0"/>
-              <a:t>listview</a:t>
-            </a:r>
-            <a:endParaRPr lang="en-US" dirty="0" smtClean="0"/>
-          </a:p>
-          <a:p>
-            <a:pPr lvl="1"/>
-            <a:r>
-              <a:rPr lang="en-US" dirty="0" smtClean="0"/>
-              <a:t>Each item in the </a:t>
-            </a:r>
-            <a:r>
-              <a:rPr lang="en-US" dirty="0" err="1" smtClean="0"/>
-              <a:t>listview</a:t>
-            </a:r>
-            <a:r>
-              <a:rPr lang="en-US" dirty="0" smtClean="0"/>
-              <a:t> have a “star” button to marks as user favorite and store back to server by Restful </a:t>
-            </a:r>
-            <a:r>
-              <a:rPr lang="en-US" dirty="0" err="1" smtClean="0"/>
-              <a:t>ws</a:t>
-            </a:r>
-            <a:endParaRPr lang="en-US" dirty="0" smtClean="0"/>
-          </a:p>
-          <a:p>
-            <a:pPr lvl="1"/>
-            <a:r>
-              <a:rPr lang="en-US" dirty="0"/>
-              <a:t>Play </a:t>
-            </a:r>
-            <a:r>
-              <a:rPr lang="en-US" dirty="0" smtClean="0"/>
-              <a:t>individual video</a:t>
-            </a:r>
-          </a:p>
-          <a:p>
-            <a:pPr lvl="1"/>
-            <a:r>
-              <a:rPr lang="en-US" dirty="0" smtClean="0"/>
-              <a:t>Sort videos by rates</a:t>
-            </a:r>
-          </a:p>
-          <a:p>
-            <a:pPr lvl="1"/>
-            <a:r>
-              <a:rPr lang="en-US" dirty="0" smtClean="0"/>
-              <a:t>Share app over email</a:t>
+              <a:rPr lang="en-US"/>
+              <a:t>Takes the documents returned by the aggregation pipeline and writes them to a specified collection</a:t>
+            </a:r>
+            <a:r>
+              <a:rPr lang="en-US" smtClean="0"/>
+              <a:t>.</a:t>
+            </a:r>
+          </a:p>
+          <a:p>
+            <a:r>
+              <a:rPr lang="en-US" smtClean="0"/>
+              <a:t>Form:</a:t>
+            </a:r>
+          </a:p>
+          <a:p>
+            <a:pPr marL="0" indent="0">
+              <a:buNone/>
+            </a:pPr>
+            <a:r>
+              <a:rPr lang="en-US" sz="2400"/>
+              <a:t>{ $out: "&lt;output-collection&gt;" </a:t>
+            </a:r>
+            <a:r>
+              <a:rPr lang="en-US" sz="2400" smtClean="0"/>
+              <a:t>}</a:t>
+            </a:r>
+          </a:p>
+          <a:p>
+            <a:pPr marL="0" indent="0">
+              <a:buNone/>
+            </a:pPr>
+            <a:r>
+              <a:rPr lang="en-US" smtClean="0"/>
+              <a:t>If the output collection does exist, it will be replaced.</a:t>
+            </a:r>
+          </a:p>
+          <a:p>
+            <a:pPr marL="0" indent="0">
+              <a:buNone/>
+            </a:pPr>
+            <a:r>
+              <a:rPr lang="en-US" smtClean="0"/>
+              <a:t>This stage is failed if it doesn’t satisfy the </a:t>
+            </a:r>
+            <a:r>
+              <a:rPr lang="en-US" i="1" smtClean="0"/>
+              <a:t>unique</a:t>
+            </a:r>
+            <a:r>
+              <a:rPr lang="en-US" smtClean="0"/>
+              <a:t> indexes.</a:t>
             </a:r>
             <a:endParaRPr lang="en-US" dirty="0"/>
           </a:p>
@@ -14616,7 +14487,7 @@
     </p:spTree>
     <p:extLst>
       <p:ext uri="{BB962C8B-B14F-4D97-AF65-F5344CB8AC3E}">
-        <p14:creationId xmlns:p14="http://schemas.microsoft.com/office/powerpoint/2010/main" val="1629761956"/>
+        <p14:creationId xmlns:p14="http://schemas.microsoft.com/office/powerpoint/2010/main" val="1108593015"/>
       </p:ext>
     </p:extLst>
   </p:cSld>
@@ -14666,8 +14537,8 @@
           <a:lstStyle/>
           <a:p>
             <a:r>
-              <a:rPr lang="en-US" dirty="0" smtClean="0"/>
-              <a:t>Week 6</a:t>
+              <a:rPr lang="en-US" smtClean="0"/>
+              <a:t>Tips &amp; Tricks</a:t>
             </a:r>
             <a:endParaRPr lang="en-US" dirty="0"/>
           </a:p>
@@ -14694,20 +14565,20 @@
           <a:lstStyle/>
           <a:p>
             <a:r>
-              <a:rPr lang="en-US" dirty="0" smtClean="0"/>
-              <a:t>Sign to </a:t>
-            </a:r>
-            <a:r>
-              <a:rPr lang="en-US" dirty="0" err="1" smtClean="0"/>
-              <a:t>apk</a:t>
-            </a:r>
-            <a:endParaRPr lang="en-US" dirty="0" smtClean="0"/>
-          </a:p>
-          <a:p>
-            <a:r>
-              <a:rPr lang="en-US" dirty="0" smtClean="0"/>
-              <a:t>Publish to Google Play Store</a:t>
-            </a:r>
+              <a:rPr lang="en-US" smtClean="0"/>
+              <a:t>Use your own _id value if available (if the values are increasing and unique)</a:t>
+            </a:r>
+          </a:p>
+          <a:p>
+            <a:r>
+              <a:rPr lang="en-US" smtClean="0"/>
+              <a:t>Avoid using a document as value for _id</a:t>
+            </a:r>
+          </a:p>
+          <a:p>
+            <a:pPr marL="0" indent="0">
+              <a:buNone/>
+            </a:pPr>
             <a:endParaRPr lang="en-US" dirty="0"/>
           </a:p>
         </p:txBody>
@@ -14715,7 +14586,7 @@
     </p:spTree>
     <p:extLst>
       <p:ext uri="{BB962C8B-B14F-4D97-AF65-F5344CB8AC3E}">
-        <p14:creationId xmlns:p14="http://schemas.microsoft.com/office/powerpoint/2010/main" val="3635717690"/>
+        <p14:creationId xmlns:p14="http://schemas.microsoft.com/office/powerpoint/2010/main" val="4272507142"/>
       </p:ext>
     </p:extLst>
   </p:cSld>
@@ -14751,7 +14622,7 @@
       </p:grpSpPr>
       <p:sp>
         <p:nvSpPr>
-          <p:cNvPr id="37890" name="Rectangle 2"/>
+          <p:cNvPr id="30722" name="Rectangle 2"/>
           <p:cNvSpPr>
             <a:spLocks noGrp="1" noChangeArrowheads="1"/>
           </p:cNvSpPr>
@@ -14765,8 +14636,8 @@
           <a:lstStyle/>
           <a:p>
             <a:r>
-              <a:rPr lang="en-US" dirty="0" smtClean="0"/>
-              <a:t>Objectives</a:t>
+              <a:rPr lang="en-US" smtClean="0"/>
+              <a:t>Tips&amp;Trick (contd.)</a:t>
             </a:r>
             <a:endParaRPr lang="en-US" dirty="0"/>
           </a:p>
@@ -14774,7 +14645,7 @@
       </p:sp>
       <p:sp>
         <p:nvSpPr>
-          <p:cNvPr id="37891" name="Rectangle 3"/>
+          <p:cNvPr id="30723" name="Rectangle 3"/>
           <p:cNvSpPr>
             <a:spLocks noGrp="1" noChangeArrowheads="1"/>
           </p:cNvSpPr>
@@ -14782,31 +14653,264 @@
             <p:ph type="body" idx="1"/>
           </p:nvPr>
         </p:nvSpPr>
-        <p:spPr/>
+        <p:spPr>
+          <a:xfrm>
+            <a:off x="457200" y="1719263"/>
+            <a:ext cx="8229600" cy="4302125"/>
+          </a:xfrm>
+        </p:spPr>
         <p:txBody>
           <a:bodyPr/>
           <a:lstStyle/>
           <a:p>
             <a:r>
-              <a:rPr lang="en-US" dirty="0" smtClean="0"/>
-              <a:t>Understand Android Development Job</a:t>
-            </a:r>
-          </a:p>
-          <a:p>
-            <a:r>
-              <a:rPr lang="en-US" dirty="0" smtClean="0"/>
-              <a:t>Able to create an app from scratch, then publish it to store</a:t>
-            </a:r>
-          </a:p>
-          <a:p>
-            <a:r>
-              <a:rPr lang="en-US" dirty="0" smtClean="0"/>
-              <a:t>Add new title to resume: Android Developer</a:t>
-            </a:r>
+              <a:rPr lang="en-US" smtClean="0"/>
+              <a:t>Reading from RAM is much more faster than reading from disk. =&gt; Add more RAM</a:t>
+            </a:r>
+          </a:p>
+          <a:p>
+            <a:r>
+              <a:rPr lang="en-US" smtClean="0"/>
+              <a:t>Indexes are helpful if each query upon those indexes returns a small subset of total data.</a:t>
+            </a:r>
+          </a:p>
+          <a:p>
+            <a:r>
+              <a:rPr lang="en-US" smtClean="0"/>
+              <a:t>If a query return &gt; 50% of total data, then, indexes are not helpful</a:t>
+            </a:r>
+          </a:p>
+          <a:p>
+            <a:r>
+              <a:rPr lang="en-US" smtClean="0"/>
+              <a:t>NOTE: indexes will slowdown write speed (delete, insert)</a:t>
+            </a:r>
+            <a:endParaRPr lang="en-US" dirty="0"/>
           </a:p>
         </p:txBody>
       </p:sp>
     </p:spTree>
+    <p:extLst>
+      <p:ext uri="{BB962C8B-B14F-4D97-AF65-F5344CB8AC3E}">
+        <p14:creationId xmlns:p14="http://schemas.microsoft.com/office/powerpoint/2010/main" val="3513143805"/>
+      </p:ext>
+    </p:extLst>
+  </p:cSld>
+  <p:clrMapOvr>
+    <a:masterClrMapping/>
+  </p:clrMapOvr>
+  <p:timing>
+    <p:tnLst>
+      <p:par>
+        <p:cTn id="1" dur="indefinite" restart="never" nodeType="tmRoot"/>
+      </p:par>
+    </p:tnLst>
+  </p:timing>
+</p:sld>
+</file>
+
+<file path=ppt/slides/slide26.xml><?xml version="1.0" encoding="utf-8"?>
+<p:sld xmlns:a="http://schemas.openxmlformats.org/drawingml/2006/main" xmlns:r="http://schemas.openxmlformats.org/officeDocument/2006/relationships" xmlns:p="http://schemas.openxmlformats.org/presentationml/2006/main">
+  <p:cSld>
+    <p:spTree>
+      <p:nvGrpSpPr>
+        <p:cNvPr id="1" name=""/>
+        <p:cNvGrpSpPr/>
+        <p:nvPr/>
+      </p:nvGrpSpPr>
+      <p:grpSpPr>
+        <a:xfrm>
+          <a:off x="0" y="0"/>
+          <a:ext cx="0" cy="0"/>
+          <a:chOff x="0" y="0"/>
+          <a:chExt cx="0" cy="0"/>
+        </a:xfrm>
+      </p:grpSpPr>
+      <p:sp>
+        <p:nvSpPr>
+          <p:cNvPr id="30722" name="Rectangle 2"/>
+          <p:cNvSpPr>
+            <a:spLocks noGrp="1" noChangeArrowheads="1"/>
+          </p:cNvSpPr>
+          <p:nvPr>
+            <p:ph type="title"/>
+          </p:nvPr>
+        </p:nvSpPr>
+        <p:spPr/>
+        <p:txBody>
+          <a:bodyPr/>
+          <a:lstStyle/>
+          <a:p>
+            <a:r>
+              <a:rPr lang="en-US" smtClean="0"/>
+              <a:t>Tips&amp;Trick (contd2.)</a:t>
+            </a:r>
+            <a:endParaRPr lang="en-US" dirty="0"/>
+          </a:p>
+        </p:txBody>
+      </p:sp>
+      <p:sp>
+        <p:nvSpPr>
+          <p:cNvPr id="30723" name="Rectangle 3"/>
+          <p:cNvSpPr>
+            <a:spLocks noGrp="1" noChangeArrowheads="1"/>
+          </p:cNvSpPr>
+          <p:nvPr>
+            <p:ph type="body" idx="1"/>
+          </p:nvPr>
+        </p:nvSpPr>
+        <p:spPr>
+          <a:xfrm>
+            <a:off x="457200" y="1719263"/>
+            <a:ext cx="8229600" cy="4302125"/>
+          </a:xfrm>
+        </p:spPr>
+        <p:txBody>
+          <a:bodyPr/>
+          <a:lstStyle/>
+          <a:p>
+            <a:r>
+              <a:rPr lang="en-US" smtClean="0"/>
+              <a:t>Create indexes that cover query (so called: covered index)</a:t>
+            </a:r>
+          </a:p>
+          <a:p>
+            <a:r>
+              <a:rPr lang="en-US" smtClean="0"/>
+              <a:t>Preallocate space for future size-increment</a:t>
+            </a:r>
+          </a:p>
+          <a:p>
+            <a:r>
+              <a:rPr lang="en-US" smtClean="0"/>
+              <a:t>Pre-populate fields</a:t>
+            </a:r>
+            <a:endParaRPr lang="en-US" dirty="0"/>
+          </a:p>
+        </p:txBody>
+      </p:sp>
+    </p:spTree>
+    <p:extLst>
+      <p:ext uri="{BB962C8B-B14F-4D97-AF65-F5344CB8AC3E}">
+        <p14:creationId xmlns:p14="http://schemas.microsoft.com/office/powerpoint/2010/main" val="3658307873"/>
+      </p:ext>
+    </p:extLst>
+  </p:cSld>
+  <p:clrMapOvr>
+    <a:masterClrMapping/>
+  </p:clrMapOvr>
+  <p:timing>
+    <p:tnLst>
+      <p:par>
+        <p:cTn id="1" dur="indefinite" restart="never" nodeType="tmRoot"/>
+      </p:par>
+    </p:tnLst>
+  </p:timing>
+</p:sld>
+</file>
+
+<file path=ppt/slides/slide27.xml><?xml version="1.0" encoding="utf-8"?>
+<p:sld xmlns:a="http://schemas.openxmlformats.org/drawingml/2006/main" xmlns:r="http://schemas.openxmlformats.org/officeDocument/2006/relationships" xmlns:p="http://schemas.openxmlformats.org/presentationml/2006/main">
+  <p:cSld>
+    <p:spTree>
+      <p:nvGrpSpPr>
+        <p:cNvPr id="1" name=""/>
+        <p:cNvGrpSpPr/>
+        <p:nvPr/>
+      </p:nvGrpSpPr>
+      <p:grpSpPr>
+        <a:xfrm>
+          <a:off x="0" y="0"/>
+          <a:ext cx="0" cy="0"/>
+          <a:chOff x="0" y="0"/>
+          <a:chExt cx="0" cy="0"/>
+        </a:xfrm>
+      </p:grpSpPr>
+      <p:sp>
+        <p:nvSpPr>
+          <p:cNvPr id="30722" name="Rectangle 2"/>
+          <p:cNvSpPr>
+            <a:spLocks noGrp="1" noChangeArrowheads="1"/>
+          </p:cNvSpPr>
+          <p:nvPr>
+            <p:ph type="title"/>
+          </p:nvPr>
+        </p:nvSpPr>
+        <p:spPr/>
+        <p:txBody>
+          <a:bodyPr/>
+          <a:lstStyle/>
+          <a:p>
+            <a:r>
+              <a:rPr lang="en-US" smtClean="0"/>
+              <a:t>References</a:t>
+            </a:r>
+            <a:endParaRPr lang="en-US" dirty="0"/>
+          </a:p>
+        </p:txBody>
+      </p:sp>
+      <p:sp>
+        <p:nvSpPr>
+          <p:cNvPr id="30723" name="Rectangle 3"/>
+          <p:cNvSpPr>
+            <a:spLocks noGrp="1" noChangeArrowheads="1"/>
+          </p:cNvSpPr>
+          <p:nvPr>
+            <p:ph type="body" idx="1"/>
+          </p:nvPr>
+        </p:nvSpPr>
+        <p:spPr>
+          <a:xfrm>
+            <a:off x="457200" y="1719263"/>
+            <a:ext cx="8229600" cy="4302125"/>
+          </a:xfrm>
+        </p:spPr>
+        <p:txBody>
+          <a:bodyPr/>
+          <a:lstStyle/>
+          <a:p>
+            <a:r>
+              <a:rPr lang="en-US"/>
+              <a:t>https://</a:t>
+            </a:r>
+            <a:r>
+              <a:rPr lang="en-US"/>
+              <a:t>docs.mongodb.com/manual</a:t>
+            </a:r>
+            <a:r>
+              <a:rPr lang="en-US" smtClean="0"/>
+              <a:t>/</a:t>
+            </a:r>
+          </a:p>
+          <a:p>
+            <a:r>
+              <a:rPr lang="en-US" smtClean="0"/>
+              <a:t>MongoDB The Definite Guid 2</a:t>
+            </a:r>
+            <a:r>
+              <a:rPr lang="en-US" baseline="30000" smtClean="0"/>
+              <a:t>nd</a:t>
+            </a:r>
+            <a:r>
+              <a:rPr lang="en-US" smtClean="0"/>
+              <a:t> edition (by Kristina Chodorow)</a:t>
+            </a:r>
+          </a:p>
+          <a:p>
+            <a:r>
+              <a:rPr lang="en-US" smtClean="0"/>
+              <a:t>50 Tips &amp; Tricks for MongoDB Developer (by Kristina Chodorow)</a:t>
+            </a:r>
+            <a:endParaRPr lang="en-US" dirty="0"/>
+          </a:p>
+        </p:txBody>
+      </p:sp>
+    </p:spTree>
+    <p:extLst>
+      <p:ext uri="{BB962C8B-B14F-4D97-AF65-F5344CB8AC3E}">
+        <p14:creationId xmlns:p14="http://schemas.microsoft.com/office/powerpoint/2010/main" val="2417816005"/>
+      </p:ext>
+    </p:extLst>
   </p:cSld>
   <p:clrMapOvr>
     <a:masterClrMapping/>
@@ -14855,7 +14959,7 @@
           <a:p>
             <a:r>
               <a:rPr lang="en-US" smtClean="0"/>
-              <a:t>Introduction</a:t>
+              <a:t>remove()</a:t>
             </a:r>
             <a:endParaRPr lang="en-US" dirty="0"/>
           </a:p>
@@ -14882,30 +14986,23 @@
           <a:lstStyle/>
           <a:p>
             <a:r>
+              <a:rPr lang="en-US"/>
+              <a:t>Purpose</a:t>
+            </a:r>
+            <a:r>
+              <a:rPr lang="en-US"/>
+              <a:t>: </a:t>
+            </a:r>
+            <a:r>
+              <a:rPr lang="en-US" sz="3200"/>
+              <a:t>Removes documents from a collection</a:t>
+            </a:r>
+            <a:endParaRPr lang="en-US" smtClean="0"/>
+          </a:p>
+          <a:p>
+            <a:r>
               <a:rPr lang="en-US" smtClean="0"/>
-              <a:t>General s</a:t>
-            </a:r>
-            <a:r>
-              <a:rPr lang="en-US" smtClean="0"/>
-              <a:t>yntax:</a:t>
-            </a:r>
-          </a:p>
-          <a:p>
-            <a:r>
-              <a:rPr lang="en-US" b="1" smtClean="0"/>
-              <a:t>db</a:t>
-            </a:r>
-            <a:r>
-              <a:rPr lang="en-US" smtClean="0"/>
-              <a:t>.collectionName.</a:t>
-            </a:r>
-            <a:r>
-              <a:rPr lang="en-US" b="1" smtClean="0"/>
-              <a:t>aggregate</a:t>
-            </a:r>
-            <a:r>
-              <a:rPr lang="en-US" smtClean="0"/>
-              <a:t>(pipeline, options )</a:t>
+              <a:t>Syntax:</a:t>
             </a:r>
           </a:p>
           <a:p>
@@ -14913,55 +15010,58 @@
               <a:buNone/>
             </a:pPr>
             <a:r>
-              <a:rPr lang="en-US" b="1" smtClean="0"/>
-              <a:t>pipeline</a:t>
-            </a:r>
-            <a:r>
-              <a:rPr lang="en-US" smtClean="0"/>
-              <a:t> is in this form:</a:t>
-            </a:r>
-          </a:p>
-          <a:p>
-            <a:pPr marL="0" indent="0">
-              <a:buNone/>
-            </a:pPr>
-            <a:r>
-              <a:rPr lang="en-US"/>
-              <a:t> [ { &lt;stage1&gt; },{&lt;stage2&gt;} </a:t>
-            </a:r>
-            <a:r>
-              <a:rPr lang="en-US"/>
-              <a:t>... </a:t>
-            </a:r>
-            <a:r>
-              <a:rPr lang="en-US" smtClean="0"/>
-              <a:t>]</a:t>
-            </a:r>
-          </a:p>
-          <a:p>
-            <a:pPr marL="0" indent="0">
-              <a:buNone/>
-            </a:pPr>
-            <a:r>
-              <a:rPr lang="en-US" b="1" smtClean="0"/>
+              <a:rPr lang="en-US" sz="2400" smtClean="0"/>
+              <a:t>db.collectionName.remove(</a:t>
+            </a:r>
+            <a:r>
+              <a:rPr lang="en-US" sz="2400" b="1" smtClean="0"/>
+              <a:t>query</a:t>
+            </a:r>
+            <a:r>
+              <a:rPr lang="en-US" sz="2400" b="1"/>
+              <a:t>,</a:t>
+            </a:r>
+            <a:r>
+              <a:rPr lang="en-US" sz="2400" b="1"/>
+              <a:t> </a:t>
+            </a:r>
+            <a:r>
+              <a:rPr lang="en-US" sz="2400" b="1" smtClean="0"/>
               <a:t>options</a:t>
             </a:r>
             <a:r>
-              <a:rPr lang="en-US" smtClean="0"/>
-              <a:t> is optional, contains some options such as </a:t>
-            </a:r>
-            <a:r>
-              <a:rPr lang="en-US" i="1" smtClean="0"/>
-              <a:t>explain (boolean), allowDiskUse (boolean), …</a:t>
-            </a:r>
-            <a:endParaRPr lang="en-US" smtClean="0"/>
+              <a:rPr lang="en-US" sz="2400" smtClean="0"/>
+              <a:t>)</a:t>
+            </a:r>
+            <a:endParaRPr lang="en-US" sz="2400" smtClean="0"/>
+          </a:p>
+          <a:p>
+            <a:r>
+              <a:rPr lang="en-US" sz="2000" i="1" smtClean="0"/>
+              <a:t>query: a document, selection criterias for the update, like in find()</a:t>
+            </a:r>
+          </a:p>
+          <a:p>
+            <a:r>
+              <a:rPr lang="en-US" sz="2000" i="1" smtClean="0"/>
+              <a:t>options: a document, provide some options such as </a:t>
+            </a:r>
+            <a:r>
+              <a:rPr lang="en-US" sz="2000" b="1" i="1" smtClean="0"/>
+              <a:t>justOne </a:t>
+            </a:r>
+            <a:r>
+              <a:rPr lang="en-US" sz="2000" i="1" smtClean="0"/>
+              <a:t>(true: delete just one document, false: delete all matched documents)</a:t>
+            </a:r>
+            <a:endParaRPr lang="en-US" i="1" dirty="0"/>
           </a:p>
         </p:txBody>
       </p:sp>
     </p:spTree>
     <p:extLst>
       <p:ext uri="{BB962C8B-B14F-4D97-AF65-F5344CB8AC3E}">
-        <p14:creationId xmlns:p14="http://schemas.microsoft.com/office/powerpoint/2010/main" val="2634447300"/>
+        <p14:creationId xmlns:p14="http://schemas.microsoft.com/office/powerpoint/2010/main" val="939416452"/>
       </p:ext>
     </p:extLst>
   </p:cSld>
@@ -15012,7 +15112,7 @@
           <a:p>
             <a:r>
               <a:rPr lang="en-US" smtClean="0"/>
-              <a:t>Pipeline Stages</a:t>
+              <a:t>drop()</a:t>
             </a:r>
             <a:endParaRPr lang="en-US" dirty="0"/>
           </a:p>
@@ -15039,61 +15139,61 @@
           <a:lstStyle/>
           <a:p>
             <a:r>
+              <a:rPr lang="en-US"/>
+              <a:t>Purpose</a:t>
+            </a:r>
+            <a:r>
+              <a:rPr lang="en-US"/>
+              <a:t>: </a:t>
+            </a:r>
+            <a:r>
+              <a:rPr lang="en-US" sz="3200"/>
+              <a:t>Removes a collection from </a:t>
+            </a:r>
+            <a:r>
+              <a:rPr lang="en-US" sz="3200"/>
+              <a:t>the </a:t>
+            </a:r>
+            <a:r>
+              <a:rPr lang="en-US" sz="3200" smtClean="0"/>
+              <a:t>database (remove associated indexes as well)</a:t>
+            </a:r>
+            <a:endParaRPr lang="en-US" smtClean="0"/>
+          </a:p>
+          <a:p>
+            <a:r>
               <a:rPr lang="en-US" smtClean="0"/>
-              <a:t>$project: add new fields or remove existing fields or rename fields</a:t>
-            </a:r>
-          </a:p>
-          <a:p>
-            <a:r>
-              <a:rPr lang="en-US" smtClean="0"/>
-              <a:t>$match: filter documents</a:t>
-            </a:r>
-          </a:p>
-          <a:p>
-            <a:r>
-              <a:rPr lang="en-US" smtClean="0"/>
-              <a:t>$limit: pass n documents to the next operator</a:t>
-            </a:r>
-          </a:p>
-          <a:p>
-            <a:r>
-              <a:rPr lang="en-US" smtClean="0"/>
-              <a:t>$skip: skip n documents</a:t>
-            </a:r>
-          </a:p>
-          <a:p>
-            <a:r>
-              <a:rPr lang="en-US" smtClean="0"/>
-              <a:t>$unwind: flatten the array’s element</a:t>
-            </a:r>
-          </a:p>
-          <a:p>
-            <a:r>
-              <a:rPr lang="en-US" smtClean="0"/>
-              <a:t>$group: group documents and do some calculation to each group</a:t>
-            </a:r>
-          </a:p>
-          <a:p>
-            <a:r>
-              <a:rPr lang="en-US" smtClean="0"/>
-              <a:t>$sample: randomly get </a:t>
-            </a:r>
-            <a:r>
-              <a:rPr lang="en-US" i="1" smtClean="0"/>
-              <a:t>n</a:t>
-            </a:r>
-            <a:r>
-              <a:rPr lang="en-US" smtClean="0"/>
-              <a:t> documents</a:t>
-            </a:r>
-            <a:endParaRPr lang="en-US" dirty="0"/>
+              <a:t>Syntax:</a:t>
+            </a:r>
+          </a:p>
+          <a:p>
+            <a:pPr marL="0" indent="0">
+              <a:buNone/>
+            </a:pPr>
+            <a:r>
+              <a:rPr lang="en-US" sz="2400" smtClean="0"/>
+              <a:t>db.collectionName.drop()</a:t>
+            </a:r>
+            <a:endParaRPr lang="en-US" sz="2400" smtClean="0"/>
+          </a:p>
+          <a:p>
+            <a:r>
+              <a:rPr lang="en-US" sz="2000" i="1" smtClean="0"/>
+              <a:t>This method will block all new operations, wait for current operation to finish and then drop the collection</a:t>
+            </a:r>
+          </a:p>
+          <a:p>
+            <a:r>
+              <a:rPr lang="en-US" sz="2000" i="1" smtClean="0"/>
+              <a:t>To delete all documents in a collection, we’d better use drop() than remove()</a:t>
+            </a:r>
           </a:p>
         </p:txBody>
       </p:sp>
     </p:spTree>
     <p:extLst>
       <p:ext uri="{BB962C8B-B14F-4D97-AF65-F5344CB8AC3E}">
-        <p14:creationId xmlns:p14="http://schemas.microsoft.com/office/powerpoint/2010/main" val="3313183975"/>
+        <p14:creationId xmlns:p14="http://schemas.microsoft.com/office/powerpoint/2010/main" val="165364376"/>
       </p:ext>
     </p:extLst>
   </p:cSld>
@@ -15129,22 +15229,27 @@
       </p:grpSpPr>
       <p:sp>
         <p:nvSpPr>
-          <p:cNvPr id="30722" name="Rectangle 2"/>
+          <p:cNvPr id="2050" name="Rectangle 2"/>
           <p:cNvSpPr>
             <a:spLocks noGrp="1" noChangeArrowheads="1"/>
           </p:cNvSpPr>
           <p:nvPr>
-            <p:ph type="title"/>
-          </p:nvPr>
-        </p:nvSpPr>
-        <p:spPr/>
+            <p:ph type="ctrTitle"/>
+          </p:nvPr>
+        </p:nvSpPr>
+        <p:spPr>
+          <a:xfrm>
+            <a:off x="762000" y="457200"/>
+            <a:ext cx="5703888" cy="2362200"/>
+          </a:xfrm>
+        </p:spPr>
         <p:txBody>
           <a:bodyPr/>
           <a:lstStyle/>
           <a:p>
             <a:r>
               <a:rPr lang="en-US" smtClean="0"/>
-              <a:t>$project</a:t>
+              <a:t>MongoDB Aggregation Framework</a:t>
             </a:r>
             <a:endParaRPr lang="en-US" dirty="0"/>
           </a:p>
@@ -15152,18 +15257,18 @@
       </p:sp>
       <p:sp>
         <p:nvSpPr>
-          <p:cNvPr id="30723" name="Rectangle 3"/>
+          <p:cNvPr id="2051" name="Rectangle 3"/>
           <p:cNvSpPr>
             <a:spLocks noGrp="1" noChangeArrowheads="1"/>
           </p:cNvSpPr>
           <p:nvPr>
-            <p:ph type="body" idx="1"/>
+            <p:ph type="subTitle" idx="1"/>
           </p:nvPr>
         </p:nvSpPr>
         <p:spPr>
           <a:xfrm>
-            <a:off x="457200" y="1719263"/>
-            <a:ext cx="8229600" cy="4302125"/>
+            <a:off x="5029200" y="6172200"/>
+            <a:ext cx="3048000" cy="458788"/>
           </a:xfrm>
         </p:spPr>
         <p:txBody>
@@ -15171,126 +15276,69 @@
           <a:lstStyle/>
           <a:p>
             <a:r>
-              <a:rPr lang="en-US"/>
-              <a:t>Passes along the documents with only the specified fields to the next stage in the pipeline. The specified fields can be existing fields from the input documents or newly </a:t>
-            </a:r>
-            <a:r>
-              <a:rPr lang="en-US"/>
-              <a:t>computed </a:t>
-            </a:r>
-            <a:r>
-              <a:rPr lang="en-US" smtClean="0"/>
-              <a:t>fields</a:t>
-            </a:r>
-          </a:p>
-          <a:p>
-            <a:r>
-              <a:rPr lang="en-US" smtClean="0"/>
-              <a:t>Stage syntax:</a:t>
-            </a:r>
-          </a:p>
-          <a:p>
-            <a:pPr marL="0" indent="0">
-              <a:buNone/>
-            </a:pPr>
-            <a:r>
-              <a:rPr lang="en-US" sz="2400" smtClean="0"/>
-              <a:t>	{ </a:t>
-            </a:r>
-            <a:r>
-              <a:rPr lang="en-US" sz="2400"/>
-              <a:t>$project</a:t>
-            </a:r>
-            <a:r>
-              <a:rPr lang="en-US" sz="2400"/>
-              <a:t>:</a:t>
-            </a:r>
-            <a:r>
-              <a:rPr lang="en-US" sz="2400"/>
-              <a:t> { </a:t>
-            </a:r>
-            <a:r>
-              <a:rPr lang="en-US" sz="2400"/>
-              <a:t>&lt;</a:t>
-            </a:r>
-            <a:r>
-              <a:rPr lang="en-US" sz="2400"/>
-              <a:t>specifications</a:t>
-            </a:r>
-            <a:r>
-              <a:rPr lang="en-US" sz="2400"/>
-              <a:t>&gt;</a:t>
-            </a:r>
-            <a:r>
-              <a:rPr lang="en-US" sz="2400"/>
-              <a:t> </a:t>
-            </a:r>
-            <a:r>
-              <a:rPr lang="en-US" sz="2400"/>
-              <a:t>} </a:t>
-            </a:r>
-            <a:r>
-              <a:rPr lang="en-US" sz="2400" smtClean="0"/>
-              <a:t>}</a:t>
-            </a:r>
-          </a:p>
-          <a:p>
-            <a:pPr marL="0" indent="0">
-              <a:buNone/>
-            </a:pPr>
-            <a:r>
-              <a:rPr lang="en-US" sz="2400"/>
-              <a:t>Eg: { $project</a:t>
-            </a:r>
-            <a:r>
-              <a:rPr lang="en-US" sz="2400"/>
-              <a:t>: </a:t>
-            </a:r>
-            <a:r>
-              <a:rPr lang="en-US" sz="2400" smtClean="0"/>
-              <a:t>{name: 1, age: 0 </a:t>
-            </a:r>
-            <a:r>
-              <a:rPr lang="en-US" sz="2400"/>
-              <a:t>} </a:t>
-            </a:r>
-            <a:r>
-              <a:rPr lang="en-US" sz="2400" smtClean="0"/>
-              <a:t>}</a:t>
-            </a:r>
-          </a:p>
-          <a:p>
-            <a:pPr marL="0" indent="0">
-              <a:buNone/>
-            </a:pPr>
-            <a:r>
-              <a:rPr lang="en-US" sz="2400"/>
-              <a:t>{ $project</a:t>
-            </a:r>
-            <a:r>
-              <a:rPr lang="en-US" sz="2400"/>
-              <a:t>: </a:t>
-            </a:r>
-            <a:r>
-              <a:rPr lang="en-US" sz="2400" smtClean="0"/>
-              <a:t>{tuoi: “$age”} }</a:t>
-            </a:r>
-            <a:endParaRPr lang="en-US" sz="2400"/>
-          </a:p>
-          <a:p>
-            <a:pPr marL="0" indent="0">
-              <a:buNone/>
-            </a:pPr>
-            <a:endParaRPr lang="en-US" sz="2400" dirty="0"/>
-          </a:p>
-        </p:txBody>
-      </p:sp>
+              <a:rPr lang="en-US" sz="2000" i="1" smtClean="0">
+                <a:solidFill>
+                  <a:schemeClr val="accent4">
+                    <a:lumMod val="75000"/>
+                    <a:lumOff val="25000"/>
+                  </a:schemeClr>
+                </a:solidFill>
+              </a:rPr>
+              <a:t>KhuongDV@Z10.BOSS</a:t>
+            </a:r>
+            <a:endParaRPr lang="en-US" sz="2000" i="1" dirty="0">
+              <a:solidFill>
+                <a:schemeClr val="accent4">
+                  <a:lumMod val="75000"/>
+                  <a:lumOff val="25000"/>
+                </a:schemeClr>
+              </a:solidFill>
+            </a:endParaRPr>
+          </a:p>
+        </p:txBody>
+      </p:sp>
+      <p:pic>
+        <p:nvPicPr>
+          <p:cNvPr id="1026" name="Picture 2" descr="MongoDBAggregationFramework"/>
+          <p:cNvPicPr>
+            <a:picLocks noChangeAspect="1" noChangeArrowheads="1"/>
+          </p:cNvPicPr>
+          <p:nvPr/>
+        </p:nvPicPr>
+        <p:blipFill>
+          <a:blip r:embed="rId3">
+            <a:extLst>
+              <a:ext uri="{28A0092B-C50C-407E-A947-70E740481C1C}">
+                <a14:useLocalDpi xmlns:a14="http://schemas.microsoft.com/office/drawing/2010/main" val="0"/>
+              </a:ext>
+            </a:extLst>
+          </a:blip>
+          <a:srcRect/>
+          <a:stretch>
+            <a:fillRect/>
+          </a:stretch>
+        </p:blipFill>
+        <p:spPr bwMode="auto">
+          <a:xfrm>
+            <a:off x="877910" y="2971800"/>
+            <a:ext cx="6437290" cy="2143125"/>
+          </a:xfrm>
+          <a:prstGeom prst="rect">
+            <a:avLst/>
+          </a:prstGeom>
+          <a:noFill/>
+          <a:extLst>
+            <a:ext uri="{909E8E84-426E-40DD-AFC4-6F175D3DCCD1}">
+              <a14:hiddenFill xmlns:a14="http://schemas.microsoft.com/office/drawing/2010/main">
+                <a:solidFill>
+                  <a:srgbClr val="FFFFFF"/>
+                </a:solidFill>
+              </a14:hiddenFill>
+            </a:ext>
+          </a:extLst>
+        </p:spPr>
+      </p:pic>
     </p:spTree>
-    <p:extLst>
-      <p:ext uri="{BB962C8B-B14F-4D97-AF65-F5344CB8AC3E}">
-        <p14:creationId xmlns:p14="http://schemas.microsoft.com/office/powerpoint/2010/main" val="2527286673"/>
-      </p:ext>
-    </p:extLst>
   </p:cSld>
   <p:clrMapOvr>
     <a:masterClrMapping/>
@@ -15339,7 +15387,7 @@
           <a:p>
             <a:r>
               <a:rPr lang="en-US" smtClean="0"/>
-              <a:t>$match</a:t>
+              <a:t>Introduction</a:t>
             </a:r>
             <a:endParaRPr lang="en-US" dirty="0"/>
           </a:p>
@@ -15366,69 +15414,32 @@
           <a:lstStyle/>
           <a:p>
             <a:r>
-              <a:rPr lang="en-US"/>
-              <a:t>Filters the documents to pass only the documents that match the specified condition(s) to the next pipeline </a:t>
-            </a:r>
-            <a:r>
-              <a:rPr lang="en-US"/>
-              <a:t>stage</a:t>
-            </a:r>
-            <a:r>
               <a:rPr lang="en-US" smtClean="0"/>
-              <a:t>.</a:t>
+              <a:t>Doing tasks in DB instead of in code for better performance and code effort</a:t>
             </a:r>
           </a:p>
           <a:p>
             <a:r>
               <a:rPr lang="en-US" smtClean="0"/>
-              <a:t>Form:</a:t>
-            </a:r>
-          </a:p>
-          <a:p>
-            <a:pPr marL="0" indent="0">
-              <a:buNone/>
-            </a:pPr>
-            <a:r>
-              <a:rPr lang="en-US" sz="2800" smtClean="0"/>
-              <a:t>$match: {&lt;Query&gt;} </a:t>
-            </a:r>
-          </a:p>
-          <a:p>
-            <a:pPr marL="0" indent="0">
-              <a:buNone/>
-            </a:pPr>
-            <a:r>
-              <a:rPr lang="en-US" sz="2800" smtClean="0"/>
-              <a:t>The query is like in the find() method, except </a:t>
-            </a:r>
-            <a:r>
-              <a:rPr lang="en-US" sz="2800" b="1" i="1" smtClean="0"/>
-              <a:t>$where</a:t>
-            </a:r>
-            <a:r>
-              <a:rPr lang="en-US" sz="2800" b="1" smtClean="0"/>
-              <a:t> </a:t>
-            </a:r>
-            <a:r>
-              <a:rPr lang="en-US" sz="2800" smtClean="0"/>
-              <a:t>operator</a:t>
-            </a:r>
-          </a:p>
-          <a:p>
-            <a:r>
-              <a:rPr lang="en-US" sz="3200" smtClean="0"/>
-              <a:t>If $match is the very first stage, it could take advantage of indexes, and it can use $text op for searching text</a:t>
-            </a:r>
-            <a:endParaRPr lang="en-US" sz="3200" dirty="0"/>
+              <a:t>The aggregation framework (AgFw) let us transform and combine documents in collections</a:t>
+            </a:r>
+          </a:p>
+          <a:p>
+            <a:r>
+              <a:rPr lang="en-US" smtClean="0"/>
+              <a:t>Pipeline of aggregation, includes many stages, output of n-th stage will be input for the (n+1)th stage</a:t>
+            </a:r>
+          </a:p>
+          <a:p>
+            <a:r>
+              <a:rPr lang="en-US" smtClean="0"/>
+              <a:t>Some stages can be used multiple times</a:t>
+            </a:r>
+            <a:endParaRPr lang="en-US" dirty="0"/>
           </a:p>
         </p:txBody>
       </p:sp>
     </p:spTree>
-    <p:extLst>
-      <p:ext uri="{BB962C8B-B14F-4D97-AF65-F5344CB8AC3E}">
-        <p14:creationId xmlns:p14="http://schemas.microsoft.com/office/powerpoint/2010/main" val="3747051374"/>
-      </p:ext>
-    </p:extLst>
   </p:cSld>
   <p:clrMapOvr>
     <a:masterClrMapping/>
@@ -15477,7 +15488,7 @@
           <a:p>
             <a:r>
               <a:rPr lang="en-US" smtClean="0"/>
-              <a:t>$limit</a:t>
+              <a:t>Introduction</a:t>
             </a:r>
             <a:endParaRPr lang="en-US" dirty="0"/>
           </a:p>
@@ -15504,22 +15515,26 @@
           <a:lstStyle/>
           <a:p>
             <a:r>
-              <a:rPr lang="en-US"/>
-              <a:t>Limits the number of documents passed to the next stage in the</a:t>
-            </a:r>
-            <a:r>
-              <a:rPr lang="en-US"/>
-              <a:t> </a:t>
-            </a:r>
-            <a:r>
               <a:rPr lang="en-US" smtClean="0"/>
-              <a:t>pipeline</a:t>
-            </a:r>
-          </a:p>
-          <a:p>
+              <a:t>General syntax:</a:t>
+            </a:r>
+          </a:p>
+          <a:p>
+            <a:r>
+              <a:rPr lang="en-US" b="1" smtClean="0"/>
+              <a:t>db</a:t>
+            </a:r>
             <a:r>
               <a:rPr lang="en-US" smtClean="0"/>
-              <a:t>Form:</a:t>
+              <a:t>.collectionName.</a:t>
+            </a:r>
+            <a:r>
+              <a:rPr lang="en-US" b="1" smtClean="0"/>
+              <a:t>aggregate</a:t>
+            </a:r>
+            <a:r>
+              <a:rPr lang="en-US" smtClean="0"/>
+              <a:t>(pipeline, options )</a:t>
             </a:r>
           </a:p>
           <a:p>
@@ -15527,36 +15542,12 @@
               <a:buNone/>
             </a:pPr>
             <a:r>
-              <a:rPr lang="en-US" sz="2800"/>
-              <a:t>{ $limit</a:t>
-            </a:r>
-            <a:r>
-              <a:rPr lang="en-US" sz="2800"/>
-              <a:t>:</a:t>
-            </a:r>
-            <a:r>
-              <a:rPr lang="en-US" sz="2800"/>
-              <a:t> </a:t>
-            </a:r>
-            <a:r>
-              <a:rPr lang="en-US" sz="2800"/>
-              <a:t>&lt;</a:t>
-            </a:r>
-            <a:r>
-              <a:rPr lang="en-US" sz="2800"/>
-              <a:t>positive integer</a:t>
-            </a:r>
-            <a:r>
-              <a:rPr lang="en-US" sz="2800"/>
-              <a:t>&gt;</a:t>
-            </a:r>
-            <a:r>
-              <a:rPr lang="en-US" sz="2800"/>
-              <a:t> </a:t>
-            </a:r>
-            <a:r>
-              <a:rPr lang="en-US" sz="2800" smtClean="0"/>
-              <a:t>}</a:t>
+              <a:rPr lang="en-US" b="1" smtClean="0"/>
+              <a:t>pipeline</a:t>
+            </a:r>
+            <a:r>
+              <a:rPr lang="en-US" smtClean="0"/>
+              <a:t> is in this form:</a:t>
             </a:r>
           </a:p>
           <a:p>
@@ -15564,22 +15555,38 @@
               <a:buNone/>
             </a:pPr>
             <a:r>
-              <a:rPr lang="en-US" sz="2800" smtClean="0"/>
-              <a:t>Eg: {$limit: 10}</a:t>
+              <a:rPr lang="en-US"/>
+              <a:t> [ { &lt;stage1&gt; },{&lt;stage2&gt;} ... </a:t>
+            </a:r>
+            <a:r>
+              <a:rPr lang="en-US" smtClean="0"/>
+              <a:t>]</a:t>
             </a:r>
           </a:p>
           <a:p>
             <a:pPr marL="0" indent="0">
               <a:buNone/>
             </a:pPr>
-            <a:endParaRPr lang="en-US" sz="3200" dirty="0"/>
+            <a:r>
+              <a:rPr lang="en-US" b="1" smtClean="0"/>
+              <a:t>options</a:t>
+            </a:r>
+            <a:r>
+              <a:rPr lang="en-US" smtClean="0"/>
+              <a:t> is optional, contains some options such as </a:t>
+            </a:r>
+            <a:r>
+              <a:rPr lang="en-US" i="1" smtClean="0"/>
+              <a:t>explain (boolean), allowDiskUse (boolean), …</a:t>
+            </a:r>
+            <a:endParaRPr lang="en-US" smtClean="0"/>
           </a:p>
         </p:txBody>
       </p:sp>
     </p:spTree>
     <p:extLst>
       <p:ext uri="{BB962C8B-B14F-4D97-AF65-F5344CB8AC3E}">
-        <p14:creationId xmlns:p14="http://schemas.microsoft.com/office/powerpoint/2010/main" val="731289334"/>
+        <p14:creationId xmlns:p14="http://schemas.microsoft.com/office/powerpoint/2010/main" val="2634447300"/>
       </p:ext>
     </p:extLst>
   </p:cSld>
@@ -15630,7 +15637,7 @@
           <a:p>
             <a:r>
               <a:rPr lang="en-US" smtClean="0"/>
-              <a:t>$skip</a:t>
+              <a:t>Pipeline Stages</a:t>
             </a:r>
             <a:endParaRPr lang="en-US" dirty="0"/>
           </a:p>
@@ -15657,64 +15664,61 @@
           <a:lstStyle/>
           <a:p>
             <a:r>
-              <a:rPr lang="en-US"/>
-              <a:t>Skips over the specified number of documents that pass into the stage and passes the remaining documents to the next stage in </a:t>
-            </a:r>
-            <a:r>
-              <a:rPr lang="en-US"/>
-              <a:t>the </a:t>
-            </a:r>
-            <a:r>
               <a:rPr lang="en-US" smtClean="0"/>
-              <a:t>pipeline</a:t>
+              <a:t>$project: add new fields or remove existing fields or rename fields</a:t>
             </a:r>
           </a:p>
           <a:p>
             <a:r>
               <a:rPr lang="en-US" smtClean="0"/>
-              <a:t>Form:</a:t>
-            </a:r>
-          </a:p>
-          <a:p>
-            <a:pPr marL="0" indent="0">
-              <a:buNone/>
-            </a:pPr>
-            <a:r>
-              <a:rPr lang="en-US" sz="2800"/>
-              <a:t>{ $skip</a:t>
-            </a:r>
-            <a:r>
-              <a:rPr lang="en-US" sz="2800"/>
-              <a:t>:</a:t>
-            </a:r>
-            <a:r>
-              <a:rPr lang="en-US" sz="2800"/>
-              <a:t> </a:t>
-            </a:r>
-            <a:r>
-              <a:rPr lang="en-US" sz="2800"/>
-              <a:t>&lt;</a:t>
-            </a:r>
-            <a:r>
-              <a:rPr lang="en-US" sz="2800"/>
-              <a:t>positive integer</a:t>
-            </a:r>
-            <a:r>
-              <a:rPr lang="en-US" sz="2800"/>
-              <a:t>&gt;</a:t>
-            </a:r>
-            <a:r>
-              <a:rPr lang="en-US" sz="2800"/>
-              <a:t> }</a:t>
-            </a:r>
-            <a:endParaRPr lang="en-US" sz="2800" dirty="0"/>
+              <a:t>$match: filter documents</a:t>
+            </a:r>
+          </a:p>
+          <a:p>
+            <a:r>
+              <a:rPr lang="en-US" smtClean="0"/>
+              <a:t>$limit: pass n documents to the next operator</a:t>
+            </a:r>
+          </a:p>
+          <a:p>
+            <a:r>
+              <a:rPr lang="en-US" smtClean="0"/>
+              <a:t>$skip: skip n documents</a:t>
+            </a:r>
+          </a:p>
+          <a:p>
+            <a:r>
+              <a:rPr lang="en-US" smtClean="0"/>
+              <a:t>$unwind: flatten the array’s element</a:t>
+            </a:r>
+          </a:p>
+          <a:p>
+            <a:r>
+              <a:rPr lang="en-US" smtClean="0"/>
+              <a:t>$group: group documents and do some calculation to each group</a:t>
+            </a:r>
+          </a:p>
+          <a:p>
+            <a:r>
+              <a:rPr lang="en-US" smtClean="0"/>
+              <a:t>$sample: randomly get </a:t>
+            </a:r>
+            <a:r>
+              <a:rPr lang="en-US" i="1" smtClean="0"/>
+              <a:t>n</a:t>
+            </a:r>
+            <a:r>
+              <a:rPr lang="en-US" smtClean="0"/>
+              <a:t> documents</a:t>
+            </a:r>
+            <a:endParaRPr lang="en-US" dirty="0"/>
           </a:p>
         </p:txBody>
       </p:sp>
     </p:spTree>
     <p:extLst>
       <p:ext uri="{BB962C8B-B14F-4D97-AF65-F5344CB8AC3E}">
-        <p14:creationId xmlns:p14="http://schemas.microsoft.com/office/powerpoint/2010/main" val="3367557809"/>
+        <p14:creationId xmlns:p14="http://schemas.microsoft.com/office/powerpoint/2010/main" val="3313183975"/>
       </p:ext>
     </p:extLst>
   </p:cSld>
@@ -15765,7 +15769,7 @@
           <a:p>
             <a:r>
               <a:rPr lang="en-US" smtClean="0"/>
-              <a:t>$unwind</a:t>
+              <a:t>$project</a:t>
             </a:r>
             <a:endParaRPr lang="en-US" dirty="0"/>
           </a:p>
@@ -15784,7 +15788,7 @@
         <p:spPr>
           <a:xfrm>
             <a:off x="457200" y="1719263"/>
-            <a:ext cx="8229600" cy="4757737"/>
+            <a:ext cx="8229600" cy="4302125"/>
           </a:xfrm>
         </p:spPr>
         <p:txBody>
@@ -15793,31 +15797,83 @@
           <a:p>
             <a:r>
               <a:rPr lang="en-US"/>
-              <a:t>Deconstructs an array field from the input documents to output a document for </a:t>
-            </a:r>
-            <a:r>
-              <a:rPr lang="en-US" i="1"/>
-              <a:t>each</a:t>
-            </a:r>
-            <a:r>
-              <a:rPr lang="en-US"/>
-              <a:t> element. Each output document is the input document with the value of the array field replaced by </a:t>
-            </a:r>
-            <a:r>
-              <a:rPr lang="en-US"/>
-              <a:t>the </a:t>
+              <a:t>Passes along the documents with only the specified fields to the next stage in the pipeline. The specified fields can be existing fields from the input documents or newly computed </a:t>
             </a:r>
             <a:r>
               <a:rPr lang="en-US" smtClean="0"/>
-              <a:t>element</a:t>
-            </a:r>
+              <a:t>fields</a:t>
+            </a:r>
+          </a:p>
+          <a:p>
+            <a:r>
+              <a:rPr lang="en-US" smtClean="0"/>
+              <a:t>Stage syntax:</a:t>
+            </a:r>
+          </a:p>
+          <a:p>
+            <a:pPr marL="0" indent="0">
+              <a:buNone/>
+            </a:pPr>
+            <a:r>
+              <a:rPr lang="en-US" sz="2400" smtClean="0"/>
+              <a:t>	{ </a:t>
+            </a:r>
+            <a:r>
+              <a:rPr lang="en-US" sz="2400"/>
+              <a:t>$project: { &lt;specifications&gt; } </a:t>
+            </a:r>
+            <a:r>
+              <a:rPr lang="en-US" sz="2400" smtClean="0"/>
+              <a:t>}</a:t>
+            </a:r>
+          </a:p>
+          <a:p>
+            <a:pPr marL="0" indent="0">
+              <a:buNone/>
+            </a:pPr>
+            <a:r>
+              <a:rPr lang="en-US" sz="2400"/>
+              <a:t>Eg: { $project: </a:t>
+            </a:r>
+            <a:r>
+              <a:rPr lang="en-US" sz="2400" smtClean="0"/>
+              <a:t>{name: 1, age: 0 </a:t>
+            </a:r>
+            <a:r>
+              <a:rPr lang="en-US" sz="2400"/>
+              <a:t>} </a:t>
+            </a:r>
+            <a:r>
+              <a:rPr lang="en-US" sz="2400" smtClean="0"/>
+              <a:t>}</a:t>
+            </a:r>
+          </a:p>
+          <a:p>
+            <a:pPr marL="0" indent="0">
+              <a:buNone/>
+            </a:pPr>
+            <a:r>
+              <a:rPr lang="en-US" sz="2400"/>
+              <a:t>{ $project: </a:t>
+            </a:r>
+            <a:r>
+              <a:rPr lang="en-US" sz="2400" smtClean="0"/>
+              <a:t>{tuoi: “$age”} }</a:t>
+            </a:r>
+            <a:endParaRPr lang="en-US" sz="2400"/>
+          </a:p>
+          <a:p>
+            <a:pPr marL="0" indent="0">
+              <a:buNone/>
+            </a:pPr>
+            <a:endParaRPr lang="en-US" sz="2400" dirty="0"/>
           </a:p>
         </p:txBody>
       </p:sp>
     </p:spTree>
     <p:extLst>
       <p:ext uri="{BB962C8B-B14F-4D97-AF65-F5344CB8AC3E}">
-        <p14:creationId xmlns:p14="http://schemas.microsoft.com/office/powerpoint/2010/main" val="3766325880"/>
+        <p14:creationId xmlns:p14="http://schemas.microsoft.com/office/powerpoint/2010/main" val="2527286673"/>
       </p:ext>
     </p:extLst>
   </p:cSld>
@@ -16903,6 +16959,142 @@
 </file>
 
 <file path=customXml/item1.xml><?xml version="1.0" encoding="utf-8"?>
+<p:properties xmlns:p="http://schemas.microsoft.com/office/2006/metadata/properties" xmlns:xsi="http://www.w3.org/2001/XMLSchema-instance" xmlns:pc="http://schemas.microsoft.com/office/infopath/2007/PartnerControls">
+  <documentManagement>
+    <APDescription xmlns="4873beb7-5857-4685-be1f-d57550cc96cc" xsi:nil="true"/>
+    <AssetExpire xmlns="4873beb7-5857-4685-be1f-d57550cc96cc">2035-01-01T08:00:00+00:00</AssetExpire>
+    <CampaignTagsTaxHTField0 xmlns="4873beb7-5857-4685-be1f-d57550cc96cc">
+      <Terms xmlns="http://schemas.microsoft.com/office/infopath/2007/PartnerControls"/>
+    </CampaignTagsTaxHTField0>
+    <IntlLangReviewDate xmlns="4873beb7-5857-4685-be1f-d57550cc96cc" xsi:nil="true"/>
+    <TPFriendlyName xmlns="4873beb7-5857-4685-be1f-d57550cc96cc" xsi:nil="true"/>
+    <IntlLangReview xmlns="4873beb7-5857-4685-be1f-d57550cc96cc">false</IntlLangReview>
+    <LocLastLocAttemptVersionLookup xmlns="4873beb7-5857-4685-be1f-d57550cc96cc">826110</LocLastLocAttemptVersionLookup>
+    <PolicheckWords xmlns="4873beb7-5857-4685-be1f-d57550cc96cc" xsi:nil="true"/>
+    <SubmitterId xmlns="4873beb7-5857-4685-be1f-d57550cc96cc" xsi:nil="true"/>
+    <AcquiredFrom xmlns="4873beb7-5857-4685-be1f-d57550cc96cc">Internal MS</AcquiredFrom>
+    <EditorialStatus xmlns="4873beb7-5857-4685-be1f-d57550cc96cc" xsi:nil="true"/>
+    <Markets xmlns="4873beb7-5857-4685-be1f-d57550cc96cc"/>
+    <OriginAsset xmlns="4873beb7-5857-4685-be1f-d57550cc96cc" xsi:nil="true"/>
+    <AssetStart xmlns="4873beb7-5857-4685-be1f-d57550cc96cc">2012-02-17T16:41:00+00:00</AssetStart>
+    <FriendlyTitle xmlns="4873beb7-5857-4685-be1f-d57550cc96cc" xsi:nil="true"/>
+    <MarketSpecific xmlns="4873beb7-5857-4685-be1f-d57550cc96cc">false</MarketSpecific>
+    <TPNamespace xmlns="4873beb7-5857-4685-be1f-d57550cc96cc" xsi:nil="true"/>
+    <PublishStatusLookup xmlns="4873beb7-5857-4685-be1f-d57550cc96cc">
+      <Value>1536927</Value>
+      <Value>1536928</Value>
+    </PublishStatusLookup>
+    <APAuthor xmlns="4873beb7-5857-4685-be1f-d57550cc96cc">
+      <UserInfo>
+        <DisplayName>REDMOND\v-gakel</DisplayName>
+        <AccountId>2721</AccountId>
+        <AccountType/>
+      </UserInfo>
+    </APAuthor>
+    <TPCommandLine xmlns="4873beb7-5857-4685-be1f-d57550cc96cc" xsi:nil="true"/>
+    <IntlLangReviewer xmlns="4873beb7-5857-4685-be1f-d57550cc96cc" xsi:nil="true"/>
+    <OpenTemplate xmlns="4873beb7-5857-4685-be1f-d57550cc96cc">true</OpenTemplate>
+    <CSXSubmissionDate xmlns="4873beb7-5857-4685-be1f-d57550cc96cc" xsi:nil="true"/>
+    <TaxCatchAll xmlns="4873beb7-5857-4685-be1f-d57550cc96cc"/>
+    <Manager xmlns="4873beb7-5857-4685-be1f-d57550cc96cc" xsi:nil="true"/>
+    <NumericId xmlns="4873beb7-5857-4685-be1f-d57550cc96cc" xsi:nil="true"/>
+    <ParentAssetId xmlns="4873beb7-5857-4685-be1f-d57550cc96cc" xsi:nil="true"/>
+    <OriginalSourceMarket xmlns="4873beb7-5857-4685-be1f-d57550cc96cc" xsi:nil="true"/>
+    <ApprovalStatus xmlns="4873beb7-5857-4685-be1f-d57550cc96cc">InProgress</ApprovalStatus>
+    <TPComponent xmlns="4873beb7-5857-4685-be1f-d57550cc96cc" xsi:nil="true"/>
+    <EditorialTags xmlns="4873beb7-5857-4685-be1f-d57550cc96cc" xsi:nil="true"/>
+    <TPExecutable xmlns="4873beb7-5857-4685-be1f-d57550cc96cc" xsi:nil="true"/>
+    <TPLaunchHelpLink xmlns="4873beb7-5857-4685-be1f-d57550cc96cc" xsi:nil="true"/>
+    <LocComments xmlns="4873beb7-5857-4685-be1f-d57550cc96cc" xsi:nil="true"/>
+    <LocRecommendedHandoff xmlns="4873beb7-5857-4685-be1f-d57550cc96cc" xsi:nil="true"/>
+    <SourceTitle xmlns="4873beb7-5857-4685-be1f-d57550cc96cc">Training presentation</SourceTitle>
+    <CSXUpdate xmlns="4873beb7-5857-4685-be1f-d57550cc96cc">false</CSXUpdate>
+    <IntlLocPriority xmlns="4873beb7-5857-4685-be1f-d57550cc96cc" xsi:nil="true"/>
+    <UAProjectedTotalWords xmlns="4873beb7-5857-4685-be1f-d57550cc96cc" xsi:nil="true"/>
+    <AssetType xmlns="4873beb7-5857-4685-be1f-d57550cc96cc">TP</AssetType>
+    <MachineTranslated xmlns="4873beb7-5857-4685-be1f-d57550cc96cc">false</MachineTranslated>
+    <OutputCachingOn xmlns="4873beb7-5857-4685-be1f-d57550cc96cc">false</OutputCachingOn>
+    <TemplateStatus xmlns="4873beb7-5857-4685-be1f-d57550cc96cc">Complete</TemplateStatus>
+    <IsSearchable xmlns="4873beb7-5857-4685-be1f-d57550cc96cc">true</IsSearchable>
+    <ContentItem xmlns="4873beb7-5857-4685-be1f-d57550cc96cc" xsi:nil="true"/>
+    <HandoffToMSDN xmlns="4873beb7-5857-4685-be1f-d57550cc96cc" xsi:nil="true"/>
+    <ShowIn xmlns="4873beb7-5857-4685-be1f-d57550cc96cc">Show everywhere</ShowIn>
+    <ThumbnailAssetId xmlns="4873beb7-5857-4685-be1f-d57550cc96cc" xsi:nil="true"/>
+    <UALocComments xmlns="4873beb7-5857-4685-be1f-d57550cc96cc">2007 Template UpLeveling Do Not HandOff</UALocComments>
+    <UALocRecommendation xmlns="4873beb7-5857-4685-be1f-d57550cc96cc">Localize</UALocRecommendation>
+    <LastModifiedDateTime xmlns="4873beb7-5857-4685-be1f-d57550cc96cc" xsi:nil="true"/>
+    <LegacyData xmlns="4873beb7-5857-4685-be1f-d57550cc96cc" xsi:nil="true"/>
+    <LocManualTestRequired xmlns="4873beb7-5857-4685-be1f-d57550cc96cc">false</LocManualTestRequired>
+    <ClipArtFilename xmlns="4873beb7-5857-4685-be1f-d57550cc96cc" xsi:nil="true"/>
+    <TPApplication xmlns="4873beb7-5857-4685-be1f-d57550cc96cc" xsi:nil="true"/>
+    <CSXHash xmlns="4873beb7-5857-4685-be1f-d57550cc96cc" xsi:nil="true"/>
+    <DirectSourceMarket xmlns="4873beb7-5857-4685-be1f-d57550cc96cc" xsi:nil="true"/>
+    <PrimaryImageGen xmlns="4873beb7-5857-4685-be1f-d57550cc96cc">true</PrimaryImageGen>
+    <PlannedPubDate xmlns="4873beb7-5857-4685-be1f-d57550cc96cc" xsi:nil="true"/>
+    <CSXSubmissionMarket xmlns="4873beb7-5857-4685-be1f-d57550cc96cc" xsi:nil="true"/>
+    <Downloads xmlns="4873beb7-5857-4685-be1f-d57550cc96cc">0</Downloads>
+    <ArtSampleDocs xmlns="4873beb7-5857-4685-be1f-d57550cc96cc" xsi:nil="true"/>
+    <TrustLevel xmlns="4873beb7-5857-4685-be1f-d57550cc96cc">1 Microsoft Managed Content</TrustLevel>
+    <BlockPublish xmlns="4873beb7-5857-4685-be1f-d57550cc96cc">false</BlockPublish>
+    <TPLaunchHelpLinkType xmlns="4873beb7-5857-4685-be1f-d57550cc96cc">Template</TPLaunchHelpLinkType>
+    <LocalizationTagsTaxHTField0 xmlns="4873beb7-5857-4685-be1f-d57550cc96cc">
+      <Terms xmlns="http://schemas.microsoft.com/office/infopath/2007/PartnerControls"/>
+    </LocalizationTagsTaxHTField0>
+    <BusinessGroup xmlns="4873beb7-5857-4685-be1f-d57550cc96cc" xsi:nil="true"/>
+    <Providers xmlns="4873beb7-5857-4685-be1f-d57550cc96cc" xsi:nil="true"/>
+    <TemplateTemplateType xmlns="4873beb7-5857-4685-be1f-d57550cc96cc">PowerPoint 12 Default</TemplateTemplateType>
+    <TimesCloned xmlns="4873beb7-5857-4685-be1f-d57550cc96cc" xsi:nil="true"/>
+    <TPAppVersion xmlns="4873beb7-5857-4685-be1f-d57550cc96cc" xsi:nil="true"/>
+    <VoteCount xmlns="4873beb7-5857-4685-be1f-d57550cc96cc" xsi:nil="true"/>
+    <AverageRating xmlns="4873beb7-5857-4685-be1f-d57550cc96cc" xsi:nil="true"/>
+    <FeatureTagsTaxHTField0 xmlns="4873beb7-5857-4685-be1f-d57550cc96cc">
+      <Terms xmlns="http://schemas.microsoft.com/office/infopath/2007/PartnerControls"/>
+    </FeatureTagsTaxHTField0>
+    <Provider xmlns="4873beb7-5857-4685-be1f-d57550cc96cc" xsi:nil="true"/>
+    <UACurrentWords xmlns="4873beb7-5857-4685-be1f-d57550cc96cc" xsi:nil="true"/>
+    <AssetId xmlns="4873beb7-5857-4685-be1f-d57550cc96cc">TP102830528</AssetId>
+    <TPClientViewer xmlns="4873beb7-5857-4685-be1f-d57550cc96cc" xsi:nil="true"/>
+    <DSATActionTaken xmlns="4873beb7-5857-4685-be1f-d57550cc96cc" xsi:nil="true"/>
+    <APEditor xmlns="4873beb7-5857-4685-be1f-d57550cc96cc">
+      <UserInfo>
+        <DisplayName/>
+        <AccountId xsi:nil="true"/>
+        <AccountType/>
+      </UserInfo>
+    </APEditor>
+    <TPInstallLocation xmlns="4873beb7-5857-4685-be1f-d57550cc96cc" xsi:nil="true"/>
+    <OOCacheId xmlns="4873beb7-5857-4685-be1f-d57550cc96cc" xsi:nil="true"/>
+    <IsDeleted xmlns="4873beb7-5857-4685-be1f-d57550cc96cc">false</IsDeleted>
+    <PublishTargets xmlns="4873beb7-5857-4685-be1f-d57550cc96cc">OfficeOnline,OfficeOnlineVNext</PublishTargets>
+    <ApprovalLog xmlns="4873beb7-5857-4685-be1f-d57550cc96cc" xsi:nil="true"/>
+    <BugNumber xmlns="4873beb7-5857-4685-be1f-d57550cc96cc" xsi:nil="true"/>
+    <CrawlForDependencies xmlns="4873beb7-5857-4685-be1f-d57550cc96cc">false</CrawlForDependencies>
+    <InternalTagsTaxHTField0 xmlns="4873beb7-5857-4685-be1f-d57550cc96cc">
+      <Terms xmlns="http://schemas.microsoft.com/office/infopath/2007/PartnerControls"/>
+    </InternalTagsTaxHTField0>
+    <LastHandOff xmlns="4873beb7-5857-4685-be1f-d57550cc96cc" xsi:nil="true"/>
+    <Milestone xmlns="4873beb7-5857-4685-be1f-d57550cc96cc" xsi:nil="true"/>
+    <OriginalRelease xmlns="4873beb7-5857-4685-be1f-d57550cc96cc">14</OriginalRelease>
+    <RecommendationsModifier xmlns="4873beb7-5857-4685-be1f-d57550cc96cc" xsi:nil="true"/>
+    <ScenarioTagsTaxHTField0 xmlns="4873beb7-5857-4685-be1f-d57550cc96cc">
+      <Terms xmlns="http://schemas.microsoft.com/office/infopath/2007/PartnerControls"/>
+    </ScenarioTagsTaxHTField0>
+    <UANotes xmlns="4873beb7-5857-4685-be1f-d57550cc96cc" xsi:nil="true"/>
+    <LocMarketGroupTiers2 xmlns="4873beb7-5857-4685-be1f-d57550cc96cc">,t:Tier 1,t:Tier 2,t:Tier 3,</LocMarketGroupTiers2>
+  </documentManagement>
+</p:properties>
+</file>
+
+<file path=customXml/item2.xml><?xml version="1.0" encoding="utf-8"?>
+<?mso-contentType ?>
+<FormTemplates xmlns="http://schemas.microsoft.com/sharepoint/v3/contenttype/forms">
+  <Display>DocumentLibraryForm</Display>
+  <Edit>AssetEditForm</Edit>
+  <New>DocumentLibraryForm</New>
+</FormTemplates>
+</file>
+
+<file path=customXml/item3.xml><?xml version="1.0" encoding="utf-8"?>
 <ct:contentTypeSchema xmlns:ct="http://schemas.microsoft.com/office/2006/metadata/contentType" xmlns:ma="http://schemas.microsoft.com/office/2006/metadata/properties/metaAttributes" ct:_="" ma:_="" ma:contentTypeName="TemplateFile" ma:contentTypeID="0x0101006EDDDB5EE6D98C44930B742096920B300400F5B6D36B3EF94B4E9A635CDF2A18F5B8" ma:contentTypeVersion="72" ma:contentTypeDescription="Create a new document." ma:contentTypeScope="" ma:versionID="a23e56308344d904b51738559c3d67c9">
   <xsd:schema xmlns:xsd="http://www.w3.org/2001/XMLSchema" xmlns:xs="http://www.w3.org/2001/XMLSchema" xmlns:p="http://schemas.microsoft.com/office/2006/metadata/properties" xmlns:ns2="4873beb7-5857-4685-be1f-d57550cc96cc" targetNamespace="http://schemas.microsoft.com/office/2006/metadata/properties" ma:root="true" ma:fieldsID="cd0908cc4600e77bf5da051303e00c8d" ns2:_="">
     <xsd:import namespace="4873beb7-5857-4685-be1f-d57550cc96cc"/>
@@ -17942,143 +18134,31 @@
 </ct:contentTypeSchema>
 </file>
 
-<file path=customXml/item2.xml><?xml version="1.0" encoding="utf-8"?>
-<?mso-contentType ?>
-<FormTemplates xmlns="http://schemas.microsoft.com/sharepoint/v3/contenttype/forms">
-  <Display>DocumentLibraryForm</Display>
-  <Edit>AssetEditForm</Edit>
-  <New>DocumentLibraryForm</New>
-</FormTemplates>
+<file path=customXml/itemProps1.xml><?xml version="1.0" encoding="utf-8"?>
+<ds:datastoreItem xmlns:ds="http://schemas.openxmlformats.org/officeDocument/2006/customXml" ds:itemID="{0D988AF8-868B-4B20-BFF6-6B23BE40346B}">
+  <ds:schemaRefs>
+    <ds:schemaRef ds:uri="http://schemas.openxmlformats.org/package/2006/metadata/core-properties"/>
+    <ds:schemaRef ds:uri="http://purl.org/dc/terms/"/>
+    <ds:schemaRef ds:uri="http://purl.org/dc/dcmitype/"/>
+    <ds:schemaRef ds:uri="http://www.w3.org/XML/1998/namespace"/>
+    <ds:schemaRef ds:uri="http://schemas.microsoft.com/office/2006/documentManagement/types"/>
+    <ds:schemaRef ds:uri="http://purl.org/dc/elements/1.1/"/>
+    <ds:schemaRef ds:uri="http://schemas.microsoft.com/office/infopath/2007/PartnerControls"/>
+    <ds:schemaRef ds:uri="4873beb7-5857-4685-be1f-d57550cc96cc"/>
+    <ds:schemaRef ds:uri="http://schemas.microsoft.com/office/2006/metadata/properties"/>
+  </ds:schemaRefs>
+</ds:datastoreItem>
 </file>
 
-<file path=customXml/item3.xml><?xml version="1.0" encoding="utf-8"?>
-<p:properties xmlns:p="http://schemas.microsoft.com/office/2006/metadata/properties" xmlns:xsi="http://www.w3.org/2001/XMLSchema-instance" xmlns:pc="http://schemas.microsoft.com/office/infopath/2007/PartnerControls">
-  <documentManagement>
-    <APDescription xmlns="4873beb7-5857-4685-be1f-d57550cc96cc" xsi:nil="true"/>
-    <AssetExpire xmlns="4873beb7-5857-4685-be1f-d57550cc96cc">2035-01-01T08:00:00+00:00</AssetExpire>
-    <CampaignTagsTaxHTField0 xmlns="4873beb7-5857-4685-be1f-d57550cc96cc">
-      <Terms xmlns="http://schemas.microsoft.com/office/infopath/2007/PartnerControls"/>
-    </CampaignTagsTaxHTField0>
-    <IntlLangReviewDate xmlns="4873beb7-5857-4685-be1f-d57550cc96cc" xsi:nil="true"/>
-    <TPFriendlyName xmlns="4873beb7-5857-4685-be1f-d57550cc96cc" xsi:nil="true"/>
-    <IntlLangReview xmlns="4873beb7-5857-4685-be1f-d57550cc96cc">false</IntlLangReview>
-    <LocLastLocAttemptVersionLookup xmlns="4873beb7-5857-4685-be1f-d57550cc96cc">826110</LocLastLocAttemptVersionLookup>
-    <PolicheckWords xmlns="4873beb7-5857-4685-be1f-d57550cc96cc" xsi:nil="true"/>
-    <SubmitterId xmlns="4873beb7-5857-4685-be1f-d57550cc96cc" xsi:nil="true"/>
-    <AcquiredFrom xmlns="4873beb7-5857-4685-be1f-d57550cc96cc">Internal MS</AcquiredFrom>
-    <EditorialStatus xmlns="4873beb7-5857-4685-be1f-d57550cc96cc" xsi:nil="true"/>
-    <Markets xmlns="4873beb7-5857-4685-be1f-d57550cc96cc"/>
-    <OriginAsset xmlns="4873beb7-5857-4685-be1f-d57550cc96cc" xsi:nil="true"/>
-    <AssetStart xmlns="4873beb7-5857-4685-be1f-d57550cc96cc">2012-02-17T16:41:00+00:00</AssetStart>
-    <FriendlyTitle xmlns="4873beb7-5857-4685-be1f-d57550cc96cc" xsi:nil="true"/>
-    <MarketSpecific xmlns="4873beb7-5857-4685-be1f-d57550cc96cc">false</MarketSpecific>
-    <TPNamespace xmlns="4873beb7-5857-4685-be1f-d57550cc96cc" xsi:nil="true"/>
-    <PublishStatusLookup xmlns="4873beb7-5857-4685-be1f-d57550cc96cc">
-      <Value>1536927</Value>
-      <Value>1536928</Value>
-    </PublishStatusLookup>
-    <APAuthor xmlns="4873beb7-5857-4685-be1f-d57550cc96cc">
-      <UserInfo>
-        <DisplayName>REDMOND\v-gakel</DisplayName>
-        <AccountId>2721</AccountId>
-        <AccountType/>
-      </UserInfo>
-    </APAuthor>
-    <TPCommandLine xmlns="4873beb7-5857-4685-be1f-d57550cc96cc" xsi:nil="true"/>
-    <IntlLangReviewer xmlns="4873beb7-5857-4685-be1f-d57550cc96cc" xsi:nil="true"/>
-    <OpenTemplate xmlns="4873beb7-5857-4685-be1f-d57550cc96cc">true</OpenTemplate>
-    <CSXSubmissionDate xmlns="4873beb7-5857-4685-be1f-d57550cc96cc" xsi:nil="true"/>
-    <TaxCatchAll xmlns="4873beb7-5857-4685-be1f-d57550cc96cc"/>
-    <Manager xmlns="4873beb7-5857-4685-be1f-d57550cc96cc" xsi:nil="true"/>
-    <NumericId xmlns="4873beb7-5857-4685-be1f-d57550cc96cc" xsi:nil="true"/>
-    <ParentAssetId xmlns="4873beb7-5857-4685-be1f-d57550cc96cc" xsi:nil="true"/>
-    <OriginalSourceMarket xmlns="4873beb7-5857-4685-be1f-d57550cc96cc" xsi:nil="true"/>
-    <ApprovalStatus xmlns="4873beb7-5857-4685-be1f-d57550cc96cc">InProgress</ApprovalStatus>
-    <TPComponent xmlns="4873beb7-5857-4685-be1f-d57550cc96cc" xsi:nil="true"/>
-    <EditorialTags xmlns="4873beb7-5857-4685-be1f-d57550cc96cc" xsi:nil="true"/>
-    <TPExecutable xmlns="4873beb7-5857-4685-be1f-d57550cc96cc" xsi:nil="true"/>
-    <TPLaunchHelpLink xmlns="4873beb7-5857-4685-be1f-d57550cc96cc" xsi:nil="true"/>
-    <LocComments xmlns="4873beb7-5857-4685-be1f-d57550cc96cc" xsi:nil="true"/>
-    <LocRecommendedHandoff xmlns="4873beb7-5857-4685-be1f-d57550cc96cc" xsi:nil="true"/>
-    <SourceTitle xmlns="4873beb7-5857-4685-be1f-d57550cc96cc">Training presentation</SourceTitle>
-    <CSXUpdate xmlns="4873beb7-5857-4685-be1f-d57550cc96cc">false</CSXUpdate>
-    <IntlLocPriority xmlns="4873beb7-5857-4685-be1f-d57550cc96cc" xsi:nil="true"/>
-    <UAProjectedTotalWords xmlns="4873beb7-5857-4685-be1f-d57550cc96cc" xsi:nil="true"/>
-    <AssetType xmlns="4873beb7-5857-4685-be1f-d57550cc96cc">TP</AssetType>
-    <MachineTranslated xmlns="4873beb7-5857-4685-be1f-d57550cc96cc">false</MachineTranslated>
-    <OutputCachingOn xmlns="4873beb7-5857-4685-be1f-d57550cc96cc">false</OutputCachingOn>
-    <TemplateStatus xmlns="4873beb7-5857-4685-be1f-d57550cc96cc">Complete</TemplateStatus>
-    <IsSearchable xmlns="4873beb7-5857-4685-be1f-d57550cc96cc">true</IsSearchable>
-    <ContentItem xmlns="4873beb7-5857-4685-be1f-d57550cc96cc" xsi:nil="true"/>
-    <HandoffToMSDN xmlns="4873beb7-5857-4685-be1f-d57550cc96cc" xsi:nil="true"/>
-    <ShowIn xmlns="4873beb7-5857-4685-be1f-d57550cc96cc">Show everywhere</ShowIn>
-    <ThumbnailAssetId xmlns="4873beb7-5857-4685-be1f-d57550cc96cc" xsi:nil="true"/>
-    <UALocComments xmlns="4873beb7-5857-4685-be1f-d57550cc96cc">2007 Template UpLeveling Do Not HandOff</UALocComments>
-    <UALocRecommendation xmlns="4873beb7-5857-4685-be1f-d57550cc96cc">Localize</UALocRecommendation>
-    <LastModifiedDateTime xmlns="4873beb7-5857-4685-be1f-d57550cc96cc" xsi:nil="true"/>
-    <LegacyData xmlns="4873beb7-5857-4685-be1f-d57550cc96cc" xsi:nil="true"/>
-    <LocManualTestRequired xmlns="4873beb7-5857-4685-be1f-d57550cc96cc">false</LocManualTestRequired>
-    <ClipArtFilename xmlns="4873beb7-5857-4685-be1f-d57550cc96cc" xsi:nil="true"/>
-    <TPApplication xmlns="4873beb7-5857-4685-be1f-d57550cc96cc" xsi:nil="true"/>
-    <CSXHash xmlns="4873beb7-5857-4685-be1f-d57550cc96cc" xsi:nil="true"/>
-    <DirectSourceMarket xmlns="4873beb7-5857-4685-be1f-d57550cc96cc" xsi:nil="true"/>
-    <PrimaryImageGen xmlns="4873beb7-5857-4685-be1f-d57550cc96cc">true</PrimaryImageGen>
-    <PlannedPubDate xmlns="4873beb7-5857-4685-be1f-d57550cc96cc" xsi:nil="true"/>
-    <CSXSubmissionMarket xmlns="4873beb7-5857-4685-be1f-d57550cc96cc" xsi:nil="true"/>
-    <Downloads xmlns="4873beb7-5857-4685-be1f-d57550cc96cc">0</Downloads>
-    <ArtSampleDocs xmlns="4873beb7-5857-4685-be1f-d57550cc96cc" xsi:nil="true"/>
-    <TrustLevel xmlns="4873beb7-5857-4685-be1f-d57550cc96cc">1 Microsoft Managed Content</TrustLevel>
-    <BlockPublish xmlns="4873beb7-5857-4685-be1f-d57550cc96cc">false</BlockPublish>
-    <TPLaunchHelpLinkType xmlns="4873beb7-5857-4685-be1f-d57550cc96cc">Template</TPLaunchHelpLinkType>
-    <LocalizationTagsTaxHTField0 xmlns="4873beb7-5857-4685-be1f-d57550cc96cc">
-      <Terms xmlns="http://schemas.microsoft.com/office/infopath/2007/PartnerControls"/>
-    </LocalizationTagsTaxHTField0>
-    <BusinessGroup xmlns="4873beb7-5857-4685-be1f-d57550cc96cc" xsi:nil="true"/>
-    <Providers xmlns="4873beb7-5857-4685-be1f-d57550cc96cc" xsi:nil="true"/>
-    <TemplateTemplateType xmlns="4873beb7-5857-4685-be1f-d57550cc96cc">PowerPoint 12 Default</TemplateTemplateType>
-    <TimesCloned xmlns="4873beb7-5857-4685-be1f-d57550cc96cc" xsi:nil="true"/>
-    <TPAppVersion xmlns="4873beb7-5857-4685-be1f-d57550cc96cc" xsi:nil="true"/>
-    <VoteCount xmlns="4873beb7-5857-4685-be1f-d57550cc96cc" xsi:nil="true"/>
-    <AverageRating xmlns="4873beb7-5857-4685-be1f-d57550cc96cc" xsi:nil="true"/>
-    <FeatureTagsTaxHTField0 xmlns="4873beb7-5857-4685-be1f-d57550cc96cc">
-      <Terms xmlns="http://schemas.microsoft.com/office/infopath/2007/PartnerControls"/>
-    </FeatureTagsTaxHTField0>
-    <Provider xmlns="4873beb7-5857-4685-be1f-d57550cc96cc" xsi:nil="true"/>
-    <UACurrentWords xmlns="4873beb7-5857-4685-be1f-d57550cc96cc" xsi:nil="true"/>
-    <AssetId xmlns="4873beb7-5857-4685-be1f-d57550cc96cc">TP102830528</AssetId>
-    <TPClientViewer xmlns="4873beb7-5857-4685-be1f-d57550cc96cc" xsi:nil="true"/>
-    <DSATActionTaken xmlns="4873beb7-5857-4685-be1f-d57550cc96cc" xsi:nil="true"/>
-    <APEditor xmlns="4873beb7-5857-4685-be1f-d57550cc96cc">
-      <UserInfo>
-        <DisplayName/>
-        <AccountId xsi:nil="true"/>
-        <AccountType/>
-      </UserInfo>
-    </APEditor>
-    <TPInstallLocation xmlns="4873beb7-5857-4685-be1f-d57550cc96cc" xsi:nil="true"/>
-    <OOCacheId xmlns="4873beb7-5857-4685-be1f-d57550cc96cc" xsi:nil="true"/>
-    <IsDeleted xmlns="4873beb7-5857-4685-be1f-d57550cc96cc">false</IsDeleted>
-    <PublishTargets xmlns="4873beb7-5857-4685-be1f-d57550cc96cc">OfficeOnline,OfficeOnlineVNext</PublishTargets>
-    <ApprovalLog xmlns="4873beb7-5857-4685-be1f-d57550cc96cc" xsi:nil="true"/>
-    <BugNumber xmlns="4873beb7-5857-4685-be1f-d57550cc96cc" xsi:nil="true"/>
-    <CrawlForDependencies xmlns="4873beb7-5857-4685-be1f-d57550cc96cc">false</CrawlForDependencies>
-    <InternalTagsTaxHTField0 xmlns="4873beb7-5857-4685-be1f-d57550cc96cc">
-      <Terms xmlns="http://schemas.microsoft.com/office/infopath/2007/PartnerControls"/>
-    </InternalTagsTaxHTField0>
-    <LastHandOff xmlns="4873beb7-5857-4685-be1f-d57550cc96cc" xsi:nil="true"/>
-    <Milestone xmlns="4873beb7-5857-4685-be1f-d57550cc96cc" xsi:nil="true"/>
-    <OriginalRelease xmlns="4873beb7-5857-4685-be1f-d57550cc96cc">14</OriginalRelease>
-    <RecommendationsModifier xmlns="4873beb7-5857-4685-be1f-d57550cc96cc" xsi:nil="true"/>
-    <ScenarioTagsTaxHTField0 xmlns="4873beb7-5857-4685-be1f-d57550cc96cc">
-      <Terms xmlns="http://schemas.microsoft.com/office/infopath/2007/PartnerControls"/>
-    </ScenarioTagsTaxHTField0>
-    <UANotes xmlns="4873beb7-5857-4685-be1f-d57550cc96cc" xsi:nil="true"/>
-    <LocMarketGroupTiers2 xmlns="4873beb7-5857-4685-be1f-d57550cc96cc">,t:Tier 1,t:Tier 2,t:Tier 3,</LocMarketGroupTiers2>
-  </documentManagement>
-</p:properties>
+<file path=customXml/itemProps2.xml><?xml version="1.0" encoding="utf-8"?>
+<ds:datastoreItem xmlns:ds="http://schemas.openxmlformats.org/officeDocument/2006/customXml" ds:itemID="{76291BE7-26FF-4D3F-8918-EB7A1615814D}">
+  <ds:schemaRefs>
+    <ds:schemaRef ds:uri="http://schemas.microsoft.com/sharepoint/v3/contenttype/forms"/>
+  </ds:schemaRefs>
+</ds:datastoreItem>
 </file>
 
-<file path=customXml/itemProps1.xml><?xml version="1.0" encoding="utf-8"?>
+<file path=customXml/itemProps3.xml><?xml version="1.0" encoding="utf-8"?>
 <ds:datastoreItem xmlns:ds="http://schemas.openxmlformats.org/officeDocument/2006/customXml" ds:itemID="{EAC7328B-A017-47BE-B26D-F7EBB791E9CA}">
   <ds:schemaRefs>
     <ds:schemaRef ds:uri="http://schemas.microsoft.com/office/2006/metadata/contentType"/>
@@ -18094,28 +18174,4 @@
     <ds:schemaRef ds:uri="http://schemas.microsoft.com/internal/obd"/>
   </ds:schemaRefs>
 </ds:datastoreItem>
-</file>
-
-<file path=customXml/itemProps2.xml><?xml version="1.0" encoding="utf-8"?>
-<ds:datastoreItem xmlns:ds="http://schemas.openxmlformats.org/officeDocument/2006/customXml" ds:itemID="{76291BE7-26FF-4D3F-8918-EB7A1615814D}">
-  <ds:schemaRefs>
-    <ds:schemaRef ds:uri="http://schemas.microsoft.com/sharepoint/v3/contenttype/forms"/>
-  </ds:schemaRefs>
-</ds:datastoreItem>
-</file>
-
-<file path=customXml/itemProps3.xml><?xml version="1.0" encoding="utf-8"?>
-<ds:datastoreItem xmlns:ds="http://schemas.openxmlformats.org/officeDocument/2006/customXml" ds:itemID="{0D988AF8-868B-4B20-BFF6-6B23BE40346B}">
-  <ds:schemaRefs>
-    <ds:schemaRef ds:uri="http://schemas.openxmlformats.org/package/2006/metadata/core-properties"/>
-    <ds:schemaRef ds:uri="http://purl.org/dc/terms/"/>
-    <ds:schemaRef ds:uri="http://purl.org/dc/dcmitype/"/>
-    <ds:schemaRef ds:uri="http://www.w3.org/XML/1998/namespace"/>
-    <ds:schemaRef ds:uri="http://schemas.microsoft.com/office/2006/documentManagement/types"/>
-    <ds:schemaRef ds:uri="http://purl.org/dc/elements/1.1/"/>
-    <ds:schemaRef ds:uri="http://schemas.microsoft.com/office/infopath/2007/PartnerControls"/>
-    <ds:schemaRef ds:uri="4873beb7-5857-4685-be1f-d57550cc96cc"/>
-    <ds:schemaRef ds:uri="http://schemas.microsoft.com/office/2006/metadata/properties"/>
-  </ds:schemaRefs>
-</ds:datastoreItem>
 </file>
--- a/MongoDB Aggregation Framework.pptx
+++ b/MongoDB Aggregation Framework.pptx
@@ -5,7 +5,7 @@
     <p:sldMasterId id="2147483663" r:id="rId4"/>
   </p:sldMasterIdLst>
   <p:notesMasterIdLst>
-    <p:notesMasterId r:id="rId32"/>
+    <p:notesMasterId r:id="rId34"/>
   </p:notesMasterIdLst>
   <p:sldIdLst>
     <p:sldId id="286" r:id="rId5"/>
@@ -14,27 +14,29 @@
     <p:sldId id="289" r:id="rId8"/>
     <p:sldId id="256" r:id="rId9"/>
     <p:sldId id="259" r:id="rId10"/>
-    <p:sldId id="280" r:id="rId11"/>
-    <p:sldId id="264" r:id="rId12"/>
-    <p:sldId id="279" r:id="rId13"/>
-    <p:sldId id="265" r:id="rId14"/>
-    <p:sldId id="266" r:id="rId15"/>
-    <p:sldId id="267" r:id="rId16"/>
-    <p:sldId id="268" r:id="rId17"/>
-    <p:sldId id="281" r:id="rId18"/>
-    <p:sldId id="269" r:id="rId19"/>
-    <p:sldId id="282" r:id="rId20"/>
-    <p:sldId id="283" r:id="rId21"/>
-    <p:sldId id="270" r:id="rId22"/>
-    <p:sldId id="271" r:id="rId23"/>
-    <p:sldId id="272" r:id="rId24"/>
-    <p:sldId id="284" r:id="rId25"/>
-    <p:sldId id="285" r:id="rId26"/>
-    <p:sldId id="273" r:id="rId27"/>
-    <p:sldId id="274" r:id="rId28"/>
-    <p:sldId id="275" r:id="rId29"/>
-    <p:sldId id="290" r:id="rId30"/>
-    <p:sldId id="291" r:id="rId31"/>
+    <p:sldId id="293" r:id="rId11"/>
+    <p:sldId id="280" r:id="rId12"/>
+    <p:sldId id="292" r:id="rId13"/>
+    <p:sldId id="264" r:id="rId14"/>
+    <p:sldId id="279" r:id="rId15"/>
+    <p:sldId id="265" r:id="rId16"/>
+    <p:sldId id="266" r:id="rId17"/>
+    <p:sldId id="267" r:id="rId18"/>
+    <p:sldId id="268" r:id="rId19"/>
+    <p:sldId id="281" r:id="rId20"/>
+    <p:sldId id="269" r:id="rId21"/>
+    <p:sldId id="282" r:id="rId22"/>
+    <p:sldId id="283" r:id="rId23"/>
+    <p:sldId id="270" r:id="rId24"/>
+    <p:sldId id="271" r:id="rId25"/>
+    <p:sldId id="272" r:id="rId26"/>
+    <p:sldId id="284" r:id="rId27"/>
+    <p:sldId id="285" r:id="rId28"/>
+    <p:sldId id="273" r:id="rId29"/>
+    <p:sldId id="274" r:id="rId30"/>
+    <p:sldId id="275" r:id="rId31"/>
+    <p:sldId id="290" r:id="rId32"/>
+    <p:sldId id="291" r:id="rId33"/>
   </p:sldIdLst>
   <p:sldSz cx="9144000" cy="6858000" type="screen4x3"/>
   <p:notesSz cx="6997700" cy="9283700"/>
@@ -163,6 +165,25 @@
       </a:defRPr>
     </a:lvl9pPr>
   </p:defaultTextStyle>
+  <p:extLst>
+    <p:ext uri="{EFAFB233-063F-42B5-8137-9DF3F51BA10A}">
+      <p15:sldGuideLst xmlns:p15="http://schemas.microsoft.com/office/powerpoint/2012/main">
+        <p15:guide id="1" orient="horz" pos="2160">
+          <p15:clr>
+            <a:srgbClr val="A4A3A4"/>
+          </p15:clr>
+        </p15:guide>
+        <p15:guide id="2" pos="2880">
+          <p15:clr>
+            <a:srgbClr val="A4A3A4"/>
+          </p15:clr>
+        </p15:guide>
+      </p15:sldGuideLst>
+    </p:ext>
+    <p:ext uri="{2D200454-40CA-4A62-9FC3-DE9A4176ACB9}">
+      <p15:notesGuideLst xmlns:p15="http://schemas.microsoft.com/office/powerpoint/2012/main"/>
+    </p:ext>
+  </p:extLst>
 </p:presentation>
 </file>
 
@@ -766,64 +787,65 @@
       </p:grpSpPr>
       <p:sp>
         <p:nvSpPr>
-          <p:cNvPr id="7" name="Rectangle 7"/>
-          <p:cNvSpPr>
-            <a:spLocks noGrp="1" noChangeArrowheads="1"/>
-          </p:cNvSpPr>
-          <p:nvPr>
-            <p:ph type="sldNum" sz="quarter" idx="5"/>
-          </p:nvPr>
-        </p:nvSpPr>
-        <p:spPr>
-          <a:ln/>
-        </p:spPr>
+          <p:cNvPr id="2" name="Slide Image Placeholder 1"/>
+          <p:cNvSpPr>
+            <a:spLocks noGrp="1" noRot="1" noChangeAspect="1"/>
+          </p:cNvSpPr>
+          <p:nvPr>
+            <p:ph type="sldImg"/>
+          </p:nvPr>
+        </p:nvSpPr>
+        <p:spPr/>
+      </p:sp>
+      <p:sp>
+        <p:nvSpPr>
+          <p:cNvPr id="3" name="Notes Placeholder 2"/>
+          <p:cNvSpPr>
+            <a:spLocks noGrp="1"/>
+          </p:cNvSpPr>
+          <p:nvPr>
+            <p:ph type="body" idx="1"/>
+          </p:nvPr>
+        </p:nvSpPr>
+        <p:spPr/>
         <p:txBody>
           <a:bodyPr/>
           <a:lstStyle/>
           <a:p>
-            <a:fld id="{799FB774-2CBA-450F-BEA3-AD79892CB499}" type="slidenum">
-              <a:rPr lang="en-US"/>
+            <a:endParaRPr lang="en-US"/>
+          </a:p>
+        </p:txBody>
+      </p:sp>
+      <p:sp>
+        <p:nvSpPr>
+          <p:cNvPr id="4" name="Slide Number Placeholder 3"/>
+          <p:cNvSpPr>
+            <a:spLocks noGrp="1"/>
+          </p:cNvSpPr>
+          <p:nvPr>
+            <p:ph type="sldNum" sz="quarter" idx="10"/>
+          </p:nvPr>
+        </p:nvSpPr>
+        <p:spPr/>
+        <p:txBody>
+          <a:bodyPr/>
+          <a:lstStyle/>
+          <a:p>
+            <a:fld id="{C6D3DD33-1C77-4963-91F2-833B8478F489}" type="slidenum">
+              <a:rPr lang="en-US" smtClean="0"/>
               <a:pPr/>
-              <a:t>2</a:t>
+              <a:t>1</a:t>
             </a:fld>
             <a:endParaRPr lang="en-US"/>
           </a:p>
         </p:txBody>
       </p:sp>
-      <p:sp>
-        <p:nvSpPr>
-          <p:cNvPr id="48130" name="Rectangle 2"/>
-          <p:cNvSpPr>
-            <a:spLocks noGrp="1" noRot="1" noChangeAspect="1" noChangeArrowheads="1" noTextEdit="1"/>
-          </p:cNvSpPr>
-          <p:nvPr>
-            <p:ph type="sldImg"/>
-          </p:nvPr>
-        </p:nvSpPr>
-        <p:spPr>
-          <a:ln/>
-        </p:spPr>
-      </p:sp>
-      <p:sp>
-        <p:nvSpPr>
-          <p:cNvPr id="48131" name="Rectangle 3"/>
-          <p:cNvSpPr>
-            <a:spLocks noGrp="1" noChangeArrowheads="1"/>
-          </p:cNvSpPr>
-          <p:nvPr>
-            <p:ph type="body" idx="1"/>
-          </p:nvPr>
-        </p:nvSpPr>
-        <p:spPr/>
-        <p:txBody>
-          <a:bodyPr/>
-          <a:lstStyle/>
-          <a:p>
-            <a:endParaRPr lang="en-US" dirty="0"/>
-          </a:p>
-        </p:txBody>
-      </p:sp>
     </p:spTree>
+    <p:extLst>
+      <p:ext uri="{BB962C8B-B14F-4D97-AF65-F5344CB8AC3E}">
+        <p14:creationId xmlns:p14="http://schemas.microsoft.com/office/powerpoint/2010/main" val="854176578"/>
+      </p:ext>
+    </p:extLst>
   </p:cSld>
   <p:clrMapOvr>
     <a:masterClrMapping/>
@@ -868,7 +890,7 @@
             <a:fld id="{799FB774-2CBA-450F-BEA3-AD79892CB499}" type="slidenum">
               <a:rPr lang="en-US"/>
               <a:pPr/>
-              <a:t>11</a:t>
+              <a:t>10</a:t>
             </a:fld>
             <a:endParaRPr lang="en-US"/>
           </a:p>
@@ -908,6 +930,11 @@
         </p:txBody>
       </p:sp>
     </p:spTree>
+    <p:extLst>
+      <p:ext uri="{BB962C8B-B14F-4D97-AF65-F5344CB8AC3E}">
+        <p14:creationId xmlns:p14="http://schemas.microsoft.com/office/powerpoint/2010/main" val="317366270"/>
+      </p:ext>
+    </p:extLst>
   </p:cSld>
   <p:clrMapOvr>
     <a:masterClrMapping/>
@@ -952,7 +979,7 @@
             <a:fld id="{799FB774-2CBA-450F-BEA3-AD79892CB499}" type="slidenum">
               <a:rPr lang="en-US"/>
               <a:pPr/>
-              <a:t>12</a:t>
+              <a:t>11</a:t>
             </a:fld>
             <a:endParaRPr lang="en-US"/>
           </a:p>
@@ -987,11 +1014,42 @@
           <a:bodyPr/>
           <a:lstStyle/>
           <a:p>
+            <a:r>
+              <a:rPr lang="en-US" smtClean="0"/>
+              <a:t>Show</a:t>
+            </a:r>
+            <a:r>
+              <a:rPr lang="en-US" baseline="0" smtClean="0"/>
+              <a:t> normal fields: {fieldName: 1} or {fieldName: true}</a:t>
+            </a:r>
+          </a:p>
+          <a:p>
+            <a:r>
+              <a:rPr lang="en-US" baseline="0" smtClean="0"/>
+              <a:t>Hide _id: {_id: 0} or {_id: false}</a:t>
+            </a:r>
+          </a:p>
+          <a:p>
+            <a:r>
+              <a:rPr lang="en-US" baseline="0" smtClean="0"/>
+              <a:t>Add  change name: {newName: “$oldName”} </a:t>
+            </a:r>
+          </a:p>
+          <a:p>
+            <a:r>
+              <a:rPr lang="en-US" baseline="0" smtClean="0"/>
+              <a:t>Add  new field {newField: Expression}</a:t>
+            </a:r>
             <a:endParaRPr lang="en-US" dirty="0"/>
           </a:p>
         </p:txBody>
       </p:sp>
     </p:spTree>
+    <p:extLst>
+      <p:ext uri="{BB962C8B-B14F-4D97-AF65-F5344CB8AC3E}">
+        <p14:creationId xmlns:p14="http://schemas.microsoft.com/office/powerpoint/2010/main" val="2691666696"/>
+      </p:ext>
+    </p:extLst>
   </p:cSld>
   <p:clrMapOvr>
     <a:masterClrMapping/>
@@ -1036,7 +1094,7 @@
             <a:fld id="{799FB774-2CBA-450F-BEA3-AD79892CB499}" type="slidenum">
               <a:rPr lang="en-US"/>
               <a:pPr/>
-              <a:t>13</a:t>
+              <a:t>12</a:t>
             </a:fld>
             <a:endParaRPr lang="en-US"/>
           </a:p>
@@ -1076,6 +1134,11 @@
         </p:txBody>
       </p:sp>
     </p:spTree>
+    <p:extLst>
+      <p:ext uri="{BB962C8B-B14F-4D97-AF65-F5344CB8AC3E}">
+        <p14:creationId xmlns:p14="http://schemas.microsoft.com/office/powerpoint/2010/main" val="642985881"/>
+      </p:ext>
+    </p:extLst>
   </p:cSld>
   <p:clrMapOvr>
     <a:masterClrMapping/>
@@ -1120,7 +1183,7 @@
             <a:fld id="{799FB774-2CBA-450F-BEA3-AD79892CB499}" type="slidenum">
               <a:rPr lang="en-US"/>
               <a:pPr/>
-              <a:t>14</a:t>
+              <a:t>13</a:t>
             </a:fld>
             <a:endParaRPr lang="en-US"/>
           </a:p>
@@ -1160,6 +1223,11 @@
         </p:txBody>
       </p:sp>
     </p:spTree>
+    <p:extLst>
+      <p:ext uri="{BB962C8B-B14F-4D97-AF65-F5344CB8AC3E}">
+        <p14:creationId xmlns:p14="http://schemas.microsoft.com/office/powerpoint/2010/main" val="144710636"/>
+      </p:ext>
+    </p:extLst>
   </p:cSld>
   <p:clrMapOvr>
     <a:masterClrMapping/>
@@ -1204,7 +1272,7 @@
             <a:fld id="{799FB774-2CBA-450F-BEA3-AD79892CB499}" type="slidenum">
               <a:rPr lang="en-US"/>
               <a:pPr/>
-              <a:t>15</a:t>
+              <a:t>14</a:t>
             </a:fld>
             <a:endParaRPr lang="en-US"/>
           </a:p>
@@ -1239,157 +1307,16 @@
           <a:bodyPr/>
           <a:lstStyle/>
           <a:p>
-            <a:r>
-              <a:rPr lang="en-US" sz="1200" b="0" i="0" kern="1200" smtClean="0">
-                <a:solidFill>
-                  <a:schemeClr val="tx1"/>
-                </a:solidFill>
-                <a:effectLst/>
-                <a:latin typeface="Arial" charset="0"/>
-                <a:ea typeface="+mn-ea"/>
-                <a:cs typeface="+mn-cs"/>
-              </a:rPr>
-              <a:t>The output documents contain an </a:t>
-            </a:r>
-            <a:r>
-              <a:rPr lang="en-US" sz="1200" kern="1200" smtClean="0">
-                <a:solidFill>
-                  <a:schemeClr val="tx1"/>
-                </a:solidFill>
-                <a:effectLst/>
-                <a:latin typeface="Arial" charset="0"/>
-                <a:ea typeface="+mn-ea"/>
-                <a:cs typeface="+mn-cs"/>
-              </a:rPr>
-              <a:t>_id</a:t>
-            </a:r>
-            <a:r>
-              <a:rPr lang="en-US" sz="1200" b="0" i="0" kern="1200" smtClean="0">
-                <a:solidFill>
-                  <a:schemeClr val="tx1"/>
-                </a:solidFill>
-                <a:effectLst/>
-                <a:latin typeface="Arial" charset="0"/>
-                <a:ea typeface="+mn-ea"/>
-                <a:cs typeface="+mn-cs"/>
-              </a:rPr>
-              <a:t> field which contains the distinct group by key</a:t>
-            </a:r>
-          </a:p>
-          <a:p>
-            <a:r>
-              <a:rPr lang="en-US" sz="1200" b="0" i="0" kern="1200" smtClean="0">
-                <a:solidFill>
-                  <a:schemeClr val="tx1"/>
-                </a:solidFill>
-                <a:effectLst/>
-                <a:latin typeface="Arial" charset="0"/>
-                <a:ea typeface="+mn-ea"/>
-                <a:cs typeface="+mn-cs"/>
-              </a:rPr>
-              <a:t>The output documents can also contain computed fields that hold the values of some accumulator expression grouped by the </a:t>
-            </a:r>
-            <a:r>
-              <a:rPr lang="en-US" sz="1200" kern="1200" smtClean="0">
-                <a:solidFill>
-                  <a:schemeClr val="tx1"/>
-                </a:solidFill>
-                <a:effectLst/>
-                <a:latin typeface="Arial" charset="0"/>
-                <a:ea typeface="+mn-ea"/>
-                <a:cs typeface="+mn-cs"/>
-              </a:rPr>
-              <a:t>$group</a:t>
-            </a:r>
-            <a:r>
-              <a:rPr lang="en-US" sz="1200" b="0" i="0" kern="1200" smtClean="0">
-                <a:solidFill>
-                  <a:schemeClr val="tx1"/>
-                </a:solidFill>
-                <a:effectLst/>
-                <a:latin typeface="Arial" charset="0"/>
-                <a:ea typeface="+mn-ea"/>
-                <a:cs typeface="+mn-cs"/>
-              </a:rPr>
-              <a:t>‘s </a:t>
-            </a:r>
-            <a:r>
-              <a:rPr lang="en-US" sz="1200" kern="1200" smtClean="0">
-                <a:solidFill>
-                  <a:schemeClr val="tx1"/>
-                </a:solidFill>
-                <a:effectLst/>
-                <a:latin typeface="Arial" charset="0"/>
-                <a:ea typeface="+mn-ea"/>
-                <a:cs typeface="+mn-cs"/>
-              </a:rPr>
-              <a:t>_id</a:t>
-            </a:r>
-            <a:r>
-              <a:rPr lang="en-US" sz="1200" b="0" i="0" kern="1200" smtClean="0">
-                <a:solidFill>
-                  <a:schemeClr val="tx1"/>
-                </a:solidFill>
-                <a:effectLst/>
-                <a:latin typeface="Arial" charset="0"/>
-                <a:ea typeface="+mn-ea"/>
-                <a:cs typeface="+mn-cs"/>
-              </a:rPr>
-              <a:t> field. </a:t>
-            </a:r>
-            <a:r>
-              <a:rPr lang="en-US" sz="1200" kern="1200" smtClean="0">
-                <a:solidFill>
-                  <a:schemeClr val="tx1"/>
-                </a:solidFill>
-                <a:effectLst/>
-                <a:latin typeface="Arial" charset="0"/>
-                <a:ea typeface="+mn-ea"/>
-                <a:cs typeface="+mn-cs"/>
-              </a:rPr>
-              <a:t>$group</a:t>
-            </a:r>
-            <a:r>
-              <a:rPr lang="en-US" sz="1200" b="0" i="0" kern="1200" smtClean="0">
-                <a:solidFill>
-                  <a:schemeClr val="tx1"/>
-                </a:solidFill>
-                <a:effectLst/>
-                <a:latin typeface="Arial" charset="0"/>
-                <a:ea typeface="+mn-ea"/>
-                <a:cs typeface="+mn-cs"/>
-              </a:rPr>
-              <a:t> does </a:t>
-            </a:r>
-            <a:r>
-              <a:rPr lang="en-US" sz="1200" b="0" i="1" kern="1200" smtClean="0">
-                <a:solidFill>
-                  <a:schemeClr val="tx1"/>
-                </a:solidFill>
-                <a:effectLst/>
-                <a:latin typeface="Arial" charset="0"/>
-                <a:ea typeface="+mn-ea"/>
-                <a:cs typeface="+mn-cs"/>
-              </a:rPr>
-              <a:t>not</a:t>
-            </a:r>
-            <a:r>
-              <a:rPr lang="en-US" sz="1200" b="0" i="0" kern="1200" smtClean="0">
-                <a:solidFill>
-                  <a:schemeClr val="tx1"/>
-                </a:solidFill>
-                <a:effectLst/>
-                <a:latin typeface="Arial" charset="0"/>
-                <a:ea typeface="+mn-ea"/>
-                <a:cs typeface="+mn-cs"/>
-              </a:rPr>
-              <a:t> order its output documents</a:t>
-            </a:r>
             <a:endParaRPr lang="en-US" dirty="0"/>
           </a:p>
         </p:txBody>
       </p:sp>
     </p:spTree>
+    <p:extLst>
+      <p:ext uri="{BB962C8B-B14F-4D97-AF65-F5344CB8AC3E}">
+        <p14:creationId xmlns:p14="http://schemas.microsoft.com/office/powerpoint/2010/main" val="1518444658"/>
+      </p:ext>
+    </p:extLst>
   </p:cSld>
   <p:clrMapOvr>
     <a:masterClrMapping/>
@@ -1434,7 +1361,7 @@
             <a:fld id="{799FB774-2CBA-450F-BEA3-AD79892CB499}" type="slidenum">
               <a:rPr lang="en-US"/>
               <a:pPr/>
-              <a:t>16</a:t>
+              <a:t>15</a:t>
             </a:fld>
             <a:endParaRPr lang="en-US"/>
           </a:p>
@@ -1469,157 +1396,16 @@
           <a:bodyPr/>
           <a:lstStyle/>
           <a:p>
-            <a:r>
-              <a:rPr lang="en-US" sz="1200" b="0" i="0" kern="1200" smtClean="0">
-                <a:solidFill>
-                  <a:schemeClr val="tx1"/>
-                </a:solidFill>
-                <a:effectLst/>
-                <a:latin typeface="Arial" charset="0"/>
-                <a:ea typeface="+mn-ea"/>
-                <a:cs typeface="+mn-cs"/>
-              </a:rPr>
-              <a:t>The output documents contain an </a:t>
-            </a:r>
-            <a:r>
-              <a:rPr lang="en-US" sz="1200" kern="1200" smtClean="0">
-                <a:solidFill>
-                  <a:schemeClr val="tx1"/>
-                </a:solidFill>
-                <a:effectLst/>
-                <a:latin typeface="Arial" charset="0"/>
-                <a:ea typeface="+mn-ea"/>
-                <a:cs typeface="+mn-cs"/>
-              </a:rPr>
-              <a:t>_id</a:t>
-            </a:r>
-            <a:r>
-              <a:rPr lang="en-US" sz="1200" b="0" i="0" kern="1200" smtClean="0">
-                <a:solidFill>
-                  <a:schemeClr val="tx1"/>
-                </a:solidFill>
-                <a:effectLst/>
-                <a:latin typeface="Arial" charset="0"/>
-                <a:ea typeface="+mn-ea"/>
-                <a:cs typeface="+mn-cs"/>
-              </a:rPr>
-              <a:t> field which contains the distinct group by key</a:t>
-            </a:r>
-          </a:p>
-          <a:p>
-            <a:r>
-              <a:rPr lang="en-US" sz="1200" b="0" i="0" kern="1200" smtClean="0">
-                <a:solidFill>
-                  <a:schemeClr val="tx1"/>
-                </a:solidFill>
-                <a:effectLst/>
-                <a:latin typeface="Arial" charset="0"/>
-                <a:ea typeface="+mn-ea"/>
-                <a:cs typeface="+mn-cs"/>
-              </a:rPr>
-              <a:t>The output documents can also contain computed fields that hold the values of some accumulator expression grouped by the </a:t>
-            </a:r>
-            <a:r>
-              <a:rPr lang="en-US" sz="1200" kern="1200" smtClean="0">
-                <a:solidFill>
-                  <a:schemeClr val="tx1"/>
-                </a:solidFill>
-                <a:effectLst/>
-                <a:latin typeface="Arial" charset="0"/>
-                <a:ea typeface="+mn-ea"/>
-                <a:cs typeface="+mn-cs"/>
-              </a:rPr>
-              <a:t>$group</a:t>
-            </a:r>
-            <a:r>
-              <a:rPr lang="en-US" sz="1200" b="0" i="0" kern="1200" smtClean="0">
-                <a:solidFill>
-                  <a:schemeClr val="tx1"/>
-                </a:solidFill>
-                <a:effectLst/>
-                <a:latin typeface="Arial" charset="0"/>
-                <a:ea typeface="+mn-ea"/>
-                <a:cs typeface="+mn-cs"/>
-              </a:rPr>
-              <a:t>‘s </a:t>
-            </a:r>
-            <a:r>
-              <a:rPr lang="en-US" sz="1200" kern="1200" smtClean="0">
-                <a:solidFill>
-                  <a:schemeClr val="tx1"/>
-                </a:solidFill>
-                <a:effectLst/>
-                <a:latin typeface="Arial" charset="0"/>
-                <a:ea typeface="+mn-ea"/>
-                <a:cs typeface="+mn-cs"/>
-              </a:rPr>
-              <a:t>_id</a:t>
-            </a:r>
-            <a:r>
-              <a:rPr lang="en-US" sz="1200" b="0" i="0" kern="1200" smtClean="0">
-                <a:solidFill>
-                  <a:schemeClr val="tx1"/>
-                </a:solidFill>
-                <a:effectLst/>
-                <a:latin typeface="Arial" charset="0"/>
-                <a:ea typeface="+mn-ea"/>
-                <a:cs typeface="+mn-cs"/>
-              </a:rPr>
-              <a:t> field. </a:t>
-            </a:r>
-            <a:r>
-              <a:rPr lang="en-US" sz="1200" kern="1200" smtClean="0">
-                <a:solidFill>
-                  <a:schemeClr val="tx1"/>
-                </a:solidFill>
-                <a:effectLst/>
-                <a:latin typeface="Arial" charset="0"/>
-                <a:ea typeface="+mn-ea"/>
-                <a:cs typeface="+mn-cs"/>
-              </a:rPr>
-              <a:t>$group</a:t>
-            </a:r>
-            <a:r>
-              <a:rPr lang="en-US" sz="1200" b="0" i="0" kern="1200" smtClean="0">
-                <a:solidFill>
-                  <a:schemeClr val="tx1"/>
-                </a:solidFill>
-                <a:effectLst/>
-                <a:latin typeface="Arial" charset="0"/>
-                <a:ea typeface="+mn-ea"/>
-                <a:cs typeface="+mn-cs"/>
-              </a:rPr>
-              <a:t> does </a:t>
-            </a:r>
-            <a:r>
-              <a:rPr lang="en-US" sz="1200" b="0" i="1" kern="1200" smtClean="0">
-                <a:solidFill>
-                  <a:schemeClr val="tx1"/>
-                </a:solidFill>
-                <a:effectLst/>
-                <a:latin typeface="Arial" charset="0"/>
-                <a:ea typeface="+mn-ea"/>
-                <a:cs typeface="+mn-cs"/>
-              </a:rPr>
-              <a:t>not</a:t>
-            </a:r>
-            <a:r>
-              <a:rPr lang="en-US" sz="1200" b="0" i="0" kern="1200" smtClean="0">
-                <a:solidFill>
-                  <a:schemeClr val="tx1"/>
-                </a:solidFill>
-                <a:effectLst/>
-                <a:latin typeface="Arial" charset="0"/>
-                <a:ea typeface="+mn-ea"/>
-                <a:cs typeface="+mn-cs"/>
-              </a:rPr>
-              <a:t> order its output documents</a:t>
-            </a:r>
             <a:endParaRPr lang="en-US" dirty="0"/>
           </a:p>
         </p:txBody>
       </p:sp>
     </p:spTree>
+    <p:extLst>
+      <p:ext uri="{BB962C8B-B14F-4D97-AF65-F5344CB8AC3E}">
+        <p14:creationId xmlns:p14="http://schemas.microsoft.com/office/powerpoint/2010/main" val="3934646505"/>
+      </p:ext>
+    </p:extLst>
   </p:cSld>
   <p:clrMapOvr>
     <a:masterClrMapping/>
@@ -1664,7 +1450,7 @@
             <a:fld id="{799FB774-2CBA-450F-BEA3-AD79892CB499}" type="slidenum">
               <a:rPr lang="en-US"/>
               <a:pPr/>
-              <a:t>17</a:t>
+              <a:t>16</a:t>
             </a:fld>
             <a:endParaRPr lang="en-US"/>
           </a:p>
@@ -1704,6 +1490,11 @@
         </p:txBody>
       </p:sp>
     </p:spTree>
+    <p:extLst>
+      <p:ext uri="{BB962C8B-B14F-4D97-AF65-F5344CB8AC3E}">
+        <p14:creationId xmlns:p14="http://schemas.microsoft.com/office/powerpoint/2010/main" val="2093583032"/>
+      </p:ext>
+    </p:extLst>
   </p:cSld>
   <p:clrMapOvr>
     <a:masterClrMapping/>
@@ -1748,7 +1539,7 @@
             <a:fld id="{799FB774-2CBA-450F-BEA3-AD79892CB499}" type="slidenum">
               <a:rPr lang="en-US"/>
               <a:pPr/>
-              <a:t>18</a:t>
+              <a:t>17</a:t>
             </a:fld>
             <a:endParaRPr lang="en-US"/>
           </a:p>
@@ -1784,7 +1575,7 @@
           <a:lstStyle/>
           <a:p>
             <a:r>
-              <a:rPr lang="en-US" sz="1200" b="1" i="0" kern="1200" dirty="0" smtClean="0">
+              <a:rPr lang="en-US" sz="1200" b="0" i="0" kern="1200" smtClean="0">
                 <a:solidFill>
                   <a:schemeClr val="tx1"/>
                 </a:solidFill>
@@ -1793,10 +1584,10 @@
                 <a:ea typeface="+mn-ea"/>
                 <a:cs typeface="+mn-cs"/>
               </a:rPr>
-              <a:t>Realm</a:t>
-            </a:r>
-            <a:r>
-              <a:rPr lang="en-US" sz="1200" b="0" i="0" kern="1200" dirty="0" smtClean="0">
+              <a:t>The output documents contain an </a:t>
+            </a:r>
+            <a:r>
+              <a:rPr lang="en-US" sz="1200" kern="1200" smtClean="0">
                 <a:solidFill>
                   <a:schemeClr val="tx1"/>
                 </a:solidFill>
@@ -1805,10 +1596,10 @@
                 <a:ea typeface="+mn-ea"/>
                 <a:cs typeface="+mn-cs"/>
               </a:rPr>
-              <a:t> is not an </a:t>
-            </a:r>
-            <a:r>
-              <a:rPr lang="en-US" sz="1200" b="1" i="0" kern="1200" dirty="0" smtClean="0">
+              <a:t>_id</a:t>
+            </a:r>
+            <a:r>
+              <a:rPr lang="en-US" sz="1200" b="0" i="0" kern="1200" smtClean="0">
                 <a:solidFill>
                   <a:schemeClr val="tx1"/>
                 </a:solidFill>
@@ -1817,10 +1608,12 @@
                 <a:ea typeface="+mn-ea"/>
                 <a:cs typeface="+mn-cs"/>
               </a:rPr>
-              <a:t>ORM</a:t>
-            </a:r>
-            <a:r>
-              <a:rPr lang="en-US" sz="1200" b="0" i="0" kern="1200" dirty="0" smtClean="0">
+              <a:t> field which contains the distinct group by key</a:t>
+            </a:r>
+          </a:p>
+          <a:p>
+            <a:r>
+              <a:rPr lang="en-US" sz="1200" b="0" i="0" kern="1200" smtClean="0">
                 <a:solidFill>
                   <a:schemeClr val="tx1"/>
                 </a:solidFill>
@@ -1829,13 +1622,114 @@
                 <a:ea typeface="+mn-ea"/>
                 <a:cs typeface="+mn-cs"/>
               </a:rPr>
-              <a:t> on top of SQLite. Instead it uses its own persistence engine, built for simplicity (&amp; speed).</a:t>
+              <a:t>The output documents can also contain computed fields that hold the values of some accumulator expression grouped by the </a:t>
+            </a:r>
+            <a:r>
+              <a:rPr lang="en-US" sz="1200" kern="1200" smtClean="0">
+                <a:solidFill>
+                  <a:schemeClr val="tx1"/>
+                </a:solidFill>
+                <a:effectLst/>
+                <a:latin typeface="Arial" charset="0"/>
+                <a:ea typeface="+mn-ea"/>
+                <a:cs typeface="+mn-cs"/>
+              </a:rPr>
+              <a:t>$group</a:t>
+            </a:r>
+            <a:r>
+              <a:rPr lang="en-US" sz="1200" b="0" i="0" kern="1200" smtClean="0">
+                <a:solidFill>
+                  <a:schemeClr val="tx1"/>
+                </a:solidFill>
+                <a:effectLst/>
+                <a:latin typeface="Arial" charset="0"/>
+                <a:ea typeface="+mn-ea"/>
+                <a:cs typeface="+mn-cs"/>
+              </a:rPr>
+              <a:t>‘s </a:t>
+            </a:r>
+            <a:r>
+              <a:rPr lang="en-US" sz="1200" kern="1200" smtClean="0">
+                <a:solidFill>
+                  <a:schemeClr val="tx1"/>
+                </a:solidFill>
+                <a:effectLst/>
+                <a:latin typeface="Arial" charset="0"/>
+                <a:ea typeface="+mn-ea"/>
+                <a:cs typeface="+mn-cs"/>
+              </a:rPr>
+              <a:t>_id</a:t>
+            </a:r>
+            <a:r>
+              <a:rPr lang="en-US" sz="1200" b="0" i="0" kern="1200" smtClean="0">
+                <a:solidFill>
+                  <a:schemeClr val="tx1"/>
+                </a:solidFill>
+                <a:effectLst/>
+                <a:latin typeface="Arial" charset="0"/>
+                <a:ea typeface="+mn-ea"/>
+                <a:cs typeface="+mn-cs"/>
+              </a:rPr>
+              <a:t> field. </a:t>
+            </a:r>
+            <a:r>
+              <a:rPr lang="en-US" sz="1200" kern="1200" smtClean="0">
+                <a:solidFill>
+                  <a:schemeClr val="tx1"/>
+                </a:solidFill>
+                <a:effectLst/>
+                <a:latin typeface="Arial" charset="0"/>
+                <a:ea typeface="+mn-ea"/>
+                <a:cs typeface="+mn-cs"/>
+              </a:rPr>
+              <a:t>$group</a:t>
+            </a:r>
+            <a:r>
+              <a:rPr lang="en-US" sz="1200" b="0" i="0" kern="1200" smtClean="0">
+                <a:solidFill>
+                  <a:schemeClr val="tx1"/>
+                </a:solidFill>
+                <a:effectLst/>
+                <a:latin typeface="Arial" charset="0"/>
+                <a:ea typeface="+mn-ea"/>
+                <a:cs typeface="+mn-cs"/>
+              </a:rPr>
+              <a:t> does </a:t>
+            </a:r>
+            <a:r>
+              <a:rPr lang="en-US" sz="1200" b="0" i="1" kern="1200" smtClean="0">
+                <a:solidFill>
+                  <a:schemeClr val="tx1"/>
+                </a:solidFill>
+                <a:effectLst/>
+                <a:latin typeface="Arial" charset="0"/>
+                <a:ea typeface="+mn-ea"/>
+                <a:cs typeface="+mn-cs"/>
+              </a:rPr>
+              <a:t>not</a:t>
+            </a:r>
+            <a:r>
+              <a:rPr lang="en-US" sz="1200" b="0" i="0" kern="1200" smtClean="0">
+                <a:solidFill>
+                  <a:schemeClr val="tx1"/>
+                </a:solidFill>
+                <a:effectLst/>
+                <a:latin typeface="Arial" charset="0"/>
+                <a:ea typeface="+mn-ea"/>
+                <a:cs typeface="+mn-cs"/>
+              </a:rPr>
+              <a:t> order its output documents</a:t>
             </a:r>
             <a:endParaRPr lang="en-US" dirty="0"/>
           </a:p>
         </p:txBody>
       </p:sp>
     </p:spTree>
+    <p:extLst>
+      <p:ext uri="{BB962C8B-B14F-4D97-AF65-F5344CB8AC3E}">
+        <p14:creationId xmlns:p14="http://schemas.microsoft.com/office/powerpoint/2010/main" val="328336831"/>
+      </p:ext>
+    </p:extLst>
   </p:cSld>
   <p:clrMapOvr>
     <a:masterClrMapping/>
@@ -1880,7 +1774,7 @@
             <a:fld id="{799FB774-2CBA-450F-BEA3-AD79892CB499}" type="slidenum">
               <a:rPr lang="en-US"/>
               <a:pPr/>
-              <a:t>19</a:t>
+              <a:t>18</a:t>
             </a:fld>
             <a:endParaRPr lang="en-US"/>
           </a:p>
@@ -1915,11 +1809,162 @@
           <a:bodyPr/>
           <a:lstStyle/>
           <a:p>
+            <a:r>
+              <a:rPr lang="en-US" sz="1200" b="0" i="0" kern="1200" smtClean="0">
+                <a:solidFill>
+                  <a:schemeClr val="tx1"/>
+                </a:solidFill>
+                <a:effectLst/>
+                <a:latin typeface="Arial" charset="0"/>
+                <a:ea typeface="+mn-ea"/>
+                <a:cs typeface="+mn-cs"/>
+              </a:rPr>
+              <a:t>The output documents contain an </a:t>
+            </a:r>
+            <a:r>
+              <a:rPr lang="en-US" sz="1200" kern="1200" smtClean="0">
+                <a:solidFill>
+                  <a:schemeClr val="tx1"/>
+                </a:solidFill>
+                <a:effectLst/>
+                <a:latin typeface="Arial" charset="0"/>
+                <a:ea typeface="+mn-ea"/>
+                <a:cs typeface="+mn-cs"/>
+              </a:rPr>
+              <a:t>_id</a:t>
+            </a:r>
+            <a:r>
+              <a:rPr lang="en-US" sz="1200" b="0" i="0" kern="1200" smtClean="0">
+                <a:solidFill>
+                  <a:schemeClr val="tx1"/>
+                </a:solidFill>
+                <a:effectLst/>
+                <a:latin typeface="Arial" charset="0"/>
+                <a:ea typeface="+mn-ea"/>
+                <a:cs typeface="+mn-cs"/>
+              </a:rPr>
+              <a:t> field which contains the distinct group by key</a:t>
+            </a:r>
+          </a:p>
+          <a:p>
+            <a:r>
+              <a:rPr lang="en-US" sz="1200" b="0" i="0" kern="1200" smtClean="0">
+                <a:solidFill>
+                  <a:schemeClr val="tx1"/>
+                </a:solidFill>
+                <a:effectLst/>
+                <a:latin typeface="Arial" charset="0"/>
+                <a:ea typeface="+mn-ea"/>
+                <a:cs typeface="+mn-cs"/>
+              </a:rPr>
+              <a:t>The output documents can also contain computed fields that hold the values of some accumulator expression grouped by the </a:t>
+            </a:r>
+            <a:r>
+              <a:rPr lang="en-US" sz="1200" kern="1200" smtClean="0">
+                <a:solidFill>
+                  <a:schemeClr val="tx1"/>
+                </a:solidFill>
+                <a:effectLst/>
+                <a:latin typeface="Arial" charset="0"/>
+                <a:ea typeface="+mn-ea"/>
+                <a:cs typeface="+mn-cs"/>
+              </a:rPr>
+              <a:t>$group</a:t>
+            </a:r>
+            <a:r>
+              <a:rPr lang="en-US" sz="1200" b="0" i="0" kern="1200" smtClean="0">
+                <a:solidFill>
+                  <a:schemeClr val="tx1"/>
+                </a:solidFill>
+                <a:effectLst/>
+                <a:latin typeface="Arial" charset="0"/>
+                <a:ea typeface="+mn-ea"/>
+                <a:cs typeface="+mn-cs"/>
+              </a:rPr>
+              <a:t>‘s </a:t>
+            </a:r>
+            <a:r>
+              <a:rPr lang="en-US" sz="1200" kern="1200" smtClean="0">
+                <a:solidFill>
+                  <a:schemeClr val="tx1"/>
+                </a:solidFill>
+                <a:effectLst/>
+                <a:latin typeface="Arial" charset="0"/>
+                <a:ea typeface="+mn-ea"/>
+                <a:cs typeface="+mn-cs"/>
+              </a:rPr>
+              <a:t>_id</a:t>
+            </a:r>
+            <a:r>
+              <a:rPr lang="en-US" sz="1200" b="0" i="0" kern="1200" smtClean="0">
+                <a:solidFill>
+                  <a:schemeClr val="tx1"/>
+                </a:solidFill>
+                <a:effectLst/>
+                <a:latin typeface="Arial" charset="0"/>
+                <a:ea typeface="+mn-ea"/>
+                <a:cs typeface="+mn-cs"/>
+              </a:rPr>
+              <a:t> field. </a:t>
+            </a:r>
+            <a:r>
+              <a:rPr lang="en-US" sz="1200" kern="1200" smtClean="0">
+                <a:solidFill>
+                  <a:schemeClr val="tx1"/>
+                </a:solidFill>
+                <a:effectLst/>
+                <a:latin typeface="Arial" charset="0"/>
+                <a:ea typeface="+mn-ea"/>
+                <a:cs typeface="+mn-cs"/>
+              </a:rPr>
+              <a:t>$group</a:t>
+            </a:r>
+            <a:r>
+              <a:rPr lang="en-US" sz="1200" b="0" i="0" kern="1200" smtClean="0">
+                <a:solidFill>
+                  <a:schemeClr val="tx1"/>
+                </a:solidFill>
+                <a:effectLst/>
+                <a:latin typeface="Arial" charset="0"/>
+                <a:ea typeface="+mn-ea"/>
+                <a:cs typeface="+mn-cs"/>
+              </a:rPr>
+              <a:t> does </a:t>
+            </a:r>
+            <a:r>
+              <a:rPr lang="en-US" sz="1200" b="0" i="1" kern="1200" smtClean="0">
+                <a:solidFill>
+                  <a:schemeClr val="tx1"/>
+                </a:solidFill>
+                <a:effectLst/>
+                <a:latin typeface="Arial" charset="0"/>
+                <a:ea typeface="+mn-ea"/>
+                <a:cs typeface="+mn-cs"/>
+              </a:rPr>
+              <a:t>not</a:t>
+            </a:r>
+            <a:r>
+              <a:rPr lang="en-US" sz="1200" b="0" i="0" kern="1200" smtClean="0">
+                <a:solidFill>
+                  <a:schemeClr val="tx1"/>
+                </a:solidFill>
+                <a:effectLst/>
+                <a:latin typeface="Arial" charset="0"/>
+                <a:ea typeface="+mn-ea"/>
+                <a:cs typeface="+mn-cs"/>
+              </a:rPr>
+              <a:t> order its output documents</a:t>
+            </a:r>
             <a:endParaRPr lang="en-US" dirty="0"/>
           </a:p>
         </p:txBody>
       </p:sp>
     </p:spTree>
+    <p:extLst>
+      <p:ext uri="{BB962C8B-B14F-4D97-AF65-F5344CB8AC3E}">
+        <p14:creationId xmlns:p14="http://schemas.microsoft.com/office/powerpoint/2010/main" val="2275270607"/>
+      </p:ext>
+    </p:extLst>
   </p:cSld>
   <p:clrMapOvr>
     <a:masterClrMapping/>
@@ -1964,7 +2009,7 @@
             <a:fld id="{799FB774-2CBA-450F-BEA3-AD79892CB499}" type="slidenum">
               <a:rPr lang="en-US"/>
               <a:pPr/>
-              <a:t>20</a:t>
+              <a:t>19</a:t>
             </a:fld>
             <a:endParaRPr lang="en-US"/>
           </a:p>
@@ -2004,6 +2049,11 @@
         </p:txBody>
       </p:sp>
     </p:spTree>
+    <p:extLst>
+      <p:ext uri="{BB962C8B-B14F-4D97-AF65-F5344CB8AC3E}">
+        <p14:creationId xmlns:p14="http://schemas.microsoft.com/office/powerpoint/2010/main" val="3852348263"/>
+      </p:ext>
+    </p:extLst>
   </p:cSld>
   <p:clrMapOvr>
     <a:masterClrMapping/>
@@ -2048,7 +2098,7 @@
             <a:fld id="{799FB774-2CBA-450F-BEA3-AD79892CB499}" type="slidenum">
               <a:rPr lang="en-US"/>
               <a:pPr/>
-              <a:t>3</a:t>
+              <a:t>2</a:t>
             </a:fld>
             <a:endParaRPr lang="en-US"/>
           </a:p>
@@ -2088,6 +2138,11 @@
         </p:txBody>
       </p:sp>
     </p:spTree>
+    <p:extLst>
+      <p:ext uri="{BB962C8B-B14F-4D97-AF65-F5344CB8AC3E}">
+        <p14:creationId xmlns:p14="http://schemas.microsoft.com/office/powerpoint/2010/main" val="4244122778"/>
+      </p:ext>
+    </p:extLst>
   </p:cSld>
   <p:clrMapOvr>
     <a:masterClrMapping/>
@@ -2132,7 +2187,7 @@
             <a:fld id="{799FB774-2CBA-450F-BEA3-AD79892CB499}" type="slidenum">
               <a:rPr lang="en-US"/>
               <a:pPr/>
-              <a:t>21</a:t>
+              <a:t>20</a:t>
             </a:fld>
             <a:endParaRPr lang="en-US"/>
           </a:p>
@@ -2167,11 +2222,64 @@
           <a:bodyPr/>
           <a:lstStyle/>
           <a:p>
+            <a:r>
+              <a:rPr lang="en-US" sz="1200" b="1" i="0" kern="1200" dirty="0" smtClean="0">
+                <a:solidFill>
+                  <a:schemeClr val="tx1"/>
+                </a:solidFill>
+                <a:effectLst/>
+                <a:latin typeface="Arial" charset="0"/>
+                <a:ea typeface="+mn-ea"/>
+                <a:cs typeface="+mn-cs"/>
+              </a:rPr>
+              <a:t>Realm</a:t>
+            </a:r>
+            <a:r>
+              <a:rPr lang="en-US" sz="1200" b="0" i="0" kern="1200" dirty="0" smtClean="0">
+                <a:solidFill>
+                  <a:schemeClr val="tx1"/>
+                </a:solidFill>
+                <a:effectLst/>
+                <a:latin typeface="Arial" charset="0"/>
+                <a:ea typeface="+mn-ea"/>
+                <a:cs typeface="+mn-cs"/>
+              </a:rPr>
+              <a:t> is not an </a:t>
+            </a:r>
+            <a:r>
+              <a:rPr lang="en-US" sz="1200" b="1" i="0" kern="1200" dirty="0" smtClean="0">
+                <a:solidFill>
+                  <a:schemeClr val="tx1"/>
+                </a:solidFill>
+                <a:effectLst/>
+                <a:latin typeface="Arial" charset="0"/>
+                <a:ea typeface="+mn-ea"/>
+                <a:cs typeface="+mn-cs"/>
+              </a:rPr>
+              <a:t>ORM</a:t>
+            </a:r>
+            <a:r>
+              <a:rPr lang="en-US" sz="1200" b="0" i="0" kern="1200" dirty="0" smtClean="0">
+                <a:solidFill>
+                  <a:schemeClr val="tx1"/>
+                </a:solidFill>
+                <a:effectLst/>
+                <a:latin typeface="Arial" charset="0"/>
+                <a:ea typeface="+mn-ea"/>
+                <a:cs typeface="+mn-cs"/>
+              </a:rPr>
+              <a:t> on top of SQLite. Instead it uses its own persistence engine, built for simplicity (&amp; speed).</a:t>
+            </a:r>
             <a:endParaRPr lang="en-US" dirty="0"/>
           </a:p>
         </p:txBody>
       </p:sp>
     </p:spTree>
+    <p:extLst>
+      <p:ext uri="{BB962C8B-B14F-4D97-AF65-F5344CB8AC3E}">
+        <p14:creationId xmlns:p14="http://schemas.microsoft.com/office/powerpoint/2010/main" val="2736149339"/>
+      </p:ext>
+    </p:extLst>
   </p:cSld>
   <p:clrMapOvr>
     <a:masterClrMapping/>
@@ -2216,7 +2324,7 @@
             <a:fld id="{799FB774-2CBA-450F-BEA3-AD79892CB499}" type="slidenum">
               <a:rPr lang="en-US"/>
               <a:pPr/>
-              <a:t>22</a:t>
+              <a:t>21</a:t>
             </a:fld>
             <a:endParaRPr lang="en-US"/>
           </a:p>
@@ -2256,6 +2364,11 @@
         </p:txBody>
       </p:sp>
     </p:spTree>
+    <p:extLst>
+      <p:ext uri="{BB962C8B-B14F-4D97-AF65-F5344CB8AC3E}">
+        <p14:creationId xmlns:p14="http://schemas.microsoft.com/office/powerpoint/2010/main" val="3724976524"/>
+      </p:ext>
+    </p:extLst>
   </p:cSld>
   <p:clrMapOvr>
     <a:masterClrMapping/>
@@ -2300,7 +2413,7 @@
             <a:fld id="{799FB774-2CBA-450F-BEA3-AD79892CB499}" type="slidenum">
               <a:rPr lang="en-US"/>
               <a:pPr/>
-              <a:t>23</a:t>
+              <a:t>22</a:t>
             </a:fld>
             <a:endParaRPr lang="en-US"/>
           </a:p>
@@ -2340,6 +2453,11 @@
         </p:txBody>
       </p:sp>
     </p:spTree>
+    <p:extLst>
+      <p:ext uri="{BB962C8B-B14F-4D97-AF65-F5344CB8AC3E}">
+        <p14:creationId xmlns:p14="http://schemas.microsoft.com/office/powerpoint/2010/main" val="2774186270"/>
+      </p:ext>
+    </p:extLst>
   </p:cSld>
   <p:clrMapOvr>
     <a:masterClrMapping/>
@@ -2384,7 +2502,7 @@
             <a:fld id="{799FB774-2CBA-450F-BEA3-AD79892CB499}" type="slidenum">
               <a:rPr lang="en-US"/>
               <a:pPr/>
-              <a:t>24</a:t>
+              <a:t>23</a:t>
             </a:fld>
             <a:endParaRPr lang="en-US"/>
           </a:p>
@@ -2424,6 +2542,11 @@
         </p:txBody>
       </p:sp>
     </p:spTree>
+    <p:extLst>
+      <p:ext uri="{BB962C8B-B14F-4D97-AF65-F5344CB8AC3E}">
+        <p14:creationId xmlns:p14="http://schemas.microsoft.com/office/powerpoint/2010/main" val="449602143"/>
+      </p:ext>
+    </p:extLst>
   </p:cSld>
   <p:clrMapOvr>
     <a:masterClrMapping/>
@@ -2468,7 +2591,7 @@
             <a:fld id="{799FB774-2CBA-450F-BEA3-AD79892CB499}" type="slidenum">
               <a:rPr lang="en-US"/>
               <a:pPr/>
-              <a:t>25</a:t>
+              <a:t>24</a:t>
             </a:fld>
             <a:endParaRPr lang="en-US"/>
           </a:p>
@@ -2508,6 +2631,11 @@
         </p:txBody>
       </p:sp>
     </p:spTree>
+    <p:extLst>
+      <p:ext uri="{BB962C8B-B14F-4D97-AF65-F5344CB8AC3E}">
+        <p14:creationId xmlns:p14="http://schemas.microsoft.com/office/powerpoint/2010/main" val="2735574137"/>
+      </p:ext>
+    </p:extLst>
   </p:cSld>
   <p:clrMapOvr>
     <a:masterClrMapping/>
@@ -2552,7 +2680,7 @@
             <a:fld id="{799FB774-2CBA-450F-BEA3-AD79892CB499}" type="slidenum">
               <a:rPr lang="en-US"/>
               <a:pPr/>
-              <a:t>26</a:t>
+              <a:t>25</a:t>
             </a:fld>
             <a:endParaRPr lang="en-US"/>
           </a:p>
@@ -2592,6 +2720,11 @@
         </p:txBody>
       </p:sp>
     </p:spTree>
+    <p:extLst>
+      <p:ext uri="{BB962C8B-B14F-4D97-AF65-F5344CB8AC3E}">
+        <p14:creationId xmlns:p14="http://schemas.microsoft.com/office/powerpoint/2010/main" val="2587138662"/>
+      </p:ext>
+    </p:extLst>
   </p:cSld>
   <p:clrMapOvr>
     <a:masterClrMapping/>
@@ -2636,6 +2769,95 @@
             <a:fld id="{799FB774-2CBA-450F-BEA3-AD79892CB499}" type="slidenum">
               <a:rPr lang="en-US"/>
               <a:pPr/>
+              <a:t>26</a:t>
+            </a:fld>
+            <a:endParaRPr lang="en-US"/>
+          </a:p>
+        </p:txBody>
+      </p:sp>
+      <p:sp>
+        <p:nvSpPr>
+          <p:cNvPr id="48130" name="Rectangle 2"/>
+          <p:cNvSpPr>
+            <a:spLocks noGrp="1" noRot="1" noChangeAspect="1" noChangeArrowheads="1" noTextEdit="1"/>
+          </p:cNvSpPr>
+          <p:nvPr>
+            <p:ph type="sldImg"/>
+          </p:nvPr>
+        </p:nvSpPr>
+        <p:spPr>
+          <a:ln/>
+        </p:spPr>
+      </p:sp>
+      <p:sp>
+        <p:nvSpPr>
+          <p:cNvPr id="48131" name="Rectangle 3"/>
+          <p:cNvSpPr>
+            <a:spLocks noGrp="1" noChangeArrowheads="1"/>
+          </p:cNvSpPr>
+          <p:nvPr>
+            <p:ph type="body" idx="1"/>
+          </p:nvPr>
+        </p:nvSpPr>
+        <p:spPr/>
+        <p:txBody>
+          <a:bodyPr/>
+          <a:lstStyle/>
+          <a:p>
+            <a:endParaRPr lang="en-US" dirty="0"/>
+          </a:p>
+        </p:txBody>
+      </p:sp>
+    </p:spTree>
+    <p:extLst>
+      <p:ext uri="{BB962C8B-B14F-4D97-AF65-F5344CB8AC3E}">
+        <p14:creationId xmlns:p14="http://schemas.microsoft.com/office/powerpoint/2010/main" val="1051210812"/>
+      </p:ext>
+    </p:extLst>
+  </p:cSld>
+  <p:clrMapOvr>
+    <a:masterClrMapping/>
+  </p:clrMapOvr>
+</p:notes>
+</file>
+
+<file path=ppt/notesSlides/notesSlide27.xml><?xml version="1.0" encoding="utf-8"?>
+<p:notes xmlns:a="http://schemas.openxmlformats.org/drawingml/2006/main" xmlns:r="http://schemas.openxmlformats.org/officeDocument/2006/relationships" xmlns:p="http://schemas.openxmlformats.org/presentationml/2006/main">
+  <p:cSld>
+    <p:spTree>
+      <p:nvGrpSpPr>
+        <p:cNvPr id="1" name=""/>
+        <p:cNvGrpSpPr/>
+        <p:nvPr/>
+      </p:nvGrpSpPr>
+      <p:grpSpPr>
+        <a:xfrm>
+          <a:off x="0" y="0"/>
+          <a:ext cx="0" cy="0"/>
+          <a:chOff x="0" y="0"/>
+          <a:chExt cx="0" cy="0"/>
+        </a:xfrm>
+      </p:grpSpPr>
+      <p:sp>
+        <p:nvSpPr>
+          <p:cNvPr id="7" name="Rectangle 7"/>
+          <p:cNvSpPr>
+            <a:spLocks noGrp="1" noChangeArrowheads="1"/>
+          </p:cNvSpPr>
+          <p:nvPr>
+            <p:ph type="sldNum" sz="quarter" idx="5"/>
+          </p:nvPr>
+        </p:nvSpPr>
+        <p:spPr>
+          <a:ln/>
+        </p:spPr>
+        <p:txBody>
+          <a:bodyPr/>
+          <a:lstStyle/>
+          <a:p>
+            <a:fld id="{799FB774-2CBA-450F-BEA3-AD79892CB499}" type="slidenum">
+              <a:rPr lang="en-US"/>
+              <a:pPr/>
               <a:t>27</a:t>
             </a:fld>
             <a:endParaRPr lang="en-US"/>
@@ -2676,6 +2898,189 @@
         </p:txBody>
       </p:sp>
     </p:spTree>
+    <p:extLst>
+      <p:ext uri="{BB962C8B-B14F-4D97-AF65-F5344CB8AC3E}">
+        <p14:creationId xmlns:p14="http://schemas.microsoft.com/office/powerpoint/2010/main" val="841009709"/>
+      </p:ext>
+    </p:extLst>
+  </p:cSld>
+  <p:clrMapOvr>
+    <a:masterClrMapping/>
+  </p:clrMapOvr>
+</p:notes>
+</file>
+
+<file path=ppt/notesSlides/notesSlide28.xml><?xml version="1.0" encoding="utf-8"?>
+<p:notes xmlns:a="http://schemas.openxmlformats.org/drawingml/2006/main" xmlns:r="http://schemas.openxmlformats.org/officeDocument/2006/relationships" xmlns:p="http://schemas.openxmlformats.org/presentationml/2006/main">
+  <p:cSld>
+    <p:spTree>
+      <p:nvGrpSpPr>
+        <p:cNvPr id="1" name=""/>
+        <p:cNvGrpSpPr/>
+        <p:nvPr/>
+      </p:nvGrpSpPr>
+      <p:grpSpPr>
+        <a:xfrm>
+          <a:off x="0" y="0"/>
+          <a:ext cx="0" cy="0"/>
+          <a:chOff x="0" y="0"/>
+          <a:chExt cx="0" cy="0"/>
+        </a:xfrm>
+      </p:grpSpPr>
+      <p:sp>
+        <p:nvSpPr>
+          <p:cNvPr id="7" name="Rectangle 7"/>
+          <p:cNvSpPr>
+            <a:spLocks noGrp="1" noChangeArrowheads="1"/>
+          </p:cNvSpPr>
+          <p:nvPr>
+            <p:ph type="sldNum" sz="quarter" idx="5"/>
+          </p:nvPr>
+        </p:nvSpPr>
+        <p:spPr>
+          <a:ln/>
+        </p:spPr>
+        <p:txBody>
+          <a:bodyPr/>
+          <a:lstStyle/>
+          <a:p>
+            <a:fld id="{799FB774-2CBA-450F-BEA3-AD79892CB499}" type="slidenum">
+              <a:rPr lang="en-US"/>
+              <a:pPr/>
+              <a:t>28</a:t>
+            </a:fld>
+            <a:endParaRPr lang="en-US"/>
+          </a:p>
+        </p:txBody>
+      </p:sp>
+      <p:sp>
+        <p:nvSpPr>
+          <p:cNvPr id="48130" name="Rectangle 2"/>
+          <p:cNvSpPr>
+            <a:spLocks noGrp="1" noRot="1" noChangeAspect="1" noChangeArrowheads="1" noTextEdit="1"/>
+          </p:cNvSpPr>
+          <p:nvPr>
+            <p:ph type="sldImg"/>
+          </p:nvPr>
+        </p:nvSpPr>
+        <p:spPr>
+          <a:ln/>
+        </p:spPr>
+      </p:sp>
+      <p:sp>
+        <p:nvSpPr>
+          <p:cNvPr id="48131" name="Rectangle 3"/>
+          <p:cNvSpPr>
+            <a:spLocks noGrp="1" noChangeArrowheads="1"/>
+          </p:cNvSpPr>
+          <p:nvPr>
+            <p:ph type="body" idx="1"/>
+          </p:nvPr>
+        </p:nvSpPr>
+        <p:spPr/>
+        <p:txBody>
+          <a:bodyPr/>
+          <a:lstStyle/>
+          <a:p>
+            <a:endParaRPr lang="en-US" dirty="0"/>
+          </a:p>
+        </p:txBody>
+      </p:sp>
+    </p:spTree>
+    <p:extLst>
+      <p:ext uri="{BB962C8B-B14F-4D97-AF65-F5344CB8AC3E}">
+        <p14:creationId xmlns:p14="http://schemas.microsoft.com/office/powerpoint/2010/main" val="2026916248"/>
+      </p:ext>
+    </p:extLst>
+  </p:cSld>
+  <p:clrMapOvr>
+    <a:masterClrMapping/>
+  </p:clrMapOvr>
+</p:notes>
+</file>
+
+<file path=ppt/notesSlides/notesSlide29.xml><?xml version="1.0" encoding="utf-8"?>
+<p:notes xmlns:a="http://schemas.openxmlformats.org/drawingml/2006/main" xmlns:r="http://schemas.openxmlformats.org/officeDocument/2006/relationships" xmlns:p="http://schemas.openxmlformats.org/presentationml/2006/main">
+  <p:cSld>
+    <p:spTree>
+      <p:nvGrpSpPr>
+        <p:cNvPr id="1" name=""/>
+        <p:cNvGrpSpPr/>
+        <p:nvPr/>
+      </p:nvGrpSpPr>
+      <p:grpSpPr>
+        <a:xfrm>
+          <a:off x="0" y="0"/>
+          <a:ext cx="0" cy="0"/>
+          <a:chOff x="0" y="0"/>
+          <a:chExt cx="0" cy="0"/>
+        </a:xfrm>
+      </p:grpSpPr>
+      <p:sp>
+        <p:nvSpPr>
+          <p:cNvPr id="7" name="Rectangle 7"/>
+          <p:cNvSpPr>
+            <a:spLocks noGrp="1" noChangeArrowheads="1"/>
+          </p:cNvSpPr>
+          <p:nvPr>
+            <p:ph type="sldNum" sz="quarter" idx="5"/>
+          </p:nvPr>
+        </p:nvSpPr>
+        <p:spPr>
+          <a:ln/>
+        </p:spPr>
+        <p:txBody>
+          <a:bodyPr/>
+          <a:lstStyle/>
+          <a:p>
+            <a:fld id="{799FB774-2CBA-450F-BEA3-AD79892CB499}" type="slidenum">
+              <a:rPr lang="en-US"/>
+              <a:pPr/>
+              <a:t>29</a:t>
+            </a:fld>
+            <a:endParaRPr lang="en-US"/>
+          </a:p>
+        </p:txBody>
+      </p:sp>
+      <p:sp>
+        <p:nvSpPr>
+          <p:cNvPr id="48130" name="Rectangle 2"/>
+          <p:cNvSpPr>
+            <a:spLocks noGrp="1" noRot="1" noChangeAspect="1" noChangeArrowheads="1" noTextEdit="1"/>
+          </p:cNvSpPr>
+          <p:nvPr>
+            <p:ph type="sldImg"/>
+          </p:nvPr>
+        </p:nvSpPr>
+        <p:spPr>
+          <a:ln/>
+        </p:spPr>
+      </p:sp>
+      <p:sp>
+        <p:nvSpPr>
+          <p:cNvPr id="48131" name="Rectangle 3"/>
+          <p:cNvSpPr>
+            <a:spLocks noGrp="1" noChangeArrowheads="1"/>
+          </p:cNvSpPr>
+          <p:nvPr>
+            <p:ph type="body" idx="1"/>
+          </p:nvPr>
+        </p:nvSpPr>
+        <p:spPr/>
+        <p:txBody>
+          <a:bodyPr/>
+          <a:lstStyle/>
+          <a:p>
+            <a:endParaRPr lang="en-US" dirty="0"/>
+          </a:p>
+        </p:txBody>
+      </p:sp>
+    </p:spTree>
+    <p:extLst>
+      <p:ext uri="{BB962C8B-B14F-4D97-AF65-F5344CB8AC3E}">
+        <p14:creationId xmlns:p14="http://schemas.microsoft.com/office/powerpoint/2010/main" val="282378802"/>
+      </p:ext>
+    </p:extLst>
   </p:cSld>
   <p:clrMapOvr>
     <a:masterClrMapping/>
@@ -2720,7 +3125,7 @@
             <a:fld id="{799FB774-2CBA-450F-BEA3-AD79892CB499}" type="slidenum">
               <a:rPr lang="en-US"/>
               <a:pPr/>
-              <a:t>4</a:t>
+              <a:t>3</a:t>
             </a:fld>
             <a:endParaRPr lang="en-US"/>
           </a:p>
@@ -2760,6 +3165,11 @@
         </p:txBody>
       </p:sp>
     </p:spTree>
+    <p:extLst>
+      <p:ext uri="{BB962C8B-B14F-4D97-AF65-F5344CB8AC3E}">
+        <p14:creationId xmlns:p14="http://schemas.microsoft.com/office/powerpoint/2010/main" val="71123876"/>
+      </p:ext>
+    </p:extLst>
   </p:cSld>
   <p:clrMapOvr>
     <a:masterClrMapping/>
@@ -2801,10 +3211,10 @@
           <a:bodyPr/>
           <a:lstStyle/>
           <a:p>
-            <a:fld id="{106861D7-B888-4E58-9449-0462FF56318C}" type="slidenum">
+            <a:fld id="{799FB774-2CBA-450F-BEA3-AD79892CB499}" type="slidenum">
               <a:rPr lang="en-US"/>
               <a:pPr/>
-              <a:t>5</a:t>
+              <a:t>4</a:t>
             </a:fld>
             <a:endParaRPr lang="en-US"/>
           </a:p>
@@ -2812,7 +3222,7 @@
       </p:sp>
       <p:sp>
         <p:nvSpPr>
-          <p:cNvPr id="49154" name="Rectangle 2"/>
+          <p:cNvPr id="48130" name="Rectangle 2"/>
           <p:cNvSpPr>
             <a:spLocks noGrp="1" noRot="1" noChangeAspect="1" noChangeArrowheads="1" noTextEdit="1"/>
           </p:cNvSpPr>
@@ -2826,7 +3236,7 @@
       </p:sp>
       <p:sp>
         <p:nvSpPr>
-          <p:cNvPr id="49155" name="Rectangle 3"/>
+          <p:cNvPr id="48131" name="Rectangle 3"/>
           <p:cNvSpPr>
             <a:spLocks noGrp="1" noChangeArrowheads="1"/>
           </p:cNvSpPr>
@@ -2839,14 +3249,16 @@
           <a:bodyPr/>
           <a:lstStyle/>
           <a:p>
-            <a:r>
-              <a:rPr lang="en-US"/>
-              <a:t>Click to add notes</a:t>
-            </a:r>
+            <a:endParaRPr lang="en-US" dirty="0"/>
           </a:p>
         </p:txBody>
       </p:sp>
     </p:spTree>
+    <p:extLst>
+      <p:ext uri="{BB962C8B-B14F-4D97-AF65-F5344CB8AC3E}">
+        <p14:creationId xmlns:p14="http://schemas.microsoft.com/office/powerpoint/2010/main" val="3994866719"/>
+      </p:ext>
+    </p:extLst>
   </p:cSld>
   <p:clrMapOvr>
     <a:masterClrMapping/>
@@ -2888,10 +3300,10 @@
           <a:bodyPr/>
           <a:lstStyle/>
           <a:p>
-            <a:fld id="{799FB774-2CBA-450F-BEA3-AD79892CB499}" type="slidenum">
+            <a:fld id="{106861D7-B888-4E58-9449-0462FF56318C}" type="slidenum">
               <a:rPr lang="en-US"/>
               <a:pPr/>
-              <a:t>6</a:t>
+              <a:t>5</a:t>
             </a:fld>
             <a:endParaRPr lang="en-US"/>
           </a:p>
@@ -2899,7 +3311,7 @@
       </p:sp>
       <p:sp>
         <p:nvSpPr>
-          <p:cNvPr id="48130" name="Rectangle 2"/>
+          <p:cNvPr id="49154" name="Rectangle 2"/>
           <p:cNvSpPr>
             <a:spLocks noGrp="1" noRot="1" noChangeAspect="1" noChangeArrowheads="1" noTextEdit="1"/>
           </p:cNvSpPr>
@@ -2913,7 +3325,7 @@
       </p:sp>
       <p:sp>
         <p:nvSpPr>
-          <p:cNvPr id="48131" name="Rectangle 3"/>
+          <p:cNvPr id="49155" name="Rectangle 3"/>
           <p:cNvSpPr>
             <a:spLocks noGrp="1" noChangeArrowheads="1"/>
           </p:cNvSpPr>
@@ -2926,11 +3338,19 @@
           <a:bodyPr/>
           <a:lstStyle/>
           <a:p>
-            <a:endParaRPr lang="en-US" dirty="0"/>
+            <a:r>
+              <a:rPr lang="en-US"/>
+              <a:t>Click to add notes</a:t>
+            </a:r>
           </a:p>
         </p:txBody>
       </p:sp>
     </p:spTree>
+    <p:extLst>
+      <p:ext uri="{BB962C8B-B14F-4D97-AF65-F5344CB8AC3E}">
+        <p14:creationId xmlns:p14="http://schemas.microsoft.com/office/powerpoint/2010/main" val="1030046451"/>
+      </p:ext>
+    </p:extLst>
   </p:cSld>
   <p:clrMapOvr>
     <a:masterClrMapping/>
@@ -2975,7 +3395,7 @@
             <a:fld id="{799FB774-2CBA-450F-BEA3-AD79892CB499}" type="slidenum">
               <a:rPr lang="en-US"/>
               <a:pPr/>
-              <a:t>7</a:t>
+              <a:t>6</a:t>
             </a:fld>
             <a:endParaRPr lang="en-US"/>
           </a:p>
@@ -3015,6 +3435,11 @@
         </p:txBody>
       </p:sp>
     </p:spTree>
+    <p:extLst>
+      <p:ext uri="{BB962C8B-B14F-4D97-AF65-F5344CB8AC3E}">
+        <p14:creationId xmlns:p14="http://schemas.microsoft.com/office/powerpoint/2010/main" val="1224367145"/>
+      </p:ext>
+    </p:extLst>
   </p:cSld>
   <p:clrMapOvr>
     <a:masterClrMapping/>
@@ -3059,7 +3484,7 @@
             <a:fld id="{799FB774-2CBA-450F-BEA3-AD79892CB499}" type="slidenum">
               <a:rPr lang="en-US"/>
               <a:pPr/>
-              <a:t>8</a:t>
+              <a:t>7</a:t>
             </a:fld>
             <a:endParaRPr lang="en-US"/>
           </a:p>
@@ -3099,6 +3524,11 @@
         </p:txBody>
       </p:sp>
     </p:spTree>
+    <p:extLst>
+      <p:ext uri="{BB962C8B-B14F-4D97-AF65-F5344CB8AC3E}">
+        <p14:creationId xmlns:p14="http://schemas.microsoft.com/office/powerpoint/2010/main" val="397137417"/>
+      </p:ext>
+    </p:extLst>
   </p:cSld>
   <p:clrMapOvr>
     <a:masterClrMapping/>
@@ -3143,7 +3573,7 @@
             <a:fld id="{799FB774-2CBA-450F-BEA3-AD79892CB499}" type="slidenum">
               <a:rPr lang="en-US"/>
               <a:pPr/>
-              <a:t>9</a:t>
+              <a:t>8</a:t>
             </a:fld>
             <a:endParaRPr lang="en-US"/>
           </a:p>
@@ -3178,37 +3608,16 @@
           <a:bodyPr/>
           <a:lstStyle/>
           <a:p>
-            <a:r>
-              <a:rPr lang="en-US" smtClean="0"/>
-              <a:t>Show</a:t>
-            </a:r>
-            <a:r>
-              <a:rPr lang="en-US" baseline="0" smtClean="0"/>
-              <a:t> normal fields: {fieldName: 1} or {fieldName: true}</a:t>
-            </a:r>
-          </a:p>
-          <a:p>
-            <a:r>
-              <a:rPr lang="en-US" baseline="0" smtClean="0"/>
-              <a:t>Hide _id: {_id: 0} or {_id: false}</a:t>
-            </a:r>
-          </a:p>
-          <a:p>
-            <a:r>
-              <a:rPr lang="en-US" baseline="0" smtClean="0"/>
-              <a:t>Add  change name: {newName: “$oldName”} </a:t>
-            </a:r>
-          </a:p>
-          <a:p>
-            <a:r>
-              <a:rPr lang="en-US" baseline="0" smtClean="0"/>
-              <a:t>Add  new field {newField: Expression}</a:t>
-            </a:r>
             <a:endParaRPr lang="en-US" dirty="0"/>
           </a:p>
         </p:txBody>
       </p:sp>
     </p:spTree>
+    <p:extLst>
+      <p:ext uri="{BB962C8B-B14F-4D97-AF65-F5344CB8AC3E}">
+        <p14:creationId xmlns:p14="http://schemas.microsoft.com/office/powerpoint/2010/main" val="3941789291"/>
+      </p:ext>
+    </p:extLst>
   </p:cSld>
   <p:clrMapOvr>
     <a:masterClrMapping/>
@@ -3253,7 +3662,7 @@
             <a:fld id="{799FB774-2CBA-450F-BEA3-AD79892CB499}" type="slidenum">
               <a:rPr lang="en-US"/>
               <a:pPr/>
-              <a:t>10</a:t>
+              <a:t>9</a:t>
             </a:fld>
             <a:endParaRPr lang="en-US"/>
           </a:p>
@@ -3293,6 +3702,11 @@
         </p:txBody>
       </p:sp>
     </p:spTree>
+    <p:extLst>
+      <p:ext uri="{BB962C8B-B14F-4D97-AF65-F5344CB8AC3E}">
+        <p14:creationId xmlns:p14="http://schemas.microsoft.com/office/powerpoint/2010/main" val="2629279693"/>
+      </p:ext>
+    </p:extLst>
   </p:cSld>
   <p:clrMapOvr>
     <a:masterClrMapping/>
@@ -3301,7 +3715,7 @@
 </file>
 
 <file path=ppt/slideLayouts/slideLayout1.xml><?xml version="1.0" encoding="utf-8"?>
-<p:sldLayout xmlns:a="http://schemas.openxmlformats.org/drawingml/2006/main" xmlns:r="http://schemas.openxmlformats.org/officeDocument/2006/relationships" xmlns:p="http://schemas.openxmlformats.org/presentationml/2006/main" showMasterSp="0" type="title" preserve="1">
+<p:sldLayout xmlns:a="http://schemas.openxmlformats.org/drawingml/2006/main" xmlns:r="http://schemas.openxmlformats.org/officeDocument/2006/relationships" xmlns:p="http://schemas.openxmlformats.org/presentationml/2006/main" type="title" preserve="1">
   <p:cSld name="Title Slide">
     <p:spTree>
       <p:nvGrpSpPr>
@@ -9425,7 +9839,7 @@
     <p:bg>
       <p:bgPr>
         <a:solidFill>
-          <a:schemeClr val="folHlink"/>
+          <a:schemeClr val="accent3"/>
         </a:solidFill>
         <a:effectLst/>
       </p:bgPr>
@@ -11603,6 +12017,7 @@
       </p:par>
     </p:tnLst>
   </p:timing>
+  <p:hf hdr="0" ftr="0" dt="0"/>
   <p:txStyles>
     <p:titleStyle>
       <a:lvl1pPr algn="l" rtl="0" eaLnBrk="1" fontAlgn="base" hangingPunct="1">
@@ -12080,6 +12495,30 @@
           </a:p>
         </p:txBody>
       </p:sp>
+      <p:sp>
+        <p:nvSpPr>
+          <p:cNvPr id="4" name="Slide Number Placeholder 3"/>
+          <p:cNvSpPr>
+            <a:spLocks noGrp="1"/>
+          </p:cNvSpPr>
+          <p:nvPr>
+            <p:ph type="sldNum" sz="quarter" idx="4"/>
+          </p:nvPr>
+        </p:nvSpPr>
+        <p:spPr/>
+        <p:txBody>
+          <a:bodyPr/>
+          <a:lstStyle/>
+          <a:p>
+            <a:fld id="{F364148E-0E63-42EB-BE18-2F6E6BBA5E1C}" type="slidenum">
+              <a:rPr lang="en-US" altLang="en-US" smtClean="0"/>
+              <a:pPr/>
+              <a:t>1</a:t>
+            </a:fld>
+            <a:endParaRPr lang="en-US" altLang="en-US"/>
+          </a:p>
+        </p:txBody>
+      </p:sp>
     </p:spTree>
     <p:extLst>
       <p:ext uri="{BB962C8B-B14F-4D97-AF65-F5344CB8AC3E}">
@@ -12134,7 +12573,7 @@
           <a:p>
             <a:r>
               <a:rPr lang="en-US" smtClean="0"/>
-              <a:t>$match</a:t>
+              <a:t>Pipeline Stages</a:t>
             </a:r>
             <a:endParaRPr lang="en-US" dirty="0"/>
           </a:p>
@@ -12161,63 +12600,123 @@
           <a:lstStyle/>
           <a:p>
             <a:r>
-              <a:rPr lang="en-US"/>
-              <a:t>Filters the documents to pass only the documents that match the specified condition(s) to the next pipeline stage</a:t>
-            </a:r>
-            <a:r>
-              <a:rPr lang="en-US" smtClean="0"/>
-              <a:t>.</a:t>
-            </a:r>
-          </a:p>
-          <a:p>
-            <a:r>
-              <a:rPr lang="en-US" smtClean="0"/>
-              <a:t>Form:</a:t>
-            </a:r>
-          </a:p>
-          <a:p>
-            <a:pPr marL="0" indent="0">
-              <a:buNone/>
-            </a:pPr>
-            <a:r>
-              <a:rPr lang="en-US" sz="2800" smtClean="0"/>
-              <a:t>$match: {&lt;Query&gt;} </a:t>
-            </a:r>
-          </a:p>
-          <a:p>
-            <a:pPr marL="0" indent="0">
-              <a:buNone/>
-            </a:pPr>
-            <a:r>
-              <a:rPr lang="en-US" sz="2800" smtClean="0"/>
-              <a:t>The query is like in the find() method, except </a:t>
-            </a:r>
-            <a:r>
-              <a:rPr lang="en-US" sz="2800" b="1" i="1" smtClean="0"/>
-              <a:t>$where</a:t>
-            </a:r>
-            <a:r>
-              <a:rPr lang="en-US" sz="2800" b="1" smtClean="0"/>
-              <a:t> </a:t>
-            </a:r>
-            <a:r>
-              <a:rPr lang="en-US" sz="2800" smtClean="0"/>
-              <a:t>operator</a:t>
-            </a:r>
-          </a:p>
-          <a:p>
-            <a:r>
-              <a:rPr lang="en-US" sz="3200" smtClean="0"/>
-              <a:t>If $match is the very first stage, it could take advantage of indexes, and it can use $text op for searching text</a:t>
-            </a:r>
-            <a:endParaRPr lang="en-US" sz="3200" dirty="0"/>
+              <a:rPr lang="en-US" sz="2800" b="1" dirty="0" smtClean="0"/>
+              <a:t>$project</a:t>
+            </a:r>
+            <a:r>
+              <a:rPr lang="en-US" sz="2800" dirty="0" smtClean="0"/>
+              <a:t>: add new fields or remove existing fields or rename fields</a:t>
+            </a:r>
+          </a:p>
+          <a:p>
+            <a:r>
+              <a:rPr lang="en-US" sz="2800" b="1" dirty="0" smtClean="0"/>
+              <a:t>$match</a:t>
+            </a:r>
+            <a:r>
+              <a:rPr lang="en-US" sz="2800" dirty="0" smtClean="0"/>
+              <a:t>: filter documents</a:t>
+            </a:r>
+          </a:p>
+          <a:p>
+            <a:r>
+              <a:rPr lang="en-US" sz="2800" b="1" dirty="0" smtClean="0"/>
+              <a:t>$limit</a:t>
+            </a:r>
+            <a:r>
+              <a:rPr lang="en-US" sz="2800" dirty="0" smtClean="0"/>
+              <a:t>: pass n documents to the next operator</a:t>
+            </a:r>
+          </a:p>
+          <a:p>
+            <a:r>
+              <a:rPr lang="en-US" sz="2800" b="1" dirty="0" smtClean="0"/>
+              <a:t>$skip</a:t>
+            </a:r>
+            <a:r>
+              <a:rPr lang="en-US" sz="2800" dirty="0" smtClean="0"/>
+              <a:t>: skip n documents</a:t>
+            </a:r>
+          </a:p>
+          <a:p>
+            <a:r>
+              <a:rPr lang="en-US" sz="2800" b="1" dirty="0" smtClean="0"/>
+              <a:t>$unwind</a:t>
+            </a:r>
+            <a:r>
+              <a:rPr lang="en-US" sz="2800" dirty="0" smtClean="0"/>
+              <a:t>: flatten the array’s elements</a:t>
+            </a:r>
+          </a:p>
+          <a:p>
+            <a:r>
+              <a:rPr lang="en-US" sz="2800" b="1" dirty="0" smtClean="0"/>
+              <a:t>$group</a:t>
+            </a:r>
+            <a:r>
+              <a:rPr lang="en-US" sz="2800" dirty="0" smtClean="0"/>
+              <a:t>: group documents and do some calculation to each group</a:t>
+            </a:r>
+          </a:p>
+          <a:p>
+            <a:r>
+              <a:rPr lang="en-US" sz="2800" b="1" dirty="0" smtClean="0"/>
+              <a:t>$sample</a:t>
+            </a:r>
+            <a:r>
+              <a:rPr lang="en-US" sz="2800" dirty="0" smtClean="0"/>
+              <a:t>: randomly get </a:t>
+            </a:r>
+            <a:r>
+              <a:rPr lang="en-US" sz="2800" i="1" dirty="0" smtClean="0"/>
+              <a:t>n</a:t>
+            </a:r>
+            <a:r>
+              <a:rPr lang="en-US" sz="2800" dirty="0" smtClean="0"/>
+              <a:t> documents</a:t>
+            </a:r>
+          </a:p>
+          <a:p>
+            <a:r>
+              <a:rPr lang="en-US" sz="2800" b="1" dirty="0" smtClean="0"/>
+              <a:t>$out</a:t>
+            </a:r>
+            <a:r>
+              <a:rPr lang="en-US" sz="2800" dirty="0" smtClean="0"/>
+              <a:t>: output final results to a collection</a:t>
+            </a:r>
+            <a:endParaRPr lang="en-US" sz="2800" dirty="0"/>
+          </a:p>
+        </p:txBody>
+      </p:sp>
+      <p:sp>
+        <p:nvSpPr>
+          <p:cNvPr id="2" name="Slide Number Placeholder 1"/>
+          <p:cNvSpPr>
+            <a:spLocks noGrp="1"/>
+          </p:cNvSpPr>
+          <p:nvPr>
+            <p:ph type="sldNum" sz="quarter" idx="12"/>
+          </p:nvPr>
+        </p:nvSpPr>
+        <p:spPr/>
+        <p:txBody>
+          <a:bodyPr/>
+          <a:lstStyle/>
+          <a:p>
+            <a:fld id="{FF15AE15-FA3C-4B48-B58A-B66292DF158E}" type="slidenum">
+              <a:rPr lang="en-US" altLang="en-US" smtClean="0"/>
+              <a:pPr/>
+              <a:t>10</a:t>
+            </a:fld>
+            <a:endParaRPr lang="en-US" altLang="en-US"/>
           </a:p>
         </p:txBody>
       </p:sp>
     </p:spTree>
     <p:extLst>
       <p:ext uri="{BB962C8B-B14F-4D97-AF65-F5344CB8AC3E}">
-        <p14:creationId xmlns:p14="http://schemas.microsoft.com/office/powerpoint/2010/main" val="3747051374"/>
+        <p14:creationId xmlns:p14="http://schemas.microsoft.com/office/powerpoint/2010/main" val="3313183975"/>
       </p:ext>
     </p:extLst>
   </p:cSld>
@@ -12268,7 +12767,7 @@
           <a:p>
             <a:r>
               <a:rPr lang="en-US" smtClean="0"/>
-              <a:t>$limit</a:t>
+              <a:t>$project</a:t>
             </a:r>
             <a:endParaRPr lang="en-US" dirty="0"/>
           </a:p>
@@ -12296,17 +12795,17 @@
           <a:p>
             <a:r>
               <a:rPr lang="en-US"/>
-              <a:t>Limits the number of documents passed to the next stage in the </a:t>
+              <a:t>Passes along the documents with only the specified fields to the next stage in the pipeline. The specified fields can be existing fields from the input documents or newly computed </a:t>
             </a:r>
             <a:r>
               <a:rPr lang="en-US" smtClean="0"/>
-              <a:t>pipeline</a:t>
+              <a:t>fields</a:t>
             </a:r>
           </a:p>
           <a:p>
             <a:r>
               <a:rPr lang="en-US" smtClean="0"/>
-              <a:t>Form:</a:t>
+              <a:t>Stage syntax:</a:t>
             </a:r>
           </a:p>
           <a:p>
@@ -12314,11 +12813,15 @@
               <a:buNone/>
             </a:pPr>
             <a:r>
-              <a:rPr lang="en-US" sz="2800"/>
-              <a:t>{ $limit: &lt;positive integer&gt; </a:t>
-            </a:r>
-            <a:r>
-              <a:rPr lang="en-US" sz="2800" smtClean="0"/>
+              <a:rPr lang="en-US" sz="2400" smtClean="0"/>
+              <a:t>	{ </a:t>
+            </a:r>
+            <a:r>
+              <a:rPr lang="en-US" sz="2400"/>
+              <a:t>$project: { &lt;specifications&gt; } </a:t>
+            </a:r>
+            <a:r>
+              <a:rPr lang="en-US" sz="2400" smtClean="0"/>
               <a:t>}</a:t>
             </a:r>
           </a:p>
@@ -12327,22 +12830,72 @@
               <a:buNone/>
             </a:pPr>
             <a:r>
-              <a:rPr lang="en-US" sz="2800" smtClean="0"/>
-              <a:t>Eg: {$limit: 10}</a:t>
+              <a:rPr lang="en-US" sz="2400"/>
+              <a:t>Eg: { $project: </a:t>
+            </a:r>
+            <a:r>
+              <a:rPr lang="en-US" sz="2400" smtClean="0"/>
+              <a:t>{name: 1, age: 0 </a:t>
+            </a:r>
+            <a:r>
+              <a:rPr lang="en-US" sz="2400"/>
+              <a:t>} </a:t>
+            </a:r>
+            <a:r>
+              <a:rPr lang="en-US" sz="2400" smtClean="0"/>
+              <a:t>}</a:t>
             </a:r>
           </a:p>
           <a:p>
             <a:pPr marL="0" indent="0">
               <a:buNone/>
             </a:pPr>
-            <a:endParaRPr lang="en-US" sz="3200" dirty="0"/>
+            <a:r>
+              <a:rPr lang="en-US" sz="2400"/>
+              <a:t>{ $project: </a:t>
+            </a:r>
+            <a:r>
+              <a:rPr lang="en-US" sz="2400" smtClean="0"/>
+              <a:t>{tuoi: “$age”} }</a:t>
+            </a:r>
+            <a:endParaRPr lang="en-US" sz="2400"/>
+          </a:p>
+          <a:p>
+            <a:pPr marL="0" indent="0">
+              <a:buNone/>
+            </a:pPr>
+            <a:endParaRPr lang="en-US" sz="2400" dirty="0"/>
+          </a:p>
+        </p:txBody>
+      </p:sp>
+      <p:sp>
+        <p:nvSpPr>
+          <p:cNvPr id="2" name="Slide Number Placeholder 1"/>
+          <p:cNvSpPr>
+            <a:spLocks noGrp="1"/>
+          </p:cNvSpPr>
+          <p:nvPr>
+            <p:ph type="sldNum" sz="quarter" idx="12"/>
+          </p:nvPr>
+        </p:nvSpPr>
+        <p:spPr/>
+        <p:txBody>
+          <a:bodyPr/>
+          <a:lstStyle/>
+          <a:p>
+            <a:fld id="{FF15AE15-FA3C-4B48-B58A-B66292DF158E}" type="slidenum">
+              <a:rPr lang="en-US" altLang="en-US" smtClean="0"/>
+              <a:pPr/>
+              <a:t>11</a:t>
+            </a:fld>
+            <a:endParaRPr lang="en-US" altLang="en-US"/>
           </a:p>
         </p:txBody>
       </p:sp>
     </p:spTree>
     <p:extLst>
       <p:ext uri="{BB962C8B-B14F-4D97-AF65-F5344CB8AC3E}">
-        <p14:creationId xmlns:p14="http://schemas.microsoft.com/office/powerpoint/2010/main" val="731289334"/>
+        <p14:creationId xmlns:p14="http://schemas.microsoft.com/office/powerpoint/2010/main" val="2527286673"/>
       </p:ext>
     </p:extLst>
   </p:cSld>
@@ -12393,7 +12946,7 @@
           <a:p>
             <a:r>
               <a:rPr lang="en-US" smtClean="0"/>
-              <a:t>$skip</a:t>
+              <a:t>$match</a:t>
             </a:r>
             <a:endParaRPr lang="en-US" dirty="0"/>
           </a:p>
@@ -12421,11 +12974,11 @@
           <a:p>
             <a:r>
               <a:rPr lang="en-US"/>
-              <a:t>Skips over the specified number of documents that pass into the stage and passes the remaining documents to the next stage in the </a:t>
+              <a:t>Filters the documents to pass only the documents that match the specified condition(s) to the next pipeline stage</a:t>
             </a:r>
             <a:r>
               <a:rPr lang="en-US" smtClean="0"/>
-              <a:t>pipeline</a:t>
+              <a:t>.</a:t>
             </a:r>
           </a:p>
           <a:p>
@@ -12439,17 +12992,68 @@
               <a:buNone/>
             </a:pPr>
             <a:r>
-              <a:rPr lang="en-US" sz="2800"/>
-              <a:t>{ $skip: &lt;positive integer&gt; }</a:t>
-            </a:r>
-            <a:endParaRPr lang="en-US" sz="2800" dirty="0"/>
+              <a:rPr lang="en-US" sz="2800" smtClean="0"/>
+              <a:t>$match: {&lt;Query&gt;} </a:t>
+            </a:r>
+          </a:p>
+          <a:p>
+            <a:pPr marL="0" indent="0">
+              <a:buNone/>
+            </a:pPr>
+            <a:r>
+              <a:rPr lang="en-US" sz="2800" smtClean="0"/>
+              <a:t>The query is like in the find() method, except </a:t>
+            </a:r>
+            <a:r>
+              <a:rPr lang="en-US" sz="2800" b="1" i="1" smtClean="0"/>
+              <a:t>$where</a:t>
+            </a:r>
+            <a:r>
+              <a:rPr lang="en-US" sz="2800" b="1" smtClean="0"/>
+              <a:t> </a:t>
+            </a:r>
+            <a:r>
+              <a:rPr lang="en-US" sz="2800" smtClean="0"/>
+              <a:t>operator</a:t>
+            </a:r>
+          </a:p>
+          <a:p>
+            <a:r>
+              <a:rPr lang="en-US" sz="3200" smtClean="0"/>
+              <a:t>If $match is the very first stage, it could take advantage of indexes, and it can use $text op for searching text</a:t>
+            </a:r>
+            <a:endParaRPr lang="en-US" sz="3200" dirty="0"/>
+          </a:p>
+        </p:txBody>
+      </p:sp>
+      <p:sp>
+        <p:nvSpPr>
+          <p:cNvPr id="2" name="Slide Number Placeholder 1"/>
+          <p:cNvSpPr>
+            <a:spLocks noGrp="1"/>
+          </p:cNvSpPr>
+          <p:nvPr>
+            <p:ph type="sldNum" sz="quarter" idx="12"/>
+          </p:nvPr>
+        </p:nvSpPr>
+        <p:spPr/>
+        <p:txBody>
+          <a:bodyPr/>
+          <a:lstStyle/>
+          <a:p>
+            <a:fld id="{FF15AE15-FA3C-4B48-B58A-B66292DF158E}" type="slidenum">
+              <a:rPr lang="en-US" altLang="en-US" smtClean="0"/>
+              <a:pPr/>
+              <a:t>12</a:t>
+            </a:fld>
+            <a:endParaRPr lang="en-US" altLang="en-US"/>
           </a:p>
         </p:txBody>
       </p:sp>
     </p:spTree>
     <p:extLst>
       <p:ext uri="{BB962C8B-B14F-4D97-AF65-F5344CB8AC3E}">
-        <p14:creationId xmlns:p14="http://schemas.microsoft.com/office/powerpoint/2010/main" val="3367557809"/>
+        <p14:creationId xmlns:p14="http://schemas.microsoft.com/office/powerpoint/2010/main" val="3747051374"/>
       </p:ext>
     </p:extLst>
   </p:cSld>
@@ -12500,7 +13104,7 @@
           <a:p>
             <a:r>
               <a:rPr lang="en-US" smtClean="0"/>
-              <a:t>$unwind</a:t>
+              <a:t>$limit</a:t>
             </a:r>
             <a:endParaRPr lang="en-US" dirty="0"/>
           </a:p>
@@ -12519,7 +13123,7 @@
         <p:spPr>
           <a:xfrm>
             <a:off x="457200" y="1719263"/>
-            <a:ext cx="8229600" cy="4757737"/>
+            <a:ext cx="8229600" cy="4302125"/>
           </a:xfrm>
         </p:spPr>
         <p:txBody>
@@ -12528,27 +13132,77 @@
           <a:p>
             <a:r>
               <a:rPr lang="en-US"/>
-              <a:t>Deconstructs an array field from the input documents to output a document for </a:t>
-            </a:r>
-            <a:r>
-              <a:rPr lang="en-US" i="1"/>
-              <a:t>each</a:t>
-            </a:r>
-            <a:r>
-              <a:rPr lang="en-US"/>
-              <a:t> element. Each output document is the input document with the value of the array field replaced by the </a:t>
+              <a:t>Limits the number of documents passed to the next stage in the </a:t>
             </a:r>
             <a:r>
               <a:rPr lang="en-US" smtClean="0"/>
-              <a:t>element</a:t>
-            </a:r>
+              <a:t>pipeline</a:t>
+            </a:r>
+          </a:p>
+          <a:p>
+            <a:r>
+              <a:rPr lang="en-US" smtClean="0"/>
+              <a:t>Form:</a:t>
+            </a:r>
+          </a:p>
+          <a:p>
+            <a:pPr marL="0" indent="0">
+              <a:buNone/>
+            </a:pPr>
+            <a:r>
+              <a:rPr lang="en-US" sz="2800"/>
+              <a:t>{ $limit: &lt;positive integer&gt; </a:t>
+            </a:r>
+            <a:r>
+              <a:rPr lang="en-US" sz="2800" smtClean="0"/>
+              <a:t>}</a:t>
+            </a:r>
+          </a:p>
+          <a:p>
+            <a:pPr marL="0" indent="0">
+              <a:buNone/>
+            </a:pPr>
+            <a:r>
+              <a:rPr lang="en-US" sz="2800" smtClean="0"/>
+              <a:t>Eg: {$limit: 10}</a:t>
+            </a:r>
+          </a:p>
+          <a:p>
+            <a:pPr marL="0" indent="0">
+              <a:buNone/>
+            </a:pPr>
+            <a:endParaRPr lang="en-US" sz="3200" dirty="0"/>
+          </a:p>
+        </p:txBody>
+      </p:sp>
+      <p:sp>
+        <p:nvSpPr>
+          <p:cNvPr id="2" name="Slide Number Placeholder 1"/>
+          <p:cNvSpPr>
+            <a:spLocks noGrp="1"/>
+          </p:cNvSpPr>
+          <p:nvPr>
+            <p:ph type="sldNum" sz="quarter" idx="12"/>
+          </p:nvPr>
+        </p:nvSpPr>
+        <p:spPr/>
+        <p:txBody>
+          <a:bodyPr/>
+          <a:lstStyle/>
+          <a:p>
+            <a:fld id="{FF15AE15-FA3C-4B48-B58A-B66292DF158E}" type="slidenum">
+              <a:rPr lang="en-US" altLang="en-US" smtClean="0"/>
+              <a:pPr/>
+              <a:t>13</a:t>
+            </a:fld>
+            <a:endParaRPr lang="en-US" altLang="en-US"/>
           </a:p>
         </p:txBody>
       </p:sp>
     </p:spTree>
     <p:extLst>
       <p:ext uri="{BB962C8B-B14F-4D97-AF65-F5344CB8AC3E}">
-        <p14:creationId xmlns:p14="http://schemas.microsoft.com/office/powerpoint/2010/main" val="3766325880"/>
+        <p14:creationId xmlns:p14="http://schemas.microsoft.com/office/powerpoint/2010/main" val="731289334"/>
       </p:ext>
     </p:extLst>
   </p:cSld>
@@ -12599,7 +13253,7 @@
           <a:p>
             <a:r>
               <a:rPr lang="en-US" smtClean="0"/>
-              <a:t>$unwind (contd)</a:t>
+              <a:t>$skip</a:t>
             </a:r>
             <a:endParaRPr lang="en-US" dirty="0"/>
           </a:p>
@@ -12617,8 +13271,8 @@
         </p:nvSpPr>
         <p:spPr>
           <a:xfrm>
-            <a:off x="152400" y="1719263"/>
-            <a:ext cx="8534400" cy="4757737"/>
+            <a:off x="457200" y="1719263"/>
+            <a:ext cx="8229600" cy="4302125"/>
           </a:xfrm>
         </p:spPr>
         <p:txBody>
@@ -12626,7 +13280,17 @@
           <a:lstStyle/>
           <a:p>
             <a:r>
-              <a:rPr lang="en-US" sz="2400" smtClean="0"/>
+              <a:rPr lang="en-US"/>
+              <a:t>Skips over the specified number of documents that pass into the stage and passes the remaining documents to the next stage in the </a:t>
+            </a:r>
+            <a:r>
+              <a:rPr lang="en-US" smtClean="0"/>
+              <a:t>pipeline</a:t>
+            </a:r>
+          </a:p>
+          <a:p>
+            <a:r>
+              <a:rPr lang="en-US" smtClean="0"/>
               <a:t>Form:</a:t>
             </a:r>
           </a:p>
@@ -12635,154 +13299,41 @@
               <a:buNone/>
             </a:pPr>
             <a:r>
-              <a:rPr lang="en-US" sz="1800"/>
-              <a:t>{ </a:t>
-            </a:r>
-            <a:endParaRPr lang="en-US" sz="1800" smtClean="0"/>
-          </a:p>
-          <a:p>
-            <a:pPr marL="0" indent="0">
-              <a:buNone/>
-            </a:pPr>
-            <a:r>
-              <a:rPr lang="en-US" sz="1800"/>
-              <a:t>	</a:t>
-            </a:r>
-            <a:r>
-              <a:rPr lang="en-US" sz="1800" smtClean="0"/>
-              <a:t>$</a:t>
-            </a:r>
-            <a:r>
-              <a:rPr lang="en-US" sz="1800"/>
-              <a:t>unwind: { </a:t>
-            </a:r>
-            <a:endParaRPr lang="en-US" sz="1800" smtClean="0"/>
-          </a:p>
-          <a:p>
-            <a:pPr marL="349250" lvl="1" indent="0">
-              <a:buNone/>
-            </a:pPr>
-            <a:r>
-              <a:rPr lang="en-US" sz="1600" smtClean="0"/>
-              <a:t>		path</a:t>
-            </a:r>
-            <a:r>
-              <a:rPr lang="en-US" sz="1600"/>
-              <a:t>: &lt;</a:t>
-            </a:r>
-            <a:r>
-              <a:rPr lang="en-US" sz="1600" smtClean="0"/>
-              <a:t>field_path</a:t>
-            </a:r>
-            <a:r>
-              <a:rPr lang="en-US" sz="1600"/>
-              <a:t>&gt;, </a:t>
-            </a:r>
-            <a:endParaRPr lang="en-US" sz="1600" smtClean="0"/>
-          </a:p>
-          <a:p>
-            <a:pPr marL="349250" lvl="1" indent="0">
-              <a:buNone/>
-            </a:pPr>
-            <a:r>
-              <a:rPr lang="en-US" sz="1600" smtClean="0"/>
-              <a:t>		includeArrayIndex</a:t>
-            </a:r>
-            <a:r>
-              <a:rPr lang="en-US" sz="1600"/>
-              <a:t>: &lt;string&gt;, </a:t>
-            </a:r>
-            <a:endParaRPr lang="en-US" sz="1600" smtClean="0"/>
-          </a:p>
-          <a:p>
-            <a:pPr marL="349250" lvl="1" indent="0">
-              <a:buNone/>
-            </a:pPr>
-            <a:r>
-              <a:rPr lang="en-US" sz="1600" smtClean="0"/>
-              <a:t>		preserveNullAndEmptyArrays</a:t>
-            </a:r>
-            <a:r>
-              <a:rPr lang="en-US" sz="1600"/>
-              <a:t>: &lt;</a:t>
-            </a:r>
-            <a:r>
-              <a:rPr lang="en-US" sz="1600" b="1"/>
-              <a:t>boolean</a:t>
-            </a:r>
-            <a:r>
-              <a:rPr lang="en-US" sz="1600"/>
-              <a:t>&gt; </a:t>
-            </a:r>
-            <a:endParaRPr lang="en-US" sz="1600" smtClean="0"/>
-          </a:p>
-          <a:p>
-            <a:pPr marL="0" indent="0">
-              <a:buNone/>
-            </a:pPr>
-            <a:r>
-              <a:rPr lang="en-US" sz="1800" smtClean="0"/>
-              <a:t>	}</a:t>
-            </a:r>
-          </a:p>
-          <a:p>
-            <a:pPr marL="0" indent="0">
-              <a:buNone/>
-            </a:pPr>
-            <a:r>
-              <a:rPr lang="en-US" sz="1800" smtClean="0"/>
-              <a:t>}</a:t>
-            </a:r>
-            <a:endParaRPr lang="en-US" sz="2400"/>
-          </a:p>
-          <a:p>
-            <a:r>
-              <a:rPr lang="en-US" sz="2400" smtClean="0"/>
-              <a:t>path: path to array field</a:t>
-            </a:r>
-          </a:p>
-          <a:p>
-            <a:r>
-              <a:rPr lang="en-US" sz="2400" smtClean="0"/>
-              <a:t>includeArrayIndex: optional, name of the field which will hold value of current index in array</a:t>
-            </a:r>
-          </a:p>
-          <a:p>
-            <a:r>
-              <a:rPr lang="en-US" sz="2400" smtClean="0"/>
-              <a:t>preserveNullAndEmptyArrays: if</a:t>
-            </a:r>
-            <a:r>
-              <a:rPr lang="en-US" sz="2400" b="1" smtClean="0"/>
-              <a:t> true</a:t>
-            </a:r>
-            <a:r>
-              <a:rPr lang="en-US" sz="2400" smtClean="0"/>
-              <a:t>, in case that </a:t>
-            </a:r>
-            <a:r>
-              <a:rPr lang="en-US" sz="2400" i="1" smtClean="0"/>
-              <a:t>path</a:t>
-            </a:r>
-            <a:r>
-              <a:rPr lang="en-US" sz="2400" smtClean="0"/>
-              <a:t> is null or missing or point to an empty array, $unwind will output the document itself. If </a:t>
-            </a:r>
-            <a:r>
-              <a:rPr lang="en-US" sz="2400" b="1" smtClean="0"/>
-              <a:t>false</a:t>
-            </a:r>
-            <a:r>
-              <a:rPr lang="en-US" sz="2400" smtClean="0"/>
-              <a:t>, no document output</a:t>
-            </a:r>
+              <a:rPr lang="en-US" sz="2800"/>
+              <a:t>{ $skip: &lt;positive integer&gt; }</a:t>
+            </a:r>
+            <a:endParaRPr lang="en-US" sz="2800" dirty="0"/>
+          </a:p>
+        </p:txBody>
+      </p:sp>
+      <p:sp>
+        <p:nvSpPr>
+          <p:cNvPr id="2" name="Slide Number Placeholder 1"/>
+          <p:cNvSpPr>
+            <a:spLocks noGrp="1"/>
+          </p:cNvSpPr>
+          <p:nvPr>
+            <p:ph type="sldNum" sz="quarter" idx="12"/>
+          </p:nvPr>
+        </p:nvSpPr>
+        <p:spPr/>
+        <p:txBody>
+          <a:bodyPr/>
+          <a:lstStyle/>
+          <a:p>
+            <a:fld id="{FF15AE15-FA3C-4B48-B58A-B66292DF158E}" type="slidenum">
+              <a:rPr lang="en-US" altLang="en-US" smtClean="0"/>
+              <a:pPr/>
+              <a:t>14</a:t>
+            </a:fld>
+            <a:endParaRPr lang="en-US" altLang="en-US"/>
           </a:p>
         </p:txBody>
       </p:sp>
     </p:spTree>
     <p:extLst>
       <p:ext uri="{BB962C8B-B14F-4D97-AF65-F5344CB8AC3E}">
-        <p14:creationId xmlns:p14="http://schemas.microsoft.com/office/powerpoint/2010/main" val="369916175"/>
+        <p14:creationId xmlns:p14="http://schemas.microsoft.com/office/powerpoint/2010/main" val="3367557809"/>
       </p:ext>
     </p:extLst>
   </p:cSld>
@@ -12833,6 +13384,387 @@
           <a:p>
             <a:r>
               <a:rPr lang="en-US" smtClean="0"/>
+              <a:t>$unwind</a:t>
+            </a:r>
+            <a:endParaRPr lang="en-US" dirty="0"/>
+          </a:p>
+        </p:txBody>
+      </p:sp>
+      <p:sp>
+        <p:nvSpPr>
+          <p:cNvPr id="30723" name="Rectangle 3"/>
+          <p:cNvSpPr>
+            <a:spLocks noGrp="1" noChangeArrowheads="1"/>
+          </p:cNvSpPr>
+          <p:nvPr>
+            <p:ph type="body" idx="1"/>
+          </p:nvPr>
+        </p:nvSpPr>
+        <p:spPr>
+          <a:xfrm>
+            <a:off x="457200" y="1719263"/>
+            <a:ext cx="8229600" cy="4757737"/>
+          </a:xfrm>
+        </p:spPr>
+        <p:txBody>
+          <a:bodyPr/>
+          <a:lstStyle/>
+          <a:p>
+            <a:r>
+              <a:rPr lang="en-US"/>
+              <a:t>Deconstructs an array field from the input documents to output a document for </a:t>
+            </a:r>
+            <a:r>
+              <a:rPr lang="en-US" i="1"/>
+              <a:t>each</a:t>
+            </a:r>
+            <a:r>
+              <a:rPr lang="en-US"/>
+              <a:t> element. Each output document is the input document with the value of the array field replaced by the </a:t>
+            </a:r>
+            <a:r>
+              <a:rPr lang="en-US" smtClean="0"/>
+              <a:t>element</a:t>
+            </a:r>
+          </a:p>
+        </p:txBody>
+      </p:sp>
+      <p:sp>
+        <p:nvSpPr>
+          <p:cNvPr id="2" name="Slide Number Placeholder 1"/>
+          <p:cNvSpPr>
+            <a:spLocks noGrp="1"/>
+          </p:cNvSpPr>
+          <p:nvPr>
+            <p:ph type="sldNum" sz="quarter" idx="12"/>
+          </p:nvPr>
+        </p:nvSpPr>
+        <p:spPr/>
+        <p:txBody>
+          <a:bodyPr/>
+          <a:lstStyle/>
+          <a:p>
+            <a:fld id="{FF15AE15-FA3C-4B48-B58A-B66292DF158E}" type="slidenum">
+              <a:rPr lang="en-US" altLang="en-US" smtClean="0"/>
+              <a:pPr/>
+              <a:t>15</a:t>
+            </a:fld>
+            <a:endParaRPr lang="en-US" altLang="en-US"/>
+          </a:p>
+        </p:txBody>
+      </p:sp>
+    </p:spTree>
+    <p:extLst>
+      <p:ext uri="{BB962C8B-B14F-4D97-AF65-F5344CB8AC3E}">
+        <p14:creationId xmlns:p14="http://schemas.microsoft.com/office/powerpoint/2010/main" val="3766325880"/>
+      </p:ext>
+    </p:extLst>
+  </p:cSld>
+  <p:clrMapOvr>
+    <a:masterClrMapping/>
+  </p:clrMapOvr>
+  <p:timing>
+    <p:tnLst>
+      <p:par>
+        <p:cTn id="1" dur="indefinite" restart="never" nodeType="tmRoot"/>
+      </p:par>
+    </p:tnLst>
+  </p:timing>
+</p:sld>
+</file>
+
+<file path=ppt/slides/slide16.xml><?xml version="1.0" encoding="utf-8"?>
+<p:sld xmlns:a="http://schemas.openxmlformats.org/drawingml/2006/main" xmlns:r="http://schemas.openxmlformats.org/officeDocument/2006/relationships" xmlns:p="http://schemas.openxmlformats.org/presentationml/2006/main">
+  <p:cSld>
+    <p:spTree>
+      <p:nvGrpSpPr>
+        <p:cNvPr id="1" name=""/>
+        <p:cNvGrpSpPr/>
+        <p:nvPr/>
+      </p:nvGrpSpPr>
+      <p:grpSpPr>
+        <a:xfrm>
+          <a:off x="0" y="0"/>
+          <a:ext cx="0" cy="0"/>
+          <a:chOff x="0" y="0"/>
+          <a:chExt cx="0" cy="0"/>
+        </a:xfrm>
+      </p:grpSpPr>
+      <p:sp>
+        <p:nvSpPr>
+          <p:cNvPr id="30722" name="Rectangle 2"/>
+          <p:cNvSpPr>
+            <a:spLocks noGrp="1" noChangeArrowheads="1"/>
+          </p:cNvSpPr>
+          <p:nvPr>
+            <p:ph type="title"/>
+          </p:nvPr>
+        </p:nvSpPr>
+        <p:spPr/>
+        <p:txBody>
+          <a:bodyPr/>
+          <a:lstStyle/>
+          <a:p>
+            <a:r>
+              <a:rPr lang="en-US" smtClean="0"/>
+              <a:t>$unwind (contd)</a:t>
+            </a:r>
+            <a:endParaRPr lang="en-US" dirty="0"/>
+          </a:p>
+        </p:txBody>
+      </p:sp>
+      <p:sp>
+        <p:nvSpPr>
+          <p:cNvPr id="30723" name="Rectangle 3"/>
+          <p:cNvSpPr>
+            <a:spLocks noGrp="1" noChangeArrowheads="1"/>
+          </p:cNvSpPr>
+          <p:nvPr>
+            <p:ph type="body" idx="1"/>
+          </p:nvPr>
+        </p:nvSpPr>
+        <p:spPr>
+          <a:xfrm>
+            <a:off x="152400" y="1719263"/>
+            <a:ext cx="8534400" cy="4757737"/>
+          </a:xfrm>
+        </p:spPr>
+        <p:txBody>
+          <a:bodyPr/>
+          <a:lstStyle/>
+          <a:p>
+            <a:r>
+              <a:rPr lang="en-US" sz="2400" smtClean="0"/>
+              <a:t>Form:</a:t>
+            </a:r>
+          </a:p>
+          <a:p>
+            <a:pPr marL="0" indent="0">
+              <a:buNone/>
+            </a:pPr>
+            <a:r>
+              <a:rPr lang="en-US" sz="1800"/>
+              <a:t>{ </a:t>
+            </a:r>
+            <a:endParaRPr lang="en-US" sz="1800" smtClean="0"/>
+          </a:p>
+          <a:p>
+            <a:pPr marL="0" indent="0">
+              <a:buNone/>
+            </a:pPr>
+            <a:r>
+              <a:rPr lang="en-US" sz="1800"/>
+              <a:t>	</a:t>
+            </a:r>
+            <a:r>
+              <a:rPr lang="en-US" sz="1800" smtClean="0"/>
+              <a:t>$</a:t>
+            </a:r>
+            <a:r>
+              <a:rPr lang="en-US" sz="1800"/>
+              <a:t>unwind: { </a:t>
+            </a:r>
+            <a:endParaRPr lang="en-US" sz="1800" smtClean="0"/>
+          </a:p>
+          <a:p>
+            <a:pPr marL="349250" lvl="1" indent="0">
+              <a:buNone/>
+            </a:pPr>
+            <a:r>
+              <a:rPr lang="en-US" sz="1600" smtClean="0"/>
+              <a:t>		path</a:t>
+            </a:r>
+            <a:r>
+              <a:rPr lang="en-US" sz="1600"/>
+              <a:t>: &lt;</a:t>
+            </a:r>
+            <a:r>
+              <a:rPr lang="en-US" sz="1600" smtClean="0"/>
+              <a:t>field_path</a:t>
+            </a:r>
+            <a:r>
+              <a:rPr lang="en-US" sz="1600"/>
+              <a:t>&gt;, </a:t>
+            </a:r>
+            <a:endParaRPr lang="en-US" sz="1600" smtClean="0"/>
+          </a:p>
+          <a:p>
+            <a:pPr marL="349250" lvl="1" indent="0">
+              <a:buNone/>
+            </a:pPr>
+            <a:r>
+              <a:rPr lang="en-US" sz="1600" smtClean="0"/>
+              <a:t>		includeArrayIndex</a:t>
+            </a:r>
+            <a:r>
+              <a:rPr lang="en-US" sz="1600"/>
+              <a:t>: &lt;string&gt;, </a:t>
+            </a:r>
+            <a:endParaRPr lang="en-US" sz="1600" smtClean="0"/>
+          </a:p>
+          <a:p>
+            <a:pPr marL="349250" lvl="1" indent="0">
+              <a:buNone/>
+            </a:pPr>
+            <a:r>
+              <a:rPr lang="en-US" sz="1600" smtClean="0"/>
+              <a:t>		preserveNullAndEmptyArrays</a:t>
+            </a:r>
+            <a:r>
+              <a:rPr lang="en-US" sz="1600"/>
+              <a:t>: &lt;</a:t>
+            </a:r>
+            <a:r>
+              <a:rPr lang="en-US" sz="1600" b="1"/>
+              <a:t>boolean</a:t>
+            </a:r>
+            <a:r>
+              <a:rPr lang="en-US" sz="1600"/>
+              <a:t>&gt; </a:t>
+            </a:r>
+            <a:endParaRPr lang="en-US" sz="1600" smtClean="0"/>
+          </a:p>
+          <a:p>
+            <a:pPr marL="0" indent="0">
+              <a:buNone/>
+            </a:pPr>
+            <a:r>
+              <a:rPr lang="en-US" sz="1800" smtClean="0"/>
+              <a:t>	}</a:t>
+            </a:r>
+          </a:p>
+          <a:p>
+            <a:pPr marL="0" indent="0">
+              <a:buNone/>
+            </a:pPr>
+            <a:r>
+              <a:rPr lang="en-US" sz="1800" smtClean="0"/>
+              <a:t>}</a:t>
+            </a:r>
+            <a:endParaRPr lang="en-US" sz="2400"/>
+          </a:p>
+          <a:p>
+            <a:r>
+              <a:rPr lang="en-US" sz="2400" smtClean="0"/>
+              <a:t>path: path to array field</a:t>
+            </a:r>
+          </a:p>
+          <a:p>
+            <a:r>
+              <a:rPr lang="en-US" sz="2400" smtClean="0"/>
+              <a:t>includeArrayIndex: optional, name of the field which will hold value of current index in array</a:t>
+            </a:r>
+          </a:p>
+          <a:p>
+            <a:r>
+              <a:rPr lang="en-US" sz="2400" smtClean="0"/>
+              <a:t>preserveNullAndEmptyArrays: if</a:t>
+            </a:r>
+            <a:r>
+              <a:rPr lang="en-US" sz="2400" b="1" smtClean="0"/>
+              <a:t> true</a:t>
+            </a:r>
+            <a:r>
+              <a:rPr lang="en-US" sz="2400" smtClean="0"/>
+              <a:t>, in case that </a:t>
+            </a:r>
+            <a:r>
+              <a:rPr lang="en-US" sz="2400" i="1" smtClean="0"/>
+              <a:t>path</a:t>
+            </a:r>
+            <a:r>
+              <a:rPr lang="en-US" sz="2400" smtClean="0"/>
+              <a:t> is null or missing or point to an empty array, $unwind will output the document itself. If </a:t>
+            </a:r>
+            <a:r>
+              <a:rPr lang="en-US" sz="2400" b="1" smtClean="0"/>
+              <a:t>false</a:t>
+            </a:r>
+            <a:r>
+              <a:rPr lang="en-US" sz="2400" smtClean="0"/>
+              <a:t>, no document output</a:t>
+            </a:r>
+          </a:p>
+        </p:txBody>
+      </p:sp>
+      <p:sp>
+        <p:nvSpPr>
+          <p:cNvPr id="2" name="Slide Number Placeholder 1"/>
+          <p:cNvSpPr>
+            <a:spLocks noGrp="1"/>
+          </p:cNvSpPr>
+          <p:nvPr>
+            <p:ph type="sldNum" sz="quarter" idx="12"/>
+          </p:nvPr>
+        </p:nvSpPr>
+        <p:spPr/>
+        <p:txBody>
+          <a:bodyPr/>
+          <a:lstStyle/>
+          <a:p>
+            <a:fld id="{FF15AE15-FA3C-4B48-B58A-B66292DF158E}" type="slidenum">
+              <a:rPr lang="en-US" altLang="en-US" smtClean="0"/>
+              <a:pPr/>
+              <a:t>16</a:t>
+            </a:fld>
+            <a:endParaRPr lang="en-US" altLang="en-US"/>
+          </a:p>
+        </p:txBody>
+      </p:sp>
+    </p:spTree>
+    <p:extLst>
+      <p:ext uri="{BB962C8B-B14F-4D97-AF65-F5344CB8AC3E}">
+        <p14:creationId xmlns:p14="http://schemas.microsoft.com/office/powerpoint/2010/main" val="369916175"/>
+      </p:ext>
+    </p:extLst>
+  </p:cSld>
+  <p:clrMapOvr>
+    <a:masterClrMapping/>
+  </p:clrMapOvr>
+  <p:timing>
+    <p:tnLst>
+      <p:par>
+        <p:cTn id="1" dur="indefinite" restart="never" nodeType="tmRoot"/>
+      </p:par>
+    </p:tnLst>
+  </p:timing>
+</p:sld>
+</file>
+
+<file path=ppt/slides/slide17.xml><?xml version="1.0" encoding="utf-8"?>
+<p:sld xmlns:a="http://schemas.openxmlformats.org/drawingml/2006/main" xmlns:r="http://schemas.openxmlformats.org/officeDocument/2006/relationships" xmlns:p="http://schemas.openxmlformats.org/presentationml/2006/main">
+  <p:cSld>
+    <p:spTree>
+      <p:nvGrpSpPr>
+        <p:cNvPr id="1" name=""/>
+        <p:cNvGrpSpPr/>
+        <p:nvPr/>
+      </p:nvGrpSpPr>
+      <p:grpSpPr>
+        <a:xfrm>
+          <a:off x="0" y="0"/>
+          <a:ext cx="0" cy="0"/>
+          <a:chOff x="0" y="0"/>
+          <a:chExt cx="0" cy="0"/>
+        </a:xfrm>
+      </p:grpSpPr>
+      <p:sp>
+        <p:nvSpPr>
+          <p:cNvPr id="30722" name="Rectangle 2"/>
+          <p:cNvSpPr>
+            <a:spLocks noGrp="1" noChangeArrowheads="1"/>
+          </p:cNvSpPr>
+          <p:nvPr>
+            <p:ph type="title"/>
+          </p:nvPr>
+        </p:nvSpPr>
+        <p:spPr/>
+        <p:txBody>
+          <a:bodyPr/>
+          <a:lstStyle/>
+          <a:p>
+            <a:r>
+              <a:rPr lang="en-US" smtClean="0"/>
               <a:t>$group</a:t>
             </a:r>
             <a:endParaRPr lang="en-US" dirty="0"/>
@@ -12887,6 +13819,30 @@
               <a:t>{ $group: { _id: &lt;expression&gt;, &lt;field1&gt;: { &lt;accumulator1&gt; : &lt;expression1&gt; }, ... } }</a:t>
             </a:r>
             <a:endParaRPr lang="en-US" sz="2800" smtClean="0"/>
+          </a:p>
+        </p:txBody>
+      </p:sp>
+      <p:sp>
+        <p:nvSpPr>
+          <p:cNvPr id="2" name="Slide Number Placeholder 1"/>
+          <p:cNvSpPr>
+            <a:spLocks noGrp="1"/>
+          </p:cNvSpPr>
+          <p:nvPr>
+            <p:ph type="sldNum" sz="quarter" idx="12"/>
+          </p:nvPr>
+        </p:nvSpPr>
+        <p:spPr/>
+        <p:txBody>
+          <a:bodyPr/>
+          <a:lstStyle/>
+          <a:p>
+            <a:fld id="{FF15AE15-FA3C-4B48-B58A-B66292DF158E}" type="slidenum">
+              <a:rPr lang="en-US" altLang="en-US" smtClean="0"/>
+              <a:pPr/>
+              <a:t>17</a:t>
+            </a:fld>
+            <a:endParaRPr lang="en-US" altLang="en-US"/>
           </a:p>
         </p:txBody>
       </p:sp>
@@ -12910,7 +13866,7 @@
 </p:sld>
 </file>
 
-<file path=ppt/slides/slide16.xml><?xml version="1.0" encoding="utf-8"?>
+<file path=ppt/slides/slide18.xml><?xml version="1.0" encoding="utf-8"?>
 <p:sld xmlns:a="http://schemas.openxmlformats.org/drawingml/2006/main" xmlns:r="http://schemas.openxmlformats.org/officeDocument/2006/relationships" xmlns:p="http://schemas.openxmlformats.org/presentationml/2006/main">
   <p:cSld>
     <p:spTree>
@@ -13331,220 +14287,34 @@
           </a:graphicData>
         </a:graphic>
       </p:graphicFrame>
+      <p:sp>
+        <p:nvSpPr>
+          <p:cNvPr id="3" name="Slide Number Placeholder 2"/>
+          <p:cNvSpPr>
+            <a:spLocks noGrp="1"/>
+          </p:cNvSpPr>
+          <p:nvPr>
+            <p:ph type="sldNum" sz="quarter" idx="12"/>
+          </p:nvPr>
+        </p:nvSpPr>
+        <p:spPr/>
+        <p:txBody>
+          <a:bodyPr/>
+          <a:lstStyle/>
+          <a:p>
+            <a:fld id="{FF15AE15-FA3C-4B48-B58A-B66292DF158E}" type="slidenum">
+              <a:rPr lang="en-US" altLang="en-US" smtClean="0"/>
+              <a:pPr/>
+              <a:t>18</a:t>
+            </a:fld>
+            <a:endParaRPr lang="en-US" altLang="en-US"/>
+          </a:p>
+        </p:txBody>
+      </p:sp>
     </p:spTree>
     <p:extLst>
       <p:ext uri="{BB962C8B-B14F-4D97-AF65-F5344CB8AC3E}">
         <p14:creationId xmlns:p14="http://schemas.microsoft.com/office/powerpoint/2010/main" val="1438164772"/>
-      </p:ext>
-    </p:extLst>
-  </p:cSld>
-  <p:clrMapOvr>
-    <a:masterClrMapping/>
-  </p:clrMapOvr>
-  <p:timing>
-    <p:tnLst>
-      <p:par>
-        <p:cTn id="1" dur="indefinite" restart="never" nodeType="tmRoot"/>
-      </p:par>
-    </p:tnLst>
-  </p:timing>
-</p:sld>
-</file>
-
-<file path=ppt/slides/slide17.xml><?xml version="1.0" encoding="utf-8"?>
-<p:sld xmlns:a="http://schemas.openxmlformats.org/drawingml/2006/main" xmlns:r="http://schemas.openxmlformats.org/officeDocument/2006/relationships" xmlns:p="http://schemas.openxmlformats.org/presentationml/2006/main">
-  <p:cSld>
-    <p:spTree>
-      <p:nvGrpSpPr>
-        <p:cNvPr id="1" name=""/>
-        <p:cNvGrpSpPr/>
-        <p:nvPr/>
-      </p:nvGrpSpPr>
-      <p:grpSpPr>
-        <a:xfrm>
-          <a:off x="0" y="0"/>
-          <a:ext cx="0" cy="0"/>
-          <a:chOff x="0" y="0"/>
-          <a:chExt cx="0" cy="0"/>
-        </a:xfrm>
-      </p:grpSpPr>
-      <p:sp>
-        <p:nvSpPr>
-          <p:cNvPr id="30722" name="Rectangle 2"/>
-          <p:cNvSpPr>
-            <a:spLocks noGrp="1" noChangeArrowheads="1"/>
-          </p:cNvSpPr>
-          <p:nvPr>
-            <p:ph type="title"/>
-          </p:nvPr>
-        </p:nvSpPr>
-        <p:spPr/>
-        <p:txBody>
-          <a:bodyPr/>
-          <a:lstStyle/>
-          <a:p>
-            <a:r>
-              <a:rPr lang="en-US" smtClean="0"/>
-              <a:t>$group (contd2)</a:t>
-            </a:r>
-            <a:endParaRPr lang="en-US" dirty="0"/>
-          </a:p>
-        </p:txBody>
-      </p:sp>
-      <p:sp>
-        <p:nvSpPr>
-          <p:cNvPr id="30723" name="Rectangle 3"/>
-          <p:cNvSpPr>
-            <a:spLocks noGrp="1" noChangeArrowheads="1"/>
-          </p:cNvSpPr>
-          <p:nvPr>
-            <p:ph type="body" idx="1"/>
-          </p:nvPr>
-        </p:nvSpPr>
-        <p:spPr>
-          <a:xfrm>
-            <a:off x="457200" y="1719263"/>
-            <a:ext cx="8229600" cy="4302125"/>
-          </a:xfrm>
-        </p:spPr>
-        <p:txBody>
-          <a:bodyPr/>
-          <a:lstStyle/>
-          <a:p>
-            <a:r>
-              <a:rPr lang="en-US" sz="2800" smtClean="0"/>
-              <a:t>$group has a limit of 100MB of RAM. =&gt; To process large dataset, MongoDB allows write temporary files by enable </a:t>
-            </a:r>
-            <a:r>
-              <a:rPr lang="en-US" sz="2800" b="1" smtClean="0"/>
-              <a:t>allowDiskUse</a:t>
-            </a:r>
-            <a:endParaRPr lang="en-US" sz="2800" smtClean="0"/>
-          </a:p>
-        </p:txBody>
-      </p:sp>
-    </p:spTree>
-    <p:extLst>
-      <p:ext uri="{BB962C8B-B14F-4D97-AF65-F5344CB8AC3E}">
-        <p14:creationId xmlns:p14="http://schemas.microsoft.com/office/powerpoint/2010/main" val="4180016494"/>
-      </p:ext>
-    </p:extLst>
-  </p:cSld>
-  <p:clrMapOvr>
-    <a:masterClrMapping/>
-  </p:clrMapOvr>
-  <p:timing>
-    <p:tnLst>
-      <p:par>
-        <p:cTn id="1" dur="indefinite" restart="never" nodeType="tmRoot"/>
-      </p:par>
-    </p:tnLst>
-  </p:timing>
-</p:sld>
-</file>
-
-<file path=ppt/slides/slide18.xml><?xml version="1.0" encoding="utf-8"?>
-<p:sld xmlns:a="http://schemas.openxmlformats.org/drawingml/2006/main" xmlns:r="http://schemas.openxmlformats.org/officeDocument/2006/relationships" xmlns:p="http://schemas.openxmlformats.org/presentationml/2006/main">
-  <p:cSld>
-    <p:spTree>
-      <p:nvGrpSpPr>
-        <p:cNvPr id="1" name=""/>
-        <p:cNvGrpSpPr/>
-        <p:nvPr/>
-      </p:nvGrpSpPr>
-      <p:grpSpPr>
-        <a:xfrm>
-          <a:off x="0" y="0"/>
-          <a:ext cx="0" cy="0"/>
-          <a:chOff x="0" y="0"/>
-          <a:chExt cx="0" cy="0"/>
-        </a:xfrm>
-      </p:grpSpPr>
-      <p:sp>
-        <p:nvSpPr>
-          <p:cNvPr id="30722" name="Rectangle 2"/>
-          <p:cNvSpPr>
-            <a:spLocks noGrp="1" noChangeArrowheads="1"/>
-          </p:cNvSpPr>
-          <p:nvPr>
-            <p:ph type="title"/>
-          </p:nvPr>
-        </p:nvSpPr>
-        <p:spPr/>
-        <p:txBody>
-          <a:bodyPr/>
-          <a:lstStyle/>
-          <a:p>
-            <a:r>
-              <a:rPr lang="en-US" smtClean="0"/>
-              <a:t>$sample</a:t>
-            </a:r>
-            <a:endParaRPr lang="en-US" dirty="0"/>
-          </a:p>
-        </p:txBody>
-      </p:sp>
-      <p:sp>
-        <p:nvSpPr>
-          <p:cNvPr id="30723" name="Rectangle 3"/>
-          <p:cNvSpPr>
-            <a:spLocks noGrp="1" noChangeArrowheads="1"/>
-          </p:cNvSpPr>
-          <p:nvPr>
-            <p:ph type="body" idx="1"/>
-          </p:nvPr>
-        </p:nvSpPr>
-        <p:spPr>
-          <a:xfrm>
-            <a:off x="457200" y="1719263"/>
-            <a:ext cx="8229600" cy="4302125"/>
-          </a:xfrm>
-        </p:spPr>
-        <p:txBody>
-          <a:bodyPr/>
-          <a:lstStyle/>
-          <a:p>
-            <a:r>
-              <a:rPr lang="en-US"/>
-              <a:t>Randomly selects the specified number of documents from its input</a:t>
-            </a:r>
-            <a:r>
-              <a:rPr lang="en-US" smtClean="0"/>
-              <a:t>.</a:t>
-            </a:r>
-          </a:p>
-          <a:p>
-            <a:r>
-              <a:rPr lang="en-US" smtClean="0"/>
-              <a:t>Form:</a:t>
-            </a:r>
-            <a:br>
-              <a:rPr lang="en-US" smtClean="0"/>
-            </a:br>
-            <a:r>
-              <a:rPr lang="en-US" sz="2400"/>
-              <a:t>{ $sample: { size: </a:t>
-            </a:r>
-            <a:r>
-              <a:rPr lang="en-US" sz="2400" smtClean="0"/>
-              <a:t>N} }</a:t>
-            </a:r>
-          </a:p>
-          <a:p>
-            <a:pPr marL="0" indent="0">
-              <a:buNone/>
-            </a:pPr>
-            <a:r>
-              <a:rPr lang="en-US" sz="2400" smtClean="0"/>
-              <a:t>N is a positive integer</a:t>
-            </a:r>
-            <a:endParaRPr lang="en-US" smtClean="0"/>
-          </a:p>
-        </p:txBody>
-      </p:sp>
-    </p:spTree>
-    <p:extLst>
-      <p:ext uri="{BB962C8B-B14F-4D97-AF65-F5344CB8AC3E}">
-        <p14:creationId xmlns:p14="http://schemas.microsoft.com/office/powerpoint/2010/main" val="815434512"/>
       </p:ext>
     </p:extLst>
   </p:cSld>
@@ -13595,7 +14365,7 @@
           <a:p>
             <a:r>
               <a:rPr lang="en-US" smtClean="0"/>
-              <a:t>$sort</a:t>
+              <a:t>$group (contd2)</a:t>
             </a:r>
             <a:endParaRPr lang="en-US" dirty="0"/>
           </a:p>
@@ -13622,48 +14392,45 @@
           <a:lstStyle/>
           <a:p>
             <a:r>
-              <a:rPr lang="en-US"/>
-              <a:t>Sorts all input documents and returns them to the pipeline in sorted order</a:t>
-            </a:r>
-            <a:r>
-              <a:rPr lang="en-US" smtClean="0"/>
-              <a:t>.</a:t>
-            </a:r>
-          </a:p>
-          <a:p>
-            <a:r>
-              <a:rPr lang="en-US" smtClean="0"/>
-              <a:t>Form:</a:t>
-            </a:r>
-            <a:br>
-              <a:rPr lang="en-US" smtClean="0"/>
-            </a:br>
-            <a:r>
-              <a:rPr lang="en-US" sz="2000"/>
-              <a:t>{ $sort: { &lt;field1&gt;: &lt;sort order&gt;, &lt;field2&gt;: &lt;sort order&gt; ... } </a:t>
-            </a:r>
-            <a:r>
-              <a:rPr lang="en-US" sz="2000" smtClean="0"/>
-              <a:t>}</a:t>
-            </a:r>
-            <a:endParaRPr lang="en-US" smtClean="0"/>
-          </a:p>
-          <a:p>
-            <a:pPr marL="0" indent="0">
-              <a:buNone/>
-            </a:pPr>
-            <a:r>
-              <a:rPr lang="en-US" smtClean="0"/>
-              <a:t>Sort order can be 1 (ASC) or -1 (DESC)</a:t>
-            </a:r>
-            <a:endParaRPr lang="en-US" dirty="0"/>
+              <a:rPr lang="en-US" sz="2800" smtClean="0"/>
+              <a:t>$group has a limit of 100MB of RAM. =&gt; To process large dataset, MongoDB allows write temporary files by enable </a:t>
+            </a:r>
+            <a:r>
+              <a:rPr lang="en-US" sz="2800" b="1" smtClean="0"/>
+              <a:t>allowDiskUse</a:t>
+            </a:r>
+            <a:endParaRPr lang="en-US" sz="2800" smtClean="0"/>
+          </a:p>
+        </p:txBody>
+      </p:sp>
+      <p:sp>
+        <p:nvSpPr>
+          <p:cNvPr id="2" name="Slide Number Placeholder 1"/>
+          <p:cNvSpPr>
+            <a:spLocks noGrp="1"/>
+          </p:cNvSpPr>
+          <p:nvPr>
+            <p:ph type="sldNum" sz="quarter" idx="12"/>
+          </p:nvPr>
+        </p:nvSpPr>
+        <p:spPr/>
+        <p:txBody>
+          <a:bodyPr/>
+          <a:lstStyle/>
+          <a:p>
+            <a:fld id="{FF15AE15-FA3C-4B48-B58A-B66292DF158E}" type="slidenum">
+              <a:rPr lang="en-US" altLang="en-US" smtClean="0"/>
+              <a:pPr/>
+              <a:t>19</a:t>
+            </a:fld>
+            <a:endParaRPr lang="en-US" altLang="en-US"/>
           </a:p>
         </p:txBody>
       </p:sp>
     </p:spTree>
     <p:extLst>
       <p:ext uri="{BB962C8B-B14F-4D97-AF65-F5344CB8AC3E}">
-        <p14:creationId xmlns:p14="http://schemas.microsoft.com/office/powerpoint/2010/main" val="3843389033"/>
+        <p14:creationId xmlns:p14="http://schemas.microsoft.com/office/powerpoint/2010/main" val="4180016494"/>
       </p:ext>
     </p:extLst>
   </p:cSld>
@@ -13741,26 +14508,22 @@
           <a:lstStyle/>
           <a:p>
             <a:r>
-              <a:rPr lang="en-US"/>
+              <a:rPr lang="en-US" dirty="0"/>
               <a:t>Purpose: </a:t>
             </a:r>
             <a:r>
-              <a:rPr lang="en-US" sz="3200"/>
-              <a:t>Modifies an existing document or documents in </a:t>
-            </a:r>
-            <a:r>
-              <a:rPr lang="en-US" sz="3200"/>
-              <a:t>a </a:t>
-            </a:r>
-            <a:r>
-              <a:rPr lang="en-US" sz="3200" smtClean="0"/>
+              <a:rPr lang="en-US" sz="3200" dirty="0"/>
+              <a:t>Modifies an existing document or documents in a </a:t>
+            </a:r>
+            <a:r>
+              <a:rPr lang="en-US" sz="3200" dirty="0" smtClean="0"/>
               <a:t>collection</a:t>
             </a:r>
-            <a:endParaRPr lang="en-US" smtClean="0"/>
-          </a:p>
-          <a:p>
-            <a:r>
-              <a:rPr lang="en-US" smtClean="0"/>
+            <a:endParaRPr lang="en-US" dirty="0" smtClean="0"/>
+          </a:p>
+          <a:p>
+            <a:r>
+              <a:rPr lang="en-US" dirty="0" smtClean="0"/>
               <a:t>Syntax:</a:t>
             </a:r>
           </a:p>
@@ -13769,61 +14532,93 @@
               <a:buNone/>
             </a:pPr>
             <a:r>
-              <a:rPr lang="en-US" sz="2400" smtClean="0"/>
-              <a:t>db.collectionName.update(</a:t>
-            </a:r>
-            <a:r>
-              <a:rPr lang="en-US" sz="2400" b="1" smtClean="0"/>
+              <a:rPr lang="en-US" sz="2400" dirty="0" err="1" smtClean="0"/>
+              <a:t>db.collectionName.update</a:t>
+            </a:r>
+            <a:r>
+              <a:rPr lang="en-US" sz="2400" dirty="0" smtClean="0"/>
+              <a:t>(</a:t>
+            </a:r>
+            <a:r>
+              <a:rPr lang="en-US" sz="2400" b="1" dirty="0" smtClean="0"/>
               <a:t>query</a:t>
             </a:r>
             <a:r>
-              <a:rPr lang="en-US" sz="2400" b="1"/>
+              <a:rPr lang="en-US" sz="2400" b="1" dirty="0"/>
               <a:t>, update, options</a:t>
             </a:r>
             <a:r>
-              <a:rPr lang="en-US" sz="2400"/>
+              <a:rPr lang="en-US" sz="2400" dirty="0"/>
               <a:t>)</a:t>
             </a:r>
-            <a:endParaRPr lang="en-US" sz="2400" smtClean="0"/>
-          </a:p>
-          <a:p>
-            <a:r>
-              <a:rPr lang="en-US" sz="2000" i="1" smtClean="0"/>
-              <a:t>query: a document, selection criterias for the update, like in find()</a:t>
-            </a:r>
-          </a:p>
-          <a:p>
-            <a:r>
-              <a:rPr lang="en-US" sz="2000" i="1" smtClean="0"/>
+            <a:endParaRPr lang="en-US" sz="2400" dirty="0" smtClean="0"/>
+          </a:p>
+          <a:p>
+            <a:r>
+              <a:rPr lang="en-US" sz="2000" i="1" dirty="0" smtClean="0"/>
+              <a:t>query: a document, selection criteria for the update, like in find()</a:t>
+            </a:r>
+          </a:p>
+          <a:p>
+            <a:r>
+              <a:rPr lang="en-US" sz="2000" i="1" dirty="0" smtClean="0"/>
               <a:t>update: a document, the changes being made</a:t>
             </a:r>
           </a:p>
           <a:p>
             <a:r>
-              <a:rPr lang="en-US" sz="2000" i="1" smtClean="0"/>
+              <a:rPr lang="en-US" sz="2000" i="1" dirty="0" smtClean="0"/>
               <a:t>options: a document, provide some options such as </a:t>
             </a:r>
             <a:r>
-              <a:rPr lang="en-US" sz="2000" b="1" i="1" smtClean="0"/>
-              <a:t>upsert </a:t>
-            </a:r>
-            <a:r>
-              <a:rPr lang="en-US" sz="2000" i="1" smtClean="0"/>
-              <a:t>(create new document if query return no document), </a:t>
-            </a:r>
-            <a:r>
-              <a:rPr lang="en-US" sz="2000" b="1" i="1" smtClean="0"/>
+              <a:rPr lang="en-US" sz="2000" b="1" i="1" dirty="0" err="1" smtClean="0"/>
+              <a:t>upsert</a:t>
+            </a:r>
+            <a:r>
+              <a:rPr lang="en-US" sz="2000" b="1" i="1" dirty="0" smtClean="0"/>
+              <a:t> </a:t>
+            </a:r>
+            <a:r>
+              <a:rPr lang="en-US" sz="2000" i="1" dirty="0" smtClean="0"/>
+              <a:t>(create new document if query returns no document), </a:t>
+            </a:r>
+            <a:r>
+              <a:rPr lang="en-US" sz="2000" b="1" i="1" dirty="0" smtClean="0"/>
               <a:t>multi</a:t>
             </a:r>
             <a:r>
-              <a:rPr lang="en-US" sz="2000" i="1" smtClean="0"/>
-              <a:t> (if query return multiple document, update all</a:t>
-            </a:r>
-            <a:r>
-              <a:rPr lang="en-US" i="1" smtClean="0"/>
+              <a:rPr lang="en-US" sz="2000" i="1" dirty="0" smtClean="0"/>
+              <a:t> (if query returns multiple document, update all</a:t>
+            </a:r>
+            <a:r>
+              <a:rPr lang="en-US" i="1" dirty="0" smtClean="0"/>
               <a:t>)</a:t>
             </a:r>
             <a:endParaRPr lang="en-US" i="1" dirty="0"/>
+          </a:p>
+        </p:txBody>
+      </p:sp>
+      <p:sp>
+        <p:nvSpPr>
+          <p:cNvPr id="2" name="Slide Number Placeholder 1"/>
+          <p:cNvSpPr>
+            <a:spLocks noGrp="1"/>
+          </p:cNvSpPr>
+          <p:nvPr>
+            <p:ph type="sldNum" sz="quarter" idx="12"/>
+          </p:nvPr>
+        </p:nvSpPr>
+        <p:spPr/>
+        <p:txBody>
+          <a:bodyPr/>
+          <a:lstStyle/>
+          <a:p>
+            <a:fld id="{FF15AE15-FA3C-4B48-B58A-B66292DF158E}" type="slidenum">
+              <a:rPr lang="en-US" altLang="en-US" smtClean="0"/>
+              <a:pPr/>
+              <a:t>2</a:t>
+            </a:fld>
+            <a:endParaRPr lang="en-US" altLang="en-US"/>
           </a:p>
         </p:txBody>
       </p:sp>
@@ -13881,7 +14676,7 @@
           <a:p>
             <a:r>
               <a:rPr lang="en-US" smtClean="0"/>
-              <a:t>$lookup</a:t>
+              <a:t>$sample</a:t>
             </a:r>
             <a:endParaRPr lang="en-US" dirty="0"/>
           </a:p>
@@ -13909,25 +14704,7 @@
           <a:p>
             <a:r>
               <a:rPr lang="en-US"/>
-              <a:t>Performs a left outer join to an unsharded collection in the </a:t>
-            </a:r>
-            <a:r>
-              <a:rPr lang="en-US" i="1"/>
-              <a:t>same</a:t>
-            </a:r>
-            <a:r>
-              <a:rPr lang="en-US"/>
-              <a:t> database to filter in documents from the “joined” collection for </a:t>
-            </a:r>
-            <a:r>
-              <a:rPr lang="en-US" smtClean="0"/>
-              <a:t>processing</a:t>
-            </a:r>
-          </a:p>
-          <a:p>
-            <a:r>
-              <a:rPr lang="en-US"/>
-              <a:t>The $lookup stage does an equality match between a field from the input documents with a field from the documents of the “joined” collection</a:t>
+              <a:t>Randomly selects the specified number of documents from its input</a:t>
             </a:r>
             <a:r>
               <a:rPr lang="en-US" smtClean="0"/>
@@ -13937,16 +14714,60 @@
           <a:p>
             <a:r>
               <a:rPr lang="en-US" smtClean="0"/>
-              <a:t>$lookup add a new field (type=array) to the original document</a:t>
-            </a:r>
-            <a:endParaRPr lang="en-US" dirty="0"/>
+              <a:t>Form:</a:t>
+            </a:r>
+            <a:br>
+              <a:rPr lang="en-US" smtClean="0"/>
+            </a:br>
+            <a:r>
+              <a:rPr lang="en-US" sz="2400"/>
+              <a:t>{ $sample: { size: </a:t>
+            </a:r>
+            <a:r>
+              <a:rPr lang="en-US" sz="2400" smtClean="0"/>
+              <a:t>N} }</a:t>
+            </a:r>
+          </a:p>
+          <a:p>
+            <a:pPr marL="0" indent="0">
+              <a:buNone/>
+            </a:pPr>
+            <a:r>
+              <a:rPr lang="en-US" sz="2400" smtClean="0"/>
+              <a:t>N is a positive integer</a:t>
+            </a:r>
+            <a:endParaRPr lang="en-US" smtClean="0"/>
+          </a:p>
+        </p:txBody>
+      </p:sp>
+      <p:sp>
+        <p:nvSpPr>
+          <p:cNvPr id="2" name="Slide Number Placeholder 1"/>
+          <p:cNvSpPr>
+            <a:spLocks noGrp="1"/>
+          </p:cNvSpPr>
+          <p:nvPr>
+            <p:ph type="sldNum" sz="quarter" idx="12"/>
+          </p:nvPr>
+        </p:nvSpPr>
+        <p:spPr/>
+        <p:txBody>
+          <a:bodyPr/>
+          <a:lstStyle/>
+          <a:p>
+            <a:fld id="{FF15AE15-FA3C-4B48-B58A-B66292DF158E}" type="slidenum">
+              <a:rPr lang="en-US" altLang="en-US" smtClean="0"/>
+              <a:pPr/>
+              <a:t>20</a:t>
+            </a:fld>
+            <a:endParaRPr lang="en-US" altLang="en-US"/>
           </a:p>
         </p:txBody>
       </p:sp>
     </p:spTree>
     <p:extLst>
       <p:ext uri="{BB962C8B-B14F-4D97-AF65-F5344CB8AC3E}">
-        <p14:creationId xmlns:p14="http://schemas.microsoft.com/office/powerpoint/2010/main" val="764259246"/>
+        <p14:creationId xmlns:p14="http://schemas.microsoft.com/office/powerpoint/2010/main" val="815434512"/>
       </p:ext>
     </p:extLst>
   </p:cSld>
@@ -13997,7 +14818,7 @@
           <a:p>
             <a:r>
               <a:rPr lang="en-US" smtClean="0"/>
-              <a:t>$lookup (contd.)</a:t>
+              <a:t>$sort</a:t>
             </a:r>
             <a:endParaRPr lang="en-US" dirty="0"/>
           </a:p>
@@ -14024,153 +14845,72 @@
           <a:lstStyle/>
           <a:p>
             <a:r>
+              <a:rPr lang="en-US"/>
+              <a:t>Sorts all input documents and returns them to the pipeline in sorted order</a:t>
+            </a:r>
+            <a:r>
+              <a:rPr lang="en-US" smtClean="0"/>
+              <a:t>.</a:t>
+            </a:r>
+          </a:p>
+          <a:p>
+            <a:r>
               <a:rPr lang="en-US" smtClean="0"/>
               <a:t>Form:</a:t>
             </a:r>
+            <a:br>
+              <a:rPr lang="en-US" smtClean="0"/>
+            </a:br>
+            <a:r>
+              <a:rPr lang="en-US" sz="2000"/>
+              <a:t>{ $sort: { &lt;field1&gt;: &lt;sort order&gt;, &lt;field2&gt;: &lt;sort order&gt; ... } </a:t>
+            </a:r>
+            <a:r>
+              <a:rPr lang="en-US" sz="2000" smtClean="0"/>
+              <a:t>}</a:t>
+            </a:r>
+            <a:endParaRPr lang="en-US" smtClean="0"/>
           </a:p>
           <a:p>
             <a:pPr marL="0" indent="0">
               <a:buNone/>
             </a:pPr>
             <a:r>
-              <a:rPr lang="en-US" sz="2000"/>
-              <a:t>{ </a:t>
-            </a:r>
-            <a:endParaRPr lang="en-US" sz="2000" smtClean="0"/>
-          </a:p>
-          <a:p>
-            <a:pPr marL="0" indent="0">
-              <a:buNone/>
-            </a:pPr>
-            <a:r>
-              <a:rPr lang="en-US" sz="2000"/>
-              <a:t>	</a:t>
-            </a:r>
-            <a:r>
-              <a:rPr lang="en-US" sz="2000" smtClean="0"/>
-              <a:t>$</a:t>
-            </a:r>
-            <a:r>
-              <a:rPr lang="en-US" sz="2000"/>
-              <a:t>lookup: { </a:t>
-            </a:r>
-            <a:endParaRPr lang="en-US" sz="2000" smtClean="0"/>
-          </a:p>
-          <a:p>
-            <a:pPr marL="0" indent="0">
-              <a:buNone/>
-            </a:pPr>
-            <a:r>
-              <a:rPr lang="en-US" sz="2000"/>
-              <a:t>	</a:t>
-            </a:r>
-            <a:r>
-              <a:rPr lang="en-US" sz="2000" smtClean="0"/>
-              <a:t>	from</a:t>
-            </a:r>
-            <a:r>
-              <a:rPr lang="en-US" sz="2000"/>
-              <a:t>: </a:t>
-            </a:r>
-            <a:r>
-              <a:rPr lang="en-US" sz="2000" smtClean="0"/>
-              <a:t>&lt;targetCollection&gt;,</a:t>
-            </a:r>
-          </a:p>
-          <a:p>
-            <a:pPr marL="0" indent="0">
-              <a:buNone/>
-            </a:pPr>
-            <a:r>
-              <a:rPr lang="en-US" sz="2000"/>
-              <a:t>	</a:t>
-            </a:r>
-            <a:r>
-              <a:rPr lang="en-US" sz="2000" smtClean="0"/>
-              <a:t>	localField</a:t>
-            </a:r>
-            <a:r>
-              <a:rPr lang="en-US" sz="2000"/>
-              <a:t>: </a:t>
-            </a:r>
-            <a:r>
-              <a:rPr lang="en-US" sz="2000" smtClean="0"/>
-              <a:t>&lt;foreignKey&gt;, </a:t>
-            </a:r>
-          </a:p>
-          <a:p>
-            <a:pPr marL="0" indent="0">
-              <a:buNone/>
-            </a:pPr>
-            <a:r>
-              <a:rPr lang="en-US" sz="2000"/>
-              <a:t>	</a:t>
-            </a:r>
-            <a:r>
-              <a:rPr lang="en-US" sz="2000" smtClean="0"/>
-              <a:t>	foreignField</a:t>
-            </a:r>
-            <a:r>
-              <a:rPr lang="en-US" sz="2000"/>
-              <a:t>: </a:t>
-            </a:r>
-            <a:r>
-              <a:rPr lang="en-US" sz="2000" smtClean="0"/>
-              <a:t>&lt;keyInTargetCollection&gt;, </a:t>
-            </a:r>
-          </a:p>
-          <a:p>
-            <a:pPr marL="0" indent="0">
-              <a:buNone/>
-            </a:pPr>
-            <a:r>
-              <a:rPr lang="en-US" sz="2000"/>
-              <a:t>	</a:t>
-            </a:r>
-            <a:r>
-              <a:rPr lang="en-US" sz="2000" smtClean="0"/>
-              <a:t>	as</a:t>
-            </a:r>
-            <a:r>
-              <a:rPr lang="en-US" sz="2000"/>
-              <a:t>: </a:t>
-            </a:r>
-            <a:r>
-              <a:rPr lang="en-US" sz="2000" smtClean="0"/>
-              <a:t>&lt;fieldname&gt; </a:t>
-            </a:r>
-          </a:p>
-          <a:p>
-            <a:pPr marL="0" indent="0">
-              <a:buNone/>
-            </a:pPr>
-            <a:r>
-              <a:rPr lang="en-US" sz="2000" smtClean="0"/>
-              <a:t>	}</a:t>
-            </a:r>
-          </a:p>
-          <a:p>
-            <a:pPr marL="0" indent="0">
-              <a:buNone/>
-            </a:pPr>
-            <a:r>
-              <a:rPr lang="en-US" sz="2000" smtClean="0"/>
-              <a:t>}</a:t>
-            </a:r>
-            <a:endParaRPr lang="en-US" smtClean="0"/>
-          </a:p>
-          <a:p>
-            <a:pPr marL="0" indent="0">
-              <a:buNone/>
-            </a:pPr>
+              <a:rPr lang="en-US" smtClean="0"/>
+              <a:t>Sort order can be 1 (ASC) or -1 (DESC)</a:t>
+            </a:r>
             <a:endParaRPr lang="en-US" dirty="0"/>
+          </a:p>
+        </p:txBody>
+      </p:sp>
+      <p:sp>
+        <p:nvSpPr>
+          <p:cNvPr id="2" name="Slide Number Placeholder 1"/>
+          <p:cNvSpPr>
+            <a:spLocks noGrp="1"/>
+          </p:cNvSpPr>
+          <p:nvPr>
+            <p:ph type="sldNum" sz="quarter" idx="12"/>
+          </p:nvPr>
+        </p:nvSpPr>
+        <p:spPr/>
+        <p:txBody>
+          <a:bodyPr/>
+          <a:lstStyle/>
+          <a:p>
+            <a:fld id="{FF15AE15-FA3C-4B48-B58A-B66292DF158E}" type="slidenum">
+              <a:rPr lang="en-US" altLang="en-US" smtClean="0"/>
+              <a:pPr/>
+              <a:t>21</a:t>
+            </a:fld>
+            <a:endParaRPr lang="en-US" altLang="en-US"/>
           </a:p>
         </p:txBody>
       </p:sp>
     </p:spTree>
     <p:extLst>
       <p:ext uri="{BB962C8B-B14F-4D97-AF65-F5344CB8AC3E}">
-        <p14:creationId xmlns:p14="http://schemas.microsoft.com/office/powerpoint/2010/main" val="1567004529"/>
+        <p14:creationId xmlns:p14="http://schemas.microsoft.com/office/powerpoint/2010/main" val="3843389033"/>
       </p:ext>
     </p:extLst>
   </p:cSld>
@@ -14221,7 +14961,7 @@
           <a:p>
             <a:r>
               <a:rPr lang="en-US" smtClean="0"/>
-              <a:t>$lookup (contd2.)</a:t>
+              <a:t>$lookup</a:t>
             </a:r>
             <a:endParaRPr lang="en-US" dirty="0"/>
           </a:p>
@@ -14248,109 +14988,69 @@
           <a:lstStyle/>
           <a:p>
             <a:r>
+              <a:rPr lang="en-US"/>
+              <a:t>Performs a left outer join to an unsharded collection in the </a:t>
+            </a:r>
+            <a:r>
+              <a:rPr lang="en-US" i="1"/>
+              <a:t>same</a:t>
+            </a:r>
+            <a:r>
+              <a:rPr lang="en-US"/>
+              <a:t> database to filter in documents from the “joined” collection for </a:t>
+            </a:r>
+            <a:r>
               <a:rPr lang="en-US" smtClean="0"/>
-              <a:t>Form:</a:t>
-            </a:r>
-          </a:p>
-          <a:p>
-            <a:pPr marL="0" indent="0">
-              <a:buNone/>
-            </a:pPr>
-            <a:r>
-              <a:rPr lang="en-US" sz="2000" b="1" smtClean="0"/>
-              <a:t>from</a:t>
-            </a:r>
-            <a:r>
-              <a:rPr lang="en-US" sz="2000" smtClean="0"/>
-              <a:t>: </a:t>
-            </a:r>
-            <a:r>
-              <a:rPr lang="en-US" sz="2000"/>
-              <a:t>Specifies the collection in the </a:t>
-            </a:r>
-            <a:r>
-              <a:rPr lang="en-US" sz="2000" i="1"/>
-              <a:t>same</a:t>
-            </a:r>
-            <a:r>
-              <a:rPr lang="en-US" sz="2000"/>
-              <a:t> database to perform the join </a:t>
-            </a:r>
-            <a:r>
-              <a:rPr lang="en-US" sz="2000" smtClean="0"/>
-              <a:t>with</a:t>
-            </a:r>
-          </a:p>
-          <a:p>
-            <a:pPr marL="0" indent="0">
-              <a:buNone/>
-            </a:pPr>
-            <a:r>
-              <a:rPr lang="en-US" sz="2000" b="1" smtClean="0"/>
-              <a:t>localField</a:t>
-            </a:r>
-            <a:r>
-              <a:rPr lang="en-US" sz="2000" smtClean="0"/>
-              <a:t>: </a:t>
-            </a:r>
-            <a:r>
-              <a:rPr lang="en-US" sz="2000"/>
-              <a:t>Specifies the field from the documents input to the $lookup </a:t>
-            </a:r>
-            <a:r>
-              <a:rPr lang="en-US" sz="2000" smtClean="0"/>
-              <a:t>stage</a:t>
-            </a:r>
-          </a:p>
-          <a:p>
-            <a:pPr marL="0" indent="0">
-              <a:buNone/>
-            </a:pPr>
-            <a:r>
-              <a:rPr lang="en-US" sz="2000" b="1" smtClean="0"/>
-              <a:t>foreignField</a:t>
-            </a:r>
-            <a:r>
-              <a:rPr lang="en-US" sz="2000" smtClean="0"/>
-              <a:t>: </a:t>
-            </a:r>
-            <a:r>
-              <a:rPr lang="en-US" sz="2000"/>
-              <a:t>Specifies the field from the documents in the from collection. $lookup performs an equality match on the foreignField to the localField from the input </a:t>
-            </a:r>
-            <a:r>
-              <a:rPr lang="en-US" sz="2000" smtClean="0"/>
-              <a:t>documents</a:t>
-            </a:r>
-          </a:p>
-          <a:p>
-            <a:pPr marL="0" indent="0">
-              <a:buNone/>
-            </a:pPr>
-            <a:r>
-              <a:rPr lang="en-US" sz="2000" b="1" smtClean="0"/>
-              <a:t>as</a:t>
-            </a:r>
-            <a:r>
-              <a:rPr lang="en-US" sz="2000" smtClean="0"/>
-              <a:t>: </a:t>
-            </a:r>
-            <a:r>
-              <a:rPr lang="en-US" sz="2000"/>
-              <a:t>Specifies the name of the new array field to add to the </a:t>
-            </a:r>
-            <a:r>
-              <a:rPr lang="en-US" sz="2000" smtClean="0"/>
-              <a:t>original documents</a:t>
+              <a:t>processing</a:t>
+            </a:r>
+          </a:p>
+          <a:p>
+            <a:r>
+              <a:rPr lang="en-US"/>
+              <a:t>The $lookup stage does an equality match between a field from the input documents with a field from the documents of the “joined” collection</a:t>
+            </a:r>
+            <a:r>
+              <a:rPr lang="en-US" smtClean="0"/>
+              <a:t>.</a:t>
+            </a:r>
+          </a:p>
+          <a:p>
+            <a:r>
+              <a:rPr lang="en-US" smtClean="0"/>
+              <a:t>$lookup add a new field (type=array) to the original document</a:t>
             </a:r>
             <a:endParaRPr lang="en-US" dirty="0"/>
+          </a:p>
+        </p:txBody>
+      </p:sp>
+      <p:sp>
+        <p:nvSpPr>
+          <p:cNvPr id="2" name="Slide Number Placeholder 1"/>
+          <p:cNvSpPr>
+            <a:spLocks noGrp="1"/>
+          </p:cNvSpPr>
+          <p:nvPr>
+            <p:ph type="sldNum" sz="quarter" idx="12"/>
+          </p:nvPr>
+        </p:nvSpPr>
+        <p:spPr/>
+        <p:txBody>
+          <a:bodyPr/>
+          <a:lstStyle/>
+          <a:p>
+            <a:fld id="{FF15AE15-FA3C-4B48-B58A-B66292DF158E}" type="slidenum">
+              <a:rPr lang="en-US" altLang="en-US" smtClean="0"/>
+              <a:pPr/>
+              <a:t>22</a:t>
+            </a:fld>
+            <a:endParaRPr lang="en-US" altLang="en-US"/>
           </a:p>
         </p:txBody>
       </p:sp>
     </p:spTree>
     <p:extLst>
       <p:ext uri="{BB962C8B-B14F-4D97-AF65-F5344CB8AC3E}">
-        <p14:creationId xmlns:p14="http://schemas.microsoft.com/office/powerpoint/2010/main" val="473885864"/>
+        <p14:creationId xmlns:p14="http://schemas.microsoft.com/office/powerpoint/2010/main" val="764259246"/>
       </p:ext>
     </p:extLst>
   </p:cSld>
@@ -14401,7 +15101,7 @@
           <a:p>
             <a:r>
               <a:rPr lang="en-US" smtClean="0"/>
-              <a:t>$out</a:t>
+              <a:t>$lookup (contd.)</a:t>
             </a:r>
             <a:endParaRPr lang="en-US" dirty="0"/>
           </a:p>
@@ -14428,16 +15128,6 @@
           <a:lstStyle/>
           <a:p>
             <a:r>
-              <a:rPr lang="en-US"/>
-              <a:t>Takes the documents returned by the aggregation pipeline and writes them to a specified collection</a:t>
-            </a:r>
-            <a:r>
-              <a:rPr lang="en-US" smtClean="0"/>
-              <a:t>.</a:t>
-            </a:r>
-          </a:p>
-          <a:p>
-            <a:r>
               <a:rPr lang="en-US" smtClean="0"/>
               <a:t>Form:</a:t>
             </a:r>
@@ -14447,47 +15137,168 @@
               <a:buNone/>
             </a:pPr>
             <a:r>
-              <a:rPr lang="en-US" sz="2400"/>
-              <a:t>{ $out: "&lt;output-collection&gt;" </a:t>
-            </a:r>
-            <a:r>
-              <a:rPr lang="en-US" sz="2400" smtClean="0"/>
-              <a:t>}</a:t>
-            </a:r>
+              <a:rPr lang="en-US" sz="2000"/>
+              <a:t>{ </a:t>
+            </a:r>
+            <a:endParaRPr lang="en-US" sz="2000" smtClean="0"/>
           </a:p>
           <a:p>
             <a:pPr marL="0" indent="0">
               <a:buNone/>
             </a:pPr>
             <a:r>
-              <a:rPr lang="en-US" smtClean="0"/>
-              <a:t>If the output collection does exist, it will be replaced.</a:t>
-            </a:r>
+              <a:rPr lang="en-US" sz="2000"/>
+              <a:t>	</a:t>
+            </a:r>
+            <a:r>
+              <a:rPr lang="en-US" sz="2000" smtClean="0"/>
+              <a:t>$</a:t>
+            </a:r>
+            <a:r>
+              <a:rPr lang="en-US" sz="2000"/>
+              <a:t>lookup: { </a:t>
+            </a:r>
+            <a:endParaRPr lang="en-US" sz="2000" smtClean="0"/>
           </a:p>
           <a:p>
             <a:pPr marL="0" indent="0">
               <a:buNone/>
             </a:pPr>
             <a:r>
-              <a:rPr lang="en-US" smtClean="0"/>
-              <a:t>This stage is failed if it doesn’t satisfy the </a:t>
-            </a:r>
-            <a:r>
-              <a:rPr lang="en-US" i="1" smtClean="0"/>
-              <a:t>unique</a:t>
-            </a:r>
-            <a:r>
-              <a:rPr lang="en-US" smtClean="0"/>
-              <a:t> indexes.</a:t>
-            </a:r>
+              <a:rPr lang="en-US" sz="2000"/>
+              <a:t>	</a:t>
+            </a:r>
+            <a:r>
+              <a:rPr lang="en-US" sz="2000" smtClean="0"/>
+              <a:t>	from</a:t>
+            </a:r>
+            <a:r>
+              <a:rPr lang="en-US" sz="2000"/>
+              <a:t>: </a:t>
+            </a:r>
+            <a:r>
+              <a:rPr lang="en-US" sz="2000" smtClean="0"/>
+              <a:t>&lt;targetCollection&gt;,</a:t>
+            </a:r>
+          </a:p>
+          <a:p>
+            <a:pPr marL="0" indent="0">
+              <a:buNone/>
+            </a:pPr>
+            <a:r>
+              <a:rPr lang="en-US" sz="2000"/>
+              <a:t>	</a:t>
+            </a:r>
+            <a:r>
+              <a:rPr lang="en-US" sz="2000" smtClean="0"/>
+              <a:t>	localField</a:t>
+            </a:r>
+            <a:r>
+              <a:rPr lang="en-US" sz="2000"/>
+              <a:t>: </a:t>
+            </a:r>
+            <a:r>
+              <a:rPr lang="en-US" sz="2000" smtClean="0"/>
+              <a:t>&lt;foreignKey&gt;, </a:t>
+            </a:r>
+          </a:p>
+          <a:p>
+            <a:pPr marL="0" indent="0">
+              <a:buNone/>
+            </a:pPr>
+            <a:r>
+              <a:rPr lang="en-US" sz="2000"/>
+              <a:t>	</a:t>
+            </a:r>
+            <a:r>
+              <a:rPr lang="en-US" sz="2000" smtClean="0"/>
+              <a:t>	foreignField</a:t>
+            </a:r>
+            <a:r>
+              <a:rPr lang="en-US" sz="2000"/>
+              <a:t>: </a:t>
+            </a:r>
+            <a:r>
+              <a:rPr lang="en-US" sz="2000" smtClean="0"/>
+              <a:t>&lt;keyInTargetCollection&gt;, </a:t>
+            </a:r>
+          </a:p>
+          <a:p>
+            <a:pPr marL="0" indent="0">
+              <a:buNone/>
+            </a:pPr>
+            <a:r>
+              <a:rPr lang="en-US" sz="2000"/>
+              <a:t>	</a:t>
+            </a:r>
+            <a:r>
+              <a:rPr lang="en-US" sz="2000" smtClean="0"/>
+              <a:t>	as</a:t>
+            </a:r>
+            <a:r>
+              <a:rPr lang="en-US" sz="2000"/>
+              <a:t>: </a:t>
+            </a:r>
+            <a:r>
+              <a:rPr lang="en-US" sz="2000" smtClean="0"/>
+              <a:t>&lt;fieldname&gt; </a:t>
+            </a:r>
+          </a:p>
+          <a:p>
+            <a:pPr marL="0" indent="0">
+              <a:buNone/>
+            </a:pPr>
+            <a:r>
+              <a:rPr lang="en-US" sz="2000" smtClean="0"/>
+              <a:t>	}</a:t>
+            </a:r>
+          </a:p>
+          <a:p>
+            <a:pPr marL="0" indent="0">
+              <a:buNone/>
+            </a:pPr>
+            <a:r>
+              <a:rPr lang="en-US" sz="2000" smtClean="0"/>
+              <a:t>}</a:t>
+            </a:r>
+            <a:endParaRPr lang="en-US" smtClean="0"/>
+          </a:p>
+          <a:p>
+            <a:pPr marL="0" indent="0">
+              <a:buNone/>
+            </a:pPr>
             <a:endParaRPr lang="en-US" dirty="0"/>
+          </a:p>
+        </p:txBody>
+      </p:sp>
+      <p:sp>
+        <p:nvSpPr>
+          <p:cNvPr id="2" name="Slide Number Placeholder 1"/>
+          <p:cNvSpPr>
+            <a:spLocks noGrp="1"/>
+          </p:cNvSpPr>
+          <p:nvPr>
+            <p:ph type="sldNum" sz="quarter" idx="12"/>
+          </p:nvPr>
+        </p:nvSpPr>
+        <p:spPr/>
+        <p:txBody>
+          <a:bodyPr/>
+          <a:lstStyle/>
+          <a:p>
+            <a:fld id="{FF15AE15-FA3C-4B48-B58A-B66292DF158E}" type="slidenum">
+              <a:rPr lang="en-US" altLang="en-US" smtClean="0"/>
+              <a:pPr/>
+              <a:t>23</a:t>
+            </a:fld>
+            <a:endParaRPr lang="en-US" altLang="en-US"/>
           </a:p>
         </p:txBody>
       </p:sp>
     </p:spTree>
     <p:extLst>
       <p:ext uri="{BB962C8B-B14F-4D97-AF65-F5344CB8AC3E}">
-        <p14:creationId xmlns:p14="http://schemas.microsoft.com/office/powerpoint/2010/main" val="1108593015"/>
+        <p14:creationId xmlns:p14="http://schemas.microsoft.com/office/powerpoint/2010/main" val="1567004529"/>
       </p:ext>
     </p:extLst>
   </p:cSld>
@@ -14538,7 +15349,7 @@
           <a:p>
             <a:r>
               <a:rPr lang="en-US" smtClean="0"/>
-              <a:t>Tips &amp; Tricks</a:t>
+              <a:t>$lookup (contd2.)</a:t>
             </a:r>
             <a:endParaRPr lang="en-US" dirty="0"/>
           </a:p>
@@ -14565,28 +15376,173 @@
           <a:lstStyle/>
           <a:p>
             <a:r>
-              <a:rPr lang="en-US" smtClean="0"/>
-              <a:t>Use your own _id value if available (if the values are increasing and unique)</a:t>
-            </a:r>
-          </a:p>
-          <a:p>
-            <a:r>
-              <a:rPr lang="en-US" smtClean="0"/>
-              <a:t>Avoid using a document as value for _id</a:t>
+              <a:rPr lang="en-US" dirty="0" smtClean="0"/>
+              <a:t>Form:</a:t>
             </a:r>
           </a:p>
           <a:p>
             <a:pPr marL="0" indent="0">
               <a:buNone/>
             </a:pPr>
+            <a:r>
+              <a:rPr lang="en-US" sz="2000" b="1" dirty="0" smtClean="0"/>
+              <a:t>from</a:t>
+            </a:r>
+            <a:r>
+              <a:rPr lang="en-US" sz="2000" dirty="0" smtClean="0"/>
+              <a:t>: </a:t>
+            </a:r>
+            <a:r>
+              <a:rPr lang="en-US" sz="2000" dirty="0"/>
+              <a:t>Specifies the collection in the </a:t>
+            </a:r>
+            <a:r>
+              <a:rPr lang="en-US" sz="2000" i="1" dirty="0"/>
+              <a:t>same</a:t>
+            </a:r>
+            <a:r>
+              <a:rPr lang="en-US" sz="2000" dirty="0"/>
+              <a:t> database to perform the join </a:t>
+            </a:r>
+            <a:r>
+              <a:rPr lang="en-US" sz="2000" dirty="0" smtClean="0"/>
+              <a:t>with</a:t>
+            </a:r>
+          </a:p>
+          <a:p>
+            <a:pPr marL="0" indent="0">
+              <a:buNone/>
+            </a:pPr>
+            <a:r>
+              <a:rPr lang="en-US" sz="2000" b="1" dirty="0" err="1" smtClean="0"/>
+              <a:t>localField</a:t>
+            </a:r>
+            <a:r>
+              <a:rPr lang="en-US" sz="2000" dirty="0" smtClean="0"/>
+              <a:t>: </a:t>
+            </a:r>
+            <a:r>
+              <a:rPr lang="en-US" sz="2000" dirty="0"/>
+              <a:t>Specifies the field from the documents input to the $lookup </a:t>
+            </a:r>
+            <a:r>
+              <a:rPr lang="en-US" sz="2000" dirty="0" smtClean="0"/>
+              <a:t>stage</a:t>
+            </a:r>
+          </a:p>
+          <a:p>
+            <a:pPr marL="0" indent="0">
+              <a:buNone/>
+            </a:pPr>
+            <a:r>
+              <a:rPr lang="en-US" sz="2000" b="1" dirty="0" err="1" smtClean="0"/>
+              <a:t>foreignField</a:t>
+            </a:r>
+            <a:r>
+              <a:rPr lang="en-US" sz="2000" dirty="0" smtClean="0"/>
+              <a:t>: </a:t>
+            </a:r>
+            <a:r>
+              <a:rPr lang="en-US" sz="2000" dirty="0"/>
+              <a:t>Specifies the field from the documents in the from collection. $lookup performs an equality match on the </a:t>
+            </a:r>
+            <a:r>
+              <a:rPr lang="en-US" sz="2000" dirty="0" err="1"/>
+              <a:t>foreignField</a:t>
+            </a:r>
+            <a:r>
+              <a:rPr lang="en-US" sz="2000" dirty="0"/>
+              <a:t> to the </a:t>
+            </a:r>
+            <a:r>
+              <a:rPr lang="en-US" sz="2000" dirty="0" err="1"/>
+              <a:t>localField</a:t>
+            </a:r>
+            <a:r>
+              <a:rPr lang="en-US" sz="2000" dirty="0"/>
+              <a:t> from the input </a:t>
+            </a:r>
+            <a:r>
+              <a:rPr lang="en-US" sz="2000" dirty="0" smtClean="0"/>
+              <a:t>documents</a:t>
+            </a:r>
+          </a:p>
+          <a:p>
+            <a:pPr marL="0" indent="0">
+              <a:buNone/>
+            </a:pPr>
+            <a:r>
+              <a:rPr lang="en-US" sz="2000" b="1" dirty="0" smtClean="0"/>
+              <a:t>as</a:t>
+            </a:r>
+            <a:r>
+              <a:rPr lang="en-US" sz="2000" dirty="0" smtClean="0"/>
+              <a:t>: </a:t>
+            </a:r>
+            <a:r>
+              <a:rPr lang="en-US" sz="2000" dirty="0"/>
+              <a:t>Specifies the name of the new array field to add to the </a:t>
+            </a:r>
+            <a:r>
+              <a:rPr lang="en-US" sz="2000" dirty="0" smtClean="0"/>
+              <a:t>original documents (if this string is equal to </a:t>
+            </a:r>
+            <a:r>
+              <a:rPr lang="en-US" sz="2000" dirty="0" err="1" smtClean="0"/>
+              <a:t>localfield</a:t>
+            </a:r>
+            <a:r>
+              <a:rPr lang="en-US" sz="2000" dirty="0" smtClean="0"/>
+              <a:t>, the </a:t>
+            </a:r>
+            <a:r>
+              <a:rPr lang="en-US" sz="2000" dirty="0" err="1" smtClean="0"/>
+              <a:t>localfield’s</a:t>
+            </a:r>
+            <a:r>
+              <a:rPr lang="en-US" sz="2000" smtClean="0"/>
+              <a:t> value </a:t>
+            </a:r>
+            <a:r>
+              <a:rPr lang="en-US" sz="2000" dirty="0" smtClean="0"/>
+              <a:t>will </a:t>
+            </a:r>
+            <a:r>
+              <a:rPr lang="en-US" sz="2000" smtClean="0"/>
+              <a:t>be override)</a:t>
+            </a:r>
             <a:endParaRPr lang="en-US" dirty="0"/>
+          </a:p>
+        </p:txBody>
+      </p:sp>
+      <p:sp>
+        <p:nvSpPr>
+          <p:cNvPr id="2" name="Slide Number Placeholder 1"/>
+          <p:cNvSpPr>
+            <a:spLocks noGrp="1"/>
+          </p:cNvSpPr>
+          <p:nvPr>
+            <p:ph type="sldNum" sz="quarter" idx="12"/>
+          </p:nvPr>
+        </p:nvSpPr>
+        <p:spPr/>
+        <p:txBody>
+          <a:bodyPr/>
+          <a:lstStyle/>
+          <a:p>
+            <a:fld id="{FF15AE15-FA3C-4B48-B58A-B66292DF158E}" type="slidenum">
+              <a:rPr lang="en-US" altLang="en-US" smtClean="0"/>
+              <a:pPr/>
+              <a:t>24</a:t>
+            </a:fld>
+            <a:endParaRPr lang="en-US" altLang="en-US"/>
           </a:p>
         </p:txBody>
       </p:sp>
     </p:spTree>
     <p:extLst>
       <p:ext uri="{BB962C8B-B14F-4D97-AF65-F5344CB8AC3E}">
-        <p14:creationId xmlns:p14="http://schemas.microsoft.com/office/powerpoint/2010/main" val="4272507142"/>
+        <p14:creationId xmlns:p14="http://schemas.microsoft.com/office/powerpoint/2010/main" val="473885864"/>
       </p:ext>
     </p:extLst>
   </p:cSld>
@@ -14637,7 +15593,7 @@
           <a:p>
             <a:r>
               <a:rPr lang="en-US" smtClean="0"/>
-              <a:t>Tips&amp;Trick (contd.)</a:t>
+              <a:t>$out</a:t>
             </a:r>
             <a:endParaRPr lang="en-US" dirty="0"/>
           </a:p>
@@ -14664,35 +15620,90 @@
           <a:lstStyle/>
           <a:p>
             <a:r>
+              <a:rPr lang="en-US"/>
+              <a:t>Takes the documents returned by the aggregation pipeline and writes them to a specified collection</a:t>
+            </a:r>
+            <a:r>
               <a:rPr lang="en-US" smtClean="0"/>
-              <a:t>Reading from RAM is much more faster than reading from disk. =&gt; Add more RAM</a:t>
+              <a:t>.</a:t>
             </a:r>
           </a:p>
           <a:p>
             <a:r>
               <a:rPr lang="en-US" smtClean="0"/>
-              <a:t>Indexes are helpful if each query upon those indexes returns a small subset of total data.</a:t>
-            </a:r>
-          </a:p>
-          <a:p>
+              <a:t>Form:</a:t>
+            </a:r>
+          </a:p>
+          <a:p>
+            <a:pPr marL="0" indent="0">
+              <a:buNone/>
+            </a:pPr>
+            <a:r>
+              <a:rPr lang="en-US" sz="2400"/>
+              <a:t>{ $out: "&lt;output-collection&gt;" </a:t>
+            </a:r>
+            <a:r>
+              <a:rPr lang="en-US" sz="2400" smtClean="0"/>
+              <a:t>}</a:t>
+            </a:r>
+          </a:p>
+          <a:p>
+            <a:pPr marL="0" indent="0">
+              <a:buNone/>
+            </a:pPr>
             <a:r>
               <a:rPr lang="en-US" smtClean="0"/>
-              <a:t>If a query return &gt; 50% of total data, then, indexes are not helpful</a:t>
-            </a:r>
-          </a:p>
-          <a:p>
+              <a:t>If the output collection does exist, it will be replaced.</a:t>
+            </a:r>
+          </a:p>
+          <a:p>
+            <a:pPr marL="0" indent="0">
+              <a:buNone/>
+            </a:pPr>
             <a:r>
               <a:rPr lang="en-US" smtClean="0"/>
-              <a:t>NOTE: indexes will slowdown write speed (delete, insert)</a:t>
+              <a:t>This stage is failed if it doesn’t satisfy the </a:t>
+            </a:r>
+            <a:r>
+              <a:rPr lang="en-US" i="1" smtClean="0"/>
+              <a:t>unique</a:t>
+            </a:r>
+            <a:r>
+              <a:rPr lang="en-US" smtClean="0"/>
+              <a:t> indexes.</a:t>
             </a:r>
             <a:endParaRPr lang="en-US" dirty="0"/>
+          </a:p>
+        </p:txBody>
+      </p:sp>
+      <p:sp>
+        <p:nvSpPr>
+          <p:cNvPr id="2" name="Slide Number Placeholder 1"/>
+          <p:cNvSpPr>
+            <a:spLocks noGrp="1"/>
+          </p:cNvSpPr>
+          <p:nvPr>
+            <p:ph type="sldNum" sz="quarter" idx="12"/>
+          </p:nvPr>
+        </p:nvSpPr>
+        <p:spPr/>
+        <p:txBody>
+          <a:bodyPr/>
+          <a:lstStyle/>
+          <a:p>
+            <a:fld id="{FF15AE15-FA3C-4B48-B58A-B66292DF158E}" type="slidenum">
+              <a:rPr lang="en-US" altLang="en-US" smtClean="0"/>
+              <a:pPr/>
+              <a:t>25</a:t>
+            </a:fld>
+            <a:endParaRPr lang="en-US" altLang="en-US"/>
           </a:p>
         </p:txBody>
       </p:sp>
     </p:spTree>
     <p:extLst>
       <p:ext uri="{BB962C8B-B14F-4D97-AF65-F5344CB8AC3E}">
-        <p14:creationId xmlns:p14="http://schemas.microsoft.com/office/powerpoint/2010/main" val="3513143805"/>
+        <p14:creationId xmlns:p14="http://schemas.microsoft.com/office/powerpoint/2010/main" val="1108593015"/>
       </p:ext>
     </p:extLst>
   </p:cSld>
@@ -14743,7 +15754,7 @@
           <a:p>
             <a:r>
               <a:rPr lang="en-US" smtClean="0"/>
-              <a:t>Tips&amp;Trick (contd2.)</a:t>
+              <a:t>Tips &amp; Tricks</a:t>
             </a:r>
             <a:endParaRPr lang="en-US" dirty="0"/>
           </a:p>
@@ -14770,29 +15781,64 @@
           <a:lstStyle/>
           <a:p>
             <a:r>
-              <a:rPr lang="en-US" smtClean="0"/>
-              <a:t>Create indexes that cover query (so called: covered index)</a:t>
-            </a:r>
-          </a:p>
-          <a:p>
-            <a:r>
-              <a:rPr lang="en-US" smtClean="0"/>
-              <a:t>Preallocate space for future size-increment</a:t>
-            </a:r>
-          </a:p>
-          <a:p>
-            <a:r>
-              <a:rPr lang="en-US" smtClean="0"/>
-              <a:t>Pre-populate fields</a:t>
-            </a:r>
+              <a:rPr lang="en-US" dirty="0" smtClean="0"/>
+              <a:t>Use your own _id value if available (if the values are increasing and unique)</a:t>
+            </a:r>
+          </a:p>
+          <a:p>
+            <a:r>
+              <a:rPr lang="en-US" dirty="0" smtClean="0"/>
+              <a:t>Avoid using a document as value for _id</a:t>
+            </a:r>
+          </a:p>
+          <a:p>
+            <a:r>
+              <a:rPr lang="en-US" dirty="0" smtClean="0"/>
+              <a:t>In Aggregation FW, you should use this order: $match-&gt;$sort instead of $sort&gt;$match</a:t>
+            </a:r>
+          </a:p>
+          <a:p>
+            <a:r>
+              <a:rPr lang="en-US" dirty="0" smtClean="0"/>
+              <a:t>Consider $limit -&gt; $skip or $skip -&gt; $limit</a:t>
+            </a:r>
+          </a:p>
+          <a:p>
+            <a:pPr marL="0" indent="0">
+              <a:buNone/>
+            </a:pPr>
             <a:endParaRPr lang="en-US" dirty="0"/>
+          </a:p>
+        </p:txBody>
+      </p:sp>
+      <p:sp>
+        <p:nvSpPr>
+          <p:cNvPr id="2" name="Slide Number Placeholder 1"/>
+          <p:cNvSpPr>
+            <a:spLocks noGrp="1"/>
+          </p:cNvSpPr>
+          <p:nvPr>
+            <p:ph type="sldNum" sz="quarter" idx="12"/>
+          </p:nvPr>
+        </p:nvSpPr>
+        <p:spPr/>
+        <p:txBody>
+          <a:bodyPr/>
+          <a:lstStyle/>
+          <a:p>
+            <a:fld id="{FF15AE15-FA3C-4B48-B58A-B66292DF158E}" type="slidenum">
+              <a:rPr lang="en-US" altLang="en-US" smtClean="0"/>
+              <a:pPr/>
+              <a:t>26</a:t>
+            </a:fld>
+            <a:endParaRPr lang="en-US" altLang="en-US"/>
           </a:p>
         </p:txBody>
       </p:sp>
     </p:spTree>
     <p:extLst>
       <p:ext uri="{BB962C8B-B14F-4D97-AF65-F5344CB8AC3E}">
-        <p14:creationId xmlns:p14="http://schemas.microsoft.com/office/powerpoint/2010/main" val="3658307873"/>
+        <p14:creationId xmlns:p14="http://schemas.microsoft.com/office/powerpoint/2010/main" val="4272507142"/>
       </p:ext>
     </p:extLst>
   </p:cSld>
@@ -14843,7 +15889,7 @@
           <a:p>
             <a:r>
               <a:rPr lang="en-US" smtClean="0"/>
-              <a:t>References</a:t>
+              <a:t>Tips&amp;Trick (contd.)</a:t>
             </a:r>
             <a:endParaRPr lang="en-US" dirty="0"/>
           </a:p>
@@ -14870,38 +15916,336 @@
           <a:lstStyle/>
           <a:p>
             <a:r>
-              <a:rPr lang="en-US"/>
-              <a:t>https://</a:t>
-            </a:r>
-            <a:r>
-              <a:rPr lang="en-US"/>
-              <a:t>docs.mongodb.com/manual</a:t>
-            </a:r>
-            <a:r>
               <a:rPr lang="en-US" smtClean="0"/>
+              <a:t>Reading from RAM is much more faster than reading from disk. =&gt; Add more RAM</a:t>
+            </a:r>
+          </a:p>
+          <a:p>
+            <a:r>
+              <a:rPr lang="en-US" smtClean="0"/>
+              <a:t>Indexes are helpful if each query upon those indexes returns a small subset of total data.</a:t>
+            </a:r>
+          </a:p>
+          <a:p>
+            <a:r>
+              <a:rPr lang="en-US" smtClean="0"/>
+              <a:t>If a query return &gt; 50% of total data, then, indexes are not helpful</a:t>
+            </a:r>
+          </a:p>
+          <a:p>
+            <a:r>
+              <a:rPr lang="en-US" smtClean="0"/>
+              <a:t>NOTE: indexes will slowdown write speed (delete, insert)</a:t>
+            </a:r>
+            <a:endParaRPr lang="en-US" dirty="0"/>
+          </a:p>
+        </p:txBody>
+      </p:sp>
+      <p:sp>
+        <p:nvSpPr>
+          <p:cNvPr id="2" name="Slide Number Placeholder 1"/>
+          <p:cNvSpPr>
+            <a:spLocks noGrp="1"/>
+          </p:cNvSpPr>
+          <p:nvPr>
+            <p:ph type="sldNum" sz="quarter" idx="12"/>
+          </p:nvPr>
+        </p:nvSpPr>
+        <p:spPr/>
+        <p:txBody>
+          <a:bodyPr/>
+          <a:lstStyle/>
+          <a:p>
+            <a:fld id="{FF15AE15-FA3C-4B48-B58A-B66292DF158E}" type="slidenum">
+              <a:rPr lang="en-US" altLang="en-US" smtClean="0"/>
+              <a:pPr/>
+              <a:t>27</a:t>
+            </a:fld>
+            <a:endParaRPr lang="en-US" altLang="en-US"/>
+          </a:p>
+        </p:txBody>
+      </p:sp>
+    </p:spTree>
+    <p:extLst>
+      <p:ext uri="{BB962C8B-B14F-4D97-AF65-F5344CB8AC3E}">
+        <p14:creationId xmlns:p14="http://schemas.microsoft.com/office/powerpoint/2010/main" val="3513143805"/>
+      </p:ext>
+    </p:extLst>
+  </p:cSld>
+  <p:clrMapOvr>
+    <a:masterClrMapping/>
+  </p:clrMapOvr>
+  <p:timing>
+    <p:tnLst>
+      <p:par>
+        <p:cTn id="1" dur="indefinite" restart="never" nodeType="tmRoot"/>
+      </p:par>
+    </p:tnLst>
+  </p:timing>
+</p:sld>
+</file>
+
+<file path=ppt/slides/slide28.xml><?xml version="1.0" encoding="utf-8"?>
+<p:sld xmlns:a="http://schemas.openxmlformats.org/drawingml/2006/main" xmlns:r="http://schemas.openxmlformats.org/officeDocument/2006/relationships" xmlns:p="http://schemas.openxmlformats.org/presentationml/2006/main">
+  <p:cSld>
+    <p:spTree>
+      <p:nvGrpSpPr>
+        <p:cNvPr id="1" name=""/>
+        <p:cNvGrpSpPr/>
+        <p:nvPr/>
+      </p:nvGrpSpPr>
+      <p:grpSpPr>
+        <a:xfrm>
+          <a:off x="0" y="0"/>
+          <a:ext cx="0" cy="0"/>
+          <a:chOff x="0" y="0"/>
+          <a:chExt cx="0" cy="0"/>
+        </a:xfrm>
+      </p:grpSpPr>
+      <p:sp>
+        <p:nvSpPr>
+          <p:cNvPr id="30722" name="Rectangle 2"/>
+          <p:cNvSpPr>
+            <a:spLocks noGrp="1" noChangeArrowheads="1"/>
+          </p:cNvSpPr>
+          <p:nvPr>
+            <p:ph type="title"/>
+          </p:nvPr>
+        </p:nvSpPr>
+        <p:spPr/>
+        <p:txBody>
+          <a:bodyPr/>
+          <a:lstStyle/>
+          <a:p>
+            <a:r>
+              <a:rPr lang="en-US" smtClean="0"/>
+              <a:t>Tips&amp;Trick (contd2.)</a:t>
+            </a:r>
+            <a:endParaRPr lang="en-US" dirty="0"/>
+          </a:p>
+        </p:txBody>
+      </p:sp>
+      <p:sp>
+        <p:nvSpPr>
+          <p:cNvPr id="30723" name="Rectangle 3"/>
+          <p:cNvSpPr>
+            <a:spLocks noGrp="1" noChangeArrowheads="1"/>
+          </p:cNvSpPr>
+          <p:nvPr>
+            <p:ph type="body" idx="1"/>
+          </p:nvPr>
+        </p:nvSpPr>
+        <p:spPr>
+          <a:xfrm>
+            <a:off x="457200" y="1719263"/>
+            <a:ext cx="8229600" cy="4302125"/>
+          </a:xfrm>
+        </p:spPr>
+        <p:txBody>
+          <a:bodyPr/>
+          <a:lstStyle/>
+          <a:p>
+            <a:r>
+              <a:rPr lang="en-US" smtClean="0"/>
+              <a:t>Create indexes that cover query (so called: covered index)</a:t>
+            </a:r>
+          </a:p>
+          <a:p>
+            <a:r>
+              <a:rPr lang="en-US" smtClean="0"/>
+              <a:t>Preallocate space for future size-increment</a:t>
+            </a:r>
+          </a:p>
+          <a:p>
+            <a:r>
+              <a:rPr lang="en-US" smtClean="0"/>
+              <a:t>Pre-populate fields</a:t>
+            </a:r>
+            <a:endParaRPr lang="en-US" dirty="0"/>
+          </a:p>
+        </p:txBody>
+      </p:sp>
+      <p:sp>
+        <p:nvSpPr>
+          <p:cNvPr id="2" name="Slide Number Placeholder 1"/>
+          <p:cNvSpPr>
+            <a:spLocks noGrp="1"/>
+          </p:cNvSpPr>
+          <p:nvPr>
+            <p:ph type="sldNum" sz="quarter" idx="12"/>
+          </p:nvPr>
+        </p:nvSpPr>
+        <p:spPr/>
+        <p:txBody>
+          <a:bodyPr/>
+          <a:lstStyle/>
+          <a:p>
+            <a:fld id="{FF15AE15-FA3C-4B48-B58A-B66292DF158E}" type="slidenum">
+              <a:rPr lang="en-US" altLang="en-US" smtClean="0"/>
+              <a:pPr/>
+              <a:t>28</a:t>
+            </a:fld>
+            <a:endParaRPr lang="en-US" altLang="en-US"/>
+          </a:p>
+        </p:txBody>
+      </p:sp>
+    </p:spTree>
+    <p:extLst>
+      <p:ext uri="{BB962C8B-B14F-4D97-AF65-F5344CB8AC3E}">
+        <p14:creationId xmlns:p14="http://schemas.microsoft.com/office/powerpoint/2010/main" val="3658307873"/>
+      </p:ext>
+    </p:extLst>
+  </p:cSld>
+  <p:clrMapOvr>
+    <a:masterClrMapping/>
+  </p:clrMapOvr>
+  <p:timing>
+    <p:tnLst>
+      <p:par>
+        <p:cTn id="1" dur="indefinite" restart="never" nodeType="tmRoot"/>
+      </p:par>
+    </p:tnLst>
+  </p:timing>
+</p:sld>
+</file>
+
+<file path=ppt/slides/slide29.xml><?xml version="1.0" encoding="utf-8"?>
+<p:sld xmlns:a="http://schemas.openxmlformats.org/drawingml/2006/main" xmlns:r="http://schemas.openxmlformats.org/officeDocument/2006/relationships" xmlns:p="http://schemas.openxmlformats.org/presentationml/2006/main">
+  <p:cSld>
+    <p:spTree>
+      <p:nvGrpSpPr>
+        <p:cNvPr id="1" name=""/>
+        <p:cNvGrpSpPr/>
+        <p:nvPr/>
+      </p:nvGrpSpPr>
+      <p:grpSpPr>
+        <a:xfrm>
+          <a:off x="0" y="0"/>
+          <a:ext cx="0" cy="0"/>
+          <a:chOff x="0" y="0"/>
+          <a:chExt cx="0" cy="0"/>
+        </a:xfrm>
+      </p:grpSpPr>
+      <p:sp>
+        <p:nvSpPr>
+          <p:cNvPr id="30722" name="Rectangle 2"/>
+          <p:cNvSpPr>
+            <a:spLocks noGrp="1" noChangeArrowheads="1"/>
+          </p:cNvSpPr>
+          <p:nvPr>
+            <p:ph type="title"/>
+          </p:nvPr>
+        </p:nvSpPr>
+        <p:spPr/>
+        <p:txBody>
+          <a:bodyPr/>
+          <a:lstStyle/>
+          <a:p>
+            <a:r>
+              <a:rPr lang="en-US" smtClean="0"/>
+              <a:t>References</a:t>
+            </a:r>
+            <a:endParaRPr lang="en-US" dirty="0"/>
+          </a:p>
+        </p:txBody>
+      </p:sp>
+      <p:sp>
+        <p:nvSpPr>
+          <p:cNvPr id="30723" name="Rectangle 3"/>
+          <p:cNvSpPr>
+            <a:spLocks noGrp="1" noChangeArrowheads="1"/>
+          </p:cNvSpPr>
+          <p:nvPr>
+            <p:ph type="body" idx="1"/>
+          </p:nvPr>
+        </p:nvSpPr>
+        <p:spPr>
+          <a:xfrm>
+            <a:off x="457200" y="1719263"/>
+            <a:ext cx="8229600" cy="4302125"/>
+          </a:xfrm>
+        </p:spPr>
+        <p:txBody>
+          <a:bodyPr/>
+          <a:lstStyle/>
+          <a:p>
+            <a:r>
+              <a:rPr lang="en-US" dirty="0"/>
+              <a:t>https://docs.mongodb.com/manual</a:t>
+            </a:r>
+            <a:r>
+              <a:rPr lang="en-US" dirty="0" smtClean="0"/>
               <a:t>/</a:t>
             </a:r>
           </a:p>
           <a:p>
             <a:r>
-              <a:rPr lang="en-US" smtClean="0"/>
-              <a:t>MongoDB The Definite Guid 2</a:t>
-            </a:r>
-            <a:r>
-              <a:rPr lang="en-US" baseline="30000" smtClean="0"/>
+              <a:rPr lang="en-US" dirty="0" smtClean="0"/>
+              <a:t>MongoDB The Definite </a:t>
+            </a:r>
+            <a:r>
+              <a:rPr lang="en-US" dirty="0" err="1" smtClean="0"/>
+              <a:t>Guid</a:t>
+            </a:r>
+            <a:r>
+              <a:rPr lang="en-US" dirty="0" smtClean="0"/>
+              <a:t> 2</a:t>
+            </a:r>
+            <a:r>
+              <a:rPr lang="en-US" baseline="30000" dirty="0" smtClean="0"/>
               <a:t>nd</a:t>
             </a:r>
             <a:r>
-              <a:rPr lang="en-US" smtClean="0"/>
-              <a:t> edition (by Kristina Chodorow)</a:t>
-            </a:r>
-          </a:p>
-          <a:p>
-            <a:r>
-              <a:rPr lang="en-US" smtClean="0"/>
-              <a:t>50 Tips &amp; Tricks for MongoDB Developer (by Kristina Chodorow)</a:t>
+              <a:rPr lang="en-US" dirty="0" smtClean="0"/>
+              <a:t> edition (by Kristina </a:t>
+            </a:r>
+            <a:r>
+              <a:rPr lang="en-US" dirty="0" err="1" smtClean="0"/>
+              <a:t>Chodorow</a:t>
+            </a:r>
+            <a:r>
+              <a:rPr lang="en-US" dirty="0" smtClean="0"/>
+              <a:t>)</a:t>
+            </a:r>
+          </a:p>
+          <a:p>
+            <a:r>
+              <a:rPr lang="en-US" dirty="0" smtClean="0"/>
+              <a:t>50 Tips &amp; Tricks for MongoDB Developer (by Kristina </a:t>
+            </a:r>
+            <a:r>
+              <a:rPr lang="en-US" dirty="0" err="1" smtClean="0"/>
+              <a:t>Chodorow</a:t>
+            </a:r>
+            <a:r>
+              <a:rPr lang="en-US" dirty="0" smtClean="0"/>
+              <a:t>)</a:t>
             </a:r>
             <a:endParaRPr lang="en-US" dirty="0"/>
+          </a:p>
+        </p:txBody>
+      </p:sp>
+      <p:sp>
+        <p:nvSpPr>
+          <p:cNvPr id="2" name="Slide Number Placeholder 1"/>
+          <p:cNvSpPr>
+            <a:spLocks noGrp="1"/>
+          </p:cNvSpPr>
+          <p:nvPr>
+            <p:ph type="sldNum" sz="quarter" idx="12"/>
+          </p:nvPr>
+        </p:nvSpPr>
+        <p:spPr/>
+        <p:txBody>
+          <a:bodyPr/>
+          <a:lstStyle/>
+          <a:p>
+            <a:fld id="{FF15AE15-FA3C-4B48-B58A-B66292DF158E}" type="slidenum">
+              <a:rPr lang="en-US" altLang="en-US" smtClean="0"/>
+              <a:pPr/>
+              <a:t>29</a:t>
+            </a:fld>
+            <a:endParaRPr lang="en-US" altLang="en-US"/>
           </a:p>
         </p:txBody>
       </p:sp>
@@ -14986,22 +16330,18 @@
           <a:lstStyle/>
           <a:p>
             <a:r>
-              <a:rPr lang="en-US"/>
-              <a:t>Purpose</a:t>
-            </a:r>
-            <a:r>
-              <a:rPr lang="en-US"/>
-              <a:t>: </a:t>
-            </a:r>
-            <a:r>
-              <a:rPr lang="en-US" sz="3200"/>
+              <a:rPr lang="en-US" dirty="0"/>
+              <a:t>Purpose: </a:t>
+            </a:r>
+            <a:r>
+              <a:rPr lang="en-US" sz="3200" dirty="0"/>
               <a:t>Removes documents from a collection</a:t>
             </a:r>
-            <a:endParaRPr lang="en-US" smtClean="0"/>
-          </a:p>
-          <a:p>
-            <a:r>
-              <a:rPr lang="en-US" smtClean="0"/>
+            <a:endParaRPr lang="en-US" dirty="0" smtClean="0"/>
+          </a:p>
+          <a:p>
+            <a:r>
+              <a:rPr lang="en-US" dirty="0" smtClean="0"/>
               <a:t>Syntax:</a:t>
             </a:r>
           </a:p>
@@ -15010,51 +16350,90 @@
               <a:buNone/>
             </a:pPr>
             <a:r>
-              <a:rPr lang="en-US" sz="2400" smtClean="0"/>
-              <a:t>db.collectionName.remove(</a:t>
-            </a:r>
-            <a:r>
-              <a:rPr lang="en-US" sz="2400" b="1" smtClean="0"/>
+              <a:rPr lang="en-US" sz="2400" dirty="0" err="1" smtClean="0"/>
+              <a:t>db.collectionName.remove</a:t>
+            </a:r>
+            <a:r>
+              <a:rPr lang="en-US" sz="2400" dirty="0" smtClean="0"/>
+              <a:t>(</a:t>
+            </a:r>
+            <a:r>
+              <a:rPr lang="en-US" sz="2400" b="1" dirty="0" smtClean="0"/>
               <a:t>query</a:t>
             </a:r>
             <a:r>
-              <a:rPr lang="en-US" sz="2400" b="1"/>
-              <a:t>,</a:t>
-            </a:r>
-            <a:r>
-              <a:rPr lang="en-US" sz="2400" b="1"/>
-              <a:t> </a:t>
-            </a:r>
-            <a:r>
-              <a:rPr lang="en-US" sz="2400" b="1" smtClean="0"/>
+              <a:rPr lang="en-US" sz="2400" b="1" dirty="0"/>
+              <a:t>, </a:t>
+            </a:r>
+            <a:r>
+              <a:rPr lang="en-US" sz="2400" b="1" dirty="0" smtClean="0"/>
               <a:t>options</a:t>
             </a:r>
             <a:r>
-              <a:rPr lang="en-US" sz="2400" smtClean="0"/>
+              <a:rPr lang="en-US" sz="2400" dirty="0" smtClean="0"/>
               <a:t>)</a:t>
             </a:r>
-            <a:endParaRPr lang="en-US" sz="2400" smtClean="0"/>
-          </a:p>
-          <a:p>
+          </a:p>
+          <a:p>
+            <a:r>
+              <a:rPr lang="en-US" sz="2000" i="1" dirty="0" smtClean="0"/>
+              <a:t>query: a document, selection </a:t>
+            </a:r>
+            <a:r>
+              <a:rPr lang="en-US" sz="2000" i="1" dirty="0" err="1" smtClean="0"/>
+              <a:t>criterias</a:t>
+            </a:r>
+            <a:r>
+              <a:rPr lang="en-US" sz="2000" i="1" dirty="0" smtClean="0"/>
+              <a:t> for the update, like in find()</a:t>
+            </a:r>
+          </a:p>
+          <a:p>
+            <a:r>
+              <a:rPr lang="en-US" sz="2000" i="1" dirty="0" smtClean="0"/>
+              <a:t>options: a document, provide some options such as </a:t>
+            </a:r>
+            <a:r>
+              <a:rPr lang="en-US" sz="2000" b="1" i="1" dirty="0" err="1" smtClean="0"/>
+              <a:t>justOne</a:t>
+            </a:r>
+            <a:r>
+              <a:rPr lang="en-US" sz="2000" b="1" i="1" dirty="0" smtClean="0"/>
+              <a:t> </a:t>
+            </a:r>
+            <a:r>
+              <a:rPr lang="en-US" sz="2000" i="1" dirty="0" smtClean="0"/>
+              <a:t>(true: delete just one document, false: delete all documents that match </a:t>
+            </a:r>
             <a:r>
               <a:rPr lang="en-US" sz="2000" i="1" smtClean="0"/>
-              <a:t>query: a document, selection criterias for the update, like in find()</a:t>
-            </a:r>
-          </a:p>
-          <a:p>
-            <a:r>
-              <a:rPr lang="en-US" sz="2000" i="1" smtClean="0"/>
-              <a:t>options: a document, provide some options such as </a:t>
-            </a:r>
-            <a:r>
-              <a:rPr lang="en-US" sz="2000" b="1" i="1" smtClean="0"/>
-              <a:t>justOne </a:t>
-            </a:r>
-            <a:r>
-              <a:rPr lang="en-US" sz="2000" i="1" smtClean="0"/>
-              <a:t>(true: delete just one document, false: delete all matched documents)</a:t>
+              <a:t>the conditions)</a:t>
             </a:r>
             <a:endParaRPr lang="en-US" i="1" dirty="0"/>
+          </a:p>
+        </p:txBody>
+      </p:sp>
+      <p:sp>
+        <p:nvSpPr>
+          <p:cNvPr id="2" name="Slide Number Placeholder 1"/>
+          <p:cNvSpPr>
+            <a:spLocks noGrp="1"/>
+          </p:cNvSpPr>
+          <p:nvPr>
+            <p:ph type="sldNum" sz="quarter" idx="12"/>
+          </p:nvPr>
+        </p:nvSpPr>
+        <p:spPr/>
+        <p:txBody>
+          <a:bodyPr/>
+          <a:lstStyle/>
+          <a:p>
+            <a:fld id="{FF15AE15-FA3C-4B48-B58A-B66292DF158E}" type="slidenum">
+              <a:rPr lang="en-US" altLang="en-US" smtClean="0"/>
+              <a:pPr/>
+              <a:t>3</a:t>
+            </a:fld>
+            <a:endParaRPr lang="en-US" altLang="en-US"/>
           </a:p>
         </p:txBody>
       </p:sp>
@@ -15140,19 +16519,11 @@
           <a:p>
             <a:r>
               <a:rPr lang="en-US"/>
-              <a:t>Purpose</a:t>
-            </a:r>
-            <a:r>
-              <a:rPr lang="en-US"/>
-              <a:t>: </a:t>
+              <a:t>Purpose: </a:t>
             </a:r>
             <a:r>
               <a:rPr lang="en-US" sz="3200"/>
-              <a:t>Removes a collection from </a:t>
-            </a:r>
-            <a:r>
-              <a:rPr lang="en-US" sz="3200"/>
-              <a:t>the </a:t>
+              <a:t>Removes a collection from the </a:t>
             </a:r>
             <a:r>
               <a:rPr lang="en-US" sz="3200" smtClean="0"/>
@@ -15174,7 +16545,6 @@
               <a:rPr lang="en-US" sz="2400" smtClean="0"/>
               <a:t>db.collectionName.drop()</a:t>
             </a:r>
-            <a:endParaRPr lang="en-US" sz="2400" smtClean="0"/>
           </a:p>
           <a:p>
             <a:r>
@@ -15187,6 +16557,30 @@
               <a:rPr lang="en-US" sz="2000" i="1" smtClean="0"/>
               <a:t>To delete all documents in a collection, we’d better use drop() than remove()</a:t>
             </a:r>
+          </a:p>
+        </p:txBody>
+      </p:sp>
+      <p:sp>
+        <p:nvSpPr>
+          <p:cNvPr id="2" name="Slide Number Placeholder 1"/>
+          <p:cNvSpPr>
+            <a:spLocks noGrp="1"/>
+          </p:cNvSpPr>
+          <p:nvPr>
+            <p:ph type="sldNum" sz="quarter" idx="12"/>
+          </p:nvPr>
+        </p:nvSpPr>
+        <p:spPr/>
+        <p:txBody>
+          <a:bodyPr/>
+          <a:lstStyle/>
+          <a:p>
+            <a:fld id="{FF15AE15-FA3C-4B48-B58A-B66292DF158E}" type="slidenum">
+              <a:rPr lang="en-US" altLang="en-US" smtClean="0"/>
+              <a:pPr/>
+              <a:t>4</a:t>
+            </a:fld>
+            <a:endParaRPr lang="en-US" altLang="en-US"/>
           </a:p>
         </p:txBody>
       </p:sp>
@@ -15240,7 +16634,7 @@
         <p:spPr>
           <a:xfrm>
             <a:off x="762000" y="457200"/>
-            <a:ext cx="5703888" cy="2362200"/>
+            <a:ext cx="6629400" cy="2362200"/>
           </a:xfrm>
         </p:spPr>
         <p:txBody>
@@ -15248,8 +16642,12 @@
           <a:lstStyle/>
           <a:p>
             <a:r>
-              <a:rPr lang="en-US" smtClean="0"/>
-              <a:t>MongoDB Aggregation Framework</a:t>
+              <a:rPr lang="en-US" dirty="0" smtClean="0"/>
+              <a:t>Aggregation </a:t>
+            </a:r>
+            <a:r>
+              <a:rPr lang="en-US" dirty="0" smtClean="0"/>
+              <a:t>Framework</a:t>
             </a:r>
             <a:endParaRPr lang="en-US" dirty="0"/>
           </a:p>
@@ -15338,6 +16736,30 @@
           </a:extLst>
         </p:spPr>
       </p:pic>
+      <p:sp>
+        <p:nvSpPr>
+          <p:cNvPr id="2" name="Slide Number Placeholder 1"/>
+          <p:cNvSpPr>
+            <a:spLocks noGrp="1"/>
+          </p:cNvSpPr>
+          <p:nvPr>
+            <p:ph type="sldNum" sz="quarter" idx="4"/>
+          </p:nvPr>
+        </p:nvSpPr>
+        <p:spPr/>
+        <p:txBody>
+          <a:bodyPr/>
+          <a:lstStyle/>
+          <a:p>
+            <a:fld id="{F364148E-0E63-42EB-BE18-2F6E6BBA5E1C}" type="slidenum">
+              <a:rPr lang="en-US" altLang="en-US" smtClean="0"/>
+              <a:pPr/>
+              <a:t>5</a:t>
+            </a:fld>
+            <a:endParaRPr lang="en-US" altLang="en-US"/>
+          </a:p>
+        </p:txBody>
+      </p:sp>
     </p:spTree>
   </p:cSld>
   <p:clrMapOvr>
@@ -15386,8 +16808,8 @@
           <a:lstStyle/>
           <a:p>
             <a:r>
-              <a:rPr lang="en-US" smtClean="0"/>
-              <a:t>Introduction</a:t>
+              <a:rPr lang="en-US" dirty="0" smtClean="0"/>
+              <a:t>Before we start…</a:t>
             </a:r>
             <a:endParaRPr lang="en-US" dirty="0"/>
           </a:p>
@@ -15414,28 +16836,54 @@
           <a:lstStyle/>
           <a:p>
             <a:r>
-              <a:rPr lang="en-US" smtClean="0"/>
-              <a:t>Doing tasks in DB instead of in code for better performance and code effort</a:t>
-            </a:r>
-          </a:p>
-          <a:p>
-            <a:r>
-              <a:rPr lang="en-US" smtClean="0"/>
-              <a:t>The aggregation framework (AgFw) let us transform and combine documents in collections</a:t>
-            </a:r>
-          </a:p>
-          <a:p>
-            <a:r>
-              <a:rPr lang="en-US" smtClean="0"/>
-              <a:t>Pipeline of aggregation, includes many stages, output of n-th stage will be input for the (n+1)th stage</a:t>
-            </a:r>
-          </a:p>
-          <a:p>
-            <a:r>
-              <a:rPr lang="en-US" smtClean="0"/>
-              <a:t>Some stages can be used multiple times</a:t>
+              <a:rPr lang="en-US" dirty="0" smtClean="0"/>
+              <a:t>Given a book management system, what if we want to get the income of last month? </a:t>
+            </a:r>
+          </a:p>
+          <a:p>
+            <a:r>
+              <a:rPr lang="en-US" dirty="0" smtClean="0"/>
+              <a:t>Or want to know how </a:t>
+            </a:r>
+            <a:r>
+              <a:rPr lang="en-US" dirty="0" smtClean="0"/>
+              <a:t>many books a </a:t>
+            </a:r>
+            <a:r>
+              <a:rPr lang="en-US" dirty="0" smtClean="0"/>
+              <a:t>certain author has?</a:t>
+            </a:r>
+          </a:p>
+          <a:p>
+            <a:r>
+              <a:rPr lang="en-US" dirty="0" smtClean="0"/>
+              <a:t>Total income per author? Or group some books by certain criteria?</a:t>
             </a:r>
             <a:endParaRPr lang="en-US" dirty="0"/>
+          </a:p>
+        </p:txBody>
+      </p:sp>
+      <p:sp>
+        <p:nvSpPr>
+          <p:cNvPr id="2" name="Slide Number Placeholder 1"/>
+          <p:cNvSpPr>
+            <a:spLocks noGrp="1"/>
+          </p:cNvSpPr>
+          <p:nvPr>
+            <p:ph type="sldNum" sz="quarter" idx="12"/>
+          </p:nvPr>
+        </p:nvSpPr>
+        <p:spPr/>
+        <p:txBody>
+          <a:bodyPr/>
+          <a:lstStyle/>
+          <a:p>
+            <a:fld id="{FF15AE15-FA3C-4B48-B58A-B66292DF158E}" type="slidenum">
+              <a:rPr lang="en-US" altLang="en-US" smtClean="0"/>
+              <a:pPr/>
+              <a:t>6</a:t>
+            </a:fld>
+            <a:endParaRPr lang="en-US" altLang="en-US"/>
           </a:p>
         </p:txBody>
       </p:sp>
@@ -15515,78 +16963,75 @@
           <a:lstStyle/>
           <a:p>
             <a:r>
-              <a:rPr lang="en-US" smtClean="0"/>
-              <a:t>General syntax:</a:t>
-            </a:r>
-          </a:p>
-          <a:p>
-            <a:r>
-              <a:rPr lang="en-US" b="1" smtClean="0"/>
-              <a:t>db</a:t>
-            </a:r>
-            <a:r>
-              <a:rPr lang="en-US" smtClean="0"/>
-              <a:t>.collectionName.</a:t>
-            </a:r>
-            <a:r>
-              <a:rPr lang="en-US" b="1" smtClean="0"/>
-              <a:t>aggregate</a:t>
-            </a:r>
-            <a:r>
-              <a:rPr lang="en-US" smtClean="0"/>
-              <a:t>(pipeline, options )</a:t>
-            </a:r>
-          </a:p>
-          <a:p>
-            <a:pPr marL="0" indent="0">
-              <a:buNone/>
-            </a:pPr>
-            <a:r>
-              <a:rPr lang="en-US" b="1" smtClean="0"/>
-              <a:t>pipeline</a:t>
-            </a:r>
-            <a:r>
-              <a:rPr lang="en-US" smtClean="0"/>
-              <a:t> is in this form:</a:t>
-            </a:r>
-          </a:p>
-          <a:p>
-            <a:pPr marL="0" indent="0">
-              <a:buNone/>
-            </a:pPr>
-            <a:r>
-              <a:rPr lang="en-US"/>
-              <a:t> [ { &lt;stage1&gt; },{&lt;stage2&gt;} ... </a:t>
-            </a:r>
-            <a:r>
-              <a:rPr lang="en-US" smtClean="0"/>
-              <a:t>]</a:t>
-            </a:r>
-          </a:p>
-          <a:p>
-            <a:pPr marL="0" indent="0">
-              <a:buNone/>
-            </a:pPr>
-            <a:r>
-              <a:rPr lang="en-US" b="1" smtClean="0"/>
-              <a:t>options</a:t>
-            </a:r>
-            <a:r>
-              <a:rPr lang="en-US" smtClean="0"/>
-              <a:t> is optional, contains some options such as </a:t>
-            </a:r>
-            <a:r>
-              <a:rPr lang="en-US" i="1" smtClean="0"/>
-              <a:t>explain (boolean), allowDiskUse (boolean), …</a:t>
-            </a:r>
-            <a:endParaRPr lang="en-US" smtClean="0"/>
+              <a:rPr lang="en-US" dirty="0" smtClean="0"/>
+              <a:t>Doing tasks in DB instead of in code for better performance and code effort</a:t>
+            </a:r>
+          </a:p>
+          <a:p>
+            <a:r>
+              <a:rPr lang="en-US" dirty="0" smtClean="0"/>
+              <a:t>The aggregation framework let us transform and combine documents in collections</a:t>
+            </a:r>
+          </a:p>
+          <a:p>
+            <a:r>
+              <a:rPr lang="en-US" dirty="0" smtClean="0"/>
+              <a:t>Pipeline of aggregation, includes many stages, output of n-</a:t>
+            </a:r>
+            <a:r>
+              <a:rPr lang="en-US" dirty="0" err="1" smtClean="0"/>
+              <a:t>th</a:t>
+            </a:r>
+            <a:r>
+              <a:rPr lang="en-US" dirty="0" smtClean="0"/>
+              <a:t> stage will be input for the (n+1)</a:t>
+            </a:r>
+            <a:r>
+              <a:rPr lang="en-US" dirty="0" err="1" smtClean="0"/>
+              <a:t>th</a:t>
+            </a:r>
+            <a:r>
+              <a:rPr lang="en-US" dirty="0" smtClean="0"/>
+              <a:t> stage</a:t>
+            </a:r>
+          </a:p>
+          <a:p>
+            <a:r>
+              <a:rPr lang="en-US" dirty="0" smtClean="0"/>
+              <a:t>Some stages can be used multiple times</a:t>
+            </a:r>
+            <a:endParaRPr lang="en-US" dirty="0"/>
+          </a:p>
+        </p:txBody>
+      </p:sp>
+      <p:sp>
+        <p:nvSpPr>
+          <p:cNvPr id="2" name="Slide Number Placeholder 1"/>
+          <p:cNvSpPr>
+            <a:spLocks noGrp="1"/>
+          </p:cNvSpPr>
+          <p:nvPr>
+            <p:ph type="sldNum" sz="quarter" idx="12"/>
+          </p:nvPr>
+        </p:nvSpPr>
+        <p:spPr/>
+        <p:txBody>
+          <a:bodyPr/>
+          <a:lstStyle/>
+          <a:p>
+            <a:fld id="{FF15AE15-FA3C-4B48-B58A-B66292DF158E}" type="slidenum">
+              <a:rPr lang="en-US" altLang="en-US" smtClean="0"/>
+              <a:pPr/>
+              <a:t>7</a:t>
+            </a:fld>
+            <a:endParaRPr lang="en-US" altLang="en-US"/>
           </a:p>
         </p:txBody>
       </p:sp>
     </p:spTree>
     <p:extLst>
       <p:ext uri="{BB962C8B-B14F-4D97-AF65-F5344CB8AC3E}">
-        <p14:creationId xmlns:p14="http://schemas.microsoft.com/office/powerpoint/2010/main" val="2634447300"/>
+        <p14:creationId xmlns:p14="http://schemas.microsoft.com/office/powerpoint/2010/main" val="1597053123"/>
       </p:ext>
     </p:extLst>
   </p:cSld>
@@ -15637,7 +17082,7 @@
           <a:p>
             <a:r>
               <a:rPr lang="en-US" smtClean="0"/>
-              <a:t>Pipeline Stages</a:t>
+              <a:t>Introduction</a:t>
             </a:r>
             <a:endParaRPr lang="en-US" dirty="0"/>
           </a:p>
@@ -15664,61 +17109,136 @@
           <a:lstStyle/>
           <a:p>
             <a:r>
-              <a:rPr lang="en-US" smtClean="0"/>
-              <a:t>$project: add new fields or remove existing fields or rename fields</a:t>
-            </a:r>
-          </a:p>
-          <a:p>
-            <a:r>
-              <a:rPr lang="en-US" smtClean="0"/>
-              <a:t>$match: filter documents</a:t>
-            </a:r>
-          </a:p>
-          <a:p>
-            <a:r>
-              <a:rPr lang="en-US" smtClean="0"/>
-              <a:t>$limit: pass n documents to the next operator</a:t>
-            </a:r>
-          </a:p>
-          <a:p>
-            <a:r>
-              <a:rPr lang="en-US" smtClean="0"/>
-              <a:t>$skip: skip n documents</a:t>
-            </a:r>
-          </a:p>
-          <a:p>
-            <a:r>
-              <a:rPr lang="en-US" smtClean="0"/>
-              <a:t>$unwind: flatten the array’s element</a:t>
-            </a:r>
-          </a:p>
-          <a:p>
-            <a:r>
-              <a:rPr lang="en-US" smtClean="0"/>
-              <a:t>$group: group documents and do some calculation to each group</a:t>
-            </a:r>
-          </a:p>
-          <a:p>
-            <a:r>
-              <a:rPr lang="en-US" smtClean="0"/>
-              <a:t>$sample: randomly get </a:t>
-            </a:r>
-            <a:r>
-              <a:rPr lang="en-US" i="1" smtClean="0"/>
-              <a:t>n</a:t>
-            </a:r>
-            <a:r>
-              <a:rPr lang="en-US" smtClean="0"/>
-              <a:t> documents</a:t>
-            </a:r>
-            <a:endParaRPr lang="en-US" dirty="0"/>
+              <a:rPr lang="en-US" dirty="0" smtClean="0"/>
+              <a:t>General syntax:</a:t>
+            </a:r>
+          </a:p>
+          <a:p>
+            <a:r>
+              <a:rPr lang="en-US" b="1" dirty="0" err="1" smtClean="0"/>
+              <a:t>db</a:t>
+            </a:r>
+            <a:r>
+              <a:rPr lang="en-US" dirty="0" err="1" smtClean="0"/>
+              <a:t>.collectionName.</a:t>
+            </a:r>
+            <a:r>
+              <a:rPr lang="en-US" b="1" dirty="0" err="1" smtClean="0"/>
+              <a:t>aggregate</a:t>
+            </a:r>
+            <a:r>
+              <a:rPr lang="en-US" dirty="0" smtClean="0"/>
+              <a:t>(pipeline, options )</a:t>
+            </a:r>
+          </a:p>
+          <a:p>
+            <a:pPr marL="0" indent="0">
+              <a:buNone/>
+            </a:pPr>
+            <a:r>
+              <a:rPr lang="en-US" sz="2800" dirty="0" smtClean="0"/>
+              <a:t>Where </a:t>
+            </a:r>
+          </a:p>
+          <a:p>
+            <a:pPr marL="0" indent="0">
+              <a:buNone/>
+            </a:pPr>
+            <a:r>
+              <a:rPr lang="en-US" sz="2800" b="1" dirty="0" smtClean="0"/>
+              <a:t>pipeline</a:t>
+            </a:r>
+            <a:r>
+              <a:rPr lang="en-US" sz="2800" dirty="0" smtClean="0"/>
+              <a:t> is in this form:</a:t>
+            </a:r>
+          </a:p>
+          <a:p>
+            <a:pPr marL="0" indent="0">
+              <a:buNone/>
+            </a:pPr>
+            <a:r>
+              <a:rPr lang="en-US" sz="2800" dirty="0"/>
+              <a:t> [ { &lt;stage1&gt; },{&lt;stage2&gt;} ... </a:t>
+            </a:r>
+            <a:r>
+              <a:rPr lang="en-US" sz="2800" dirty="0" smtClean="0"/>
+              <a:t>]</a:t>
+            </a:r>
+            <a:endParaRPr lang="en-US" sz="2400" i="1" dirty="0" smtClean="0"/>
+          </a:p>
+          <a:p>
+            <a:pPr marL="0" indent="0">
+              <a:buNone/>
+            </a:pPr>
+            <a:r>
+              <a:rPr lang="en-US" sz="2800" b="1" dirty="0" smtClean="0"/>
+              <a:t>options</a:t>
+            </a:r>
+            <a:r>
+              <a:rPr lang="en-US" sz="2800" dirty="0" smtClean="0"/>
+              <a:t> is optional, contains some options such as </a:t>
+            </a:r>
+            <a:r>
+              <a:rPr lang="en-US" sz="2800" i="1" dirty="0" smtClean="0"/>
+              <a:t>explain (</a:t>
+            </a:r>
+            <a:r>
+              <a:rPr lang="en-US" sz="2800" i="1" dirty="0" err="1" smtClean="0"/>
+              <a:t>boolean</a:t>
+            </a:r>
+            <a:r>
+              <a:rPr lang="en-US" sz="2800" i="1" dirty="0" smtClean="0"/>
+              <a:t>), </a:t>
+            </a:r>
+            <a:r>
+              <a:rPr lang="en-US" sz="2800" i="1" dirty="0" err="1" smtClean="0"/>
+              <a:t>allowDiskUse</a:t>
+            </a:r>
+            <a:r>
+              <a:rPr lang="en-US" sz="2800" i="1" dirty="0" smtClean="0"/>
+              <a:t> (</a:t>
+            </a:r>
+            <a:r>
+              <a:rPr lang="en-US" sz="2800" i="1" dirty="0" err="1" smtClean="0"/>
+              <a:t>boolean</a:t>
+            </a:r>
+            <a:r>
+              <a:rPr lang="en-US" sz="2800" i="1" dirty="0" smtClean="0"/>
+              <a:t>), …</a:t>
+            </a:r>
+            <a:endParaRPr lang="en-US" sz="2800" dirty="0" smtClean="0"/>
+          </a:p>
+        </p:txBody>
+      </p:sp>
+      <p:sp>
+        <p:nvSpPr>
+          <p:cNvPr id="2" name="Slide Number Placeholder 1"/>
+          <p:cNvSpPr>
+            <a:spLocks noGrp="1"/>
+          </p:cNvSpPr>
+          <p:nvPr>
+            <p:ph type="sldNum" sz="quarter" idx="12"/>
+          </p:nvPr>
+        </p:nvSpPr>
+        <p:spPr/>
+        <p:txBody>
+          <a:bodyPr/>
+          <a:lstStyle/>
+          <a:p>
+            <a:fld id="{FF15AE15-FA3C-4B48-B58A-B66292DF158E}" type="slidenum">
+              <a:rPr lang="en-US" altLang="en-US" smtClean="0"/>
+              <a:pPr/>
+              <a:t>8</a:t>
+            </a:fld>
+            <a:endParaRPr lang="en-US" altLang="en-US"/>
           </a:p>
         </p:txBody>
       </p:sp>
     </p:spTree>
     <p:extLst>
       <p:ext uri="{BB962C8B-B14F-4D97-AF65-F5344CB8AC3E}">
-        <p14:creationId xmlns:p14="http://schemas.microsoft.com/office/powerpoint/2010/main" val="3313183975"/>
+        <p14:creationId xmlns:p14="http://schemas.microsoft.com/office/powerpoint/2010/main" val="2634447300"/>
       </p:ext>
     </p:extLst>
   </p:cSld>
@@ -15768,8 +17288,8 @@
           <a:lstStyle/>
           <a:p>
             <a:r>
-              <a:rPr lang="en-US" smtClean="0"/>
-              <a:t>$project</a:t>
+              <a:rPr lang="en-US" dirty="0" smtClean="0"/>
+              <a:t>Limitations</a:t>
             </a:r>
             <a:endParaRPr lang="en-US" dirty="0"/>
           </a:p>
@@ -15796,84 +17316,71 @@
           <a:lstStyle/>
           <a:p>
             <a:r>
-              <a:rPr lang="en-US"/>
-              <a:t>Passes along the documents with only the specified fields to the next stage in the pipeline. The specified fields can be existing fields from the input documents or newly computed </a:t>
-            </a:r>
-            <a:r>
-              <a:rPr lang="en-US" smtClean="0"/>
-              <a:t>fields</a:t>
-            </a:r>
-          </a:p>
-          <a:p>
-            <a:r>
-              <a:rPr lang="en-US" smtClean="0"/>
-              <a:t>Stage syntax:</a:t>
-            </a:r>
-          </a:p>
-          <a:p>
-            <a:pPr marL="0" indent="0">
-              <a:buNone/>
-            </a:pPr>
-            <a:r>
-              <a:rPr lang="en-US" sz="2400" smtClean="0"/>
-              <a:t>	{ </a:t>
-            </a:r>
-            <a:r>
-              <a:rPr lang="en-US" sz="2400"/>
-              <a:t>$project: { &lt;specifications&gt; } </a:t>
-            </a:r>
-            <a:r>
-              <a:rPr lang="en-US" sz="2400" smtClean="0"/>
-              <a:t>}</a:t>
-            </a:r>
-          </a:p>
-          <a:p>
-            <a:pPr marL="0" indent="0">
-              <a:buNone/>
-            </a:pPr>
-            <a:r>
-              <a:rPr lang="en-US" sz="2400"/>
-              <a:t>Eg: { $project: </a:t>
-            </a:r>
-            <a:r>
-              <a:rPr lang="en-US" sz="2400" smtClean="0"/>
-              <a:t>{name: 1, age: 0 </a:t>
-            </a:r>
-            <a:r>
-              <a:rPr lang="en-US" sz="2400"/>
-              <a:t>} </a:t>
-            </a:r>
-            <a:r>
-              <a:rPr lang="en-US" sz="2400" smtClean="0"/>
-              <a:t>}</a:t>
-            </a:r>
-          </a:p>
-          <a:p>
-            <a:pPr marL="0" indent="0">
-              <a:buNone/>
-            </a:pPr>
-            <a:r>
-              <a:rPr lang="en-US" sz="2400"/>
-              <a:t>{ $project: </a:t>
-            </a:r>
-            <a:r>
-              <a:rPr lang="en-US" sz="2400" smtClean="0"/>
-              <a:t>{tuoi: “$age”} }</a:t>
-            </a:r>
-            <a:endParaRPr lang="en-US" sz="2400"/>
-          </a:p>
-          <a:p>
-            <a:pPr marL="0" indent="0">
-              <a:buNone/>
-            </a:pPr>
-            <a:endParaRPr lang="en-US" sz="2400" dirty="0"/>
+              <a:rPr lang="en-US" dirty="0" smtClean="0"/>
+              <a:t>Each BSON document has limit size to 16MB.=&gt; if a document in </a:t>
+            </a:r>
+            <a:r>
+              <a:rPr lang="en-US" b="1" dirty="0" smtClean="0"/>
+              <a:t>final </a:t>
+            </a:r>
+            <a:r>
+              <a:rPr lang="en-US" dirty="0" smtClean="0"/>
+              <a:t>result has size &gt; 16MB, error will be thrown.</a:t>
+            </a:r>
+          </a:p>
+          <a:p>
+            <a:r>
+              <a:rPr lang="en-US" dirty="0" smtClean="0"/>
+              <a:t>Pipeline memory limitation is 100MB. If </a:t>
+            </a:r>
+            <a:r>
+              <a:rPr lang="en-US" dirty="0" err="1" smtClean="0"/>
+              <a:t>wanna</a:t>
+            </a:r>
+            <a:r>
+              <a:rPr lang="en-US" dirty="0" smtClean="0"/>
+              <a:t> work with larger dataset, use </a:t>
+            </a:r>
+            <a:r>
+              <a:rPr lang="en-US" i="1" dirty="0" err="1" smtClean="0"/>
+              <a:t>allowDiskUse</a:t>
+            </a:r>
+            <a:r>
+              <a:rPr lang="en-US" dirty="0" smtClean="0"/>
+              <a:t> as mentioned in previous slide</a:t>
+            </a:r>
+            <a:endParaRPr lang="en-US" dirty="0"/>
+          </a:p>
+        </p:txBody>
+      </p:sp>
+      <p:sp>
+        <p:nvSpPr>
+          <p:cNvPr id="2" name="Slide Number Placeholder 1"/>
+          <p:cNvSpPr>
+            <a:spLocks noGrp="1"/>
+          </p:cNvSpPr>
+          <p:nvPr>
+            <p:ph type="sldNum" sz="quarter" idx="12"/>
+          </p:nvPr>
+        </p:nvSpPr>
+        <p:spPr/>
+        <p:txBody>
+          <a:bodyPr/>
+          <a:lstStyle/>
+          <a:p>
+            <a:fld id="{FF15AE15-FA3C-4B48-B58A-B66292DF158E}" type="slidenum">
+              <a:rPr lang="en-US" altLang="en-US" smtClean="0"/>
+              <a:pPr/>
+              <a:t>9</a:t>
+            </a:fld>
+            <a:endParaRPr lang="en-US" altLang="en-US"/>
           </a:p>
         </p:txBody>
       </p:sp>
     </p:spTree>
     <p:extLst>
       <p:ext uri="{BB962C8B-B14F-4D97-AF65-F5344CB8AC3E}">
-        <p14:creationId xmlns:p14="http://schemas.microsoft.com/office/powerpoint/2010/main" val="2527286673"/>
+        <p14:creationId xmlns:p14="http://schemas.microsoft.com/office/powerpoint/2010/main" val="936919052"/>
       </p:ext>
     </p:extLst>
   </p:cSld>
@@ -16959,6 +18466,15 @@
 </file>
 
 <file path=customXml/item1.xml><?xml version="1.0" encoding="utf-8"?>
+<?mso-contentType ?>
+<FormTemplates xmlns="http://schemas.microsoft.com/sharepoint/v3/contenttype/forms">
+  <Display>DocumentLibraryForm</Display>
+  <Edit>AssetEditForm</Edit>
+  <New>DocumentLibraryForm</New>
+</FormTemplates>
+</file>
+
+<file path=customXml/item2.xml><?xml version="1.0" encoding="utf-8"?>
 <p:properties xmlns:p="http://schemas.microsoft.com/office/2006/metadata/properties" xmlns:xsi="http://www.w3.org/2001/XMLSchema-instance" xmlns:pc="http://schemas.microsoft.com/office/infopath/2007/PartnerControls">
   <documentManagement>
     <APDescription xmlns="4873beb7-5857-4685-be1f-d57550cc96cc" xsi:nil="true"/>
@@ -17083,15 +18599,6 @@
     <LocMarketGroupTiers2 xmlns="4873beb7-5857-4685-be1f-d57550cc96cc">,t:Tier 1,t:Tier 2,t:Tier 3,</LocMarketGroupTiers2>
   </documentManagement>
 </p:properties>
-</file>
-
-<file path=customXml/item2.xml><?xml version="1.0" encoding="utf-8"?>
-<?mso-contentType ?>
-<FormTemplates xmlns="http://schemas.microsoft.com/sharepoint/v3/contenttype/forms">
-  <Display>DocumentLibraryForm</Display>
-  <Edit>AssetEditForm</Edit>
-  <New>DocumentLibraryForm</New>
-</FormTemplates>
 </file>
 
 <file path=customXml/item3.xml><?xml version="1.0" encoding="utf-8"?>
@@ -18135,6 +19642,14 @@
 </file>
 
 <file path=customXml/itemProps1.xml><?xml version="1.0" encoding="utf-8"?>
+<ds:datastoreItem xmlns:ds="http://schemas.openxmlformats.org/officeDocument/2006/customXml" ds:itemID="{76291BE7-26FF-4D3F-8918-EB7A1615814D}">
+  <ds:schemaRefs>
+    <ds:schemaRef ds:uri="http://schemas.microsoft.com/sharepoint/v3/contenttype/forms"/>
+  </ds:schemaRefs>
+</ds:datastoreItem>
+</file>
+
+<file path=customXml/itemProps2.xml><?xml version="1.0" encoding="utf-8"?>
 <ds:datastoreItem xmlns:ds="http://schemas.openxmlformats.org/officeDocument/2006/customXml" ds:itemID="{0D988AF8-868B-4B20-BFF6-6B23BE40346B}">
   <ds:schemaRefs>
     <ds:schemaRef ds:uri="http://schemas.openxmlformats.org/package/2006/metadata/core-properties"/>
@@ -18146,14 +19661,6 @@
     <ds:schemaRef ds:uri="http://schemas.microsoft.com/office/infopath/2007/PartnerControls"/>
     <ds:schemaRef ds:uri="4873beb7-5857-4685-be1f-d57550cc96cc"/>
     <ds:schemaRef ds:uri="http://schemas.microsoft.com/office/2006/metadata/properties"/>
-  </ds:schemaRefs>
-</ds:datastoreItem>
-</file>
-
-<file path=customXml/itemProps2.xml><?xml version="1.0" encoding="utf-8"?>
-<ds:datastoreItem xmlns:ds="http://schemas.openxmlformats.org/officeDocument/2006/customXml" ds:itemID="{76291BE7-26FF-4D3F-8918-EB7A1615814D}">
-  <ds:schemaRefs>
-    <ds:schemaRef ds:uri="http://schemas.microsoft.com/sharepoint/v3/contenttype/forms"/>
   </ds:schemaRefs>
 </ds:datastoreItem>
 </file>
